--- a/ООП.pptx
+++ b/ООП.pptx
@@ -5,7 +5,7 @@
     <p:sldMasterId id="2147483676" r:id="rId1"/>
   </p:sldMasterIdLst>
   <p:notesMasterIdLst>
-    <p:notesMasterId r:id="rId46"/>
+    <p:notesMasterId r:id="rId49"/>
   </p:notesMasterIdLst>
   <p:sldIdLst>
     <p:sldId id="323" r:id="rId2"/>
@@ -18,50 +18,60 @@
     <p:sldId id="299" r:id="rId9"/>
     <p:sldId id="361" r:id="rId10"/>
     <p:sldId id="356" r:id="rId11"/>
-    <p:sldId id="387" r:id="rId12"/>
-    <p:sldId id="386" r:id="rId13"/>
-    <p:sldId id="385" r:id="rId14"/>
-    <p:sldId id="384" r:id="rId15"/>
-    <p:sldId id="362" r:id="rId16"/>
-    <p:sldId id="353" r:id="rId17"/>
-    <p:sldId id="372" r:id="rId18"/>
-    <p:sldId id="363" r:id="rId19"/>
-    <p:sldId id="354" r:id="rId20"/>
-    <p:sldId id="373" r:id="rId21"/>
-    <p:sldId id="364" r:id="rId22"/>
-    <p:sldId id="376" r:id="rId23"/>
-    <p:sldId id="375" r:id="rId24"/>
-    <p:sldId id="374" r:id="rId25"/>
-    <p:sldId id="355" r:id="rId26"/>
-    <p:sldId id="365" r:id="rId27"/>
-    <p:sldId id="377" r:id="rId28"/>
-    <p:sldId id="371" r:id="rId29"/>
-    <p:sldId id="366" r:id="rId30"/>
-    <p:sldId id="357" r:id="rId31"/>
-    <p:sldId id="367" r:id="rId32"/>
-    <p:sldId id="358" r:id="rId33"/>
-    <p:sldId id="378" r:id="rId34"/>
-    <p:sldId id="368" r:id="rId35"/>
-    <p:sldId id="360" r:id="rId36"/>
-    <p:sldId id="381" r:id="rId37"/>
-    <p:sldId id="379" r:id="rId38"/>
-    <p:sldId id="302" r:id="rId39"/>
-    <p:sldId id="303" r:id="rId40"/>
-    <p:sldId id="382" r:id="rId41"/>
-    <p:sldId id="383" r:id="rId42"/>
-    <p:sldId id="304" r:id="rId43"/>
-    <p:sldId id="380" r:id="rId44"/>
-    <p:sldId id="306" r:id="rId45"/>
+    <p:sldId id="390" r:id="rId12"/>
+    <p:sldId id="388" r:id="rId13"/>
+    <p:sldId id="389" r:id="rId14"/>
+    <p:sldId id="387" r:id="rId15"/>
+    <p:sldId id="386" r:id="rId16"/>
+    <p:sldId id="385" r:id="rId17"/>
+    <p:sldId id="384" r:id="rId18"/>
+    <p:sldId id="362" r:id="rId19"/>
+    <p:sldId id="353" r:id="rId20"/>
+    <p:sldId id="372" r:id="rId21"/>
+    <p:sldId id="363" r:id="rId22"/>
+    <p:sldId id="354" r:id="rId23"/>
+    <p:sldId id="373" r:id="rId24"/>
+    <p:sldId id="364" r:id="rId25"/>
+    <p:sldId id="376" r:id="rId26"/>
+    <p:sldId id="375" r:id="rId27"/>
+    <p:sldId id="374" r:id="rId28"/>
+    <p:sldId id="355" r:id="rId29"/>
+    <p:sldId id="365" r:id="rId30"/>
+    <p:sldId id="377" r:id="rId31"/>
+    <p:sldId id="371" r:id="rId32"/>
+    <p:sldId id="366" r:id="rId33"/>
+    <p:sldId id="357" r:id="rId34"/>
+    <p:sldId id="367" r:id="rId35"/>
+    <p:sldId id="358" r:id="rId36"/>
+    <p:sldId id="378" r:id="rId37"/>
+    <p:sldId id="368" r:id="rId38"/>
+    <p:sldId id="360" r:id="rId39"/>
+    <p:sldId id="381" r:id="rId40"/>
+    <p:sldId id="379" r:id="rId41"/>
+    <p:sldId id="302" r:id="rId42"/>
+    <p:sldId id="303" r:id="rId43"/>
+    <p:sldId id="382" r:id="rId44"/>
+    <p:sldId id="383" r:id="rId45"/>
+    <p:sldId id="304" r:id="rId46"/>
+    <p:sldId id="380" r:id="rId47"/>
+    <p:sldId id="306" r:id="rId48"/>
   </p:sldIdLst>
   <p:sldSz cx="9144000" cy="5143500" type="screen16x9"/>
   <p:notesSz cx="6858000" cy="9144000"/>
   <p:embeddedFontLst>
     <p:embeddedFont>
       <p:font typeface="Roboto" charset="0"/>
-      <p:regular r:id="rId47"/>
-      <p:bold r:id="rId48"/>
-      <p:italic r:id="rId49"/>
-      <p:boldItalic r:id="rId50"/>
+      <p:regular r:id="rId50"/>
+      <p:bold r:id="rId51"/>
+      <p:italic r:id="rId52"/>
+      <p:boldItalic r:id="rId53"/>
+    </p:embeddedFont>
+    <p:embeddedFont>
+      <p:font typeface="Consolas" pitchFamily="49" charset="0"/>
+      <p:regular r:id="rId54"/>
+      <p:bold r:id="rId55"/>
+      <p:italic r:id="rId56"/>
+      <p:boldItalic r:id="rId57"/>
     </p:embeddedFont>
   </p:embeddedFontLst>
   <p:defaultTextStyle>
@@ -295,7 +305,7 @@
   </p:defaultTextStyle>
   <p:extLst>
     <p:ext uri="{EFAFB233-063F-42B5-8137-9DF3F51BA10A}">
-      <p15:sldGuideLst xmlns="" xmlns:p15="http://schemas.microsoft.com/office/powerpoint/2012/main">
+      <p15:sldGuideLst xmlns:p15="http://schemas.microsoft.com/office/powerpoint/2012/main" xmlns="">
         <p15:guide id="1" orient="horz" pos="1620">
           <p15:clr>
             <a:srgbClr val="A4A3A4"/>
@@ -852,7 +862,7 @@
     </p:spTree>
     <p:extLst>
       <p:ext uri="{BB962C8B-B14F-4D97-AF65-F5344CB8AC3E}">
-        <p14:creationId xmlns="" xmlns:p14="http://schemas.microsoft.com/office/powerpoint/2010/main" val="1559280179"/>
+        <p14:creationId xmlns:p14="http://schemas.microsoft.com/office/powerpoint/2010/main" xmlns="" val="1559280179"/>
       </p:ext>
     </p:extLst>
   </p:cSld>
@@ -961,7 +971,7 @@
     </p:spTree>
     <p:extLst>
       <p:ext uri="{BB962C8B-B14F-4D97-AF65-F5344CB8AC3E}">
-        <p14:creationId xmlns="" xmlns:p14="http://schemas.microsoft.com/office/powerpoint/2010/main" val="1021492477"/>
+        <p14:creationId xmlns:p14="http://schemas.microsoft.com/office/powerpoint/2010/main" xmlns="" val="1021492477"/>
       </p:ext>
     </p:extLst>
   </p:cSld>
@@ -1070,7 +1080,7 @@
     </p:spTree>
     <p:extLst>
       <p:ext uri="{BB962C8B-B14F-4D97-AF65-F5344CB8AC3E}">
-        <p14:creationId xmlns="" xmlns:p14="http://schemas.microsoft.com/office/powerpoint/2010/main" val="1021492477"/>
+        <p14:creationId xmlns:p14="http://schemas.microsoft.com/office/powerpoint/2010/main" xmlns="" val="1021492477"/>
       </p:ext>
     </p:extLst>
   </p:cSld>
@@ -1179,7 +1189,7 @@
     </p:spTree>
     <p:extLst>
       <p:ext uri="{BB962C8B-B14F-4D97-AF65-F5344CB8AC3E}">
-        <p14:creationId xmlns="" xmlns:p14="http://schemas.microsoft.com/office/powerpoint/2010/main" val="1021492477"/>
+        <p14:creationId xmlns:p14="http://schemas.microsoft.com/office/powerpoint/2010/main" xmlns="" val="1021492477"/>
       </p:ext>
     </p:extLst>
   </p:cSld>
@@ -1194,7 +1204,7 @@
   <p:cSld>
     <p:spTree>
       <p:nvGrpSpPr>
-        <p:cNvPr id="1" name="Shape 433"/>
+        <p:cNvPr id="1" name="Shape 422"/>
         <p:cNvGrpSpPr/>
         <p:nvPr/>
       </p:nvGrpSpPr>
@@ -1208,7 +1218,7 @@
       </p:grpSpPr>
       <p:sp>
         <p:nvSpPr>
-          <p:cNvPr id="434" name="Google Shape;434;g2f69afabb45_0_103:notes"/>
+          <p:cNvPr id="423" name="Google Shape;423;g2f603b5cfe7_2_29:notes"/>
           <p:cNvSpPr>
             <a:spLocks noGrp="1" noRot="1" noChangeAspect="1"/>
           </p:cNvSpPr>
@@ -1249,7 +1259,7 @@
       </p:sp>
       <p:sp>
         <p:nvSpPr>
-          <p:cNvPr id="435" name="Google Shape;435;g2f69afabb45_0_103:notes"/>
+          <p:cNvPr id="424" name="Google Shape;424;g2f603b5cfe7_2_29:notes"/>
           <p:cNvSpPr txBox="1">
             <a:spLocks noGrp="1"/>
           </p:cNvSpPr>
@@ -1288,7 +1298,7 @@
     </p:spTree>
     <p:extLst>
       <p:ext uri="{BB962C8B-B14F-4D97-AF65-F5344CB8AC3E}">
-        <p14:creationId xmlns="" xmlns:p14="http://schemas.microsoft.com/office/powerpoint/2010/main" val="1021492477"/>
+        <p14:creationId xmlns:p14="http://schemas.microsoft.com/office/powerpoint/2010/main" xmlns="" val="1094642682"/>
       </p:ext>
     </p:extLst>
   </p:cSld>
@@ -1397,7 +1407,7 @@
     </p:spTree>
     <p:extLst>
       <p:ext uri="{BB962C8B-B14F-4D97-AF65-F5344CB8AC3E}">
-        <p14:creationId xmlns="" xmlns:p14="http://schemas.microsoft.com/office/powerpoint/2010/main" val="1021492477"/>
+        <p14:creationId xmlns:p14="http://schemas.microsoft.com/office/powerpoint/2010/main" xmlns="" val="1021492477"/>
       </p:ext>
     </p:extLst>
   </p:cSld>
@@ -1412,7 +1422,7 @@
   <p:cSld>
     <p:spTree>
       <p:nvGrpSpPr>
-        <p:cNvPr id="1" name="Shape 422"/>
+        <p:cNvPr id="1" name="Shape 433"/>
         <p:cNvGrpSpPr/>
         <p:nvPr/>
       </p:nvGrpSpPr>
@@ -1426,7 +1436,7 @@
       </p:grpSpPr>
       <p:sp>
         <p:nvSpPr>
-          <p:cNvPr id="423" name="Google Shape;423;g2f603b5cfe7_2_29:notes"/>
+          <p:cNvPr id="434" name="Google Shape;434;g2f69afabb45_0_103:notes"/>
           <p:cNvSpPr>
             <a:spLocks noGrp="1" noRot="1" noChangeAspect="1"/>
           </p:cNvSpPr>
@@ -1467,7 +1477,7 @@
       </p:sp>
       <p:sp>
         <p:nvSpPr>
-          <p:cNvPr id="424" name="Google Shape;424;g2f603b5cfe7_2_29:notes"/>
+          <p:cNvPr id="435" name="Google Shape;435;g2f69afabb45_0_103:notes"/>
           <p:cNvSpPr txBox="1">
             <a:spLocks noGrp="1"/>
           </p:cNvSpPr>
@@ -1506,7 +1516,7 @@
     </p:spTree>
     <p:extLst>
       <p:ext uri="{BB962C8B-B14F-4D97-AF65-F5344CB8AC3E}">
-        <p14:creationId xmlns="" xmlns:p14="http://schemas.microsoft.com/office/powerpoint/2010/main" val="81659188"/>
+        <p14:creationId xmlns:p14="http://schemas.microsoft.com/office/powerpoint/2010/main" xmlns="" val="1021492477"/>
       </p:ext>
     </p:extLst>
   </p:cSld>
@@ -1615,7 +1625,7 @@
     </p:spTree>
     <p:extLst>
       <p:ext uri="{BB962C8B-B14F-4D97-AF65-F5344CB8AC3E}">
-        <p14:creationId xmlns="" xmlns:p14="http://schemas.microsoft.com/office/powerpoint/2010/main" val="1085354930"/>
+        <p14:creationId xmlns:p14="http://schemas.microsoft.com/office/powerpoint/2010/main" xmlns="" val="1021492477"/>
       </p:ext>
     </p:extLst>
   </p:cSld>
@@ -1724,7 +1734,7 @@
     </p:spTree>
     <p:extLst>
       <p:ext uri="{BB962C8B-B14F-4D97-AF65-F5344CB8AC3E}">
-        <p14:creationId xmlns="" xmlns:p14="http://schemas.microsoft.com/office/powerpoint/2010/main" val="1021492477"/>
+        <p14:creationId xmlns:p14="http://schemas.microsoft.com/office/powerpoint/2010/main" xmlns="" val="1021492477"/>
       </p:ext>
     </p:extLst>
   </p:cSld>
@@ -1833,7 +1843,7 @@
     </p:spTree>
     <p:extLst>
       <p:ext uri="{BB962C8B-B14F-4D97-AF65-F5344CB8AC3E}">
-        <p14:creationId xmlns="" xmlns:p14="http://schemas.microsoft.com/office/powerpoint/2010/main" val="2345650234"/>
+        <p14:creationId xmlns:p14="http://schemas.microsoft.com/office/powerpoint/2010/main" xmlns="" val="81659188"/>
       </p:ext>
     </p:extLst>
   </p:cSld>
@@ -1942,7 +1952,7 @@
     </p:spTree>
     <p:extLst>
       <p:ext uri="{BB962C8B-B14F-4D97-AF65-F5344CB8AC3E}">
-        <p14:creationId xmlns="" xmlns:p14="http://schemas.microsoft.com/office/powerpoint/2010/main" val="1600546733"/>
+        <p14:creationId xmlns:p14="http://schemas.microsoft.com/office/powerpoint/2010/main" xmlns="" val="1085354930"/>
       </p:ext>
     </p:extLst>
   </p:cSld>
@@ -2155,7 +2165,7 @@
     </p:spTree>
     <p:extLst>
       <p:ext uri="{BB962C8B-B14F-4D97-AF65-F5344CB8AC3E}">
-        <p14:creationId xmlns="" xmlns:p14="http://schemas.microsoft.com/office/powerpoint/2010/main" val="929042244"/>
+        <p14:creationId xmlns:p14="http://schemas.microsoft.com/office/powerpoint/2010/main" xmlns="" val="1021492477"/>
       </p:ext>
     </p:extLst>
   </p:cSld>
@@ -2264,7 +2274,7 @@
     </p:spTree>
     <p:extLst>
       <p:ext uri="{BB962C8B-B14F-4D97-AF65-F5344CB8AC3E}">
-        <p14:creationId xmlns="" xmlns:p14="http://schemas.microsoft.com/office/powerpoint/2010/main" val="3690528726"/>
+        <p14:creationId xmlns:p14="http://schemas.microsoft.com/office/powerpoint/2010/main" xmlns="" val="2345650234"/>
       </p:ext>
     </p:extLst>
   </p:cSld>
@@ -2373,7 +2383,7 @@
     </p:spTree>
     <p:extLst>
       <p:ext uri="{BB962C8B-B14F-4D97-AF65-F5344CB8AC3E}">
-        <p14:creationId xmlns="" xmlns:p14="http://schemas.microsoft.com/office/powerpoint/2010/main" val="2966755223"/>
+        <p14:creationId xmlns:p14="http://schemas.microsoft.com/office/powerpoint/2010/main" xmlns="" val="1600546733"/>
       </p:ext>
     </p:extLst>
   </p:cSld>
@@ -2482,7 +2492,7 @@
     </p:spTree>
     <p:extLst>
       <p:ext uri="{BB962C8B-B14F-4D97-AF65-F5344CB8AC3E}">
-        <p14:creationId xmlns="" xmlns:p14="http://schemas.microsoft.com/office/powerpoint/2010/main" val="1489464285"/>
+        <p14:creationId xmlns:p14="http://schemas.microsoft.com/office/powerpoint/2010/main" xmlns="" val="929042244"/>
       </p:ext>
     </p:extLst>
   </p:cSld>
@@ -2591,7 +2601,7 @@
     </p:spTree>
     <p:extLst>
       <p:ext uri="{BB962C8B-B14F-4D97-AF65-F5344CB8AC3E}">
-        <p14:creationId xmlns="" xmlns:p14="http://schemas.microsoft.com/office/powerpoint/2010/main" val="2354118770"/>
+        <p14:creationId xmlns:p14="http://schemas.microsoft.com/office/powerpoint/2010/main" xmlns="" val="3690528726"/>
       </p:ext>
     </p:extLst>
   </p:cSld>
@@ -2700,7 +2710,7 @@
     </p:spTree>
     <p:extLst>
       <p:ext uri="{BB962C8B-B14F-4D97-AF65-F5344CB8AC3E}">
-        <p14:creationId xmlns="" xmlns:p14="http://schemas.microsoft.com/office/powerpoint/2010/main" val="3868859861"/>
+        <p14:creationId xmlns:p14="http://schemas.microsoft.com/office/powerpoint/2010/main" xmlns="" val="2966755223"/>
       </p:ext>
     </p:extLst>
   </p:cSld>
@@ -2711,6 +2721,115 @@
 </file>
 
 <file path=ppt/notesSlides/notesSlide26.xml><?xml version="1.0" encoding="utf-8"?>
+<p:notes xmlns:a="http://schemas.openxmlformats.org/drawingml/2006/main" xmlns:r="http://schemas.openxmlformats.org/officeDocument/2006/relationships" xmlns:p="http://schemas.openxmlformats.org/presentationml/2006/main" showMasterSp="0" showMasterPhAnim="0">
+  <p:cSld>
+    <p:spTree>
+      <p:nvGrpSpPr>
+        <p:cNvPr id="1" name="Shape 433"/>
+        <p:cNvGrpSpPr/>
+        <p:nvPr/>
+      </p:nvGrpSpPr>
+      <p:grpSpPr>
+        <a:xfrm>
+          <a:off x="0" y="0"/>
+          <a:ext cx="0" cy="0"/>
+          <a:chOff x="0" y="0"/>
+          <a:chExt cx="0" cy="0"/>
+        </a:xfrm>
+      </p:grpSpPr>
+      <p:sp>
+        <p:nvSpPr>
+          <p:cNvPr id="434" name="Google Shape;434;g2f69afabb45_0_103:notes"/>
+          <p:cNvSpPr>
+            <a:spLocks noGrp="1" noRot="1" noChangeAspect="1"/>
+          </p:cNvSpPr>
+          <p:nvPr>
+            <p:ph type="sldImg" idx="2"/>
+          </p:nvPr>
+        </p:nvSpPr>
+        <p:spPr>
+          <a:xfrm>
+            <a:off x="381000" y="685800"/>
+            <a:ext cx="6096000" cy="3429000"/>
+          </a:xfrm>
+          <a:custGeom>
+            <a:avLst/>
+            <a:gdLst/>
+            <a:ahLst/>
+            <a:cxnLst/>
+            <a:rect l="l" t="t" r="r" b="b"/>
+            <a:pathLst>
+              <a:path w="120000" h="120000" extrusionOk="0">
+                <a:moveTo>
+                  <a:pt x="0" y="0"/>
+                </a:moveTo>
+                <a:lnTo>
+                  <a:pt x="120000" y="0"/>
+                </a:lnTo>
+                <a:lnTo>
+                  <a:pt x="120000" y="120000"/>
+                </a:lnTo>
+                <a:lnTo>
+                  <a:pt x="0" y="120000"/>
+                </a:lnTo>
+                <a:close/>
+              </a:path>
+            </a:pathLst>
+          </a:custGeom>
+        </p:spPr>
+      </p:sp>
+      <p:sp>
+        <p:nvSpPr>
+          <p:cNvPr id="435" name="Google Shape;435;g2f69afabb45_0_103:notes"/>
+          <p:cNvSpPr txBox="1">
+            <a:spLocks noGrp="1"/>
+          </p:cNvSpPr>
+          <p:nvPr>
+            <p:ph type="body" idx="1"/>
+          </p:nvPr>
+        </p:nvSpPr>
+        <p:spPr>
+          <a:xfrm>
+            <a:off x="685800" y="4343400"/>
+            <a:ext cx="5486400" cy="4114800"/>
+          </a:xfrm>
+          <a:prstGeom prst="rect">
+            <a:avLst/>
+          </a:prstGeom>
+        </p:spPr>
+        <p:txBody>
+          <a:bodyPr spcFirstLastPara="1" wrap="square" lIns="91425" tIns="91425" rIns="91425" bIns="91425" anchor="t" anchorCtr="0">
+            <a:noAutofit/>
+          </a:bodyPr>
+          <a:lstStyle/>
+          <a:p>
+            <a:pPr marL="0" lvl="0" indent="0" algn="l" rtl="0">
+              <a:spcBef>
+                <a:spcPts val="0"/>
+              </a:spcBef>
+              <a:spcAft>
+                <a:spcPts val="0"/>
+              </a:spcAft>
+              <a:buNone/>
+            </a:pPr>
+            <a:endParaRPr/>
+          </a:p>
+        </p:txBody>
+      </p:sp>
+    </p:spTree>
+    <p:extLst>
+      <p:ext uri="{BB962C8B-B14F-4D97-AF65-F5344CB8AC3E}">
+        <p14:creationId xmlns:p14="http://schemas.microsoft.com/office/powerpoint/2010/main" xmlns="" val="1489464285"/>
+      </p:ext>
+    </p:extLst>
+  </p:cSld>
+  <p:clrMapOvr>
+    <a:masterClrMapping/>
+  </p:clrMapOvr>
+</p:notes>
+</file>
+
+<file path=ppt/notesSlides/notesSlide27.xml><?xml version="1.0" encoding="utf-8"?>
 <p:notes xmlns:a="http://schemas.openxmlformats.org/drawingml/2006/main" xmlns:r="http://schemas.openxmlformats.org/officeDocument/2006/relationships" xmlns:p="http://schemas.openxmlformats.org/presentationml/2006/main" showMasterSp="0" showMasterPhAnim="0">
   <p:cSld>
     <p:spTree>
@@ -2809,116 +2928,7 @@
     </p:spTree>
     <p:extLst>
       <p:ext uri="{BB962C8B-B14F-4D97-AF65-F5344CB8AC3E}">
-        <p14:creationId xmlns="" xmlns:p14="http://schemas.microsoft.com/office/powerpoint/2010/main" val="4139684346"/>
-      </p:ext>
-    </p:extLst>
-  </p:cSld>
-  <p:clrMapOvr>
-    <a:masterClrMapping/>
-  </p:clrMapOvr>
-</p:notes>
-</file>
-
-<file path=ppt/notesSlides/notesSlide27.xml><?xml version="1.0" encoding="utf-8"?>
-<p:notes xmlns:a="http://schemas.openxmlformats.org/drawingml/2006/main" xmlns:r="http://schemas.openxmlformats.org/officeDocument/2006/relationships" xmlns:p="http://schemas.openxmlformats.org/presentationml/2006/main" showMasterSp="0" showMasterPhAnim="0">
-  <p:cSld>
-    <p:spTree>
-      <p:nvGrpSpPr>
-        <p:cNvPr id="1" name="Shape 433"/>
-        <p:cNvGrpSpPr/>
-        <p:nvPr/>
-      </p:nvGrpSpPr>
-      <p:grpSpPr>
-        <a:xfrm>
-          <a:off x="0" y="0"/>
-          <a:ext cx="0" cy="0"/>
-          <a:chOff x="0" y="0"/>
-          <a:chExt cx="0" cy="0"/>
-        </a:xfrm>
-      </p:grpSpPr>
-      <p:sp>
-        <p:nvSpPr>
-          <p:cNvPr id="434" name="Google Shape;434;g2f69afabb45_0_103:notes"/>
-          <p:cNvSpPr>
-            <a:spLocks noGrp="1" noRot="1" noChangeAspect="1"/>
-          </p:cNvSpPr>
-          <p:nvPr>
-            <p:ph type="sldImg" idx="2"/>
-          </p:nvPr>
-        </p:nvSpPr>
-        <p:spPr>
-          <a:xfrm>
-            <a:off x="381000" y="685800"/>
-            <a:ext cx="6096000" cy="3429000"/>
-          </a:xfrm>
-          <a:custGeom>
-            <a:avLst/>
-            <a:gdLst/>
-            <a:ahLst/>
-            <a:cxnLst/>
-            <a:rect l="l" t="t" r="r" b="b"/>
-            <a:pathLst>
-              <a:path w="120000" h="120000" extrusionOk="0">
-                <a:moveTo>
-                  <a:pt x="0" y="0"/>
-                </a:moveTo>
-                <a:lnTo>
-                  <a:pt x="120000" y="0"/>
-                </a:lnTo>
-                <a:lnTo>
-                  <a:pt x="120000" y="120000"/>
-                </a:lnTo>
-                <a:lnTo>
-                  <a:pt x="0" y="120000"/>
-                </a:lnTo>
-                <a:close/>
-              </a:path>
-            </a:pathLst>
-          </a:custGeom>
-        </p:spPr>
-      </p:sp>
-      <p:sp>
-        <p:nvSpPr>
-          <p:cNvPr id="435" name="Google Shape;435;g2f69afabb45_0_103:notes"/>
-          <p:cNvSpPr txBox="1">
-            <a:spLocks noGrp="1"/>
-          </p:cNvSpPr>
-          <p:nvPr>
-            <p:ph type="body" idx="1"/>
-          </p:nvPr>
-        </p:nvSpPr>
-        <p:spPr>
-          <a:xfrm>
-            <a:off x="685800" y="4343400"/>
-            <a:ext cx="5486400" cy="4114800"/>
-          </a:xfrm>
-          <a:prstGeom prst="rect">
-            <a:avLst/>
-          </a:prstGeom>
-        </p:spPr>
-        <p:txBody>
-          <a:bodyPr spcFirstLastPara="1" wrap="square" lIns="91425" tIns="91425" rIns="91425" bIns="91425" anchor="t" anchorCtr="0">
-            <a:noAutofit/>
-          </a:bodyPr>
-          <a:lstStyle/>
-          <a:p>
-            <a:pPr marL="0" lvl="0" indent="0" algn="l" rtl="0">
-              <a:spcBef>
-                <a:spcPts val="0"/>
-              </a:spcBef>
-              <a:spcAft>
-                <a:spcPts val="0"/>
-              </a:spcAft>
-              <a:buNone/>
-            </a:pPr>
-            <a:endParaRPr/>
-          </a:p>
-        </p:txBody>
-      </p:sp>
-    </p:spTree>
-    <p:extLst>
-      <p:ext uri="{BB962C8B-B14F-4D97-AF65-F5344CB8AC3E}">
-        <p14:creationId xmlns="" xmlns:p14="http://schemas.microsoft.com/office/powerpoint/2010/main" val="1221438321"/>
+        <p14:creationId xmlns:p14="http://schemas.microsoft.com/office/powerpoint/2010/main" xmlns="" val="2354118770"/>
       </p:ext>
     </p:extLst>
   </p:cSld>
@@ -3027,7 +3037,7 @@
     </p:spTree>
     <p:extLst>
       <p:ext uri="{BB962C8B-B14F-4D97-AF65-F5344CB8AC3E}">
-        <p14:creationId xmlns="" xmlns:p14="http://schemas.microsoft.com/office/powerpoint/2010/main" val="1021492477"/>
+        <p14:creationId xmlns:p14="http://schemas.microsoft.com/office/powerpoint/2010/main" xmlns="" val="3868859861"/>
       </p:ext>
     </p:extLst>
   </p:cSld>
@@ -3136,7 +3146,7 @@
     </p:spTree>
     <p:extLst>
       <p:ext uri="{BB962C8B-B14F-4D97-AF65-F5344CB8AC3E}">
-        <p14:creationId xmlns="" xmlns:p14="http://schemas.microsoft.com/office/powerpoint/2010/main" val="2742090085"/>
+        <p14:creationId xmlns:p14="http://schemas.microsoft.com/office/powerpoint/2010/main" xmlns="" val="4139684346"/>
       </p:ext>
     </p:extLst>
   </p:cSld>
@@ -3245,7 +3255,7 @@
     </p:spTree>
     <p:extLst>
       <p:ext uri="{BB962C8B-B14F-4D97-AF65-F5344CB8AC3E}">
-        <p14:creationId xmlns="" xmlns:p14="http://schemas.microsoft.com/office/powerpoint/2010/main" val="3548652113"/>
+        <p14:creationId xmlns:p14="http://schemas.microsoft.com/office/powerpoint/2010/main" xmlns="" val="3548652113"/>
       </p:ext>
     </p:extLst>
   </p:cSld>
@@ -3354,7 +3364,7 @@
     </p:spTree>
     <p:extLst>
       <p:ext uri="{BB962C8B-B14F-4D97-AF65-F5344CB8AC3E}">
-        <p14:creationId xmlns="" xmlns:p14="http://schemas.microsoft.com/office/powerpoint/2010/main" val="3112099881"/>
+        <p14:creationId xmlns:p14="http://schemas.microsoft.com/office/powerpoint/2010/main" xmlns="" val="1221438321"/>
       </p:ext>
     </p:extLst>
   </p:cSld>
@@ -3365,6 +3375,115 @@
 </file>
 
 <file path=ppt/notesSlides/notesSlide31.xml><?xml version="1.0" encoding="utf-8"?>
+<p:notes xmlns:a="http://schemas.openxmlformats.org/drawingml/2006/main" xmlns:r="http://schemas.openxmlformats.org/officeDocument/2006/relationships" xmlns:p="http://schemas.openxmlformats.org/presentationml/2006/main" showMasterSp="0" showMasterPhAnim="0">
+  <p:cSld>
+    <p:spTree>
+      <p:nvGrpSpPr>
+        <p:cNvPr id="1" name="Shape 433"/>
+        <p:cNvGrpSpPr/>
+        <p:nvPr/>
+      </p:nvGrpSpPr>
+      <p:grpSpPr>
+        <a:xfrm>
+          <a:off x="0" y="0"/>
+          <a:ext cx="0" cy="0"/>
+          <a:chOff x="0" y="0"/>
+          <a:chExt cx="0" cy="0"/>
+        </a:xfrm>
+      </p:grpSpPr>
+      <p:sp>
+        <p:nvSpPr>
+          <p:cNvPr id="434" name="Google Shape;434;g2f69afabb45_0_103:notes"/>
+          <p:cNvSpPr>
+            <a:spLocks noGrp="1" noRot="1" noChangeAspect="1"/>
+          </p:cNvSpPr>
+          <p:nvPr>
+            <p:ph type="sldImg" idx="2"/>
+          </p:nvPr>
+        </p:nvSpPr>
+        <p:spPr>
+          <a:xfrm>
+            <a:off x="381000" y="685800"/>
+            <a:ext cx="6096000" cy="3429000"/>
+          </a:xfrm>
+          <a:custGeom>
+            <a:avLst/>
+            <a:gdLst/>
+            <a:ahLst/>
+            <a:cxnLst/>
+            <a:rect l="l" t="t" r="r" b="b"/>
+            <a:pathLst>
+              <a:path w="120000" h="120000" extrusionOk="0">
+                <a:moveTo>
+                  <a:pt x="0" y="0"/>
+                </a:moveTo>
+                <a:lnTo>
+                  <a:pt x="120000" y="0"/>
+                </a:lnTo>
+                <a:lnTo>
+                  <a:pt x="120000" y="120000"/>
+                </a:lnTo>
+                <a:lnTo>
+                  <a:pt x="0" y="120000"/>
+                </a:lnTo>
+                <a:close/>
+              </a:path>
+            </a:pathLst>
+          </a:custGeom>
+        </p:spPr>
+      </p:sp>
+      <p:sp>
+        <p:nvSpPr>
+          <p:cNvPr id="435" name="Google Shape;435;g2f69afabb45_0_103:notes"/>
+          <p:cNvSpPr txBox="1">
+            <a:spLocks noGrp="1"/>
+          </p:cNvSpPr>
+          <p:nvPr>
+            <p:ph type="body" idx="1"/>
+          </p:nvPr>
+        </p:nvSpPr>
+        <p:spPr>
+          <a:xfrm>
+            <a:off x="685800" y="4343400"/>
+            <a:ext cx="5486400" cy="4114800"/>
+          </a:xfrm>
+          <a:prstGeom prst="rect">
+            <a:avLst/>
+          </a:prstGeom>
+        </p:spPr>
+        <p:txBody>
+          <a:bodyPr spcFirstLastPara="1" wrap="square" lIns="91425" tIns="91425" rIns="91425" bIns="91425" anchor="t" anchorCtr="0">
+            <a:noAutofit/>
+          </a:bodyPr>
+          <a:lstStyle/>
+          <a:p>
+            <a:pPr marL="0" lvl="0" indent="0" algn="l" rtl="0">
+              <a:spcBef>
+                <a:spcPts val="0"/>
+              </a:spcBef>
+              <a:spcAft>
+                <a:spcPts val="0"/>
+              </a:spcAft>
+              <a:buNone/>
+            </a:pPr>
+            <a:endParaRPr/>
+          </a:p>
+        </p:txBody>
+      </p:sp>
+    </p:spTree>
+    <p:extLst>
+      <p:ext uri="{BB962C8B-B14F-4D97-AF65-F5344CB8AC3E}">
+        <p14:creationId xmlns:p14="http://schemas.microsoft.com/office/powerpoint/2010/main" xmlns="" val="1021492477"/>
+      </p:ext>
+    </p:extLst>
+  </p:cSld>
+  <p:clrMapOvr>
+    <a:masterClrMapping/>
+  </p:clrMapOvr>
+</p:notes>
+</file>
+
+<file path=ppt/notesSlides/notesSlide32.xml><?xml version="1.0" encoding="utf-8"?>
 <p:notes xmlns:a="http://schemas.openxmlformats.org/drawingml/2006/main" xmlns:r="http://schemas.openxmlformats.org/officeDocument/2006/relationships" xmlns:p="http://schemas.openxmlformats.org/presentationml/2006/main" showMasterSp="0" showMasterPhAnim="0">
   <p:cSld>
     <p:spTree>
@@ -3463,116 +3582,7 @@
     </p:spTree>
     <p:extLst>
       <p:ext uri="{BB962C8B-B14F-4D97-AF65-F5344CB8AC3E}">
-        <p14:creationId xmlns="" xmlns:p14="http://schemas.microsoft.com/office/powerpoint/2010/main" val="1623211466"/>
-      </p:ext>
-    </p:extLst>
-  </p:cSld>
-  <p:clrMapOvr>
-    <a:masterClrMapping/>
-  </p:clrMapOvr>
-</p:notes>
-</file>
-
-<file path=ppt/notesSlides/notesSlide32.xml><?xml version="1.0" encoding="utf-8"?>
-<p:notes xmlns:a="http://schemas.openxmlformats.org/drawingml/2006/main" xmlns:r="http://schemas.openxmlformats.org/officeDocument/2006/relationships" xmlns:p="http://schemas.openxmlformats.org/presentationml/2006/main" showMasterSp="0" showMasterPhAnim="0">
-  <p:cSld>
-    <p:spTree>
-      <p:nvGrpSpPr>
-        <p:cNvPr id="1" name="Shape 433"/>
-        <p:cNvGrpSpPr/>
-        <p:nvPr/>
-      </p:nvGrpSpPr>
-      <p:grpSpPr>
-        <a:xfrm>
-          <a:off x="0" y="0"/>
-          <a:ext cx="0" cy="0"/>
-          <a:chOff x="0" y="0"/>
-          <a:chExt cx="0" cy="0"/>
-        </a:xfrm>
-      </p:grpSpPr>
-      <p:sp>
-        <p:nvSpPr>
-          <p:cNvPr id="434" name="Google Shape;434;g2f69afabb45_0_103:notes"/>
-          <p:cNvSpPr>
-            <a:spLocks noGrp="1" noRot="1" noChangeAspect="1"/>
-          </p:cNvSpPr>
-          <p:nvPr>
-            <p:ph type="sldImg" idx="2"/>
-          </p:nvPr>
-        </p:nvSpPr>
-        <p:spPr>
-          <a:xfrm>
-            <a:off x="381000" y="685800"/>
-            <a:ext cx="6096000" cy="3429000"/>
-          </a:xfrm>
-          <a:custGeom>
-            <a:avLst/>
-            <a:gdLst/>
-            <a:ahLst/>
-            <a:cxnLst/>
-            <a:rect l="l" t="t" r="r" b="b"/>
-            <a:pathLst>
-              <a:path w="120000" h="120000" extrusionOk="0">
-                <a:moveTo>
-                  <a:pt x="0" y="0"/>
-                </a:moveTo>
-                <a:lnTo>
-                  <a:pt x="120000" y="0"/>
-                </a:lnTo>
-                <a:lnTo>
-                  <a:pt x="120000" y="120000"/>
-                </a:lnTo>
-                <a:lnTo>
-                  <a:pt x="0" y="120000"/>
-                </a:lnTo>
-                <a:close/>
-              </a:path>
-            </a:pathLst>
-          </a:custGeom>
-        </p:spPr>
-      </p:sp>
-      <p:sp>
-        <p:nvSpPr>
-          <p:cNvPr id="435" name="Google Shape;435;g2f69afabb45_0_103:notes"/>
-          <p:cNvSpPr txBox="1">
-            <a:spLocks noGrp="1"/>
-          </p:cNvSpPr>
-          <p:nvPr>
-            <p:ph type="body" idx="1"/>
-          </p:nvPr>
-        </p:nvSpPr>
-        <p:spPr>
-          <a:xfrm>
-            <a:off x="685800" y="4343400"/>
-            <a:ext cx="5486400" cy="4114800"/>
-          </a:xfrm>
-          <a:prstGeom prst="rect">
-            <a:avLst/>
-          </a:prstGeom>
-        </p:spPr>
-        <p:txBody>
-          <a:bodyPr spcFirstLastPara="1" wrap="square" lIns="91425" tIns="91425" rIns="91425" bIns="91425" anchor="t" anchorCtr="0">
-            <a:noAutofit/>
-          </a:bodyPr>
-          <a:lstStyle/>
-          <a:p>
-            <a:pPr marL="0" lvl="0" indent="0" algn="l" rtl="0">
-              <a:spcBef>
-                <a:spcPts val="0"/>
-              </a:spcBef>
-              <a:spcAft>
-                <a:spcPts val="0"/>
-              </a:spcAft>
-              <a:buNone/>
-            </a:pPr>
-            <a:endParaRPr/>
-          </a:p>
-        </p:txBody>
-      </p:sp>
-    </p:spTree>
-    <p:extLst>
-      <p:ext uri="{BB962C8B-B14F-4D97-AF65-F5344CB8AC3E}">
-        <p14:creationId xmlns="" xmlns:p14="http://schemas.microsoft.com/office/powerpoint/2010/main" val="1065436559"/>
+        <p14:creationId xmlns:p14="http://schemas.microsoft.com/office/powerpoint/2010/main" xmlns="" val="2742090085"/>
       </p:ext>
     </p:extLst>
   </p:cSld>
@@ -3681,7 +3691,7 @@
     </p:spTree>
     <p:extLst>
       <p:ext uri="{BB962C8B-B14F-4D97-AF65-F5344CB8AC3E}">
-        <p14:creationId xmlns="" xmlns:p14="http://schemas.microsoft.com/office/powerpoint/2010/main" val="129939661"/>
+        <p14:creationId xmlns:p14="http://schemas.microsoft.com/office/powerpoint/2010/main" xmlns="" val="3112099881"/>
       </p:ext>
     </p:extLst>
   </p:cSld>
@@ -3790,7 +3800,7 @@
     </p:spTree>
     <p:extLst>
       <p:ext uri="{BB962C8B-B14F-4D97-AF65-F5344CB8AC3E}">
-        <p14:creationId xmlns="" xmlns:p14="http://schemas.microsoft.com/office/powerpoint/2010/main" val="575722545"/>
+        <p14:creationId xmlns:p14="http://schemas.microsoft.com/office/powerpoint/2010/main" xmlns="" val="1623211466"/>
       </p:ext>
     </p:extLst>
   </p:cSld>
@@ -3899,7 +3909,7 @@
     </p:spTree>
     <p:extLst>
       <p:ext uri="{BB962C8B-B14F-4D97-AF65-F5344CB8AC3E}">
-        <p14:creationId xmlns="" xmlns:p14="http://schemas.microsoft.com/office/powerpoint/2010/main" val="1318932020"/>
+        <p14:creationId xmlns:p14="http://schemas.microsoft.com/office/powerpoint/2010/main" xmlns="" val="1065436559"/>
       </p:ext>
     </p:extLst>
   </p:cSld>
@@ -4008,7 +4018,7 @@
     </p:spTree>
     <p:extLst>
       <p:ext uri="{BB962C8B-B14F-4D97-AF65-F5344CB8AC3E}">
-        <p14:creationId xmlns="" xmlns:p14="http://schemas.microsoft.com/office/powerpoint/2010/main" val="1318932020"/>
+        <p14:creationId xmlns:p14="http://schemas.microsoft.com/office/powerpoint/2010/main" xmlns="" val="129939661"/>
       </p:ext>
     </p:extLst>
   </p:cSld>
@@ -4019,6 +4029,115 @@
 </file>
 
 <file path=ppt/notesSlides/notesSlide37.xml><?xml version="1.0" encoding="utf-8"?>
+<p:notes xmlns:a="http://schemas.openxmlformats.org/drawingml/2006/main" xmlns:r="http://schemas.openxmlformats.org/officeDocument/2006/relationships" xmlns:p="http://schemas.openxmlformats.org/presentationml/2006/main" showMasterSp="0" showMasterPhAnim="0">
+  <p:cSld>
+    <p:spTree>
+      <p:nvGrpSpPr>
+        <p:cNvPr id="1" name="Shape 422"/>
+        <p:cNvGrpSpPr/>
+        <p:nvPr/>
+      </p:nvGrpSpPr>
+      <p:grpSpPr>
+        <a:xfrm>
+          <a:off x="0" y="0"/>
+          <a:ext cx="0" cy="0"/>
+          <a:chOff x="0" y="0"/>
+          <a:chExt cx="0" cy="0"/>
+        </a:xfrm>
+      </p:grpSpPr>
+      <p:sp>
+        <p:nvSpPr>
+          <p:cNvPr id="423" name="Google Shape;423;g2f603b5cfe7_2_29:notes"/>
+          <p:cNvSpPr>
+            <a:spLocks noGrp="1" noRot="1" noChangeAspect="1"/>
+          </p:cNvSpPr>
+          <p:nvPr>
+            <p:ph type="sldImg" idx="2"/>
+          </p:nvPr>
+        </p:nvSpPr>
+        <p:spPr>
+          <a:xfrm>
+            <a:off x="381000" y="685800"/>
+            <a:ext cx="6096000" cy="3429000"/>
+          </a:xfrm>
+          <a:custGeom>
+            <a:avLst/>
+            <a:gdLst/>
+            <a:ahLst/>
+            <a:cxnLst/>
+            <a:rect l="l" t="t" r="r" b="b"/>
+            <a:pathLst>
+              <a:path w="120000" h="120000" extrusionOk="0">
+                <a:moveTo>
+                  <a:pt x="0" y="0"/>
+                </a:moveTo>
+                <a:lnTo>
+                  <a:pt x="120000" y="0"/>
+                </a:lnTo>
+                <a:lnTo>
+                  <a:pt x="120000" y="120000"/>
+                </a:lnTo>
+                <a:lnTo>
+                  <a:pt x="0" y="120000"/>
+                </a:lnTo>
+                <a:close/>
+              </a:path>
+            </a:pathLst>
+          </a:custGeom>
+        </p:spPr>
+      </p:sp>
+      <p:sp>
+        <p:nvSpPr>
+          <p:cNvPr id="424" name="Google Shape;424;g2f603b5cfe7_2_29:notes"/>
+          <p:cNvSpPr txBox="1">
+            <a:spLocks noGrp="1"/>
+          </p:cNvSpPr>
+          <p:nvPr>
+            <p:ph type="body" idx="1"/>
+          </p:nvPr>
+        </p:nvSpPr>
+        <p:spPr>
+          <a:xfrm>
+            <a:off x="685800" y="4343400"/>
+            <a:ext cx="5486400" cy="4114800"/>
+          </a:xfrm>
+          <a:prstGeom prst="rect">
+            <a:avLst/>
+          </a:prstGeom>
+        </p:spPr>
+        <p:txBody>
+          <a:bodyPr spcFirstLastPara="1" wrap="square" lIns="91425" tIns="91425" rIns="91425" bIns="91425" anchor="t" anchorCtr="0">
+            <a:noAutofit/>
+          </a:bodyPr>
+          <a:lstStyle/>
+          <a:p>
+            <a:pPr marL="0" lvl="0" indent="0" algn="l" rtl="0">
+              <a:spcBef>
+                <a:spcPts val="0"/>
+              </a:spcBef>
+              <a:spcAft>
+                <a:spcPts val="0"/>
+              </a:spcAft>
+              <a:buNone/>
+            </a:pPr>
+            <a:endParaRPr/>
+          </a:p>
+        </p:txBody>
+      </p:sp>
+    </p:spTree>
+    <p:extLst>
+      <p:ext uri="{BB962C8B-B14F-4D97-AF65-F5344CB8AC3E}">
+        <p14:creationId xmlns:p14="http://schemas.microsoft.com/office/powerpoint/2010/main" xmlns="" val="575722545"/>
+      </p:ext>
+    </p:extLst>
+  </p:cSld>
+  <p:clrMapOvr>
+    <a:masterClrMapping/>
+  </p:clrMapOvr>
+</p:notes>
+</file>
+
+<file path=ppt/notesSlides/notesSlide38.xml><?xml version="1.0" encoding="utf-8"?>
 <p:notes xmlns:a="http://schemas.openxmlformats.org/drawingml/2006/main" xmlns:r="http://schemas.openxmlformats.org/officeDocument/2006/relationships" xmlns:p="http://schemas.openxmlformats.org/presentationml/2006/main" showMasterSp="0" showMasterPhAnim="0">
   <p:cSld>
     <p:spTree>
@@ -4117,7 +4236,7 @@
     </p:spTree>
     <p:extLst>
       <p:ext uri="{BB962C8B-B14F-4D97-AF65-F5344CB8AC3E}">
-        <p14:creationId xmlns="" xmlns:p14="http://schemas.microsoft.com/office/powerpoint/2010/main" val="944237588"/>
+        <p14:creationId xmlns:p14="http://schemas.microsoft.com/office/powerpoint/2010/main" xmlns="" val="1318932020"/>
       </p:ext>
     </p:extLst>
   </p:cSld>
@@ -4127,12 +4246,12 @@
 </p:notes>
 </file>
 
-<file path=ppt/notesSlides/notesSlide38.xml><?xml version="1.0" encoding="utf-8"?>
+<file path=ppt/notesSlides/notesSlide39.xml><?xml version="1.0" encoding="utf-8"?>
 <p:notes xmlns:a="http://schemas.openxmlformats.org/drawingml/2006/main" xmlns:r="http://schemas.openxmlformats.org/officeDocument/2006/relationships" xmlns:p="http://schemas.openxmlformats.org/presentationml/2006/main" showMasterSp="0" showMasterPhAnim="0">
   <p:cSld>
     <p:spTree>
       <p:nvGrpSpPr>
-        <p:cNvPr id="1" name="Shape 450"/>
+        <p:cNvPr id="1" name="Shape 433"/>
         <p:cNvGrpSpPr/>
         <p:nvPr/>
       </p:nvGrpSpPr>
@@ -4146,7 +4265,7 @@
       </p:grpSpPr>
       <p:sp>
         <p:nvSpPr>
-          <p:cNvPr id="451" name="Google Shape;451;g2f62e005416_0_73:notes"/>
+          <p:cNvPr id="434" name="Google Shape;434;g2f69afabb45_0_103:notes"/>
           <p:cNvSpPr>
             <a:spLocks noGrp="1" noRot="1" noChangeAspect="1"/>
           </p:cNvSpPr>
@@ -4187,7 +4306,7 @@
       </p:sp>
       <p:sp>
         <p:nvSpPr>
-          <p:cNvPr id="452" name="Google Shape;452;g2f62e005416_0_73:notes"/>
+          <p:cNvPr id="435" name="Google Shape;435;g2f69afabb45_0_103:notes"/>
           <p:cNvSpPr txBox="1">
             <a:spLocks noGrp="1"/>
           </p:cNvSpPr>
@@ -4224,110 +4343,11 @@
         </p:txBody>
       </p:sp>
     </p:spTree>
-  </p:cSld>
-  <p:clrMapOvr>
-    <a:masterClrMapping/>
-  </p:clrMapOvr>
-</p:notes>
-</file>
-
-<file path=ppt/notesSlides/notesSlide39.xml><?xml version="1.0" encoding="utf-8"?>
-<p:notes xmlns:a="http://schemas.openxmlformats.org/drawingml/2006/main" xmlns:r="http://schemas.openxmlformats.org/officeDocument/2006/relationships" xmlns:p="http://schemas.openxmlformats.org/presentationml/2006/main" showMasterSp="0" showMasterPhAnim="0">
-  <p:cSld>
-    <p:spTree>
-      <p:nvGrpSpPr>
-        <p:cNvPr id="1" name="Shape 455"/>
-        <p:cNvGrpSpPr/>
-        <p:nvPr/>
-      </p:nvGrpSpPr>
-      <p:grpSpPr>
-        <a:xfrm>
-          <a:off x="0" y="0"/>
-          <a:ext cx="0" cy="0"/>
-          <a:chOff x="0" y="0"/>
-          <a:chExt cx="0" cy="0"/>
-        </a:xfrm>
-      </p:grpSpPr>
-      <p:sp>
-        <p:nvSpPr>
-          <p:cNvPr id="456" name="Google Shape;456;g2f62e005416_0_77:notes"/>
-          <p:cNvSpPr>
-            <a:spLocks noGrp="1" noRot="1" noChangeAspect="1"/>
-          </p:cNvSpPr>
-          <p:nvPr>
-            <p:ph type="sldImg" idx="2"/>
-          </p:nvPr>
-        </p:nvSpPr>
-        <p:spPr>
-          <a:xfrm>
-            <a:off x="381000" y="685800"/>
-            <a:ext cx="6096000" cy="3429000"/>
-          </a:xfrm>
-          <a:custGeom>
-            <a:avLst/>
-            <a:gdLst/>
-            <a:ahLst/>
-            <a:cxnLst/>
-            <a:rect l="l" t="t" r="r" b="b"/>
-            <a:pathLst>
-              <a:path w="120000" h="120000" extrusionOk="0">
-                <a:moveTo>
-                  <a:pt x="0" y="0"/>
-                </a:moveTo>
-                <a:lnTo>
-                  <a:pt x="120000" y="0"/>
-                </a:lnTo>
-                <a:lnTo>
-                  <a:pt x="120000" y="120000"/>
-                </a:lnTo>
-                <a:lnTo>
-                  <a:pt x="0" y="120000"/>
-                </a:lnTo>
-                <a:close/>
-              </a:path>
-            </a:pathLst>
-          </a:custGeom>
-        </p:spPr>
-      </p:sp>
-      <p:sp>
-        <p:nvSpPr>
-          <p:cNvPr id="457" name="Google Shape;457;g2f62e005416_0_77:notes"/>
-          <p:cNvSpPr txBox="1">
-            <a:spLocks noGrp="1"/>
-          </p:cNvSpPr>
-          <p:nvPr>
-            <p:ph type="body" idx="1"/>
-          </p:nvPr>
-        </p:nvSpPr>
-        <p:spPr>
-          <a:xfrm>
-            <a:off x="685800" y="4343400"/>
-            <a:ext cx="5486400" cy="4114800"/>
-          </a:xfrm>
-          <a:prstGeom prst="rect">
-            <a:avLst/>
-          </a:prstGeom>
-        </p:spPr>
-        <p:txBody>
-          <a:bodyPr spcFirstLastPara="1" wrap="square" lIns="91425" tIns="91425" rIns="91425" bIns="91425" anchor="t" anchorCtr="0">
-            <a:noAutofit/>
-          </a:bodyPr>
-          <a:lstStyle/>
-          <a:p>
-            <a:pPr marL="0" lvl="0" indent="0" algn="l" rtl="0">
-              <a:spcBef>
-                <a:spcPts val="0"/>
-              </a:spcBef>
-              <a:spcAft>
-                <a:spcPts val="0"/>
-              </a:spcAft>
-              <a:buNone/>
-            </a:pPr>
-            <a:endParaRPr/>
-          </a:p>
-        </p:txBody>
-      </p:sp>
-    </p:spTree>
+    <p:extLst>
+      <p:ext uri="{BB962C8B-B14F-4D97-AF65-F5344CB8AC3E}">
+        <p14:creationId xmlns:p14="http://schemas.microsoft.com/office/powerpoint/2010/main" xmlns="" val="1318932020"/>
+      </p:ext>
+    </p:extLst>
   </p:cSld>
   <p:clrMapOvr>
     <a:masterClrMapping/>
@@ -4444,7 +4464,7 @@
   <p:cSld>
     <p:spTree>
       <p:nvGrpSpPr>
-        <p:cNvPr id="1" name="Shape 450"/>
+        <p:cNvPr id="1" name="Shape 433"/>
         <p:cNvGrpSpPr/>
         <p:nvPr/>
       </p:nvGrpSpPr>
@@ -4458,7 +4478,7 @@
       </p:grpSpPr>
       <p:sp>
         <p:nvSpPr>
-          <p:cNvPr id="451" name="Google Shape;451;g2f62e005416_0_73:notes"/>
+          <p:cNvPr id="434" name="Google Shape;434;g2f69afabb45_0_103:notes"/>
           <p:cNvSpPr>
             <a:spLocks noGrp="1" noRot="1" noChangeAspect="1"/>
           </p:cNvSpPr>
@@ -4499,6 +4519,115 @@
       </p:sp>
       <p:sp>
         <p:nvSpPr>
+          <p:cNvPr id="435" name="Google Shape;435;g2f69afabb45_0_103:notes"/>
+          <p:cNvSpPr txBox="1">
+            <a:spLocks noGrp="1"/>
+          </p:cNvSpPr>
+          <p:nvPr>
+            <p:ph type="body" idx="1"/>
+          </p:nvPr>
+        </p:nvSpPr>
+        <p:spPr>
+          <a:xfrm>
+            <a:off x="685800" y="4343400"/>
+            <a:ext cx="5486400" cy="4114800"/>
+          </a:xfrm>
+          <a:prstGeom prst="rect">
+            <a:avLst/>
+          </a:prstGeom>
+        </p:spPr>
+        <p:txBody>
+          <a:bodyPr spcFirstLastPara="1" wrap="square" lIns="91425" tIns="91425" rIns="91425" bIns="91425" anchor="t" anchorCtr="0">
+            <a:noAutofit/>
+          </a:bodyPr>
+          <a:lstStyle/>
+          <a:p>
+            <a:pPr marL="0" lvl="0" indent="0" algn="l" rtl="0">
+              <a:spcBef>
+                <a:spcPts val="0"/>
+              </a:spcBef>
+              <a:spcAft>
+                <a:spcPts val="0"/>
+              </a:spcAft>
+              <a:buNone/>
+            </a:pPr>
+            <a:endParaRPr/>
+          </a:p>
+        </p:txBody>
+      </p:sp>
+    </p:spTree>
+    <p:extLst>
+      <p:ext uri="{BB962C8B-B14F-4D97-AF65-F5344CB8AC3E}">
+        <p14:creationId xmlns:p14="http://schemas.microsoft.com/office/powerpoint/2010/main" xmlns="" val="944237588"/>
+      </p:ext>
+    </p:extLst>
+  </p:cSld>
+  <p:clrMapOvr>
+    <a:masterClrMapping/>
+  </p:clrMapOvr>
+</p:notes>
+</file>
+
+<file path=ppt/notesSlides/notesSlide41.xml><?xml version="1.0" encoding="utf-8"?>
+<p:notes xmlns:a="http://schemas.openxmlformats.org/drawingml/2006/main" xmlns:r="http://schemas.openxmlformats.org/officeDocument/2006/relationships" xmlns:p="http://schemas.openxmlformats.org/presentationml/2006/main" showMasterSp="0" showMasterPhAnim="0">
+  <p:cSld>
+    <p:spTree>
+      <p:nvGrpSpPr>
+        <p:cNvPr id="1" name="Shape 450"/>
+        <p:cNvGrpSpPr/>
+        <p:nvPr/>
+      </p:nvGrpSpPr>
+      <p:grpSpPr>
+        <a:xfrm>
+          <a:off x="0" y="0"/>
+          <a:ext cx="0" cy="0"/>
+          <a:chOff x="0" y="0"/>
+          <a:chExt cx="0" cy="0"/>
+        </a:xfrm>
+      </p:grpSpPr>
+      <p:sp>
+        <p:nvSpPr>
+          <p:cNvPr id="451" name="Google Shape;451;g2f62e005416_0_73:notes"/>
+          <p:cNvSpPr>
+            <a:spLocks noGrp="1" noRot="1" noChangeAspect="1"/>
+          </p:cNvSpPr>
+          <p:nvPr>
+            <p:ph type="sldImg" idx="2"/>
+          </p:nvPr>
+        </p:nvSpPr>
+        <p:spPr>
+          <a:xfrm>
+            <a:off x="381000" y="685800"/>
+            <a:ext cx="6096000" cy="3429000"/>
+          </a:xfrm>
+          <a:custGeom>
+            <a:avLst/>
+            <a:gdLst/>
+            <a:ahLst/>
+            <a:cxnLst/>
+            <a:rect l="l" t="t" r="r" b="b"/>
+            <a:pathLst>
+              <a:path w="120000" h="120000" extrusionOk="0">
+                <a:moveTo>
+                  <a:pt x="0" y="0"/>
+                </a:moveTo>
+                <a:lnTo>
+                  <a:pt x="120000" y="0"/>
+                </a:lnTo>
+                <a:lnTo>
+                  <a:pt x="120000" y="120000"/>
+                </a:lnTo>
+                <a:lnTo>
+                  <a:pt x="0" y="120000"/>
+                </a:lnTo>
+                <a:close/>
+              </a:path>
+            </a:pathLst>
+          </a:custGeom>
+        </p:spPr>
+      </p:sp>
+      <p:sp>
+        <p:nvSpPr>
           <p:cNvPr id="452" name="Google Shape;452;g2f62e005416_0_73:notes"/>
           <p:cNvSpPr txBox="1">
             <a:spLocks noGrp="1"/>
@@ -4543,7 +4672,7 @@
 </p:notes>
 </file>
 
-<file path=ppt/notesSlides/notesSlide41.xml><?xml version="1.0" encoding="utf-8"?>
+<file path=ppt/notesSlides/notesSlide42.xml><?xml version="1.0" encoding="utf-8"?>
 <p:notes xmlns:a="http://schemas.openxmlformats.org/drawingml/2006/main" xmlns:r="http://schemas.openxmlformats.org/officeDocument/2006/relationships" xmlns:p="http://schemas.openxmlformats.org/presentationml/2006/main" showMasterSp="0" showMasterPhAnim="0">
   <p:cSld>
     <p:spTree>
@@ -4647,7 +4776,215 @@
 </p:notes>
 </file>
 
-<file path=ppt/notesSlides/notesSlide42.xml><?xml version="1.0" encoding="utf-8"?>
+<file path=ppt/notesSlides/notesSlide43.xml><?xml version="1.0" encoding="utf-8"?>
+<p:notes xmlns:a="http://schemas.openxmlformats.org/drawingml/2006/main" xmlns:r="http://schemas.openxmlformats.org/officeDocument/2006/relationships" xmlns:p="http://schemas.openxmlformats.org/presentationml/2006/main" showMasterSp="0" showMasterPhAnim="0">
+  <p:cSld>
+    <p:spTree>
+      <p:nvGrpSpPr>
+        <p:cNvPr id="1" name="Shape 450"/>
+        <p:cNvGrpSpPr/>
+        <p:nvPr/>
+      </p:nvGrpSpPr>
+      <p:grpSpPr>
+        <a:xfrm>
+          <a:off x="0" y="0"/>
+          <a:ext cx="0" cy="0"/>
+          <a:chOff x="0" y="0"/>
+          <a:chExt cx="0" cy="0"/>
+        </a:xfrm>
+      </p:grpSpPr>
+      <p:sp>
+        <p:nvSpPr>
+          <p:cNvPr id="451" name="Google Shape;451;g2f62e005416_0_73:notes"/>
+          <p:cNvSpPr>
+            <a:spLocks noGrp="1" noRot="1" noChangeAspect="1"/>
+          </p:cNvSpPr>
+          <p:nvPr>
+            <p:ph type="sldImg" idx="2"/>
+          </p:nvPr>
+        </p:nvSpPr>
+        <p:spPr>
+          <a:xfrm>
+            <a:off x="381000" y="685800"/>
+            <a:ext cx="6096000" cy="3429000"/>
+          </a:xfrm>
+          <a:custGeom>
+            <a:avLst/>
+            <a:gdLst/>
+            <a:ahLst/>
+            <a:cxnLst/>
+            <a:rect l="l" t="t" r="r" b="b"/>
+            <a:pathLst>
+              <a:path w="120000" h="120000" extrusionOk="0">
+                <a:moveTo>
+                  <a:pt x="0" y="0"/>
+                </a:moveTo>
+                <a:lnTo>
+                  <a:pt x="120000" y="0"/>
+                </a:lnTo>
+                <a:lnTo>
+                  <a:pt x="120000" y="120000"/>
+                </a:lnTo>
+                <a:lnTo>
+                  <a:pt x="0" y="120000"/>
+                </a:lnTo>
+                <a:close/>
+              </a:path>
+            </a:pathLst>
+          </a:custGeom>
+        </p:spPr>
+      </p:sp>
+      <p:sp>
+        <p:nvSpPr>
+          <p:cNvPr id="452" name="Google Shape;452;g2f62e005416_0_73:notes"/>
+          <p:cNvSpPr txBox="1">
+            <a:spLocks noGrp="1"/>
+          </p:cNvSpPr>
+          <p:nvPr>
+            <p:ph type="body" idx="1"/>
+          </p:nvPr>
+        </p:nvSpPr>
+        <p:spPr>
+          <a:xfrm>
+            <a:off x="685800" y="4343400"/>
+            <a:ext cx="5486400" cy="4114800"/>
+          </a:xfrm>
+          <a:prstGeom prst="rect">
+            <a:avLst/>
+          </a:prstGeom>
+        </p:spPr>
+        <p:txBody>
+          <a:bodyPr spcFirstLastPara="1" wrap="square" lIns="91425" tIns="91425" rIns="91425" bIns="91425" anchor="t" anchorCtr="0">
+            <a:noAutofit/>
+          </a:bodyPr>
+          <a:lstStyle/>
+          <a:p>
+            <a:pPr marL="0" lvl="0" indent="0" algn="l" rtl="0">
+              <a:spcBef>
+                <a:spcPts val="0"/>
+              </a:spcBef>
+              <a:spcAft>
+                <a:spcPts val="0"/>
+              </a:spcAft>
+              <a:buNone/>
+            </a:pPr>
+            <a:endParaRPr/>
+          </a:p>
+        </p:txBody>
+      </p:sp>
+    </p:spTree>
+  </p:cSld>
+  <p:clrMapOvr>
+    <a:masterClrMapping/>
+  </p:clrMapOvr>
+</p:notes>
+</file>
+
+<file path=ppt/notesSlides/notesSlide44.xml><?xml version="1.0" encoding="utf-8"?>
+<p:notes xmlns:a="http://schemas.openxmlformats.org/drawingml/2006/main" xmlns:r="http://schemas.openxmlformats.org/officeDocument/2006/relationships" xmlns:p="http://schemas.openxmlformats.org/presentationml/2006/main" showMasterSp="0" showMasterPhAnim="0">
+  <p:cSld>
+    <p:spTree>
+      <p:nvGrpSpPr>
+        <p:cNvPr id="1" name="Shape 455"/>
+        <p:cNvGrpSpPr/>
+        <p:nvPr/>
+      </p:nvGrpSpPr>
+      <p:grpSpPr>
+        <a:xfrm>
+          <a:off x="0" y="0"/>
+          <a:ext cx="0" cy="0"/>
+          <a:chOff x="0" y="0"/>
+          <a:chExt cx="0" cy="0"/>
+        </a:xfrm>
+      </p:grpSpPr>
+      <p:sp>
+        <p:nvSpPr>
+          <p:cNvPr id="456" name="Google Shape;456;g2f62e005416_0_77:notes"/>
+          <p:cNvSpPr>
+            <a:spLocks noGrp="1" noRot="1" noChangeAspect="1"/>
+          </p:cNvSpPr>
+          <p:nvPr>
+            <p:ph type="sldImg" idx="2"/>
+          </p:nvPr>
+        </p:nvSpPr>
+        <p:spPr>
+          <a:xfrm>
+            <a:off x="381000" y="685800"/>
+            <a:ext cx="6096000" cy="3429000"/>
+          </a:xfrm>
+          <a:custGeom>
+            <a:avLst/>
+            <a:gdLst/>
+            <a:ahLst/>
+            <a:cxnLst/>
+            <a:rect l="l" t="t" r="r" b="b"/>
+            <a:pathLst>
+              <a:path w="120000" h="120000" extrusionOk="0">
+                <a:moveTo>
+                  <a:pt x="0" y="0"/>
+                </a:moveTo>
+                <a:lnTo>
+                  <a:pt x="120000" y="0"/>
+                </a:lnTo>
+                <a:lnTo>
+                  <a:pt x="120000" y="120000"/>
+                </a:lnTo>
+                <a:lnTo>
+                  <a:pt x="0" y="120000"/>
+                </a:lnTo>
+                <a:close/>
+              </a:path>
+            </a:pathLst>
+          </a:custGeom>
+        </p:spPr>
+      </p:sp>
+      <p:sp>
+        <p:nvSpPr>
+          <p:cNvPr id="457" name="Google Shape;457;g2f62e005416_0_77:notes"/>
+          <p:cNvSpPr txBox="1">
+            <a:spLocks noGrp="1"/>
+          </p:cNvSpPr>
+          <p:nvPr>
+            <p:ph type="body" idx="1"/>
+          </p:nvPr>
+        </p:nvSpPr>
+        <p:spPr>
+          <a:xfrm>
+            <a:off x="685800" y="4343400"/>
+            <a:ext cx="5486400" cy="4114800"/>
+          </a:xfrm>
+          <a:prstGeom prst="rect">
+            <a:avLst/>
+          </a:prstGeom>
+        </p:spPr>
+        <p:txBody>
+          <a:bodyPr spcFirstLastPara="1" wrap="square" lIns="91425" tIns="91425" rIns="91425" bIns="91425" anchor="t" anchorCtr="0">
+            <a:noAutofit/>
+          </a:bodyPr>
+          <a:lstStyle/>
+          <a:p>
+            <a:pPr marL="0" lvl="0" indent="0" algn="l" rtl="0">
+              <a:spcBef>
+                <a:spcPts val="0"/>
+              </a:spcBef>
+              <a:spcAft>
+                <a:spcPts val="0"/>
+              </a:spcAft>
+              <a:buNone/>
+            </a:pPr>
+            <a:endParaRPr/>
+          </a:p>
+        </p:txBody>
+      </p:sp>
+    </p:spTree>
+  </p:cSld>
+  <p:clrMapOvr>
+    <a:masterClrMapping/>
+  </p:clrMapOvr>
+</p:notes>
+</file>
+
+<file path=ppt/notesSlides/notesSlide45.xml><?xml version="1.0" encoding="utf-8"?>
 <p:notes xmlns:a="http://schemas.openxmlformats.org/drawingml/2006/main" xmlns:r="http://schemas.openxmlformats.org/officeDocument/2006/relationships" xmlns:p="http://schemas.openxmlformats.org/presentationml/2006/main" showMasterSp="0" showMasterPhAnim="0">
   <p:cSld>
     <p:spTree>
@@ -4751,7 +5088,7 @@
 </p:notes>
 </file>
 
-<file path=ppt/notesSlides/notesSlide43.xml><?xml version="1.0" encoding="utf-8"?>
+<file path=ppt/notesSlides/notesSlide46.xml><?xml version="1.0" encoding="utf-8"?>
 <p:notes xmlns:a="http://schemas.openxmlformats.org/drawingml/2006/main" xmlns:r="http://schemas.openxmlformats.org/officeDocument/2006/relationships" xmlns:p="http://schemas.openxmlformats.org/presentationml/2006/main" showMasterSp="0" showMasterPhAnim="0">
   <p:cSld>
     <p:spTree>
@@ -4855,7 +5192,7 @@
 </p:notes>
 </file>
 
-<file path=ppt/notesSlides/notesSlide44.xml><?xml version="1.0" encoding="utf-8"?>
+<file path=ppt/notesSlides/notesSlide47.xml><?xml version="1.0" encoding="utf-8"?>
 <p:notes xmlns:a="http://schemas.openxmlformats.org/drawingml/2006/main" xmlns:r="http://schemas.openxmlformats.org/officeDocument/2006/relationships" xmlns:p="http://schemas.openxmlformats.org/presentationml/2006/main" showMasterSp="0" showMasterPhAnim="0">
   <p:cSld>
     <p:spTree>
@@ -5474,7 +5811,7 @@
     </p:spTree>
     <p:extLst>
       <p:ext uri="{BB962C8B-B14F-4D97-AF65-F5344CB8AC3E}">
-        <p14:creationId xmlns="" xmlns:p14="http://schemas.microsoft.com/office/powerpoint/2010/main" val="1094642682"/>
+        <p14:creationId xmlns:p14="http://schemas.microsoft.com/office/powerpoint/2010/main" xmlns="" val="1094642682"/>
       </p:ext>
     </p:extLst>
   </p:cSld>
@@ -9487,7 +9824,7 @@
   </p:clrMapOvr>
   <p:extLst>
     <p:ext uri="{DCECCB84-F9BA-43D5-87BE-67443E8EF086}">
-      <p15:sldGuideLst xmlns="" xmlns:p15="http://schemas.microsoft.com/office/powerpoint/2012/main">
+      <p15:sldGuideLst xmlns:p15="http://schemas.microsoft.com/office/powerpoint/2012/main" xmlns="">
         <p15:guide id="1" pos="397">
           <p15:clr>
             <a:srgbClr val="FA7B17"/>
@@ -12685,7 +13022,7 @@
     </p:spTree>
     <p:extLst>
       <p:ext uri="{BB962C8B-B14F-4D97-AF65-F5344CB8AC3E}">
-        <p14:creationId xmlns="" xmlns:p14="http://schemas.microsoft.com/office/powerpoint/2010/main" val="4136653412"/>
+        <p14:creationId xmlns:p14="http://schemas.microsoft.com/office/powerpoint/2010/main" xmlns="" val="4136653412"/>
       </p:ext>
     </p:extLst>
   </p:cSld>
@@ -12754,7 +13091,7 @@
         <p:spPr>
           <a:xfrm>
             <a:off x="598600" y="1009925"/>
-            <a:ext cx="8092200" cy="1466525"/>
+            <a:ext cx="8092200" cy="1602973"/>
           </a:xfrm>
           <a:prstGeom prst="rect">
             <a:avLst/>
@@ -12779,91 +13116,37 @@
               </a:spcBef>
             </a:pPr>
             <a:r>
+              <a:rPr lang="ru-RU" i="1" dirty="0" smtClean="0"/>
+              <a:t>Наследование</a:t>
+            </a:r>
+            <a:r>
               <a:rPr lang="ru-RU" dirty="0" smtClean="0"/>
-              <a:t>Фильтрация данных в </a:t>
-            </a:r>
-            <a:r>
-              <a:rPr lang="en-US" dirty="0" err="1" smtClean="0"/>
-              <a:t>linq</a:t>
-            </a:r>
-            <a:r>
-              <a:rPr lang="en-US" dirty="0" smtClean="0"/>
+              <a:t> является одним из фундаментальных атрибутов объектно-ориентированного программирования. Оно позволяет определить дочерний класс, который использует (наследует), расширяет или изменяет возможности родительского класса. Класс, члены которого наследуются, называется </a:t>
+            </a:r>
+            <a:r>
+              <a:rPr lang="ru-RU" i="1" dirty="0" smtClean="0"/>
+              <a:t>базовым классом</a:t>
+            </a:r>
+            <a:r>
+              <a:rPr lang="ru-RU" dirty="0" smtClean="0"/>
+              <a:t>. Класс, который наследует члены базового класса, называется </a:t>
+            </a:r>
+            <a:r>
+              <a:rPr lang="ru-RU" i="1" dirty="0" smtClean="0"/>
+              <a:t>производным классом</a:t>
+            </a:r>
+            <a:r>
+              <a:rPr lang="ru-RU" dirty="0" smtClean="0"/>
+              <a:t>.</a:t>
+            </a:r>
+            <a:r>
+              <a:rPr lang="ru-RU" dirty="0" smtClean="0">
+                <a:latin typeface="Roboto"/>
+                <a:ea typeface="Roboto"/>
+                <a:cs typeface="Roboto"/>
+                <a:sym typeface="Roboto"/>
+              </a:rPr>
               <a:t> </a:t>
-            </a:r>
-            <a:r>
-              <a:rPr lang="ru-RU" dirty="0" smtClean="0"/>
-              <a:t>представлена следующими методами:</a:t>
-            </a:r>
-          </a:p>
-          <a:p>
-            <a:pPr lvl="0">
-              <a:lnSpc>
-                <a:spcPct val="115000"/>
-              </a:lnSpc>
-              <a:spcBef>
-                <a:spcPts val="1400"/>
-              </a:spcBef>
-            </a:pPr>
-            <a:r>
-              <a:rPr lang="en-US" u="sng" dirty="0" err="1" smtClean="0">
-                <a:hlinkClick r:id="rId3"/>
-              </a:rPr>
-              <a:t>OfType</a:t>
-            </a:r>
-            <a:r>
-              <a:rPr lang="ru-RU" dirty="0" smtClean="0"/>
-              <a:t> – фильтрует данные по типу</a:t>
-            </a:r>
-            <a:r>
-              <a:rPr lang="en-US" dirty="0" smtClean="0"/>
-              <a:t>;</a:t>
-            </a:r>
-            <a:endParaRPr lang="ru-RU" dirty="0" smtClean="0"/>
-          </a:p>
-          <a:p>
-            <a:pPr lvl="0">
-              <a:lnSpc>
-                <a:spcPct val="115000"/>
-              </a:lnSpc>
-              <a:spcBef>
-                <a:spcPts val="1400"/>
-              </a:spcBef>
-            </a:pPr>
-            <a:r>
-              <a:rPr lang="en-US" u="sng" dirty="0" smtClean="0">
-                <a:hlinkClick r:id="rId4"/>
-              </a:rPr>
-              <a:t>Where</a:t>
-            </a:r>
-            <a:r>
-              <a:rPr lang="ru-RU" sz="1200" dirty="0" smtClean="0"/>
-              <a:t> </a:t>
-            </a:r>
-            <a:r>
-              <a:rPr lang="en-US" sz="1200" dirty="0" smtClean="0"/>
-              <a:t>– </a:t>
-            </a:r>
-            <a:r>
-              <a:rPr lang="ru-RU" dirty="0" smtClean="0"/>
-              <a:t>фильтрует значения по условию (в декларативном синтаксисе - </a:t>
-            </a:r>
-            <a:r>
-              <a:rPr lang="en-US" dirty="0" smtClean="0">
-                <a:solidFill>
-                  <a:schemeClr val="accent1">
-                    <a:lumMod val="75000"/>
-                  </a:schemeClr>
-                </a:solidFill>
-              </a:rPr>
-              <a:t>where</a:t>
-            </a:r>
-            <a:r>
-              <a:rPr lang="ru-RU" dirty="0" smtClean="0"/>
-              <a:t>)</a:t>
-            </a:r>
-            <a:r>
-              <a:rPr lang="en-US" dirty="0" smtClean="0"/>
-              <a:t>.</a:t>
             </a:r>
             <a:endParaRPr lang="en-US" dirty="0" smtClean="0">
               <a:latin typeface="Roboto"/>
@@ -12874,10 +13157,136 @@
           </a:p>
         </p:txBody>
       </p:sp>
+      <p:sp>
+        <p:nvSpPr>
+          <p:cNvPr id="4" name="Google Shape;438;p74"/>
+          <p:cNvSpPr txBox="1"/>
+          <p:nvPr/>
+        </p:nvSpPr>
+        <p:spPr>
+          <a:xfrm>
+            <a:off x="614812" y="2686324"/>
+            <a:ext cx="8092200" cy="1893821"/>
+          </a:xfrm>
+          <a:prstGeom prst="rect">
+            <a:avLst/>
+          </a:prstGeom>
+          <a:noFill/>
+          <a:ln>
+            <a:noFill/>
+          </a:ln>
+        </p:spPr>
+        <p:txBody>
+          <a:bodyPr spcFirstLastPara="1" wrap="square" lIns="91425" tIns="91425" rIns="91425" bIns="91425" anchor="t" anchorCtr="0">
+            <a:spAutoFit/>
+          </a:bodyPr>
+          <a:lstStyle/>
+          <a:p>
+            <a:pPr lvl="0">
+              <a:lnSpc>
+                <a:spcPct val="115000"/>
+              </a:lnSpc>
+              <a:spcBef>
+                <a:spcPts val="1400"/>
+              </a:spcBef>
+            </a:pPr>
+            <a:r>
+              <a:rPr lang="ru-RU" dirty="0" smtClean="0"/>
+              <a:t>Наследоваться в рамках языка </a:t>
+            </a:r>
+            <a:r>
+              <a:rPr lang="en-US" dirty="0" smtClean="0"/>
+              <a:t>C# </a:t>
+            </a:r>
+            <a:r>
+              <a:rPr lang="ru-RU" dirty="0" smtClean="0"/>
+              <a:t>допустимо от:</a:t>
+            </a:r>
+          </a:p>
+          <a:p>
+            <a:pPr marL="342900" lvl="0" indent="-342900">
+              <a:lnSpc>
+                <a:spcPct val="115000"/>
+              </a:lnSpc>
+              <a:spcBef>
+                <a:spcPts val="1400"/>
+              </a:spcBef>
+              <a:buAutoNum type="arabicPeriod"/>
+            </a:pPr>
+            <a:r>
+              <a:rPr lang="ru-RU" dirty="0" smtClean="0">
+                <a:latin typeface="Roboto"/>
+                <a:ea typeface="Roboto"/>
+                <a:cs typeface="Roboto"/>
+                <a:sym typeface="Roboto"/>
+              </a:rPr>
+              <a:t>Классов.</a:t>
+            </a:r>
+            <a:r>
+              <a:rPr lang="ru-RU" dirty="0" smtClean="0">
+                <a:latin typeface="Roboto"/>
+                <a:ea typeface="Roboto"/>
+                <a:cs typeface="Roboto"/>
+                <a:sym typeface="Roboto"/>
+              </a:rPr>
+              <a:t> </a:t>
+            </a:r>
+            <a:endParaRPr lang="ru-RU" dirty="0" smtClean="0">
+              <a:latin typeface="Roboto"/>
+              <a:ea typeface="Roboto"/>
+              <a:cs typeface="Roboto"/>
+              <a:sym typeface="Roboto"/>
+            </a:endParaRPr>
+          </a:p>
+          <a:p>
+            <a:pPr marL="342900" lvl="0" indent="-342900">
+              <a:lnSpc>
+                <a:spcPct val="115000"/>
+              </a:lnSpc>
+              <a:spcBef>
+                <a:spcPts val="1400"/>
+              </a:spcBef>
+              <a:buAutoNum type="arabicPeriod"/>
+            </a:pPr>
+            <a:r>
+              <a:rPr lang="ru-RU" dirty="0" smtClean="0">
+                <a:latin typeface="Roboto"/>
+                <a:ea typeface="Roboto"/>
+                <a:cs typeface="Roboto"/>
+                <a:sym typeface="Roboto"/>
+              </a:rPr>
+              <a:t>Интерфейсов.</a:t>
+            </a:r>
+            <a:endParaRPr lang="ru-RU" dirty="0" smtClean="0">
+              <a:latin typeface="Roboto"/>
+              <a:ea typeface="Roboto"/>
+              <a:cs typeface="Roboto"/>
+              <a:sym typeface="Roboto"/>
+            </a:endParaRPr>
+          </a:p>
+          <a:p>
+            <a:pPr marL="342900" lvl="0" indent="-342900">
+              <a:lnSpc>
+                <a:spcPct val="115000"/>
+              </a:lnSpc>
+              <a:spcBef>
+                <a:spcPts val="1400"/>
+              </a:spcBef>
+              <a:buAutoNum type="arabicPeriod"/>
+            </a:pPr>
+            <a:endParaRPr lang="en-US" dirty="0" smtClean="0">
+              <a:latin typeface="Roboto"/>
+              <a:ea typeface="Roboto"/>
+              <a:cs typeface="Roboto"/>
+              <a:sym typeface="Roboto"/>
+            </a:endParaRPr>
+          </a:p>
+        </p:txBody>
+      </p:sp>
     </p:spTree>
     <p:extLst>
       <p:ext uri="{BB962C8B-B14F-4D97-AF65-F5344CB8AC3E}">
-        <p14:creationId xmlns="" xmlns:p14="http://schemas.microsoft.com/office/powerpoint/2010/main" val="3413217380"/>
+        <p14:creationId xmlns:p14="http://schemas.microsoft.com/office/powerpoint/2010/main" xmlns="" val="3413217380"/>
       </p:ext>
     </p:extLst>
   </p:cSld>
@@ -12885,7 +13294,7 @@
     <a:masterClrMapping/>
   </p:clrMapOvr>
   <mc:AlternateContent xmlns:mc="http://schemas.openxmlformats.org/markup-compatibility/2006">
-    <mc:Choice xmlns="" xmlns:p14="http://schemas.microsoft.com/office/powerpoint/2010/main" Requires="p14">
+    <mc:Choice xmlns:p14="http://schemas.microsoft.com/office/powerpoint/2010/main" xmlns="" Requires="p14">
       <p:transition spd="slow" p14:dur="2000"/>
     </mc:Choice>
     <mc:Fallback>
@@ -12946,49 +13355,95 @@
           <a:p>
             <a:r>
               <a:rPr lang="ru-RU" dirty="0" smtClean="0"/>
-              <a:t>Наследуемся от класса</a:t>
+              <a:t>Что наследуется</a:t>
             </a:r>
             <a:endParaRPr lang="ru-RU" dirty="0"/>
           </a:p>
         </p:txBody>
       </p:sp>
-      <p:pic>
-        <p:nvPicPr>
-          <p:cNvPr id="1027" name="Picture 3"/>
-          <p:cNvPicPr>
-            <a:picLocks noChangeAspect="1" noChangeArrowheads="1"/>
-          </p:cNvPicPr>
+      <p:sp>
+        <p:nvSpPr>
+          <p:cNvPr id="438" name="Google Shape;438;p74"/>
+          <p:cNvSpPr txBox="1"/>
           <p:nvPr/>
-        </p:nvPicPr>
-        <p:blipFill>
-          <a:blip r:embed="rId3"/>
-          <a:srcRect/>
-          <a:stretch>
-            <a:fillRect/>
-          </a:stretch>
-        </p:blipFill>
-        <p:spPr bwMode="auto">
-          <a:xfrm>
-            <a:off x="3467100" y="1698625"/>
-            <a:ext cx="2209800" cy="1743075"/>
+        </p:nvSpPr>
+        <p:spPr>
+          <a:xfrm>
+            <a:off x="598600" y="1009925"/>
+            <a:ext cx="8092200" cy="1908184"/>
           </a:xfrm>
           <a:prstGeom prst="rect">
             <a:avLst/>
           </a:prstGeom>
           <a:noFill/>
-          <a:ln w="9525">
+          <a:ln>
             <a:noFill/>
-            <a:miter lim="800000"/>
-            <a:headEnd/>
-            <a:tailEnd/>
           </a:ln>
-          <a:effectLst/>
-        </p:spPr>
-      </p:pic>
+        </p:spPr>
+        <p:txBody>
+          <a:bodyPr spcFirstLastPara="1" wrap="square" lIns="91425" tIns="91425" rIns="91425" bIns="91425" anchor="t" anchorCtr="0">
+            <a:spAutoFit/>
+          </a:bodyPr>
+          <a:lstStyle/>
+          <a:p>
+            <a:r>
+              <a:rPr lang="ru-RU" dirty="0" smtClean="0"/>
+              <a:t>Не все члены базового класса наследуются производными классами. Следующие члены не наследуются.</a:t>
+            </a:r>
+          </a:p>
+          <a:p>
+            <a:r>
+              <a:rPr lang="ru-RU" dirty="0" smtClean="0">
+                <a:hlinkClick r:id="rId3"/>
+              </a:rPr>
+              <a:t>Статические конструкторы</a:t>
+            </a:r>
+            <a:r>
+              <a:rPr lang="ru-RU" dirty="0" smtClean="0"/>
+              <a:t>, которые инициализируют статические данные класса.</a:t>
+            </a:r>
+          </a:p>
+          <a:p>
+            <a:r>
+              <a:rPr lang="ru-RU" dirty="0" smtClean="0">
+                <a:hlinkClick r:id="rId4"/>
+              </a:rPr>
+              <a:t>Конструкторы экземпляров</a:t>
+            </a:r>
+            <a:r>
+              <a:rPr lang="ru-RU" dirty="0" smtClean="0"/>
+              <a:t>, которые вызываются для создания нового экземпляра класса. Каждый класс должен определять собственные конструкторы.</a:t>
+            </a:r>
+          </a:p>
+          <a:p>
+            <a:r>
+              <a:rPr lang="ru-RU" dirty="0" smtClean="0">
+                <a:hlinkClick r:id="rId5"/>
+              </a:rPr>
+              <a:t>Методы завершения</a:t>
+            </a:r>
+            <a:r>
+              <a:rPr lang="ru-RU" dirty="0" smtClean="0"/>
+              <a:t>, которые вызываются сборщиком мусора среды выполнения для уничтожения экземпляров класса</a:t>
+            </a:r>
+            <a:r>
+              <a:rPr lang="ru-RU" dirty="0" smtClean="0"/>
+              <a:t>.</a:t>
+            </a:r>
+          </a:p>
+          <a:p>
+            <a:r>
+              <a:rPr lang="ru-RU" dirty="0" smtClean="0"/>
+              <a:t>Наследование зависит от открытости и закрытости членов класса.</a:t>
+            </a:r>
+            <a:endParaRPr lang="ru-RU" dirty="0"/>
+          </a:p>
+        </p:txBody>
+      </p:sp>
     </p:spTree>
     <p:extLst>
       <p:ext uri="{BB962C8B-B14F-4D97-AF65-F5344CB8AC3E}">
-        <p14:creationId xmlns="" xmlns:p14="http://schemas.microsoft.com/office/powerpoint/2010/main" val="3413217380"/>
+        <p14:creationId xmlns:p14="http://schemas.microsoft.com/office/powerpoint/2010/main" xmlns="" val="3413217380"/>
       </p:ext>
     </p:extLst>
   </p:cSld>
@@ -12996,7 +13451,7 @@
     <a:masterClrMapping/>
   </p:clrMapOvr>
   <mc:AlternateContent xmlns:mc="http://schemas.openxmlformats.org/markup-compatibility/2006">
-    <mc:Choice xmlns="" xmlns:p14="http://schemas.microsoft.com/office/powerpoint/2010/main" Requires="p14">
+    <mc:Choice xmlns:p14="http://schemas.microsoft.com/office/powerpoint/2010/main" xmlns="" Requires="p14">
       <p:transition spd="slow" p14:dur="2000"/>
     </mc:Choice>
     <mc:Fallback>
@@ -13057,7 +13512,7 @@
           <a:p>
             <a:r>
               <a:rPr lang="ru-RU" dirty="0" smtClean="0"/>
-              <a:t>Фильтрация</a:t>
+              <a:t>Множественное наследование запрещено</a:t>
             </a:r>
             <a:endParaRPr lang="ru-RU" dirty="0"/>
           </a:p>
@@ -13065,14 +13520,14 @@
       </p:sp>
       <p:sp>
         <p:nvSpPr>
-          <p:cNvPr id="438" name="Google Shape;438;p74"/>
+          <p:cNvPr id="4" name="Google Shape;438;p74"/>
           <p:cNvSpPr txBox="1"/>
           <p:nvPr/>
         </p:nvSpPr>
         <p:spPr>
           <a:xfrm>
-            <a:off x="598600" y="1009925"/>
-            <a:ext cx="8092200" cy="1466525"/>
+            <a:off x="654996" y="3968885"/>
+            <a:ext cx="8052015" cy="611932"/>
           </a:xfrm>
           <a:prstGeom prst="rect">
             <a:avLst/>
@@ -13088,7 +13543,7 @@
           </a:bodyPr>
           <a:lstStyle/>
           <a:p>
-            <a:pPr lvl="0">
+            <a:pPr marL="342900" lvl="0" indent="-342900">
               <a:lnSpc>
                 <a:spcPct val="115000"/>
               </a:lnSpc>
@@ -13097,94 +13552,43 @@
               </a:spcBef>
             </a:pPr>
             <a:r>
-              <a:rPr lang="ru-RU" dirty="0" smtClean="0"/>
-              <a:t>Фильтрация данных в </a:t>
-            </a:r>
-            <a:r>
-              <a:rPr lang="en-US" dirty="0" err="1" smtClean="0"/>
-              <a:t>linq</a:t>
-            </a:r>
-            <a:r>
-              <a:rPr lang="en-US" dirty="0" smtClean="0"/>
-              <a:t> </a:t>
-            </a:r>
-            <a:r>
-              <a:rPr lang="ru-RU" dirty="0" smtClean="0"/>
-              <a:t>представлена следующими методами:</a:t>
-            </a:r>
-          </a:p>
-          <a:p>
-            <a:pPr lvl="0">
-              <a:lnSpc>
-                <a:spcPct val="115000"/>
-              </a:lnSpc>
-              <a:spcBef>
-                <a:spcPts val="1400"/>
-              </a:spcBef>
-            </a:pPr>
-            <a:r>
-              <a:rPr lang="en-US" u="sng" dirty="0" err="1" smtClean="0">
-                <a:hlinkClick r:id="rId3"/>
+              <a:rPr lang="ru-RU" dirty="0" smtClean="0">
+                <a:latin typeface="Roboto"/>
+                <a:ea typeface="Roboto"/>
+                <a:cs typeface="Roboto"/>
+                <a:sym typeface="Roboto"/>
               </a:rPr>
-              <a:t>OfType</a:t>
-            </a:r>
-            <a:r>
-              <a:rPr lang="ru-RU" dirty="0" smtClean="0"/>
-              <a:t> – фильтрует данные по типу</a:t>
-            </a:r>
-            <a:r>
-              <a:rPr lang="en-US" dirty="0" smtClean="0"/>
-              <a:t>;</a:t>
-            </a:r>
-            <a:endParaRPr lang="ru-RU" dirty="0" smtClean="0"/>
-          </a:p>
-          <a:p>
-            <a:pPr lvl="0">
-              <a:lnSpc>
-                <a:spcPct val="115000"/>
-              </a:lnSpc>
-              <a:spcBef>
-                <a:spcPts val="1400"/>
-              </a:spcBef>
-            </a:pPr>
-            <a:r>
-              <a:rPr lang="en-US" u="sng" dirty="0" smtClean="0">
-                <a:hlinkClick r:id="rId4"/>
+              <a:t>Реализация какого класса метода </a:t>
+            </a:r>
+            <a:r>
+              <a:rPr lang="en-US" b="1" dirty="0" err="1" smtClean="0">
+                <a:latin typeface="Consolas" pitchFamily="49" charset="0"/>
+                <a:ea typeface="Roboto"/>
+                <a:cs typeface="Roboto"/>
+                <a:sym typeface="Roboto"/>
               </a:rPr>
-              <a:t>Where</a:t>
-            </a:r>
-            <a:r>
-              <a:rPr lang="ru-RU" sz="1200" dirty="0" smtClean="0"/>
-              <a:t> </a:t>
-            </a:r>
-            <a:r>
-              <a:rPr lang="en-US" sz="1200" dirty="0" smtClean="0"/>
-              <a:t>– </a:t>
-            </a:r>
-            <a:r>
-              <a:rPr lang="ru-RU" dirty="0" smtClean="0"/>
-              <a:t>фильтрует значения по условию (в декларативном синтаксисе - </a:t>
-            </a:r>
-            <a:r>
-              <a:rPr lang="en-US" dirty="0" smtClean="0">
-                <a:solidFill>
-                  <a:schemeClr val="accent1">
-                    <a:lumMod val="75000"/>
-                  </a:schemeClr>
-                </a:solidFill>
+              <a:t>SomeMethod</a:t>
+            </a:r>
+            <a:r>
+              <a:rPr lang="ru-RU" dirty="0" smtClean="0">
+                <a:latin typeface="Roboto"/>
+                <a:ea typeface="Roboto"/>
+                <a:cs typeface="Roboto"/>
+                <a:sym typeface="Roboto"/>
               </a:rPr>
-              <a:t>where</a:t>
-            </a:r>
-            <a:r>
-              <a:rPr lang="ru-RU" dirty="0" smtClean="0"/>
-              <a:t>)</a:t>
-            </a:r>
-            <a:r>
-              <a:rPr lang="en-US" dirty="0" smtClean="0"/>
-              <a:t>.</a:t>
-            </a:r>
-            <a:endParaRPr lang="en-US" dirty="0" smtClean="0">
-              <a:latin typeface="Roboto"/>
+              <a:t> достанется классу </a:t>
+            </a:r>
+            <a:r>
+              <a:rPr lang="en-US" b="1" dirty="0" smtClean="0">
+                <a:latin typeface="Consolas" pitchFamily="49" charset="0"/>
+                <a:ea typeface="Roboto"/>
+                <a:cs typeface="Roboto"/>
+                <a:sym typeface="Roboto"/>
+              </a:rPr>
+              <a:t>Child?</a:t>
+            </a:r>
+            <a:endParaRPr lang="en-US" b="1" dirty="0" smtClean="0">
+              <a:latin typeface="Consolas" pitchFamily="49" charset="0"/>
               <a:ea typeface="Roboto"/>
               <a:cs typeface="Roboto"/>
               <a:sym typeface="Roboto"/>
@@ -13192,10 +13596,43 @@
           </a:p>
         </p:txBody>
       </p:sp>
+      <p:pic>
+        <p:nvPicPr>
+          <p:cNvPr id="1026" name="Picture 2"/>
+          <p:cNvPicPr>
+            <a:picLocks noChangeAspect="1" noChangeArrowheads="1"/>
+          </p:cNvPicPr>
+          <p:nvPr/>
+        </p:nvPicPr>
+        <p:blipFill>
+          <a:blip r:embed="rId3"/>
+          <a:srcRect/>
+          <a:stretch>
+            <a:fillRect/>
+          </a:stretch>
+        </p:blipFill>
+        <p:spPr bwMode="auto">
+          <a:xfrm>
+            <a:off x="1619249" y="995414"/>
+            <a:ext cx="6259513" cy="3167010"/>
+          </a:xfrm>
+          <a:prstGeom prst="rect">
+            <a:avLst/>
+          </a:prstGeom>
+          <a:noFill/>
+          <a:ln w="9525">
+            <a:noFill/>
+            <a:miter lim="800000"/>
+            <a:headEnd/>
+            <a:tailEnd/>
+          </a:ln>
+          <a:effectLst/>
+        </p:spPr>
+      </p:pic>
     </p:spTree>
     <p:extLst>
       <p:ext uri="{BB962C8B-B14F-4D97-AF65-F5344CB8AC3E}">
-        <p14:creationId xmlns="" xmlns:p14="http://schemas.microsoft.com/office/powerpoint/2010/main" val="3413217380"/>
+        <p14:creationId xmlns:p14="http://schemas.microsoft.com/office/powerpoint/2010/main" xmlns="" val="3413217380"/>
       </p:ext>
     </p:extLst>
   </p:cSld>
@@ -13203,7 +13640,7 @@
     <a:masterClrMapping/>
   </p:clrMapOvr>
   <mc:AlternateContent xmlns:mc="http://schemas.openxmlformats.org/markup-compatibility/2006">
-    <mc:Choice xmlns="" xmlns:p14="http://schemas.microsoft.com/office/powerpoint/2010/main" Requires="p14">
+    <mc:Choice xmlns:p14="http://schemas.microsoft.com/office/powerpoint/2010/main" xmlns="" Requires="p14">
       <p:transition spd="slow" p14:dur="2000"/>
     </mc:Choice>
     <mc:Fallback>
@@ -13225,7 +13662,7 @@
   <p:cSld>
     <p:spTree>
       <p:nvGrpSpPr>
-        <p:cNvPr id="1" name="Shape 436"/>
+        <p:cNvPr id="1" name="Shape 425"/>
         <p:cNvGrpSpPr/>
         <p:nvPr/>
       </p:nvGrpSpPr>
@@ -13239,7 +13676,7 @@
       </p:grpSpPr>
       <p:sp>
         <p:nvSpPr>
-          <p:cNvPr id="437" name="Google Shape;437;p74"/>
+          <p:cNvPr id="426" name="Google Shape;426;p72"/>
           <p:cNvSpPr txBox="1">
             <a:spLocks noGrp="1"/>
           </p:cNvSpPr>
@@ -13249,67 +13686,31 @@
         </p:nvSpPr>
         <p:spPr>
           <a:xfrm>
-            <a:off x="500550" y="330725"/>
-            <a:ext cx="8190300" cy="679200"/>
+            <a:off x="956225" y="396400"/>
+            <a:ext cx="6931800" cy="4090800"/>
           </a:xfrm>
           <a:prstGeom prst="rect">
             <a:avLst/>
           </a:prstGeom>
         </p:spPr>
         <p:txBody>
-          <a:bodyPr spcFirstLastPara="1" wrap="square" lIns="91425" tIns="91425" rIns="91425" bIns="91425" anchor="t" anchorCtr="0">
+          <a:bodyPr spcFirstLastPara="1" wrap="square" lIns="91425" tIns="91425" rIns="91425" bIns="91425" anchor="ctr" anchorCtr="0">
             <a:noAutofit/>
           </a:bodyPr>
           <a:lstStyle/>
           <a:p>
+            <a:pPr marL="0" lvl="0" indent="0" algn="l" rtl="0">
+              <a:spcBef>
+                <a:spcPts val="0"/>
+              </a:spcBef>
+              <a:spcAft>
+                <a:spcPts val="0"/>
+              </a:spcAft>
+              <a:buNone/>
+            </a:pPr>
             <a:r>
               <a:rPr lang="ru-RU" dirty="0" smtClean="0"/>
-              <a:t>Фильтрация</a:t>
-            </a:r>
-            <a:endParaRPr lang="ru-RU" dirty="0"/>
-          </a:p>
-        </p:txBody>
-      </p:sp>
-      <p:sp>
-        <p:nvSpPr>
-          <p:cNvPr id="438" name="Google Shape;438;p74"/>
-          <p:cNvSpPr txBox="1"/>
-          <p:nvPr/>
-        </p:nvSpPr>
-        <p:spPr>
-          <a:xfrm>
-            <a:off x="598600" y="1009925"/>
-            <a:ext cx="8092200" cy="1466525"/>
-          </a:xfrm>
-          <a:prstGeom prst="rect">
-            <a:avLst/>
-          </a:prstGeom>
-          <a:noFill/>
-          <a:ln>
-            <a:noFill/>
-          </a:ln>
-        </p:spPr>
-        <p:txBody>
-          <a:bodyPr spcFirstLastPara="1" wrap="square" lIns="91425" tIns="91425" rIns="91425" bIns="91425" anchor="t" anchorCtr="0">
-            <a:spAutoFit/>
-          </a:bodyPr>
-          <a:lstStyle/>
-          <a:p>
-            <a:pPr lvl="0">
-              <a:lnSpc>
-                <a:spcPct val="115000"/>
-              </a:lnSpc>
-              <a:spcBef>
-                <a:spcPts val="1400"/>
-              </a:spcBef>
-            </a:pPr>
-            <a:r>
-              <a:rPr lang="ru-RU" dirty="0" smtClean="0"/>
-              <a:t>Фильтрация данных в </a:t>
-            </a:r>
-            <a:r>
-              <a:rPr lang="en-US" dirty="0" err="1" smtClean="0"/>
-              <a:t>linq</a:t>
+              <a:t>Наследование</a:t>
             </a:r>
             <a:r>
               <a:rPr lang="en-US" dirty="0" smtClean="0"/>
@@ -13317,92 +13718,16 @@
             </a:r>
             <a:r>
               <a:rPr lang="ru-RU" dirty="0" smtClean="0"/>
-              <a:t>представлена следующими методами:</a:t>
-            </a:r>
-          </a:p>
-          <a:p>
-            <a:pPr lvl="0">
-              <a:lnSpc>
-                <a:spcPct val="115000"/>
-              </a:lnSpc>
-              <a:spcBef>
-                <a:spcPts val="1400"/>
-              </a:spcBef>
-            </a:pPr>
-            <a:r>
-              <a:rPr lang="en-US" u="sng" dirty="0" err="1" smtClean="0">
-                <a:hlinkClick r:id="rId3"/>
-              </a:rPr>
-              <a:t>OfType</a:t>
-            </a:r>
-            <a:r>
-              <a:rPr lang="ru-RU" dirty="0" smtClean="0"/>
-              <a:t> – фильтрует данные по типу</a:t>
-            </a:r>
-            <a:r>
-              <a:rPr lang="en-US" dirty="0" smtClean="0"/>
-              <a:t>;</a:t>
-            </a:r>
-            <a:endParaRPr lang="ru-RU" dirty="0" smtClean="0"/>
-          </a:p>
-          <a:p>
-            <a:pPr lvl="0">
-              <a:lnSpc>
-                <a:spcPct val="115000"/>
-              </a:lnSpc>
-              <a:spcBef>
-                <a:spcPts val="1400"/>
-              </a:spcBef>
-            </a:pPr>
-            <a:r>
-              <a:rPr lang="en-US" u="sng" dirty="0" smtClean="0">
-                <a:hlinkClick r:id="rId4"/>
-              </a:rPr>
-              <a:t>Where</a:t>
-            </a:r>
-            <a:r>
-              <a:rPr lang="ru-RU" sz="1200" dirty="0" smtClean="0"/>
-              <a:t> </a:t>
-            </a:r>
-            <a:r>
-              <a:rPr lang="en-US" sz="1200" dirty="0" smtClean="0"/>
-              <a:t>– </a:t>
-            </a:r>
-            <a:r>
-              <a:rPr lang="ru-RU" dirty="0" smtClean="0"/>
-              <a:t>фильтрует значения по условию (в декларативном синтаксисе - </a:t>
-            </a:r>
-            <a:r>
-              <a:rPr lang="en-US" dirty="0" smtClean="0">
-                <a:solidFill>
-                  <a:schemeClr val="accent1">
-                    <a:lumMod val="75000"/>
-                  </a:schemeClr>
-                </a:solidFill>
-              </a:rPr>
-              <a:t>where</a:t>
-            </a:r>
-            <a:r>
-              <a:rPr lang="ru-RU" dirty="0" smtClean="0"/>
-              <a:t>)</a:t>
-            </a:r>
-            <a:r>
-              <a:rPr lang="en-US" dirty="0" smtClean="0"/>
-              <a:t>.</a:t>
-            </a:r>
-            <a:endParaRPr lang="en-US" dirty="0" smtClean="0">
-              <a:latin typeface="Roboto"/>
-              <a:ea typeface="Roboto"/>
-              <a:cs typeface="Roboto"/>
-              <a:sym typeface="Roboto"/>
-            </a:endParaRPr>
+              <a:t>от значимых типов</a:t>
+            </a:r>
+            <a:endParaRPr dirty="0"/>
           </a:p>
         </p:txBody>
       </p:sp>
     </p:spTree>
     <p:extLst>
       <p:ext uri="{BB962C8B-B14F-4D97-AF65-F5344CB8AC3E}">
-        <p14:creationId xmlns="" xmlns:p14="http://schemas.microsoft.com/office/powerpoint/2010/main" val="3413217380"/>
+        <p14:creationId xmlns:p14="http://schemas.microsoft.com/office/powerpoint/2010/main" xmlns="" val="682476833"/>
       </p:ext>
     </p:extLst>
   </p:cSld>
@@ -13410,7 +13735,7 @@
     <a:masterClrMapping/>
   </p:clrMapOvr>
   <mc:AlternateContent xmlns:mc="http://schemas.openxmlformats.org/markup-compatibility/2006">
-    <mc:Choice xmlns="" xmlns:p14="http://schemas.microsoft.com/office/powerpoint/2010/main" Requires="p14">
+    <mc:Choice xmlns:p14="http://schemas.microsoft.com/office/powerpoint/2010/main" xmlns="" Requires="p14">
       <p:transition spd="slow" p14:dur="2000"/>
     </mc:Choice>
     <mc:Fallback>
@@ -13471,145 +13796,49 @@
           <a:p>
             <a:r>
               <a:rPr lang="ru-RU" dirty="0" smtClean="0"/>
-              <a:t>Фильтрация</a:t>
+              <a:t>Наследуемся от класса</a:t>
             </a:r>
             <a:endParaRPr lang="ru-RU" dirty="0"/>
           </a:p>
         </p:txBody>
       </p:sp>
-      <p:sp>
-        <p:nvSpPr>
-          <p:cNvPr id="438" name="Google Shape;438;p74"/>
-          <p:cNvSpPr txBox="1"/>
+      <p:pic>
+        <p:nvPicPr>
+          <p:cNvPr id="1027" name="Picture 3"/>
+          <p:cNvPicPr>
+            <a:picLocks noChangeAspect="1" noChangeArrowheads="1"/>
+          </p:cNvPicPr>
           <p:nvPr/>
-        </p:nvSpPr>
-        <p:spPr>
-          <a:xfrm>
-            <a:off x="598600" y="1009925"/>
-            <a:ext cx="8092200" cy="1466525"/>
+        </p:nvPicPr>
+        <p:blipFill>
+          <a:blip r:embed="rId3"/>
+          <a:srcRect/>
+          <a:stretch>
+            <a:fillRect/>
+          </a:stretch>
+        </p:blipFill>
+        <p:spPr bwMode="auto">
+          <a:xfrm>
+            <a:off x="3467100" y="1698625"/>
+            <a:ext cx="2209800" cy="1743075"/>
           </a:xfrm>
           <a:prstGeom prst="rect">
             <a:avLst/>
           </a:prstGeom>
           <a:noFill/>
-          <a:ln>
+          <a:ln w="9525">
             <a:noFill/>
+            <a:miter lim="800000"/>
+            <a:headEnd/>
+            <a:tailEnd/>
           </a:ln>
-        </p:spPr>
-        <p:txBody>
-          <a:bodyPr spcFirstLastPara="1" wrap="square" lIns="91425" tIns="91425" rIns="91425" bIns="91425" anchor="t" anchorCtr="0">
-            <a:spAutoFit/>
-          </a:bodyPr>
-          <a:lstStyle/>
-          <a:p>
-            <a:pPr lvl="0">
-              <a:lnSpc>
-                <a:spcPct val="115000"/>
-              </a:lnSpc>
-              <a:spcBef>
-                <a:spcPts val="1400"/>
-              </a:spcBef>
-            </a:pPr>
-            <a:r>
-              <a:rPr lang="ru-RU" dirty="0" smtClean="0"/>
-              <a:t>Фильтрация данных в </a:t>
-            </a:r>
-            <a:r>
-              <a:rPr lang="en-US" dirty="0" err="1" smtClean="0"/>
-              <a:t>linq</a:t>
-            </a:r>
-            <a:r>
-              <a:rPr lang="en-US" dirty="0" smtClean="0"/>
-              <a:t> </a:t>
-            </a:r>
-            <a:r>
-              <a:rPr lang="ru-RU" dirty="0" smtClean="0"/>
-              <a:t>представлена следующими методами:</a:t>
-            </a:r>
-          </a:p>
-          <a:p>
-            <a:pPr lvl="0">
-              <a:lnSpc>
-                <a:spcPct val="115000"/>
-              </a:lnSpc>
-              <a:spcBef>
-                <a:spcPts val="1400"/>
-              </a:spcBef>
-            </a:pPr>
-            <a:r>
-              <a:rPr lang="en-US" u="sng" dirty="0" err="1" smtClean="0">
-                <a:hlinkClick r:id="rId3"/>
-              </a:rPr>
-              <a:t>OfType</a:t>
-            </a:r>
-            <a:r>
-              <a:rPr lang="ru-RU" dirty="0" smtClean="0"/>
-              <a:t> – фильтрует данные по типу</a:t>
-            </a:r>
-            <a:r>
-              <a:rPr lang="en-US" dirty="0" smtClean="0"/>
-              <a:t>;</a:t>
-            </a:r>
-            <a:endParaRPr lang="ru-RU" dirty="0" smtClean="0"/>
-          </a:p>
-          <a:p>
-            <a:pPr lvl="0">
-              <a:lnSpc>
-                <a:spcPct val="115000"/>
-              </a:lnSpc>
-              <a:spcBef>
-                <a:spcPts val="1400"/>
-              </a:spcBef>
-            </a:pPr>
-            <a:r>
-              <a:rPr lang="en-US" u="sng" dirty="0" smtClean="0">
-                <a:hlinkClick r:id="rId4"/>
-              </a:rPr>
-              <a:t>Where</a:t>
-            </a:r>
-            <a:r>
-              <a:rPr lang="ru-RU" sz="1200" dirty="0" smtClean="0"/>
-              <a:t> </a:t>
-            </a:r>
-            <a:r>
-              <a:rPr lang="en-US" sz="1200" dirty="0" smtClean="0"/>
-              <a:t>– </a:t>
-            </a:r>
-            <a:r>
-              <a:rPr lang="ru-RU" dirty="0" smtClean="0"/>
-              <a:t>фильтрует значения по условию (в декларативном синтаксисе - </a:t>
-            </a:r>
-            <a:r>
-              <a:rPr lang="en-US" dirty="0" smtClean="0">
-                <a:solidFill>
-                  <a:schemeClr val="accent1">
-                    <a:lumMod val="75000"/>
-                  </a:schemeClr>
-                </a:solidFill>
-              </a:rPr>
-              <a:t>where</a:t>
-            </a:r>
-            <a:r>
-              <a:rPr lang="ru-RU" dirty="0" smtClean="0"/>
-              <a:t>)</a:t>
-            </a:r>
-            <a:r>
-              <a:rPr lang="en-US" dirty="0" smtClean="0"/>
-              <a:t>.</a:t>
-            </a:r>
-            <a:endParaRPr lang="en-US" dirty="0" smtClean="0">
-              <a:latin typeface="Roboto"/>
-              <a:ea typeface="Roboto"/>
-              <a:cs typeface="Roboto"/>
-              <a:sym typeface="Roboto"/>
-            </a:endParaRPr>
-          </a:p>
-        </p:txBody>
-      </p:sp>
+          <a:effectLst/>
+        </p:spPr>
+      </p:pic>
     </p:spTree>
     <p:extLst>
       <p:ext uri="{BB962C8B-B14F-4D97-AF65-F5344CB8AC3E}">
-        <p14:creationId xmlns="" xmlns:p14="http://schemas.microsoft.com/office/powerpoint/2010/main" val="3413217380"/>
+        <p14:creationId xmlns:p14="http://schemas.microsoft.com/office/powerpoint/2010/main" xmlns="" val="3413217380"/>
       </p:ext>
     </p:extLst>
   </p:cSld>
@@ -13617,7 +13846,7 @@
     <a:masterClrMapping/>
   </p:clrMapOvr>
   <mc:AlternateContent xmlns:mc="http://schemas.openxmlformats.org/markup-compatibility/2006">
-    <mc:Choice xmlns="" xmlns:p14="http://schemas.microsoft.com/office/powerpoint/2010/main" Requires="p14">
+    <mc:Choice xmlns:p14="http://schemas.microsoft.com/office/powerpoint/2010/main" xmlns="" Requires="p14">
       <p:transition spd="slow" p14:dur="2000"/>
     </mc:Choice>
     <mc:Fallback>
@@ -13639,7 +13868,7 @@
   <p:cSld>
     <p:spTree>
       <p:nvGrpSpPr>
-        <p:cNvPr id="1" name="Shape 425"/>
+        <p:cNvPr id="1" name="Shape 436"/>
         <p:cNvGrpSpPr/>
         <p:nvPr/>
       </p:nvGrpSpPr>
@@ -13653,7 +13882,7 @@
       </p:grpSpPr>
       <p:sp>
         <p:nvSpPr>
-          <p:cNvPr id="426" name="Google Shape;426;p72"/>
+          <p:cNvPr id="437" name="Google Shape;437;p74"/>
           <p:cNvSpPr txBox="1">
             <a:spLocks noGrp="1"/>
           </p:cNvSpPr>
@@ -13663,40 +13892,160 @@
         </p:nvSpPr>
         <p:spPr>
           <a:xfrm>
-            <a:off x="956225" y="396400"/>
-            <a:ext cx="6931800" cy="4090800"/>
+            <a:off x="500550" y="330725"/>
+            <a:ext cx="8190300" cy="679200"/>
           </a:xfrm>
           <a:prstGeom prst="rect">
             <a:avLst/>
           </a:prstGeom>
         </p:spPr>
         <p:txBody>
-          <a:bodyPr spcFirstLastPara="1" wrap="square" lIns="91425" tIns="91425" rIns="91425" bIns="91425" anchor="ctr" anchorCtr="0">
+          <a:bodyPr spcFirstLastPara="1" wrap="square" lIns="91425" tIns="91425" rIns="91425" bIns="91425" anchor="t" anchorCtr="0">
             <a:noAutofit/>
           </a:bodyPr>
           <a:lstStyle/>
           <a:p>
-            <a:pPr marL="0" lvl="0" indent="0" algn="l" rtl="0">
-              <a:spcBef>
-                <a:spcPts val="0"/>
-              </a:spcBef>
-              <a:spcAft>
-                <a:spcPts val="0"/>
-              </a:spcAft>
-              <a:buNone/>
+            <a:r>
+              <a:rPr lang="ru-RU" dirty="0" smtClean="0"/>
+              <a:t>Фильтрация</a:t>
+            </a:r>
+            <a:endParaRPr lang="ru-RU" dirty="0"/>
+          </a:p>
+        </p:txBody>
+      </p:sp>
+      <p:sp>
+        <p:nvSpPr>
+          <p:cNvPr id="438" name="Google Shape;438;p74"/>
+          <p:cNvSpPr txBox="1"/>
+          <p:nvPr/>
+        </p:nvSpPr>
+        <p:spPr>
+          <a:xfrm>
+            <a:off x="598600" y="1009925"/>
+            <a:ext cx="8092200" cy="1466525"/>
+          </a:xfrm>
+          <a:prstGeom prst="rect">
+            <a:avLst/>
+          </a:prstGeom>
+          <a:noFill/>
+          <a:ln>
+            <a:noFill/>
+          </a:ln>
+        </p:spPr>
+        <p:txBody>
+          <a:bodyPr spcFirstLastPara="1" wrap="square" lIns="91425" tIns="91425" rIns="91425" bIns="91425" anchor="t" anchorCtr="0">
+            <a:spAutoFit/>
+          </a:bodyPr>
+          <a:lstStyle/>
+          <a:p>
+            <a:pPr lvl="0">
+              <a:lnSpc>
+                <a:spcPct val="115000"/>
+              </a:lnSpc>
+              <a:spcBef>
+                <a:spcPts val="1400"/>
+              </a:spcBef>
             </a:pPr>
             <a:r>
               <a:rPr lang="ru-RU" dirty="0" smtClean="0"/>
-              <a:t>Проекция</a:t>
-            </a:r>
-            <a:endParaRPr dirty="0"/>
+              <a:t>Фильтрация данных в </a:t>
+            </a:r>
+            <a:r>
+              <a:rPr lang="en-US" dirty="0" err="1" smtClean="0"/>
+              <a:t>linq</a:t>
+            </a:r>
+            <a:r>
+              <a:rPr lang="en-US" dirty="0" smtClean="0"/>
+              <a:t> </a:t>
+            </a:r>
+            <a:r>
+              <a:rPr lang="ru-RU" dirty="0" smtClean="0"/>
+              <a:t>представлена следующими методами:</a:t>
+            </a:r>
+          </a:p>
+          <a:p>
+            <a:pPr lvl="0">
+              <a:lnSpc>
+                <a:spcPct val="115000"/>
+              </a:lnSpc>
+              <a:spcBef>
+                <a:spcPts val="1400"/>
+              </a:spcBef>
+            </a:pPr>
+            <a:r>
+              <a:rPr lang="en-US" u="sng" dirty="0" err="1" smtClean="0">
+                <a:hlinkClick r:id="rId3"/>
+              </a:rPr>
+              <a:t>OfType</a:t>
+            </a:r>
+            <a:r>
+              <a:rPr lang="ru-RU" dirty="0" smtClean="0"/>
+              <a:t> – фильтрует данные по типу</a:t>
+            </a:r>
+            <a:r>
+              <a:rPr lang="en-US" dirty="0" smtClean="0"/>
+              <a:t>;</a:t>
+            </a:r>
+            <a:endParaRPr lang="ru-RU" dirty="0" smtClean="0"/>
+          </a:p>
+          <a:p>
+            <a:pPr lvl="0">
+              <a:lnSpc>
+                <a:spcPct val="115000"/>
+              </a:lnSpc>
+              <a:spcBef>
+                <a:spcPts val="1400"/>
+              </a:spcBef>
+            </a:pPr>
+            <a:r>
+              <a:rPr lang="en-US" u="sng" dirty="0" smtClean="0">
+                <a:hlinkClick r:id="rId4"/>
+              </a:rPr>
+              <a:t>Where</a:t>
+            </a:r>
+            <a:r>
+              <a:rPr lang="ru-RU" sz="1200" dirty="0" smtClean="0"/>
+              <a:t> </a:t>
+            </a:r>
+            <a:r>
+              <a:rPr lang="en-US" sz="1200" dirty="0" smtClean="0"/>
+              <a:t>– </a:t>
+            </a:r>
+            <a:r>
+              <a:rPr lang="ru-RU" dirty="0" smtClean="0"/>
+              <a:t>фильтрует значения по условию (в декларативном синтаксисе - </a:t>
+            </a:r>
+            <a:r>
+              <a:rPr lang="en-US" dirty="0" smtClean="0">
+                <a:solidFill>
+                  <a:schemeClr val="accent1">
+                    <a:lumMod val="75000"/>
+                  </a:schemeClr>
+                </a:solidFill>
+              </a:rPr>
+              <a:t>where</a:t>
+            </a:r>
+            <a:r>
+              <a:rPr lang="ru-RU" dirty="0" smtClean="0"/>
+              <a:t>)</a:t>
+            </a:r>
+            <a:r>
+              <a:rPr lang="en-US" dirty="0" smtClean="0"/>
+              <a:t>.</a:t>
+            </a:r>
+            <a:endParaRPr lang="en-US" dirty="0" smtClean="0">
+              <a:latin typeface="Roboto"/>
+              <a:ea typeface="Roboto"/>
+              <a:cs typeface="Roboto"/>
+              <a:sym typeface="Roboto"/>
+            </a:endParaRPr>
           </a:p>
         </p:txBody>
       </p:sp>
     </p:spTree>
     <p:extLst>
       <p:ext uri="{BB962C8B-B14F-4D97-AF65-F5344CB8AC3E}">
-        <p14:creationId xmlns="" xmlns:p14="http://schemas.microsoft.com/office/powerpoint/2010/main" val="1662565824"/>
+        <p14:creationId xmlns:p14="http://schemas.microsoft.com/office/powerpoint/2010/main" xmlns="" val="3413217380"/>
       </p:ext>
     </p:extLst>
   </p:cSld>
@@ -13704,7 +14053,7 @@
     <a:masterClrMapping/>
   </p:clrMapOvr>
   <mc:AlternateContent xmlns:mc="http://schemas.openxmlformats.org/markup-compatibility/2006">
-    <mc:Choice xmlns="" xmlns:p14="http://schemas.microsoft.com/office/powerpoint/2010/main" Requires="p14">
+    <mc:Choice xmlns:p14="http://schemas.microsoft.com/office/powerpoint/2010/main" xmlns="" Requires="p14">
       <p:transition spd="slow" p14:dur="2000"/>
     </mc:Choice>
     <mc:Fallback>
@@ -13763,20 +14112,11 @@
           </a:bodyPr>
           <a:lstStyle/>
           <a:p>
-            <a:pPr marL="0" lvl="0" indent="0" algn="l" rtl="0">
-              <a:spcBef>
-                <a:spcPts val="0"/>
-              </a:spcBef>
-              <a:spcAft>
-                <a:spcPts val="0"/>
-              </a:spcAft>
-              <a:buNone/>
-            </a:pPr>
-            <a:r>
-              <a:rPr lang="ru-RU" sz="2800" dirty="0" smtClean="0"/>
-              <a:t>Проекция</a:t>
-            </a:r>
-            <a:endParaRPr sz="2800" dirty="0"/>
+            <a:r>
+              <a:rPr lang="ru-RU" dirty="0" smtClean="0"/>
+              <a:t>Фильтрация</a:t>
+            </a:r>
+            <a:endParaRPr lang="ru-RU" dirty="0"/>
           </a:p>
         </p:txBody>
       </p:sp>
@@ -13789,7 +14129,7 @@
         <p:spPr>
           <a:xfrm>
             <a:off x="598600" y="1009925"/>
-            <a:ext cx="8092200" cy="824298"/>
+            <a:ext cx="8092200" cy="1466525"/>
           </a:xfrm>
           <a:prstGeom prst="rect">
             <a:avLst/>
@@ -13814,87 +14154,105 @@
               </a:spcBef>
             </a:pPr>
             <a:r>
-              <a:rPr lang="ru-RU" sz="1300" b="1" dirty="0" smtClean="0">
-                <a:latin typeface="Roboto"/>
-                <a:ea typeface="Roboto"/>
-                <a:cs typeface="Roboto"/>
-                <a:sym typeface="Roboto"/>
+              <a:rPr lang="ru-RU" dirty="0" smtClean="0"/>
+              <a:t>Фильтрация данных в </a:t>
+            </a:r>
+            <a:r>
+              <a:rPr lang="en-US" dirty="0" err="1" smtClean="0"/>
+              <a:t>linq</a:t>
+            </a:r>
+            <a:r>
+              <a:rPr lang="en-US" dirty="0" smtClean="0"/>
+              <a:t> </a:t>
+            </a:r>
+            <a:r>
+              <a:rPr lang="ru-RU" dirty="0" smtClean="0"/>
+              <a:t>представлена следующими методами:</a:t>
+            </a:r>
+          </a:p>
+          <a:p>
+            <a:pPr lvl="0">
+              <a:lnSpc>
+                <a:spcPct val="115000"/>
+              </a:lnSpc>
+              <a:spcBef>
+                <a:spcPts val="1400"/>
+              </a:spcBef>
+            </a:pPr>
+            <a:r>
+              <a:rPr lang="en-US" u="sng" dirty="0" err="1" smtClean="0">
+                <a:hlinkClick r:id="rId3"/>
               </a:rPr>
-              <a:t>Проекция</a:t>
-            </a:r>
-            <a:r>
-              <a:rPr lang="ru-RU" sz="1300" dirty="0" smtClean="0">
-                <a:latin typeface="Roboto"/>
-                <a:ea typeface="Roboto"/>
-                <a:cs typeface="Roboto"/>
-                <a:sym typeface="Roboto"/>
+              <a:t>OfType</a:t>
+            </a:r>
+            <a:r>
+              <a:rPr lang="ru-RU" dirty="0" smtClean="0"/>
+              <a:t> – фильтрует данные по типу</a:t>
+            </a:r>
+            <a:r>
+              <a:rPr lang="en-US" dirty="0" smtClean="0"/>
+              <a:t>;</a:t>
+            </a:r>
+            <a:endParaRPr lang="ru-RU" dirty="0" smtClean="0"/>
+          </a:p>
+          <a:p>
+            <a:pPr lvl="0">
+              <a:lnSpc>
+                <a:spcPct val="115000"/>
+              </a:lnSpc>
+              <a:spcBef>
+                <a:spcPts val="1400"/>
+              </a:spcBef>
+            </a:pPr>
+            <a:r>
+              <a:rPr lang="en-US" u="sng" dirty="0" smtClean="0">
+                <a:hlinkClick r:id="rId4"/>
               </a:rPr>
-              <a:t> – это операция</a:t>
-            </a:r>
-            <a:r>
-              <a:rPr lang="en-US" sz="1300" dirty="0" smtClean="0">
-                <a:latin typeface="Roboto"/>
-                <a:ea typeface="Roboto"/>
-                <a:cs typeface="Roboto"/>
-                <a:sym typeface="Roboto"/>
+              <a:t>Where</a:t>
+            </a:r>
+            <a:r>
+              <a:rPr lang="ru-RU" sz="1200" dirty="0" smtClean="0"/>
+              <a:t> </a:t>
+            </a:r>
+            <a:r>
+              <a:rPr lang="en-US" sz="1200" dirty="0" smtClean="0"/>
+              <a:t>– </a:t>
+            </a:r>
+            <a:r>
+              <a:rPr lang="ru-RU" dirty="0" smtClean="0"/>
+              <a:t>фильтрует значения по условию (в декларативном синтаксисе - </a:t>
+            </a:r>
+            <a:r>
+              <a:rPr lang="en-US" dirty="0" smtClean="0">
+                <a:solidFill>
+                  <a:schemeClr val="accent1">
+                    <a:lumMod val="75000"/>
+                  </a:schemeClr>
+                </a:solidFill>
               </a:rPr>
-              <a:t> </a:t>
-            </a:r>
-            <a:r>
-              <a:rPr lang="ru-RU" sz="1300" dirty="0" smtClean="0">
-                <a:latin typeface="Roboto"/>
-                <a:ea typeface="Roboto"/>
-                <a:cs typeface="Roboto"/>
-                <a:sym typeface="Roboto"/>
-              </a:rPr>
-              <a:t>преобразования объекта в новую форму, </a:t>
-            </a:r>
-            <a:r>
-              <a:rPr lang="ru-RU" sz="1200" dirty="0" smtClean="0"/>
-              <a:t>которая часто состоит только из этих свойств, которые впоследствии используются</a:t>
-            </a:r>
-            <a:r>
-              <a:rPr lang="ru-RU" sz="1300" dirty="0" smtClean="0">
-                <a:latin typeface="Roboto"/>
-                <a:ea typeface="Roboto"/>
-                <a:cs typeface="Roboto"/>
-                <a:sym typeface="Roboto"/>
-              </a:rPr>
+              <a:t>where</a:t>
+            </a:r>
+            <a:r>
+              <a:rPr lang="ru-RU" dirty="0" smtClean="0"/>
+              <a:t>)</a:t>
+            </a:r>
+            <a:r>
+              <a:rPr lang="en-US" dirty="0" smtClean="0"/>
               <a:t>.</a:t>
             </a:r>
+            <a:endParaRPr lang="en-US" dirty="0" smtClean="0">
+              <a:latin typeface="Roboto"/>
+              <a:ea typeface="Roboto"/>
+              <a:cs typeface="Roboto"/>
+              <a:sym typeface="Roboto"/>
+            </a:endParaRPr>
           </a:p>
         </p:txBody>
       </p:sp>
-      <p:pic>
-        <p:nvPicPr>
-          <p:cNvPr id="53250" name="Picture 2" descr="[Курс «Автоматизация Revit на языке C#: базовый уровень»] LINQ"/>
-          <p:cNvPicPr>
-            <a:picLocks noChangeAspect="1" noChangeArrowheads="1"/>
-          </p:cNvPicPr>
-          <p:nvPr/>
-        </p:nvPicPr>
-        <p:blipFill>
-          <a:blip r:embed="rId3"/>
-          <a:srcRect/>
-          <a:stretch>
-            <a:fillRect/>
-          </a:stretch>
-        </p:blipFill>
-        <p:spPr bwMode="auto">
-          <a:xfrm>
-            <a:off x="2087218" y="1733550"/>
-            <a:ext cx="4785138" cy="2691641"/>
-          </a:xfrm>
-          <a:prstGeom prst="rect">
-            <a:avLst/>
-          </a:prstGeom>
-          <a:noFill/>
-        </p:spPr>
-      </p:pic>
     </p:spTree>
     <p:extLst>
       <p:ext uri="{BB962C8B-B14F-4D97-AF65-F5344CB8AC3E}">
-        <p14:creationId xmlns="" xmlns:p14="http://schemas.microsoft.com/office/powerpoint/2010/main" val="280835527"/>
+        <p14:creationId xmlns:p14="http://schemas.microsoft.com/office/powerpoint/2010/main" xmlns="" val="3413217380"/>
       </p:ext>
     </p:extLst>
   </p:cSld>
@@ -13902,7 +14260,7 @@
     <a:masterClrMapping/>
   </p:clrMapOvr>
   <mc:AlternateContent xmlns:mc="http://schemas.openxmlformats.org/markup-compatibility/2006">
-    <mc:Choice xmlns="" xmlns:p14="http://schemas.microsoft.com/office/powerpoint/2010/main" Requires="p14">
+    <mc:Choice xmlns:p14="http://schemas.microsoft.com/office/powerpoint/2010/main" xmlns="" Requires="p14">
       <p:transition spd="slow" p14:dur="2000"/>
     </mc:Choice>
     <mc:Fallback>
@@ -13963,7 +14321,7 @@
           <a:p>
             <a:r>
               <a:rPr lang="ru-RU" dirty="0" smtClean="0"/>
-              <a:t>Проекция</a:t>
+              <a:t>Фильтрация</a:t>
             </a:r>
             <a:endParaRPr lang="ru-RU" dirty="0"/>
           </a:p>
@@ -13978,7 +14336,7 @@
         <p:spPr>
           <a:xfrm>
             <a:off x="598600" y="1009925"/>
-            <a:ext cx="8092200" cy="2884862"/>
+            <a:ext cx="8092200" cy="1466525"/>
           </a:xfrm>
           <a:prstGeom prst="rect">
             <a:avLst/>
@@ -14004,7 +14362,7 @@
             </a:pPr>
             <a:r>
               <a:rPr lang="ru-RU" dirty="0" smtClean="0"/>
-              <a:t>Проекция данных в </a:t>
+              <a:t>Фильтрация данных в </a:t>
             </a:r>
             <a:r>
               <a:rPr lang="en-US" dirty="0" err="1" smtClean="0"/>
@@ -14029,14 +14387,47 @@
               </a:spcBef>
             </a:pPr>
             <a:r>
-              <a:rPr lang="en-US" u="sng" dirty="0" smtClean="0">
+              <a:rPr lang="en-US" u="sng" dirty="0" err="1" smtClean="0">
                 <a:hlinkClick r:id="rId3"/>
               </a:rPr>
-              <a:t>Select</a:t>
+              <a:t>OfType</a:t>
             </a:r>
             <a:r>
               <a:rPr lang="ru-RU" dirty="0" smtClean="0"/>
-              <a:t> – проецирует значения, которые основаны на функции преобразования (в декларативном синтаксисе также </a:t>
+              <a:t> – фильтрует данные по типу</a:t>
+            </a:r>
+            <a:r>
+              <a:rPr lang="en-US" dirty="0" smtClean="0"/>
+              <a:t>;</a:t>
+            </a:r>
+            <a:endParaRPr lang="ru-RU" dirty="0" smtClean="0"/>
+          </a:p>
+          <a:p>
+            <a:pPr lvl="0">
+              <a:lnSpc>
+                <a:spcPct val="115000"/>
+              </a:lnSpc>
+              <a:spcBef>
+                <a:spcPts val="1400"/>
+              </a:spcBef>
+            </a:pPr>
+            <a:r>
+              <a:rPr lang="en-US" u="sng" dirty="0" smtClean="0">
+                <a:hlinkClick r:id="rId4"/>
+              </a:rPr>
+              <a:t>Where</a:t>
+            </a:r>
+            <a:r>
+              <a:rPr lang="ru-RU" sz="1200" dirty="0" smtClean="0"/>
+              <a:t> </a:t>
+            </a:r>
+            <a:r>
+              <a:rPr lang="en-US" sz="1200" dirty="0" smtClean="0"/>
+              <a:t>– </a:t>
+            </a:r>
+            <a:r>
+              <a:rPr lang="ru-RU" dirty="0" smtClean="0"/>
+              <a:t>фильтрует значения по условию (в декларативном синтаксисе - </a:t>
             </a:r>
             <a:r>
               <a:rPr lang="en-US" dirty="0" smtClean="0">
@@ -14046,78 +14437,29 @@
                   </a:schemeClr>
                 </a:solidFill>
               </a:rPr>
-              <a:t>select</a:t>
+              <a:t>where</a:t>
             </a:r>
             <a:r>
               <a:rPr lang="ru-RU" dirty="0" smtClean="0"/>
               <a:t>)</a:t>
             </a:r>
-            <a:endParaRPr lang="ru-RU" u="sng" dirty="0" smtClean="0"/>
-          </a:p>
-          <a:p>
-            <a:pPr lvl="0">
-              <a:lnSpc>
-                <a:spcPct val="115000"/>
-              </a:lnSpc>
-              <a:spcBef>
-                <a:spcPts val="1400"/>
-              </a:spcBef>
-            </a:pPr>
-            <a:r>
-              <a:rPr lang="en-US" u="sng" dirty="0" err="1" smtClean="0">
-                <a:hlinkClick r:id="rId4"/>
-              </a:rPr>
-              <a:t>SelectMany</a:t>
-            </a:r>
             <a:r>
               <a:rPr lang="en-US" dirty="0" smtClean="0"/>
-              <a:t> </a:t>
-            </a:r>
-            <a:r>
-              <a:rPr lang="ru-RU" dirty="0" smtClean="0"/>
-              <a:t>– проецирует последовательности значений, основанных на функции преобразования, а затем выравнивает их в одну последовательность.(в декларативном синтаксисе множественный </a:t>
-            </a:r>
-            <a:r>
-              <a:rPr lang="en-US" dirty="0" smtClean="0">
-                <a:solidFill>
-                  <a:schemeClr val="accent1">
-                    <a:lumMod val="75000"/>
-                  </a:schemeClr>
-                </a:solidFill>
-              </a:rPr>
-              <a:t>from</a:t>
-            </a:r>
-            <a:r>
-              <a:rPr lang="ru-RU" dirty="0" smtClean="0"/>
-              <a:t>). Простыми словами: забирает последовательность из элемента коллекции и кладет его в результирующую последовательность.</a:t>
-            </a:r>
-          </a:p>
-          <a:p>
-            <a:pPr lvl="0">
-              <a:lnSpc>
-                <a:spcPct val="115000"/>
-              </a:lnSpc>
-              <a:spcBef>
-                <a:spcPts val="1400"/>
-              </a:spcBef>
-            </a:pPr>
-            <a:r>
-              <a:rPr lang="en-US" u="sng" dirty="0" smtClean="0">
-                <a:hlinkClick r:id="rId5"/>
-              </a:rPr>
-              <a:t>Zip</a:t>
-            </a:r>
-            <a:r>
-              <a:rPr lang="ru-RU" dirty="0" smtClean="0"/>
-              <a:t> – создает последовательность кортежей из 2-3 указанных последовательностей.</a:t>
-            </a:r>
+              <a:t>.</a:t>
+            </a:r>
+            <a:endParaRPr lang="en-US" dirty="0" smtClean="0">
+              <a:latin typeface="Roboto"/>
+              <a:ea typeface="Roboto"/>
+              <a:cs typeface="Roboto"/>
+              <a:sym typeface="Roboto"/>
+            </a:endParaRPr>
           </a:p>
         </p:txBody>
       </p:sp>
     </p:spTree>
     <p:extLst>
       <p:ext uri="{BB962C8B-B14F-4D97-AF65-F5344CB8AC3E}">
-        <p14:creationId xmlns="" xmlns:p14="http://schemas.microsoft.com/office/powerpoint/2010/main" val="3413217380"/>
+        <p14:creationId xmlns:p14="http://schemas.microsoft.com/office/powerpoint/2010/main" xmlns="" val="3413217380"/>
       </p:ext>
     </p:extLst>
   </p:cSld>
@@ -14125,7 +14467,7 @@
     <a:masterClrMapping/>
   </p:clrMapOvr>
   <mc:AlternateContent xmlns:mc="http://schemas.openxmlformats.org/markup-compatibility/2006">
-    <mc:Choice xmlns="" xmlns:p14="http://schemas.microsoft.com/office/powerpoint/2010/main" Requires="p14">
+    <mc:Choice xmlns:p14="http://schemas.microsoft.com/office/powerpoint/2010/main" xmlns="" Requires="p14">
       <p:transition spd="slow" p14:dur="2000"/>
     </mc:Choice>
     <mc:Fallback>
@@ -14195,7 +14537,7 @@
             </a:pPr>
             <a:r>
               <a:rPr lang="ru-RU" dirty="0" smtClean="0"/>
-              <a:t>Операции над множествами</a:t>
+              <a:t>Проекция</a:t>
             </a:r>
             <a:endParaRPr dirty="0"/>
           </a:p>
@@ -14204,7 +14546,7 @@
     </p:spTree>
     <p:extLst>
       <p:ext uri="{BB962C8B-B14F-4D97-AF65-F5344CB8AC3E}">
-        <p14:creationId xmlns="" xmlns:p14="http://schemas.microsoft.com/office/powerpoint/2010/main" val="4118962620"/>
+        <p14:creationId xmlns:p14="http://schemas.microsoft.com/office/powerpoint/2010/main" xmlns="" val="1662565824"/>
       </p:ext>
     </p:extLst>
   </p:cSld>
@@ -14212,7 +14554,7 @@
     <a:masterClrMapping/>
   </p:clrMapOvr>
   <mc:AlternateContent xmlns:mc="http://schemas.openxmlformats.org/markup-compatibility/2006">
-    <mc:Choice xmlns="" xmlns:p14="http://schemas.microsoft.com/office/powerpoint/2010/main" Requires="p14">
+    <mc:Choice xmlns:p14="http://schemas.microsoft.com/office/powerpoint/2010/main" xmlns="" Requires="p14">
       <p:transition spd="slow" p14:dur="2000"/>
     </mc:Choice>
     <mc:Fallback>
@@ -14271,10 +14613,20 @@
           </a:bodyPr>
           <a:lstStyle/>
           <a:p>
-            <a:r>
-              <a:rPr lang="ru-RU" dirty="0"/>
-              <a:t>Операции над множествами</a:t>
-            </a:r>
+            <a:pPr marL="0" lvl="0" indent="0" algn="l" rtl="0">
+              <a:spcBef>
+                <a:spcPts val="0"/>
+              </a:spcBef>
+              <a:spcAft>
+                <a:spcPts val="0"/>
+              </a:spcAft>
+              <a:buNone/>
+            </a:pPr>
+            <a:r>
+              <a:rPr lang="ru-RU" sz="2800" dirty="0" smtClean="0"/>
+              <a:t>Проекция</a:t>
+            </a:r>
+            <a:endParaRPr sz="2800" dirty="0"/>
           </a:p>
         </p:txBody>
       </p:sp>
@@ -14286,8 +14638,8 @@
         </p:nvSpPr>
         <p:spPr>
           <a:xfrm>
-            <a:off x="500550" y="789705"/>
-            <a:ext cx="8092200" cy="1729418"/>
+            <a:off x="598600" y="1009925"/>
+            <a:ext cx="8092200" cy="824298"/>
           </a:xfrm>
           <a:prstGeom prst="rect">
             <a:avLst/>
@@ -14303,16 +14655,13 @@
           </a:bodyPr>
           <a:lstStyle/>
           <a:p>
-            <a:pPr lvl="0" algn="l" rtl="0">
+            <a:pPr lvl="0">
               <a:lnSpc>
                 <a:spcPct val="115000"/>
               </a:lnSpc>
               <a:spcBef>
                 <a:spcPts val="1400"/>
               </a:spcBef>
-              <a:spcAft>
-                <a:spcPts val="0"/>
-              </a:spcAft>
             </a:pPr>
             <a:r>
               <a:rPr lang="ru-RU" sz="1300" b="1" dirty="0" smtClean="0">
@@ -14321,25 +14670,7 @@
                 <a:cs typeface="Roboto"/>
                 <a:sym typeface="Roboto"/>
               </a:rPr>
-              <a:t>Под </a:t>
-            </a:r>
-            <a:r>
-              <a:rPr lang="ru-RU" sz="1300" b="1" dirty="0">
-                <a:latin typeface="Roboto"/>
-                <a:ea typeface="Roboto"/>
-                <a:cs typeface="Roboto"/>
-                <a:sym typeface="Roboto"/>
-              </a:rPr>
-              <a:t>о</a:t>
-            </a:r>
-            <a:r>
-              <a:rPr lang="ru-RU" sz="1300" b="1" dirty="0" smtClean="0">
-                <a:latin typeface="Roboto"/>
-                <a:ea typeface="Roboto"/>
-                <a:cs typeface="Roboto"/>
-                <a:sym typeface="Roboto"/>
-              </a:rPr>
-              <a:t>перации над множествами</a:t>
+              <a:t>Проекция</a:t>
             </a:r>
             <a:r>
               <a:rPr lang="ru-RU" sz="1300" dirty="0" smtClean="0">
@@ -14348,23 +14679,7 @@
                 <a:cs typeface="Roboto"/>
                 <a:sym typeface="Roboto"/>
               </a:rPr>
-              <a:t> в данном случае понимаются операции запросов, которые создают результирующий набор присутствия или отсутствия эквивалентных элементов в одной или отдельной коллекциях.</a:t>
-            </a:r>
-          </a:p>
-          <a:p>
-            <a:pPr lvl="0">
-              <a:lnSpc>
-                <a:spcPct val="115000"/>
-              </a:lnSpc>
-              <a:spcBef>
-                <a:spcPts val="1400"/>
-              </a:spcBef>
-            </a:pPr>
-            <a:r>
-              <a:rPr lang="en-US" u="sng" dirty="0">
-                <a:hlinkClick r:id="rId3"/>
-              </a:rPr>
-              <a:t>Distinct</a:t>
+              <a:t> – это операция</a:t>
             </a:r>
             <a:r>
               <a:rPr lang="en-US" sz="1300" dirty="0" smtClean="0">
@@ -14382,37 +14697,34 @@
                 <a:cs typeface="Roboto"/>
                 <a:sym typeface="Roboto"/>
               </a:rPr>
-              <a:t>или </a:t>
-            </a:r>
-            <a:r>
-              <a:rPr lang="en-US" dirty="0" err="1" smtClean="0">
-                <a:hlinkClick r:id="rId4"/>
+              <a:t>преобразования объекта в новую форму, </a:t>
+            </a:r>
+            <a:r>
+              <a:rPr lang="ru-RU" sz="1200" dirty="0" smtClean="0"/>
+              <a:t>которая часто состоит только из этих свойств, которые впоследствии используются</a:t>
+            </a:r>
+            <a:r>
+              <a:rPr lang="ru-RU" sz="1300" dirty="0" smtClean="0">
+                <a:latin typeface="Roboto"/>
+                <a:ea typeface="Roboto"/>
+                <a:cs typeface="Roboto"/>
+                <a:sym typeface="Roboto"/>
               </a:rPr>
-              <a:t>DistinctBy</a:t>
-            </a:r>
-            <a:r>
-              <a:rPr lang="ru-RU" dirty="0" smtClean="0"/>
-              <a:t> – возвращает уникальные элементы последовательности. Можно также сказать, что удаляет дубликаты.</a:t>
+              <a:t>.</a:t>
             </a:r>
           </a:p>
         </p:txBody>
       </p:sp>
       <p:pic>
         <p:nvPicPr>
-          <p:cNvPr id="4" name="Picture 2" descr="Graphic showing the behavior of Distinct()"/>
+          <p:cNvPr id="53250" name="Picture 2" descr="[Курс «Автоматизация Revit на языке C#: базовый уровень»] LINQ"/>
           <p:cNvPicPr>
             <a:picLocks noChangeAspect="1" noChangeArrowheads="1"/>
           </p:cNvPicPr>
           <p:nvPr/>
         </p:nvPicPr>
         <p:blipFill>
-          <a:blip r:embed="rId5">
-            <a:extLst>
-              <a:ext uri="{28A0092B-C50C-407E-A947-70E740481C1C}">
-                <a14:useLocalDpi xmlns="" xmlns:a14="http://schemas.microsoft.com/office/drawing/2010/main" val="0"/>
-              </a:ext>
-            </a:extLst>
-          </a:blip>
+          <a:blip r:embed="rId3"/>
           <a:srcRect/>
           <a:stretch>
             <a:fillRect/>
@@ -14420,135 +14732,19 @@
         </p:blipFill>
         <p:spPr bwMode="auto">
           <a:xfrm>
-            <a:off x="2978289" y="2749185"/>
-            <a:ext cx="3457575" cy="371475"/>
+            <a:off x="2087218" y="1733550"/>
+            <a:ext cx="4785138" cy="2691641"/>
           </a:xfrm>
           <a:prstGeom prst="rect">
             <a:avLst/>
           </a:prstGeom>
           <a:noFill/>
-          <a:extLst>
-            <a:ext uri="{909E8E84-426E-40DD-AFC4-6F175D3DCCD1}">
-              <a14:hiddenFill xmlns="" xmlns:a14="http://schemas.microsoft.com/office/drawing/2010/main">
-                <a:solidFill>
-                  <a:srgbClr val="FFFFFF"/>
-                </a:solidFill>
-              </a14:hiddenFill>
-            </a:ext>
-          </a:extLst>
-        </p:spPr>
-      </p:pic>
-      <p:sp>
-        <p:nvSpPr>
-          <p:cNvPr id="2" name="Прямоугольник 1"/>
-          <p:cNvSpPr/>
-          <p:nvPr/>
-        </p:nvSpPr>
-        <p:spPr>
-          <a:xfrm>
-            <a:off x="500550" y="3208165"/>
-            <a:ext cx="8037443" cy="587853"/>
-          </a:xfrm>
-          <a:prstGeom prst="rect">
-            <a:avLst/>
-          </a:prstGeom>
-        </p:spPr>
-        <p:txBody>
-          <a:bodyPr wrap="square">
-            <a:spAutoFit/>
-          </a:bodyPr>
-          <a:lstStyle/>
-          <a:p>
-            <a:pPr lvl="0">
-              <a:lnSpc>
-                <a:spcPct val="115000"/>
-              </a:lnSpc>
-              <a:spcBef>
-                <a:spcPts val="1400"/>
-              </a:spcBef>
-            </a:pPr>
-            <a:r>
-              <a:rPr lang="en-US" dirty="0">
-                <a:hlinkClick r:id="rId6"/>
-              </a:rPr>
-              <a:t>Except</a:t>
-            </a:r>
-            <a:r>
-              <a:rPr lang="en-US" sz="1300" dirty="0">
-                <a:latin typeface="Roboto"/>
-                <a:ea typeface="Roboto"/>
-                <a:cs typeface="Roboto"/>
-                <a:sym typeface="Roboto"/>
-              </a:rPr>
-              <a:t> </a:t>
-            </a:r>
-            <a:r>
-              <a:rPr lang="ru-RU" sz="1300" dirty="0">
-                <a:latin typeface="Roboto"/>
-                <a:ea typeface="Roboto"/>
-                <a:cs typeface="Roboto"/>
-                <a:sym typeface="Roboto"/>
-              </a:rPr>
-              <a:t>или </a:t>
-            </a:r>
-            <a:r>
-              <a:rPr lang="en-US" dirty="0" err="1">
-                <a:hlinkClick r:id="rId7"/>
-              </a:rPr>
-              <a:t>ExceptBy</a:t>
-            </a:r>
-            <a:r>
-              <a:rPr lang="ru-RU" dirty="0"/>
-              <a:t> – возвращает набор значений, которые присутствуют в одной коллекции и отсутствуют в другой.</a:t>
-            </a:r>
-          </a:p>
-        </p:txBody>
-      </p:sp>
-      <p:pic>
-        <p:nvPicPr>
-          <p:cNvPr id="2050" name="Picture 2" descr="Graphic showing the action of Except()"/>
-          <p:cNvPicPr>
-            <a:picLocks noChangeAspect="1" noChangeArrowheads="1"/>
-          </p:cNvPicPr>
-          <p:nvPr/>
-        </p:nvPicPr>
-        <p:blipFill>
-          <a:blip r:embed="rId8">
-            <a:extLst>
-              <a:ext uri="{28A0092B-C50C-407E-A947-70E740481C1C}">
-                <a14:useLocalDpi xmlns="" xmlns:a14="http://schemas.microsoft.com/office/drawing/2010/main" val="0"/>
-              </a:ext>
-            </a:extLst>
-          </a:blip>
-          <a:srcRect/>
-          <a:stretch>
-            <a:fillRect/>
-          </a:stretch>
-        </p:blipFill>
-        <p:spPr bwMode="auto">
-          <a:xfrm>
-            <a:off x="3269835" y="3678819"/>
-            <a:ext cx="2162175" cy="809626"/>
-          </a:xfrm>
-          <a:prstGeom prst="rect">
-            <a:avLst/>
-          </a:prstGeom>
-          <a:noFill/>
-          <a:extLst>
-            <a:ext uri="{909E8E84-426E-40DD-AFC4-6F175D3DCCD1}">
-              <a14:hiddenFill xmlns="" xmlns:a14="http://schemas.microsoft.com/office/drawing/2010/main">
-                <a:solidFill>
-                  <a:srgbClr val="FFFFFF"/>
-                </a:solidFill>
-              </a14:hiddenFill>
-            </a:ext>
-          </a:extLst>
         </p:spPr>
       </p:pic>
     </p:spTree>
     <p:extLst>
       <p:ext uri="{BB962C8B-B14F-4D97-AF65-F5344CB8AC3E}">
-        <p14:creationId xmlns="" xmlns:p14="http://schemas.microsoft.com/office/powerpoint/2010/main" val="2305462432"/>
+        <p14:creationId xmlns:p14="http://schemas.microsoft.com/office/powerpoint/2010/main" xmlns="" val="280835527"/>
       </p:ext>
     </p:extLst>
   </p:cSld>
@@ -14556,7 +14752,7 @@
     <a:masterClrMapping/>
   </p:clrMapOvr>
   <mc:AlternateContent xmlns:mc="http://schemas.openxmlformats.org/markup-compatibility/2006">
-    <mc:Choice xmlns="" xmlns:p14="http://schemas.microsoft.com/office/powerpoint/2010/main" Requires="p14">
+    <mc:Choice xmlns:p14="http://schemas.microsoft.com/office/powerpoint/2010/main" xmlns="" Requires="p14">
       <p:transition spd="slow" p14:dur="2000"/>
     </mc:Choice>
     <mc:Fallback>
@@ -14896,9 +15092,10 @@
           <a:lstStyle/>
           <a:p>
             <a:r>
-              <a:rPr lang="ru-RU" dirty="0"/>
-              <a:t>Операции над множествами</a:t>
-            </a:r>
+              <a:rPr lang="ru-RU" dirty="0" smtClean="0"/>
+              <a:t>Проекция</a:t>
+            </a:r>
+            <a:endParaRPr lang="ru-RU" dirty="0"/>
           </a:p>
         </p:txBody>
       </p:sp>
@@ -14910,8 +15107,8 @@
         </p:nvSpPr>
         <p:spPr>
           <a:xfrm>
-            <a:off x="549600" y="857525"/>
-            <a:ext cx="8092200" cy="859692"/>
+            <a:off x="598600" y="1009925"/>
+            <a:ext cx="8092200" cy="2884862"/>
           </a:xfrm>
           <a:prstGeom prst="rect">
             <a:avLst/>
@@ -14936,67 +15133,22 @@
               </a:spcBef>
             </a:pPr>
             <a:r>
-              <a:rPr lang="en-US" u="sng" dirty="0">
-                <a:hlinkClick r:id="rId3"/>
-              </a:rPr>
-              <a:t>Intersect</a:t>
-            </a:r>
-            <a:r>
-              <a:rPr lang="en-US" sz="1300" dirty="0">
-                <a:latin typeface="Roboto"/>
-                <a:ea typeface="Roboto"/>
-                <a:cs typeface="Roboto"/>
-                <a:sym typeface="Roboto"/>
-              </a:rPr>
+              <a:rPr lang="ru-RU" dirty="0" smtClean="0"/>
+              <a:t>Проекция данных в </a:t>
+            </a:r>
+            <a:r>
+              <a:rPr lang="en-US" dirty="0" err="1" smtClean="0"/>
+              <a:t>linq</a:t>
+            </a:r>
+            <a:r>
+              <a:rPr lang="en-US" dirty="0" smtClean="0"/>
               <a:t> </a:t>
             </a:r>
             <a:r>
-              <a:rPr lang="ru-RU" sz="1300" dirty="0">
-                <a:latin typeface="Roboto"/>
-                <a:ea typeface="Roboto"/>
-                <a:cs typeface="Roboto"/>
-                <a:sym typeface="Roboto"/>
-              </a:rPr>
-              <a:t>или </a:t>
-            </a:r>
-            <a:r>
-              <a:rPr lang="en-US" dirty="0" err="1">
-                <a:hlinkClick r:id="rId4"/>
-              </a:rPr>
-              <a:t>IntersectBy</a:t>
-            </a:r>
-            <a:r>
-              <a:rPr lang="ru-RU" dirty="0"/>
-              <a:t> – возвращает набор значений, которые встречаются в обоих коллекциях</a:t>
-            </a:r>
-            <a:r>
               <a:rPr lang="ru-RU" dirty="0" smtClean="0"/>
-              <a:t>.</a:t>
-            </a:r>
-            <a:endParaRPr lang="ru-RU" dirty="0"/>
-          </a:p>
-        </p:txBody>
-      </p:sp>
-      <p:sp>
-        <p:nvSpPr>
-          <p:cNvPr id="2" name="Прямоугольник 1"/>
-          <p:cNvSpPr/>
-          <p:nvPr/>
-        </p:nvSpPr>
-        <p:spPr>
-          <a:xfrm>
-            <a:off x="549600" y="2597864"/>
-            <a:ext cx="8092200" cy="587853"/>
-          </a:xfrm>
-          <a:prstGeom prst="rect">
-            <a:avLst/>
-          </a:prstGeom>
-        </p:spPr>
-        <p:txBody>
-          <a:bodyPr wrap="square">
-            <a:spAutoFit/>
-          </a:bodyPr>
-          <a:lstStyle/>
+              <a:t>представлена следующими методами:</a:t>
+            </a:r>
+          </a:p>
           <a:p>
             <a:pPr lvl="0">
               <a:lnSpc>
@@ -15007,134 +15159,95 @@
               </a:spcBef>
             </a:pPr>
             <a:r>
-              <a:rPr lang="en-US" u="sng" dirty="0">
+              <a:rPr lang="en-US" u="sng" dirty="0" smtClean="0">
+                <a:hlinkClick r:id="rId3"/>
+              </a:rPr>
+              <a:t>Select</a:t>
+            </a:r>
+            <a:r>
+              <a:rPr lang="ru-RU" dirty="0" smtClean="0"/>
+              <a:t> – проецирует значения, которые основаны на функции преобразования (в декларативном синтаксисе также </a:t>
+            </a:r>
+            <a:r>
+              <a:rPr lang="en-US" dirty="0" smtClean="0">
+                <a:solidFill>
+                  <a:schemeClr val="accent1">
+                    <a:lumMod val="75000"/>
+                  </a:schemeClr>
+                </a:solidFill>
+              </a:rPr>
+              <a:t>select</a:t>
+            </a:r>
+            <a:r>
+              <a:rPr lang="ru-RU" dirty="0" smtClean="0"/>
+              <a:t>)</a:t>
+            </a:r>
+            <a:endParaRPr lang="ru-RU" u="sng" dirty="0" smtClean="0"/>
+          </a:p>
+          <a:p>
+            <a:pPr lvl="0">
+              <a:lnSpc>
+                <a:spcPct val="115000"/>
+              </a:lnSpc>
+              <a:spcBef>
+                <a:spcPts val="1400"/>
+              </a:spcBef>
+            </a:pPr>
+            <a:r>
+              <a:rPr lang="en-US" u="sng" dirty="0" err="1" smtClean="0">
+                <a:hlinkClick r:id="rId4"/>
+              </a:rPr>
+              <a:t>SelectMany</a:t>
+            </a:r>
+            <a:r>
+              <a:rPr lang="en-US" dirty="0" smtClean="0"/>
+              <a:t> </a:t>
+            </a:r>
+            <a:r>
+              <a:rPr lang="ru-RU" dirty="0" smtClean="0"/>
+              <a:t>– проецирует последовательности значений, основанных на функции преобразования, а затем выравнивает их в одну последовательность.(в декларативном синтаксисе множественный </a:t>
+            </a:r>
+            <a:r>
+              <a:rPr lang="en-US" dirty="0" smtClean="0">
+                <a:solidFill>
+                  <a:schemeClr val="accent1">
+                    <a:lumMod val="75000"/>
+                  </a:schemeClr>
+                </a:solidFill>
+              </a:rPr>
+              <a:t>from</a:t>
+            </a:r>
+            <a:r>
+              <a:rPr lang="ru-RU" dirty="0" smtClean="0"/>
+              <a:t>). Простыми словами: забирает последовательность из элемента коллекции и кладет его в результирующую последовательность.</a:t>
+            </a:r>
+          </a:p>
+          <a:p>
+            <a:pPr lvl="0">
+              <a:lnSpc>
+                <a:spcPct val="115000"/>
+              </a:lnSpc>
+              <a:spcBef>
+                <a:spcPts val="1400"/>
+              </a:spcBef>
+            </a:pPr>
+            <a:r>
+              <a:rPr lang="en-US" u="sng" dirty="0" smtClean="0">
                 <a:hlinkClick r:id="rId5"/>
               </a:rPr>
-              <a:t>Union</a:t>
-            </a:r>
-            <a:r>
-              <a:rPr lang="en-US" sz="1300" dirty="0">
-                <a:latin typeface="Roboto"/>
-                <a:ea typeface="Roboto"/>
-                <a:cs typeface="Roboto"/>
-                <a:sym typeface="Roboto"/>
-              </a:rPr>
-              <a:t> </a:t>
-            </a:r>
-            <a:r>
-              <a:rPr lang="ru-RU" sz="1300" dirty="0">
-                <a:latin typeface="Roboto"/>
-                <a:ea typeface="Roboto"/>
-                <a:cs typeface="Roboto"/>
-                <a:sym typeface="Roboto"/>
-              </a:rPr>
-              <a:t>или </a:t>
-            </a:r>
-            <a:r>
-              <a:rPr lang="en-US" dirty="0" err="1">
-                <a:hlinkClick r:id="rId6"/>
-              </a:rPr>
-              <a:t>UnionBy</a:t>
-            </a:r>
-            <a:r>
-              <a:rPr lang="ru-RU" dirty="0"/>
-              <a:t> – возвращает набор уникальных значений, присутствующий в обоих коллекциях.</a:t>
-            </a:r>
-            <a:endParaRPr lang="ru-RU" sz="1300" dirty="0">
-              <a:latin typeface="Roboto"/>
-              <a:ea typeface="Roboto"/>
-              <a:cs typeface="Roboto"/>
-              <a:sym typeface="Roboto"/>
-            </a:endParaRPr>
+              <a:t>Zip</a:t>
+            </a:r>
+            <a:r>
+              <a:rPr lang="ru-RU" dirty="0" smtClean="0"/>
+              <a:t> – создает последовательность кортежей из 2-3 указанных последовательностей.</a:t>
+            </a:r>
           </a:p>
         </p:txBody>
       </p:sp>
-      <p:pic>
-        <p:nvPicPr>
-          <p:cNvPr id="1028" name="Picture 4" descr="Graphic showing the intersection of two sequences"/>
-          <p:cNvPicPr>
-            <a:picLocks noChangeAspect="1" noChangeArrowheads="1"/>
-          </p:cNvPicPr>
-          <p:nvPr/>
-        </p:nvPicPr>
-        <p:blipFill>
-          <a:blip r:embed="rId7">
-            <a:extLst>
-              <a:ext uri="{28A0092B-C50C-407E-A947-70E740481C1C}">
-                <a14:useLocalDpi xmlns="" xmlns:a14="http://schemas.microsoft.com/office/drawing/2010/main" val="0"/>
-              </a:ext>
-            </a:extLst>
-          </a:blip>
-          <a:srcRect/>
-          <a:stretch>
-            <a:fillRect/>
-          </a:stretch>
-        </p:blipFill>
-        <p:spPr bwMode="auto">
-          <a:xfrm>
-            <a:off x="3035935" y="1717217"/>
-            <a:ext cx="2686050" cy="809626"/>
-          </a:xfrm>
-          <a:prstGeom prst="rect">
-            <a:avLst/>
-          </a:prstGeom>
-          <a:noFill/>
-          <a:extLst>
-            <a:ext uri="{909E8E84-426E-40DD-AFC4-6F175D3DCCD1}">
-              <a14:hiddenFill xmlns="" xmlns:a14="http://schemas.microsoft.com/office/drawing/2010/main">
-                <a:solidFill>
-                  <a:srgbClr val="FFFFFF"/>
-                </a:solidFill>
-              </a14:hiddenFill>
-            </a:ext>
-          </a:extLst>
-        </p:spPr>
-      </p:pic>
-      <p:pic>
-        <p:nvPicPr>
-          <p:cNvPr id="1030" name="Picture 6" descr="Graphic showing the union of two sequences."/>
-          <p:cNvPicPr>
-            <a:picLocks noChangeAspect="1" noChangeArrowheads="1"/>
-          </p:cNvPicPr>
-          <p:nvPr/>
-        </p:nvPicPr>
-        <p:blipFill>
-          <a:blip r:embed="rId8">
-            <a:extLst>
-              <a:ext uri="{28A0092B-C50C-407E-A947-70E740481C1C}">
-                <a14:useLocalDpi xmlns="" xmlns:a14="http://schemas.microsoft.com/office/drawing/2010/main" val="0"/>
-              </a:ext>
-            </a:extLst>
-          </a:blip>
-          <a:srcRect/>
-          <a:stretch>
-            <a:fillRect/>
-          </a:stretch>
-        </p:blipFill>
-        <p:spPr bwMode="auto">
-          <a:xfrm>
-            <a:off x="3035935" y="3368202"/>
-            <a:ext cx="2686050" cy="809626"/>
-          </a:xfrm>
-          <a:prstGeom prst="rect">
-            <a:avLst/>
-          </a:prstGeom>
-          <a:noFill/>
-          <a:extLst>
-            <a:ext uri="{909E8E84-426E-40DD-AFC4-6F175D3DCCD1}">
-              <a14:hiddenFill xmlns="" xmlns:a14="http://schemas.microsoft.com/office/drawing/2010/main">
-                <a:solidFill>
-                  <a:srgbClr val="FFFFFF"/>
-                </a:solidFill>
-              </a14:hiddenFill>
-            </a:ext>
-          </a:extLst>
-        </p:spPr>
-      </p:pic>
     </p:spTree>
     <p:extLst>
       <p:ext uri="{BB962C8B-B14F-4D97-AF65-F5344CB8AC3E}">
-        <p14:creationId xmlns="" xmlns:p14="http://schemas.microsoft.com/office/powerpoint/2010/main" val="3055765978"/>
+        <p14:creationId xmlns:p14="http://schemas.microsoft.com/office/powerpoint/2010/main" xmlns="" val="3413217380"/>
       </p:ext>
     </p:extLst>
   </p:cSld>
@@ -15142,7 +15255,7 @@
     <a:masterClrMapping/>
   </p:clrMapOvr>
   <mc:AlternateContent xmlns:mc="http://schemas.openxmlformats.org/markup-compatibility/2006">
-    <mc:Choice xmlns="" xmlns:p14="http://schemas.microsoft.com/office/powerpoint/2010/main" Requires="p14">
+    <mc:Choice xmlns:p14="http://schemas.microsoft.com/office/powerpoint/2010/main" xmlns="" Requires="p14">
       <p:transition spd="slow" p14:dur="2000"/>
     </mc:Choice>
     <mc:Fallback>
@@ -15201,10 +15314,18 @@
           </a:bodyPr>
           <a:lstStyle/>
           <a:p>
-            <a:pPr lvl="0"/>
+            <a:pPr marL="0" lvl="0" indent="0" algn="l" rtl="0">
+              <a:spcBef>
+                <a:spcPts val="0"/>
+              </a:spcBef>
+              <a:spcAft>
+                <a:spcPts val="0"/>
+              </a:spcAft>
+              <a:buNone/>
+            </a:pPr>
             <a:r>
               <a:rPr lang="ru-RU" dirty="0" smtClean="0"/>
-              <a:t>Сортировка данных</a:t>
+              <a:t>Операции над множествами</a:t>
             </a:r>
             <a:endParaRPr dirty="0"/>
           </a:p>
@@ -15213,7 +15334,7 @@
     </p:spTree>
     <p:extLst>
       <p:ext uri="{BB962C8B-B14F-4D97-AF65-F5344CB8AC3E}">
-        <p14:creationId xmlns="" xmlns:p14="http://schemas.microsoft.com/office/powerpoint/2010/main" val="2409115406"/>
+        <p14:creationId xmlns:p14="http://schemas.microsoft.com/office/powerpoint/2010/main" xmlns="" val="4118962620"/>
       </p:ext>
     </p:extLst>
   </p:cSld>
@@ -15221,7 +15342,7 @@
     <a:masterClrMapping/>
   </p:clrMapOvr>
   <mc:AlternateContent xmlns:mc="http://schemas.openxmlformats.org/markup-compatibility/2006">
-    <mc:Choice xmlns="" xmlns:p14="http://schemas.microsoft.com/office/powerpoint/2010/main" Requires="p14">
+    <mc:Choice xmlns:p14="http://schemas.microsoft.com/office/powerpoint/2010/main" xmlns="" Requires="p14">
       <p:transition spd="slow" p14:dur="2000"/>
     </mc:Choice>
     <mc:Fallback>
@@ -15281,18 +15402,9 @@
           <a:lstStyle/>
           <a:p>
             <a:r>
-              <a:rPr lang="ru-RU" dirty="0" smtClean="0"/>
-              <a:t>Сортировка</a:t>
-            </a:r>
-            <a:r>
-              <a:rPr lang="en-US" dirty="0" smtClean="0"/>
-              <a:t> </a:t>
-            </a:r>
-            <a:r>
-              <a:rPr lang="ru-RU" dirty="0" smtClean="0"/>
-              <a:t>данных</a:t>
-            </a:r>
-            <a:endParaRPr lang="ru-RU" dirty="0"/>
+              <a:rPr lang="ru-RU" dirty="0"/>
+              <a:t>Операции над множествами</a:t>
+            </a:r>
           </a:p>
         </p:txBody>
       </p:sp>
@@ -15305,7 +15417,7 @@
         <p:spPr>
           <a:xfrm>
             <a:off x="500550" y="789705"/>
-            <a:ext cx="8092200" cy="859692"/>
+            <a:ext cx="8092200" cy="1729418"/>
           </a:xfrm>
           <a:prstGeom prst="rect">
             <a:avLst/>
@@ -15321,6 +15433,55 @@
           </a:bodyPr>
           <a:lstStyle/>
           <a:p>
+            <a:pPr lvl="0" algn="l" rtl="0">
+              <a:lnSpc>
+                <a:spcPct val="115000"/>
+              </a:lnSpc>
+              <a:spcBef>
+                <a:spcPts val="1400"/>
+              </a:spcBef>
+              <a:spcAft>
+                <a:spcPts val="0"/>
+              </a:spcAft>
+            </a:pPr>
+            <a:r>
+              <a:rPr lang="ru-RU" sz="1300" b="1" dirty="0" smtClean="0">
+                <a:latin typeface="Roboto"/>
+                <a:ea typeface="Roboto"/>
+                <a:cs typeface="Roboto"/>
+                <a:sym typeface="Roboto"/>
+              </a:rPr>
+              <a:t>Под </a:t>
+            </a:r>
+            <a:r>
+              <a:rPr lang="ru-RU" sz="1300" b="1" dirty="0">
+                <a:latin typeface="Roboto"/>
+                <a:ea typeface="Roboto"/>
+                <a:cs typeface="Roboto"/>
+                <a:sym typeface="Roboto"/>
+              </a:rPr>
+              <a:t>о</a:t>
+            </a:r>
+            <a:r>
+              <a:rPr lang="ru-RU" sz="1300" b="1" dirty="0" smtClean="0">
+                <a:latin typeface="Roboto"/>
+                <a:ea typeface="Roboto"/>
+                <a:cs typeface="Roboto"/>
+                <a:sym typeface="Roboto"/>
+              </a:rPr>
+              <a:t>перации над множествами</a:t>
+            </a:r>
+            <a:r>
+              <a:rPr lang="ru-RU" sz="1300" dirty="0" smtClean="0">
+                <a:latin typeface="Roboto"/>
+                <a:ea typeface="Roboto"/>
+                <a:cs typeface="Roboto"/>
+                <a:sym typeface="Roboto"/>
+              </a:rPr>
+              <a:t> в данном случае понимаются операции запросов, которые создают результирующий набор присутствия или отсутствия эквивалентных элементов в одной или отдельной коллекциях.</a:t>
+            </a:r>
+          </a:p>
+          <a:p>
             <a:pPr lvl="0">
               <a:lnSpc>
                 <a:spcPct val="115000"/>
@@ -15330,197 +15491,45 @@
               </a:spcBef>
             </a:pPr>
             <a:r>
-              <a:rPr lang="ru-RU" dirty="0"/>
-              <a:t>Операция сортировки упорядочивает элементы последовательности на основе одного или нескольких атрибутов</a:t>
-            </a:r>
-            <a:r>
-              <a:rPr lang="ru-RU" dirty="0" smtClean="0"/>
-              <a:t>.</a:t>
-            </a:r>
-          </a:p>
-        </p:txBody>
-      </p:sp>
-      <p:sp>
-        <p:nvSpPr>
-          <p:cNvPr id="2" name="Прямоугольник 1"/>
-          <p:cNvSpPr/>
-          <p:nvPr/>
-        </p:nvSpPr>
-        <p:spPr>
-          <a:xfrm>
-            <a:off x="500549" y="2789065"/>
-            <a:ext cx="8037443" cy="1262910"/>
-          </a:xfrm>
-          <a:prstGeom prst="rect">
-            <a:avLst/>
-          </a:prstGeom>
-        </p:spPr>
-        <p:txBody>
-          <a:bodyPr wrap="square">
-            <a:spAutoFit/>
-          </a:bodyPr>
-          <a:lstStyle/>
-          <a:p>
-            <a:pPr lvl="0">
-              <a:lnSpc>
-                <a:spcPct val="115000"/>
-              </a:lnSpc>
-              <a:spcBef>
-                <a:spcPts val="1400"/>
-              </a:spcBef>
-            </a:pPr>
-            <a:r>
-              <a:rPr lang="en-US" dirty="0" err="1" smtClean="0">
+              <a:rPr lang="en-US" u="sng" dirty="0">
                 <a:hlinkClick r:id="rId3"/>
               </a:rPr>
-              <a:t>OrderBy</a:t>
-            </a:r>
-            <a:r>
-              <a:rPr lang="ru-RU" dirty="0" smtClean="0"/>
-              <a:t> – сортировка </a:t>
-            </a:r>
-            <a:r>
-              <a:rPr lang="ru-RU" dirty="0"/>
-              <a:t>значений в возрастающем порядке</a:t>
-            </a:r>
-            <a:r>
-              <a:rPr lang="ru-RU" dirty="0" smtClean="0"/>
-              <a:t>. В декларативном синтаксисе – оператор </a:t>
-            </a:r>
-            <a:r>
-              <a:rPr lang="en-US" dirty="0" err="1" smtClean="0">
-                <a:solidFill>
-                  <a:schemeClr val="accent1">
-                    <a:lumMod val="75000"/>
-                  </a:schemeClr>
-                </a:solidFill>
-              </a:rPr>
-              <a:t>orderby</a:t>
-            </a:r>
-            <a:r>
-              <a:rPr lang="en-US" dirty="0" smtClean="0">
-                <a:solidFill>
-                  <a:schemeClr val="tx1"/>
-                </a:solidFill>
+              <a:t>Distinct</a:t>
+            </a:r>
+            <a:r>
+              <a:rPr lang="en-US" sz="1300" dirty="0" smtClean="0">
+                <a:latin typeface="Roboto"/>
+                <a:ea typeface="Roboto"/>
+                <a:cs typeface="Roboto"/>
+                <a:sym typeface="Roboto"/>
               </a:rPr>
               <a:t> </a:t>
             </a:r>
             <a:r>
-              <a:rPr lang="ru-RU" dirty="0" smtClean="0">
-                <a:solidFill>
-                  <a:schemeClr val="tx1"/>
-                </a:solidFill>
+              <a:rPr lang="ru-RU" sz="1300" dirty="0" smtClean="0">
+                <a:latin typeface="Roboto"/>
+                <a:ea typeface="Roboto"/>
+                <a:cs typeface="Roboto"/>
+                <a:sym typeface="Roboto"/>
               </a:rPr>
               <a:t>или </a:t>
             </a:r>
             <a:r>
               <a:rPr lang="en-US" dirty="0" err="1" smtClean="0">
-                <a:solidFill>
-                  <a:schemeClr val="accent1">
-                    <a:lumMod val="75000"/>
-                  </a:schemeClr>
-                </a:solidFill>
-              </a:rPr>
-              <a:t>orderby</a:t>
-            </a:r>
-            <a:r>
-              <a:rPr lang="ru-RU" dirty="0" smtClean="0">
-                <a:solidFill>
-                  <a:schemeClr val="accent1">
-                    <a:lumMod val="75000"/>
-                  </a:schemeClr>
-                </a:solidFill>
-              </a:rPr>
-              <a:t> </a:t>
-            </a:r>
-            <a:r>
-              <a:rPr lang="en-US" dirty="0">
-                <a:solidFill>
-                  <a:schemeClr val="accent1">
-                    <a:lumMod val="75000"/>
-                  </a:schemeClr>
-                </a:solidFill>
-              </a:rPr>
-              <a:t>ascending</a:t>
-            </a:r>
-            <a:r>
-              <a:rPr lang="en-US" dirty="0" smtClean="0"/>
-              <a:t>.</a:t>
-            </a:r>
-            <a:endParaRPr lang="ru-RU" dirty="0" smtClean="0"/>
-          </a:p>
-          <a:p>
-            <a:pPr lvl="0">
-              <a:lnSpc>
-                <a:spcPct val="115000"/>
-              </a:lnSpc>
-              <a:spcBef>
-                <a:spcPts val="1400"/>
-              </a:spcBef>
-            </a:pPr>
-            <a:r>
-              <a:rPr lang="en-US" u="sng" dirty="0" err="1" smtClean="0">
                 <a:hlinkClick r:id="rId4"/>
               </a:rPr>
-              <a:t>OrderByDescending</a:t>
+              <a:t>DistinctBy</a:t>
             </a:r>
             <a:r>
               <a:rPr lang="ru-RU" dirty="0" smtClean="0"/>
-              <a:t> – сортировка </a:t>
-            </a:r>
-            <a:r>
-              <a:rPr lang="ru-RU" dirty="0"/>
-              <a:t>значений в убывающем порядке</a:t>
-            </a:r>
-            <a:r>
-              <a:rPr lang="ru-RU" dirty="0" smtClean="0"/>
-              <a:t>. </a:t>
-            </a:r>
-            <a:r>
-              <a:rPr lang="ru-RU" dirty="0"/>
-              <a:t>В декларативном синтаксисе – оператор </a:t>
-            </a:r>
-            <a:r>
-              <a:rPr lang="en-US" dirty="0" err="1" smtClean="0">
-                <a:solidFill>
-                  <a:schemeClr val="accent1">
-                    <a:lumMod val="75000"/>
-                  </a:schemeClr>
-                </a:solidFill>
-              </a:rPr>
-              <a:t>orderby</a:t>
-            </a:r>
-            <a:r>
-              <a:rPr lang="ru-RU" dirty="0" smtClean="0">
-                <a:solidFill>
-                  <a:schemeClr val="accent1">
-                    <a:lumMod val="75000"/>
-                  </a:schemeClr>
-                </a:solidFill>
-              </a:rPr>
-              <a:t> </a:t>
-            </a:r>
-            <a:r>
-              <a:rPr lang="en-US" dirty="0" smtClean="0">
-                <a:solidFill>
-                  <a:schemeClr val="accent1">
-                    <a:lumMod val="75000"/>
-                  </a:schemeClr>
-                </a:solidFill>
-              </a:rPr>
-              <a:t>descending</a:t>
-            </a:r>
-            <a:r>
-              <a:rPr lang="en-US" dirty="0" smtClean="0"/>
-              <a:t>.</a:t>
-            </a:r>
-            <a:endParaRPr lang="ru-RU" dirty="0" smtClean="0"/>
+              <a:t> – возвращает уникальные элементы последовательности. Можно также сказать, что удаляет дубликаты.</a:t>
+            </a:r>
           </a:p>
         </p:txBody>
       </p:sp>
       <p:pic>
         <p:nvPicPr>
-          <p:cNvPr id="3074" name="Picture 2" descr="Рисунок с операциями сортировки в алфавитном порядке."/>
+          <p:cNvPr id="4" name="Picture 2" descr="Graphic showing the behavior of Distinct()"/>
           <p:cNvPicPr>
             <a:picLocks noChangeAspect="1" noChangeArrowheads="1"/>
           </p:cNvPicPr>
@@ -15530,7 +15539,7 @@
           <a:blip r:embed="rId5">
             <a:extLst>
               <a:ext uri="{28A0092B-C50C-407E-A947-70E740481C1C}">
-                <a14:useLocalDpi xmlns="" xmlns:a14="http://schemas.microsoft.com/office/drawing/2010/main" val="0"/>
+                <a14:useLocalDpi xmlns:a14="http://schemas.microsoft.com/office/drawing/2010/main" xmlns="" val="0"/>
               </a:ext>
             </a:extLst>
           </a:blip>
@@ -15541,8 +15550,8 @@
         </p:blipFill>
         <p:spPr bwMode="auto">
           <a:xfrm>
-            <a:off x="3328646" y="1560689"/>
-            <a:ext cx="2381250" cy="1095376"/>
+            <a:off x="2978289" y="2749185"/>
+            <a:ext cx="3457575" cy="371475"/>
           </a:xfrm>
           <a:prstGeom prst="rect">
             <a:avLst/>
@@ -15550,7 +15559,7 @@
           <a:noFill/>
           <a:extLst>
             <a:ext uri="{909E8E84-426E-40DD-AFC4-6F175D3DCCD1}">
-              <a14:hiddenFill xmlns="" xmlns:a14="http://schemas.microsoft.com/office/drawing/2010/main">
+              <a14:hiddenFill xmlns:a14="http://schemas.microsoft.com/office/drawing/2010/main" xmlns="">
                 <a:solidFill>
                   <a:srgbClr val="FFFFFF"/>
                 </a:solidFill>
@@ -15559,10 +15568,117 @@
           </a:extLst>
         </p:spPr>
       </p:pic>
+      <p:sp>
+        <p:nvSpPr>
+          <p:cNvPr id="2" name="Прямоугольник 1"/>
+          <p:cNvSpPr/>
+          <p:nvPr/>
+        </p:nvSpPr>
+        <p:spPr>
+          <a:xfrm>
+            <a:off x="500550" y="3208165"/>
+            <a:ext cx="8037443" cy="587853"/>
+          </a:xfrm>
+          <a:prstGeom prst="rect">
+            <a:avLst/>
+          </a:prstGeom>
+        </p:spPr>
+        <p:txBody>
+          <a:bodyPr wrap="square">
+            <a:spAutoFit/>
+          </a:bodyPr>
+          <a:lstStyle/>
+          <a:p>
+            <a:pPr lvl="0">
+              <a:lnSpc>
+                <a:spcPct val="115000"/>
+              </a:lnSpc>
+              <a:spcBef>
+                <a:spcPts val="1400"/>
+              </a:spcBef>
+            </a:pPr>
+            <a:r>
+              <a:rPr lang="en-US" dirty="0">
+                <a:hlinkClick r:id="rId6"/>
+              </a:rPr>
+              <a:t>Except</a:t>
+            </a:r>
+            <a:r>
+              <a:rPr lang="en-US" sz="1300" dirty="0">
+                <a:latin typeface="Roboto"/>
+                <a:ea typeface="Roboto"/>
+                <a:cs typeface="Roboto"/>
+                <a:sym typeface="Roboto"/>
+              </a:rPr>
+              <a:t> </a:t>
+            </a:r>
+            <a:r>
+              <a:rPr lang="ru-RU" sz="1300" dirty="0">
+                <a:latin typeface="Roboto"/>
+                <a:ea typeface="Roboto"/>
+                <a:cs typeface="Roboto"/>
+                <a:sym typeface="Roboto"/>
+              </a:rPr>
+              <a:t>или </a:t>
+            </a:r>
+            <a:r>
+              <a:rPr lang="en-US" dirty="0" err="1">
+                <a:hlinkClick r:id="rId7"/>
+              </a:rPr>
+              <a:t>ExceptBy</a:t>
+            </a:r>
+            <a:r>
+              <a:rPr lang="ru-RU" dirty="0"/>
+              <a:t> – возвращает набор значений, которые присутствуют в одной коллекции и отсутствуют в другой.</a:t>
+            </a:r>
+          </a:p>
+        </p:txBody>
+      </p:sp>
+      <p:pic>
+        <p:nvPicPr>
+          <p:cNvPr id="2050" name="Picture 2" descr="Graphic showing the action of Except()"/>
+          <p:cNvPicPr>
+            <a:picLocks noChangeAspect="1" noChangeArrowheads="1"/>
+          </p:cNvPicPr>
+          <p:nvPr/>
+        </p:nvPicPr>
+        <p:blipFill>
+          <a:blip r:embed="rId8">
+            <a:extLst>
+              <a:ext uri="{28A0092B-C50C-407E-A947-70E740481C1C}">
+                <a14:useLocalDpi xmlns:a14="http://schemas.microsoft.com/office/drawing/2010/main" xmlns="" val="0"/>
+              </a:ext>
+            </a:extLst>
+          </a:blip>
+          <a:srcRect/>
+          <a:stretch>
+            <a:fillRect/>
+          </a:stretch>
+        </p:blipFill>
+        <p:spPr bwMode="auto">
+          <a:xfrm>
+            <a:off x="3269835" y="3678819"/>
+            <a:ext cx="2162175" cy="809626"/>
+          </a:xfrm>
+          <a:prstGeom prst="rect">
+            <a:avLst/>
+          </a:prstGeom>
+          <a:noFill/>
+          <a:extLst>
+            <a:ext uri="{909E8E84-426E-40DD-AFC4-6F175D3DCCD1}">
+              <a14:hiddenFill xmlns:a14="http://schemas.microsoft.com/office/drawing/2010/main" xmlns="">
+                <a:solidFill>
+                  <a:srgbClr val="FFFFFF"/>
+                </a:solidFill>
+              </a14:hiddenFill>
+            </a:ext>
+          </a:extLst>
+        </p:spPr>
+      </p:pic>
     </p:spTree>
     <p:extLst>
       <p:ext uri="{BB962C8B-B14F-4D97-AF65-F5344CB8AC3E}">
-        <p14:creationId xmlns="" xmlns:p14="http://schemas.microsoft.com/office/powerpoint/2010/main" val="212902253"/>
+        <p14:creationId xmlns:p14="http://schemas.microsoft.com/office/powerpoint/2010/main" xmlns="" val="2305462432"/>
       </p:ext>
     </p:extLst>
   </p:cSld>
@@ -15570,7 +15686,7 @@
     <a:masterClrMapping/>
   </p:clrMapOvr>
   <mc:AlternateContent xmlns:mc="http://schemas.openxmlformats.org/markup-compatibility/2006">
-    <mc:Choice xmlns="" xmlns:p14="http://schemas.microsoft.com/office/powerpoint/2010/main" Requires="p14">
+    <mc:Choice xmlns:p14="http://schemas.microsoft.com/office/powerpoint/2010/main" xmlns="" Requires="p14">
       <p:transition spd="slow" p14:dur="2000"/>
     </mc:Choice>
     <mc:Fallback>
@@ -15630,18 +15746,9 @@
           <a:lstStyle/>
           <a:p>
             <a:r>
-              <a:rPr lang="ru-RU" dirty="0" smtClean="0"/>
-              <a:t>Сортировка</a:t>
-            </a:r>
-            <a:r>
-              <a:rPr lang="en-US" dirty="0" smtClean="0"/>
-              <a:t> </a:t>
-            </a:r>
-            <a:r>
-              <a:rPr lang="ru-RU" dirty="0" smtClean="0"/>
-              <a:t>данных</a:t>
-            </a:r>
-            <a:endParaRPr lang="ru-RU" dirty="0"/>
+              <a:rPr lang="ru-RU" dirty="0"/>
+              <a:t>Операции над множествами</a:t>
+            </a:r>
           </a:p>
         </p:txBody>
       </p:sp>
@@ -15653,8 +15760,8 @@
         </p:nvSpPr>
         <p:spPr>
           <a:xfrm>
-            <a:off x="500550" y="1292625"/>
-            <a:ext cx="8092200" cy="2209805"/>
+            <a:off x="549600" y="857525"/>
+            <a:ext cx="8092200" cy="859692"/>
           </a:xfrm>
           <a:prstGeom prst="rect">
             <a:avLst/>
@@ -15679,103 +15786,67 @@
               </a:spcBef>
             </a:pPr>
             <a:r>
-              <a:rPr lang="en-US" dirty="0" err="1">
+              <a:rPr lang="en-US" u="sng" dirty="0">
                 <a:hlinkClick r:id="rId3"/>
               </a:rPr>
-              <a:t>ThenBy</a:t>
-            </a:r>
-            <a:r>
-              <a:rPr lang="ru-RU" dirty="0"/>
-              <a:t> – дополнительная сортировка по возрастанию</a:t>
-            </a:r>
-            <a:r>
-              <a:rPr lang="ru-RU" dirty="0" smtClean="0"/>
-              <a:t>. </a:t>
-            </a:r>
-            <a:r>
-              <a:rPr lang="ru-RU" dirty="0"/>
-              <a:t>В декларативном </a:t>
-            </a:r>
-            <a:r>
-              <a:rPr lang="ru-RU" dirty="0" smtClean="0"/>
-              <a:t>дополнительные </a:t>
-            </a:r>
-            <a:r>
-              <a:rPr lang="ru-RU" dirty="0"/>
-              <a:t>– </a:t>
-            </a:r>
-            <a:r>
-              <a:rPr lang="ru-RU" dirty="0" smtClean="0"/>
-              <a:t>операторы </a:t>
-            </a:r>
-            <a:r>
-              <a:rPr lang="en-US" dirty="0" err="1">
-                <a:solidFill>
-                  <a:schemeClr val="accent1">
-                    <a:lumMod val="75000"/>
-                  </a:schemeClr>
-                </a:solidFill>
-              </a:rPr>
-              <a:t>orderby</a:t>
-            </a:r>
-            <a:r>
-              <a:rPr lang="en-US" dirty="0">
-                <a:solidFill>
-                  <a:schemeClr val="tx1"/>
-                </a:solidFill>
+              <a:t>Intersect</a:t>
+            </a:r>
+            <a:r>
+              <a:rPr lang="en-US" sz="1300" dirty="0">
+                <a:latin typeface="Roboto"/>
+                <a:ea typeface="Roboto"/>
+                <a:cs typeface="Roboto"/>
+                <a:sym typeface="Roboto"/>
               </a:rPr>
               <a:t> </a:t>
             </a:r>
             <a:r>
-              <a:rPr lang="ru-RU" dirty="0">
-                <a:solidFill>
-                  <a:schemeClr val="tx1"/>
-                </a:solidFill>
+              <a:rPr lang="ru-RU" sz="1300" dirty="0">
+                <a:latin typeface="Roboto"/>
+                <a:ea typeface="Roboto"/>
+                <a:cs typeface="Roboto"/>
+                <a:sym typeface="Roboto"/>
               </a:rPr>
               <a:t>или </a:t>
             </a:r>
             <a:r>
               <a:rPr lang="en-US" dirty="0" err="1">
-                <a:solidFill>
-                  <a:schemeClr val="accent1">
-                    <a:lumMod val="75000"/>
-                  </a:schemeClr>
-                </a:solidFill>
+                <a:hlinkClick r:id="rId4"/>
               </a:rPr>
-              <a:t>orderby</a:t>
-            </a:r>
-            <a:r>
-              <a:rPr lang="ru-RU" dirty="0">
-                <a:solidFill>
-                  <a:schemeClr val="accent1">
-                    <a:lumMod val="75000"/>
-                  </a:schemeClr>
-                </a:solidFill>
-              </a:rPr>
-              <a:t> </a:t>
-            </a:r>
-            <a:r>
-              <a:rPr lang="en-US" dirty="0" smtClean="0">
-                <a:solidFill>
-                  <a:schemeClr val="accent1">
-                    <a:lumMod val="75000"/>
-                  </a:schemeClr>
-                </a:solidFill>
-              </a:rPr>
-              <a:t>ascending</a:t>
-            </a:r>
-            <a:r>
-              <a:rPr lang="ru-RU" dirty="0" smtClean="0">
-                <a:solidFill>
-                  <a:schemeClr val="accent1">
-                    <a:lumMod val="75000"/>
-                  </a:schemeClr>
-                </a:solidFill>
-              </a:rPr>
+              <a:t>IntersectBy</a:t>
+            </a:r>
+            <a:r>
+              <a:rPr lang="ru-RU" dirty="0"/>
+              <a:t> – возвращает набор значений, которые встречаются в обоих коллекциях</a:t>
+            </a:r>
+            <a:r>
+              <a:rPr lang="ru-RU" dirty="0" smtClean="0"/>
               <a:t>.</a:t>
             </a:r>
             <a:endParaRPr lang="ru-RU" dirty="0"/>
           </a:p>
+        </p:txBody>
+      </p:sp>
+      <p:sp>
+        <p:nvSpPr>
+          <p:cNvPr id="2" name="Прямоугольник 1"/>
+          <p:cNvSpPr/>
+          <p:nvPr/>
+        </p:nvSpPr>
+        <p:spPr>
+          <a:xfrm>
+            <a:off x="549600" y="2597864"/>
+            <a:ext cx="8092200" cy="587853"/>
+          </a:xfrm>
+          <a:prstGeom prst="rect">
+            <a:avLst/>
+          </a:prstGeom>
+        </p:spPr>
+        <p:txBody>
+          <a:bodyPr wrap="square">
+            <a:spAutoFit/>
+          </a:bodyPr>
+          <a:lstStyle/>
           <a:p>
             <a:pPr lvl="0">
               <a:lnSpc>
@@ -15786,102 +15857,134 @@
               </a:spcBef>
             </a:pPr>
             <a:r>
-              <a:rPr lang="en-US" dirty="0" err="1">
-                <a:hlinkClick r:id="rId4"/>
+              <a:rPr lang="en-US" u="sng" dirty="0">
+                <a:hlinkClick r:id="rId5"/>
               </a:rPr>
-              <a:t>ThenByDescending</a:t>
-            </a:r>
-            <a:r>
-              <a:rPr lang="ru-RU" dirty="0"/>
-              <a:t> – дополнительная сортировка по убыванию</a:t>
-            </a:r>
-            <a:r>
-              <a:rPr lang="ru-RU" dirty="0" smtClean="0"/>
-              <a:t>. </a:t>
-            </a:r>
-            <a:r>
-              <a:rPr lang="ru-RU" dirty="0"/>
-              <a:t>В декларативном синтаксисе </a:t>
-            </a:r>
-            <a:r>
-              <a:rPr lang="ru-RU" dirty="0" smtClean="0"/>
-              <a:t>дополнительные </a:t>
-            </a:r>
-            <a:r>
-              <a:rPr lang="en-US" dirty="0" err="1" smtClean="0">
-                <a:solidFill>
-                  <a:schemeClr val="accent1">
-                    <a:lumMod val="75000"/>
-                  </a:schemeClr>
-                </a:solidFill>
-              </a:rPr>
-              <a:t>orderby</a:t>
-            </a:r>
-            <a:r>
-              <a:rPr lang="ru-RU" dirty="0" smtClean="0">
-                <a:solidFill>
-                  <a:schemeClr val="accent1">
-                    <a:lumMod val="75000"/>
-                  </a:schemeClr>
-                </a:solidFill>
+              <a:t>Union</a:t>
+            </a:r>
+            <a:r>
+              <a:rPr lang="en-US" sz="1300" dirty="0">
+                <a:latin typeface="Roboto"/>
+                <a:ea typeface="Roboto"/>
+                <a:cs typeface="Roboto"/>
+                <a:sym typeface="Roboto"/>
               </a:rPr>
               <a:t> </a:t>
             </a:r>
             <a:r>
-              <a:rPr lang="en-US" dirty="0">
-                <a:solidFill>
-                  <a:schemeClr val="accent1">
-                    <a:lumMod val="75000"/>
-                  </a:schemeClr>
-                </a:solidFill>
+              <a:rPr lang="ru-RU" sz="1300" dirty="0">
+                <a:latin typeface="Roboto"/>
+                <a:ea typeface="Roboto"/>
+                <a:cs typeface="Roboto"/>
+                <a:sym typeface="Roboto"/>
               </a:rPr>
-              <a:t>descending</a:t>
-            </a:r>
-            <a:r>
-              <a:rPr lang="en-US" dirty="0"/>
-              <a:t>.</a:t>
-            </a:r>
-            <a:endParaRPr lang="ru-RU" dirty="0"/>
-          </a:p>
-          <a:p>
-            <a:pPr lvl="0">
-              <a:lnSpc>
-                <a:spcPct val="115000"/>
-              </a:lnSpc>
-              <a:spcBef>
-                <a:spcPts val="1400"/>
-              </a:spcBef>
-            </a:pPr>
-            <a:r>
-              <a:rPr lang="en-US" dirty="0">
-                <a:hlinkClick r:id="rId5"/>
+              <a:t>или </a:t>
+            </a:r>
+            <a:r>
+              <a:rPr lang="en-US" dirty="0" err="1">
+                <a:hlinkClick r:id="rId6"/>
               </a:rPr>
-              <a:t>Reverse</a:t>
+              <a:t>UnionBy</a:t>
             </a:r>
             <a:r>
               <a:rPr lang="ru-RU" dirty="0"/>
-              <a:t> - изменение порядка элементов в коллекции на обратный</a:t>
-            </a:r>
-            <a:r>
-              <a:rPr lang="ru-RU" dirty="0" smtClean="0"/>
-              <a:t>. </a:t>
-            </a:r>
-            <a:r>
-              <a:rPr lang="ru-RU" dirty="0"/>
-              <a:t>В декларативном синтаксисе </a:t>
-            </a:r>
-            <a:r>
-              <a:rPr lang="ru-RU" dirty="0" smtClean="0"/>
-              <a:t>аналогов нет.</a:t>
-            </a:r>
-            <a:endParaRPr lang="ru-RU" dirty="0"/>
+              <a:t> – возвращает набор уникальных значений, присутствующий в обоих коллекциях.</a:t>
+            </a:r>
+            <a:endParaRPr lang="ru-RU" sz="1300" dirty="0">
+              <a:latin typeface="Roboto"/>
+              <a:ea typeface="Roboto"/>
+              <a:cs typeface="Roboto"/>
+              <a:sym typeface="Roboto"/>
+            </a:endParaRPr>
           </a:p>
         </p:txBody>
       </p:sp>
+      <p:pic>
+        <p:nvPicPr>
+          <p:cNvPr id="1028" name="Picture 4" descr="Graphic showing the intersection of two sequences"/>
+          <p:cNvPicPr>
+            <a:picLocks noChangeAspect="1" noChangeArrowheads="1"/>
+          </p:cNvPicPr>
+          <p:nvPr/>
+        </p:nvPicPr>
+        <p:blipFill>
+          <a:blip r:embed="rId7">
+            <a:extLst>
+              <a:ext uri="{28A0092B-C50C-407E-A947-70E740481C1C}">
+                <a14:useLocalDpi xmlns:a14="http://schemas.microsoft.com/office/drawing/2010/main" xmlns="" val="0"/>
+              </a:ext>
+            </a:extLst>
+          </a:blip>
+          <a:srcRect/>
+          <a:stretch>
+            <a:fillRect/>
+          </a:stretch>
+        </p:blipFill>
+        <p:spPr bwMode="auto">
+          <a:xfrm>
+            <a:off x="3035935" y="1717217"/>
+            <a:ext cx="2686050" cy="809626"/>
+          </a:xfrm>
+          <a:prstGeom prst="rect">
+            <a:avLst/>
+          </a:prstGeom>
+          <a:noFill/>
+          <a:extLst>
+            <a:ext uri="{909E8E84-426E-40DD-AFC4-6F175D3DCCD1}">
+              <a14:hiddenFill xmlns:a14="http://schemas.microsoft.com/office/drawing/2010/main" xmlns="">
+                <a:solidFill>
+                  <a:srgbClr val="FFFFFF"/>
+                </a:solidFill>
+              </a14:hiddenFill>
+            </a:ext>
+          </a:extLst>
+        </p:spPr>
+      </p:pic>
+      <p:pic>
+        <p:nvPicPr>
+          <p:cNvPr id="1030" name="Picture 6" descr="Graphic showing the union of two sequences."/>
+          <p:cNvPicPr>
+            <a:picLocks noChangeAspect="1" noChangeArrowheads="1"/>
+          </p:cNvPicPr>
+          <p:nvPr/>
+        </p:nvPicPr>
+        <p:blipFill>
+          <a:blip r:embed="rId8">
+            <a:extLst>
+              <a:ext uri="{28A0092B-C50C-407E-A947-70E740481C1C}">
+                <a14:useLocalDpi xmlns:a14="http://schemas.microsoft.com/office/drawing/2010/main" xmlns="" val="0"/>
+              </a:ext>
+            </a:extLst>
+          </a:blip>
+          <a:srcRect/>
+          <a:stretch>
+            <a:fillRect/>
+          </a:stretch>
+        </p:blipFill>
+        <p:spPr bwMode="auto">
+          <a:xfrm>
+            <a:off x="3035935" y="3368202"/>
+            <a:ext cx="2686050" cy="809626"/>
+          </a:xfrm>
+          <a:prstGeom prst="rect">
+            <a:avLst/>
+          </a:prstGeom>
+          <a:noFill/>
+          <a:extLst>
+            <a:ext uri="{909E8E84-426E-40DD-AFC4-6F175D3DCCD1}">
+              <a14:hiddenFill xmlns:a14="http://schemas.microsoft.com/office/drawing/2010/main" xmlns="">
+                <a:solidFill>
+                  <a:srgbClr val="FFFFFF"/>
+                </a:solidFill>
+              </a14:hiddenFill>
+            </a:ext>
+          </a:extLst>
+        </p:spPr>
+      </p:pic>
     </p:spTree>
     <p:extLst>
       <p:ext uri="{BB962C8B-B14F-4D97-AF65-F5344CB8AC3E}">
-        <p14:creationId xmlns="" xmlns:p14="http://schemas.microsoft.com/office/powerpoint/2010/main" val="1643307161"/>
+        <p14:creationId xmlns:p14="http://schemas.microsoft.com/office/powerpoint/2010/main" xmlns="" val="3055765978"/>
       </p:ext>
     </p:extLst>
   </p:cSld>
@@ -15889,7 +15992,7 @@
     <a:masterClrMapping/>
   </p:clrMapOvr>
   <mc:AlternateContent xmlns:mc="http://schemas.openxmlformats.org/markup-compatibility/2006">
-    <mc:Choice xmlns="" xmlns:p14="http://schemas.microsoft.com/office/powerpoint/2010/main" Requires="p14">
+    <mc:Choice xmlns:p14="http://schemas.microsoft.com/office/powerpoint/2010/main" xmlns="" Requires="p14">
       <p:transition spd="slow" p14:dur="2000"/>
     </mc:Choice>
     <mc:Fallback>
@@ -15951,7 +16054,7 @@
             <a:pPr lvl="0"/>
             <a:r>
               <a:rPr lang="ru-RU" dirty="0" smtClean="0"/>
-              <a:t>Квантификаторы</a:t>
+              <a:t>Сортировка данных</a:t>
             </a:r>
             <a:endParaRPr dirty="0"/>
           </a:p>
@@ -15960,7 +16063,7 @@
     </p:spTree>
     <p:extLst>
       <p:ext uri="{BB962C8B-B14F-4D97-AF65-F5344CB8AC3E}">
-        <p14:creationId xmlns="" xmlns:p14="http://schemas.microsoft.com/office/powerpoint/2010/main" val="3680781265"/>
+        <p14:creationId xmlns:p14="http://schemas.microsoft.com/office/powerpoint/2010/main" xmlns="" val="2409115406"/>
       </p:ext>
     </p:extLst>
   </p:cSld>
@@ -15968,7 +16071,7 @@
     <a:masterClrMapping/>
   </p:clrMapOvr>
   <mc:AlternateContent xmlns:mc="http://schemas.openxmlformats.org/markup-compatibility/2006">
-    <mc:Choice xmlns="" xmlns:p14="http://schemas.microsoft.com/office/powerpoint/2010/main" Requires="p14">
+    <mc:Choice xmlns:p14="http://schemas.microsoft.com/office/powerpoint/2010/main" xmlns="" Requires="p14">
       <p:transition spd="slow" p14:dur="2000"/>
     </mc:Choice>
     <mc:Fallback>
@@ -16028,9 +16131,18 @@
           <a:lstStyle/>
           <a:p>
             <a:r>
-              <a:rPr lang="ru-RU" dirty="0"/>
-              <a:t>Операции квантификатора</a:t>
-            </a:r>
+              <a:rPr lang="ru-RU" dirty="0" smtClean="0"/>
+              <a:t>Сортировка</a:t>
+            </a:r>
+            <a:r>
+              <a:rPr lang="en-US" dirty="0" smtClean="0"/>
+              <a:t> </a:t>
+            </a:r>
+            <a:r>
+              <a:rPr lang="ru-RU" dirty="0" smtClean="0"/>
+              <a:t>данных</a:t>
+            </a:r>
+            <a:endParaRPr lang="ru-RU" dirty="0"/>
           </a:p>
         </p:txBody>
       </p:sp>
@@ -16042,8 +16154,8 @@
         </p:nvSpPr>
         <p:spPr>
           <a:xfrm>
-            <a:off x="598600" y="1009925"/>
-            <a:ext cx="8092200" cy="2123884"/>
+            <a:off x="500550" y="789705"/>
+            <a:ext cx="8092200" cy="859692"/>
           </a:xfrm>
           <a:prstGeom prst="rect">
             <a:avLst/>
@@ -16068,20 +16180,175 @@
               </a:spcBef>
             </a:pPr>
             <a:r>
+              <a:rPr lang="ru-RU" dirty="0"/>
+              <a:t>Операция сортировки упорядочивает элементы последовательности на основе одного или нескольких атрибутов</a:t>
+            </a:r>
+            <a:r>
               <a:rPr lang="ru-RU" dirty="0" smtClean="0"/>
-              <a:t>Квантификатор</a:t>
+              <a:t>.</a:t>
+            </a:r>
+          </a:p>
+        </p:txBody>
+      </p:sp>
+      <p:sp>
+        <p:nvSpPr>
+          <p:cNvPr id="2" name="Прямоугольник 1"/>
+          <p:cNvSpPr/>
+          <p:nvPr/>
+        </p:nvSpPr>
+        <p:spPr>
+          <a:xfrm>
+            <a:off x="500549" y="2789065"/>
+            <a:ext cx="8037443" cy="1262910"/>
+          </a:xfrm>
+          <a:prstGeom prst="rect">
+            <a:avLst/>
+          </a:prstGeom>
+        </p:spPr>
+        <p:txBody>
+          <a:bodyPr wrap="square">
+            <a:spAutoFit/>
+          </a:bodyPr>
+          <a:lstStyle/>
+          <a:p>
+            <a:pPr lvl="0">
+              <a:lnSpc>
+                <a:spcPct val="115000"/>
+              </a:lnSpc>
+              <a:spcBef>
+                <a:spcPts val="1400"/>
+              </a:spcBef>
+            </a:pPr>
+            <a:r>
+              <a:rPr lang="en-US" dirty="0" err="1" smtClean="0">
+                <a:hlinkClick r:id="rId3"/>
+              </a:rPr>
+              <a:t>OrderBy</a:t>
+            </a:r>
+            <a:r>
+              <a:rPr lang="ru-RU" dirty="0" smtClean="0"/>
+              <a:t> – сортировка </a:t>
+            </a:r>
+            <a:r>
+              <a:rPr lang="ru-RU" dirty="0"/>
+              <a:t>значений в возрастающем порядке</a:t>
+            </a:r>
+            <a:r>
+              <a:rPr lang="ru-RU" dirty="0" smtClean="0"/>
+              <a:t>. В декларативном синтаксисе – оператор </a:t>
+            </a:r>
+            <a:r>
+              <a:rPr lang="en-US" dirty="0" err="1" smtClean="0">
+                <a:solidFill>
+                  <a:schemeClr val="accent1">
+                    <a:lumMod val="75000"/>
+                  </a:schemeClr>
+                </a:solidFill>
+              </a:rPr>
+              <a:t>orderby</a:t>
+            </a:r>
+            <a:r>
+              <a:rPr lang="en-US" dirty="0" smtClean="0">
+                <a:solidFill>
+                  <a:schemeClr val="tx1"/>
+                </a:solidFill>
+              </a:rPr>
+              <a:t> </a:t>
+            </a:r>
+            <a:r>
+              <a:rPr lang="ru-RU" dirty="0" smtClean="0">
+                <a:solidFill>
+                  <a:schemeClr val="tx1"/>
+                </a:solidFill>
+              </a:rPr>
+              <a:t>или </a:t>
+            </a:r>
+            <a:r>
+              <a:rPr lang="en-US" dirty="0" err="1" smtClean="0">
+                <a:solidFill>
+                  <a:schemeClr val="accent1">
+                    <a:lumMod val="75000"/>
+                  </a:schemeClr>
+                </a:solidFill>
+              </a:rPr>
+              <a:t>orderby</a:t>
+            </a:r>
+            <a:r>
+              <a:rPr lang="ru-RU" dirty="0" smtClean="0">
+                <a:solidFill>
+                  <a:schemeClr val="accent1">
+                    <a:lumMod val="75000"/>
+                  </a:schemeClr>
+                </a:solidFill>
+              </a:rPr>
+              <a:t> </a:t>
+            </a:r>
+            <a:r>
+              <a:rPr lang="en-US" dirty="0">
+                <a:solidFill>
+                  <a:schemeClr val="accent1">
+                    <a:lumMod val="75000"/>
+                  </a:schemeClr>
+                </a:solidFill>
+              </a:rPr>
+              <a:t>ascending</a:t>
             </a:r>
             <a:r>
               <a:rPr lang="en-US" dirty="0" smtClean="0"/>
+              <a:t>.</a:t>
+            </a:r>
+            <a:endParaRPr lang="ru-RU" dirty="0" smtClean="0"/>
+          </a:p>
+          <a:p>
+            <a:pPr lvl="0">
+              <a:lnSpc>
+                <a:spcPct val="115000"/>
+              </a:lnSpc>
+              <a:spcBef>
+                <a:spcPts val="1400"/>
+              </a:spcBef>
+            </a:pPr>
+            <a:r>
+              <a:rPr lang="en-US" u="sng" dirty="0" err="1" smtClean="0">
+                <a:hlinkClick r:id="rId4"/>
+              </a:rPr>
+              <a:t>OrderByDescending</a:t>
+            </a:r>
+            <a:r>
+              <a:rPr lang="ru-RU" dirty="0" smtClean="0"/>
+              <a:t> – сортировка </a:t>
+            </a:r>
+            <a:r>
+              <a:rPr lang="ru-RU" dirty="0"/>
+              <a:t>значений в убывающем порядке</a:t>
+            </a:r>
+            <a:r>
+              <a:rPr lang="ru-RU" dirty="0" smtClean="0"/>
+              <a:t>. </a:t>
+            </a:r>
+            <a:r>
+              <a:rPr lang="ru-RU" dirty="0"/>
+              <a:t>В декларативном синтаксисе – оператор </a:t>
+            </a:r>
+            <a:r>
+              <a:rPr lang="en-US" dirty="0" err="1" smtClean="0">
+                <a:solidFill>
+                  <a:schemeClr val="accent1">
+                    <a:lumMod val="75000"/>
+                  </a:schemeClr>
+                </a:solidFill>
+              </a:rPr>
+              <a:t>orderby</a:t>
+            </a:r>
+            <a:r>
+              <a:rPr lang="ru-RU" dirty="0" smtClean="0">
+                <a:solidFill>
+                  <a:schemeClr val="accent1">
+                    <a:lumMod val="75000"/>
+                  </a:schemeClr>
+                </a:solidFill>
+              </a:rPr>
               <a:t> </a:t>
-            </a:r>
-            <a:r>
-              <a:rPr lang="ru-RU" dirty="0" smtClean="0"/>
-              <a:t>– это операция, которая </a:t>
-            </a:r>
-            <a:r>
-              <a:rPr lang="ru-RU" dirty="0"/>
-              <a:t>возвращают значение </a:t>
             </a:r>
             <a:r>
               <a:rPr lang="en-US" dirty="0" smtClean="0">
@@ -16091,143 +16358,29 @@
                   </a:schemeClr>
                 </a:solidFill>
               </a:rPr>
-              <a:t>bool</a:t>
-            </a:r>
-            <a:r>
-              <a:rPr lang="ru-RU" dirty="0" smtClean="0"/>
-              <a:t>, </a:t>
-            </a:r>
-            <a:r>
-              <a:rPr lang="ru-RU" dirty="0"/>
-              <a:t>которое указывает, удовлетворяют ли условию некоторые или все элементы в последовательности</a:t>
-            </a:r>
-            <a:r>
-              <a:rPr lang="ru-RU" sz="1300" dirty="0" smtClean="0">
-                <a:latin typeface="Roboto"/>
-                <a:ea typeface="Roboto"/>
-                <a:cs typeface="Roboto"/>
-                <a:sym typeface="Roboto"/>
-              </a:rPr>
+              <a:t>descending</a:t>
+            </a:r>
+            <a:r>
+              <a:rPr lang="en-US" dirty="0" smtClean="0"/>
               <a:t>.</a:t>
             </a:r>
-          </a:p>
-          <a:p>
-            <a:pPr lvl="0">
-              <a:lnSpc>
-                <a:spcPct val="115000"/>
-              </a:lnSpc>
-              <a:spcBef>
-                <a:spcPts val="1400"/>
-              </a:spcBef>
-            </a:pPr>
-            <a:r>
-              <a:rPr lang="en-US" dirty="0" smtClean="0">
-                <a:hlinkClick r:id="rId3"/>
-              </a:rPr>
-              <a:t>All</a:t>
-            </a:r>
-            <a:r>
-              <a:rPr lang="en-US" dirty="0" smtClean="0"/>
-              <a:t> - </a:t>
-            </a:r>
-            <a:r>
-              <a:rPr lang="ru-RU" dirty="0" smtClean="0"/>
-              <a:t>определяет</a:t>
-            </a:r>
-            <a:r>
-              <a:rPr lang="ru-RU" dirty="0"/>
-              <a:t>, все ли элементы последовательности удовлетворяют </a:t>
-            </a:r>
-            <a:r>
-              <a:rPr lang="ru-RU" dirty="0" smtClean="0"/>
-              <a:t>условию.</a:t>
-            </a:r>
-            <a:endParaRPr lang="en-US" sz="1300" dirty="0" smtClean="0">
-              <a:latin typeface="Roboto"/>
-              <a:ea typeface="Roboto"/>
-              <a:cs typeface="Roboto"/>
-              <a:sym typeface="Roboto"/>
-            </a:endParaRPr>
-          </a:p>
-          <a:p>
-            <a:pPr lvl="0">
-              <a:lnSpc>
-                <a:spcPct val="115000"/>
-              </a:lnSpc>
-              <a:spcBef>
-                <a:spcPts val="1400"/>
-              </a:spcBef>
-            </a:pPr>
-            <a:r>
-              <a:rPr lang="en-US" dirty="0" smtClean="0">
-                <a:hlinkClick r:id="rId4"/>
-              </a:rPr>
-              <a:t>Any</a:t>
-            </a:r>
-            <a:r>
-              <a:rPr lang="ru-RU" dirty="0" smtClean="0"/>
-              <a:t> - определяет</a:t>
-            </a:r>
-            <a:r>
-              <a:rPr lang="ru-RU" dirty="0"/>
-              <a:t>, удовлетворяют ли условию какие-либо элементы </a:t>
-            </a:r>
-            <a:r>
-              <a:rPr lang="ru-RU" dirty="0" smtClean="0"/>
-              <a:t>последовательности.</a:t>
-            </a:r>
-            <a:endParaRPr lang="en-US" sz="1300" dirty="0" smtClean="0">
-              <a:latin typeface="Roboto"/>
-              <a:ea typeface="Roboto"/>
-              <a:cs typeface="Roboto"/>
-              <a:sym typeface="Roboto"/>
-            </a:endParaRPr>
-          </a:p>
-          <a:p>
-            <a:pPr lvl="0">
-              <a:lnSpc>
-                <a:spcPct val="115000"/>
-              </a:lnSpc>
-              <a:spcBef>
-                <a:spcPts val="1400"/>
-              </a:spcBef>
-            </a:pPr>
-            <a:r>
-              <a:rPr lang="en-US" dirty="0" smtClean="0">
-                <a:hlinkClick r:id="rId5"/>
-              </a:rPr>
-              <a:t>Contains</a:t>
-            </a:r>
-            <a:r>
-              <a:rPr lang="ru-RU" dirty="0" smtClean="0"/>
-              <a:t> - определяет</a:t>
-            </a:r>
-            <a:r>
-              <a:rPr lang="ru-RU" dirty="0"/>
-              <a:t>, содержит ли последовательность указанный элемент.</a:t>
-            </a:r>
-            <a:endParaRPr lang="en-US" sz="1300" dirty="0" smtClean="0">
-              <a:latin typeface="Roboto"/>
-              <a:ea typeface="Roboto"/>
-              <a:cs typeface="Roboto"/>
-              <a:sym typeface="Roboto"/>
-            </a:endParaRPr>
+            <a:endParaRPr lang="ru-RU" dirty="0" smtClean="0"/>
           </a:p>
         </p:txBody>
       </p:sp>
       <p:pic>
         <p:nvPicPr>
-          <p:cNvPr id="4098" name="Picture 2" descr="LINQ Quantifier Operations"/>
+          <p:cNvPr id="3074" name="Picture 2" descr="Рисунок с операциями сортировки в алфавитном порядке."/>
           <p:cNvPicPr>
             <a:picLocks noChangeAspect="1" noChangeArrowheads="1"/>
           </p:cNvPicPr>
           <p:nvPr/>
         </p:nvPicPr>
         <p:blipFill>
-          <a:blip r:embed="rId6">
+          <a:blip r:embed="rId5">
             <a:extLst>
               <a:ext uri="{28A0092B-C50C-407E-A947-70E740481C1C}">
-                <a14:useLocalDpi xmlns="" xmlns:a14="http://schemas.microsoft.com/office/drawing/2010/main" val="0"/>
+                <a14:useLocalDpi xmlns:a14="http://schemas.microsoft.com/office/drawing/2010/main" xmlns="" val="0"/>
               </a:ext>
             </a:extLst>
           </a:blip>
@@ -16238,8 +16391,8 @@
         </p:blipFill>
         <p:spPr bwMode="auto">
           <a:xfrm>
-            <a:off x="2944495" y="3133809"/>
-            <a:ext cx="2952750" cy="1428750"/>
+            <a:off x="3328646" y="1560689"/>
+            <a:ext cx="2381250" cy="1095376"/>
           </a:xfrm>
           <a:prstGeom prst="rect">
             <a:avLst/>
@@ -16247,7 +16400,7 @@
           <a:noFill/>
           <a:extLst>
             <a:ext uri="{909E8E84-426E-40DD-AFC4-6F175D3DCCD1}">
-              <a14:hiddenFill xmlns="" xmlns:a14="http://schemas.microsoft.com/office/drawing/2010/main">
+              <a14:hiddenFill xmlns:a14="http://schemas.microsoft.com/office/drawing/2010/main" xmlns="">
                 <a:solidFill>
                   <a:srgbClr val="FFFFFF"/>
                 </a:solidFill>
@@ -16259,7 +16412,7 @@
     </p:spTree>
     <p:extLst>
       <p:ext uri="{BB962C8B-B14F-4D97-AF65-F5344CB8AC3E}">
-        <p14:creationId xmlns="" xmlns:p14="http://schemas.microsoft.com/office/powerpoint/2010/main" val="2592654393"/>
+        <p14:creationId xmlns:p14="http://schemas.microsoft.com/office/powerpoint/2010/main" xmlns="" val="212902253"/>
       </p:ext>
     </p:extLst>
   </p:cSld>
@@ -16267,7 +16420,7 @@
     <a:masterClrMapping/>
   </p:clrMapOvr>
   <mc:AlternateContent xmlns:mc="http://schemas.openxmlformats.org/markup-compatibility/2006">
-    <mc:Choice xmlns="" xmlns:p14="http://schemas.microsoft.com/office/powerpoint/2010/main" Requires="p14">
+    <mc:Choice xmlns:p14="http://schemas.microsoft.com/office/powerpoint/2010/main" xmlns="" Requires="p14">
       <p:transition spd="slow" p14:dur="2000"/>
     </mc:Choice>
     <mc:Fallback>
@@ -16285,6 +16438,325 @@
 </file>
 
 <file path=ppt/slides/slide26.xml><?xml version="1.0" encoding="utf-8"?>
+<p:sld xmlns:a="http://schemas.openxmlformats.org/drawingml/2006/main" xmlns:r="http://schemas.openxmlformats.org/officeDocument/2006/relationships" xmlns:p="http://schemas.openxmlformats.org/presentationml/2006/main">
+  <p:cSld>
+    <p:spTree>
+      <p:nvGrpSpPr>
+        <p:cNvPr id="1" name="Shape 436"/>
+        <p:cNvGrpSpPr/>
+        <p:nvPr/>
+      </p:nvGrpSpPr>
+      <p:grpSpPr>
+        <a:xfrm>
+          <a:off x="0" y="0"/>
+          <a:ext cx="0" cy="0"/>
+          <a:chOff x="0" y="0"/>
+          <a:chExt cx="0" cy="0"/>
+        </a:xfrm>
+      </p:grpSpPr>
+      <p:sp>
+        <p:nvSpPr>
+          <p:cNvPr id="437" name="Google Shape;437;p74"/>
+          <p:cNvSpPr txBox="1">
+            <a:spLocks noGrp="1"/>
+          </p:cNvSpPr>
+          <p:nvPr>
+            <p:ph type="title"/>
+          </p:nvPr>
+        </p:nvSpPr>
+        <p:spPr>
+          <a:xfrm>
+            <a:off x="500550" y="330725"/>
+            <a:ext cx="8190300" cy="679200"/>
+          </a:xfrm>
+          <a:prstGeom prst="rect">
+            <a:avLst/>
+          </a:prstGeom>
+        </p:spPr>
+        <p:txBody>
+          <a:bodyPr spcFirstLastPara="1" wrap="square" lIns="91425" tIns="91425" rIns="91425" bIns="91425" anchor="t" anchorCtr="0">
+            <a:noAutofit/>
+          </a:bodyPr>
+          <a:lstStyle/>
+          <a:p>
+            <a:r>
+              <a:rPr lang="ru-RU" dirty="0" smtClean="0"/>
+              <a:t>Сортировка</a:t>
+            </a:r>
+            <a:r>
+              <a:rPr lang="en-US" dirty="0" smtClean="0"/>
+              <a:t> </a:t>
+            </a:r>
+            <a:r>
+              <a:rPr lang="ru-RU" dirty="0" smtClean="0"/>
+              <a:t>данных</a:t>
+            </a:r>
+            <a:endParaRPr lang="ru-RU" dirty="0"/>
+          </a:p>
+        </p:txBody>
+      </p:sp>
+      <p:sp>
+        <p:nvSpPr>
+          <p:cNvPr id="438" name="Google Shape;438;p74"/>
+          <p:cNvSpPr txBox="1"/>
+          <p:nvPr/>
+        </p:nvSpPr>
+        <p:spPr>
+          <a:xfrm>
+            <a:off x="500550" y="1292625"/>
+            <a:ext cx="8092200" cy="2209805"/>
+          </a:xfrm>
+          <a:prstGeom prst="rect">
+            <a:avLst/>
+          </a:prstGeom>
+          <a:noFill/>
+          <a:ln>
+            <a:noFill/>
+          </a:ln>
+        </p:spPr>
+        <p:txBody>
+          <a:bodyPr spcFirstLastPara="1" wrap="square" lIns="91425" tIns="91425" rIns="91425" bIns="91425" anchor="t" anchorCtr="0">
+            <a:spAutoFit/>
+          </a:bodyPr>
+          <a:lstStyle/>
+          <a:p>
+            <a:pPr lvl="0">
+              <a:lnSpc>
+                <a:spcPct val="115000"/>
+              </a:lnSpc>
+              <a:spcBef>
+                <a:spcPts val="1400"/>
+              </a:spcBef>
+            </a:pPr>
+            <a:r>
+              <a:rPr lang="en-US" dirty="0" err="1">
+                <a:hlinkClick r:id="rId3"/>
+              </a:rPr>
+              <a:t>ThenBy</a:t>
+            </a:r>
+            <a:r>
+              <a:rPr lang="ru-RU" dirty="0"/>
+              <a:t> – дополнительная сортировка по возрастанию</a:t>
+            </a:r>
+            <a:r>
+              <a:rPr lang="ru-RU" dirty="0" smtClean="0"/>
+              <a:t>. </a:t>
+            </a:r>
+            <a:r>
+              <a:rPr lang="ru-RU" dirty="0"/>
+              <a:t>В декларативном </a:t>
+            </a:r>
+            <a:r>
+              <a:rPr lang="ru-RU" dirty="0" smtClean="0"/>
+              <a:t>дополнительные </a:t>
+            </a:r>
+            <a:r>
+              <a:rPr lang="ru-RU" dirty="0"/>
+              <a:t>– </a:t>
+            </a:r>
+            <a:r>
+              <a:rPr lang="ru-RU" dirty="0" smtClean="0"/>
+              <a:t>операторы </a:t>
+            </a:r>
+            <a:r>
+              <a:rPr lang="en-US" dirty="0" err="1">
+                <a:solidFill>
+                  <a:schemeClr val="accent1">
+                    <a:lumMod val="75000"/>
+                  </a:schemeClr>
+                </a:solidFill>
+              </a:rPr>
+              <a:t>orderby</a:t>
+            </a:r>
+            <a:r>
+              <a:rPr lang="en-US" dirty="0">
+                <a:solidFill>
+                  <a:schemeClr val="tx1"/>
+                </a:solidFill>
+              </a:rPr>
+              <a:t> </a:t>
+            </a:r>
+            <a:r>
+              <a:rPr lang="ru-RU" dirty="0">
+                <a:solidFill>
+                  <a:schemeClr val="tx1"/>
+                </a:solidFill>
+              </a:rPr>
+              <a:t>или </a:t>
+            </a:r>
+            <a:r>
+              <a:rPr lang="en-US" dirty="0" err="1">
+                <a:solidFill>
+                  <a:schemeClr val="accent1">
+                    <a:lumMod val="75000"/>
+                  </a:schemeClr>
+                </a:solidFill>
+              </a:rPr>
+              <a:t>orderby</a:t>
+            </a:r>
+            <a:r>
+              <a:rPr lang="ru-RU" dirty="0">
+                <a:solidFill>
+                  <a:schemeClr val="accent1">
+                    <a:lumMod val="75000"/>
+                  </a:schemeClr>
+                </a:solidFill>
+              </a:rPr>
+              <a:t> </a:t>
+            </a:r>
+            <a:r>
+              <a:rPr lang="en-US" dirty="0" smtClean="0">
+                <a:solidFill>
+                  <a:schemeClr val="accent1">
+                    <a:lumMod val="75000"/>
+                  </a:schemeClr>
+                </a:solidFill>
+              </a:rPr>
+              <a:t>ascending</a:t>
+            </a:r>
+            <a:r>
+              <a:rPr lang="ru-RU" dirty="0" smtClean="0">
+                <a:solidFill>
+                  <a:schemeClr val="accent1">
+                    <a:lumMod val="75000"/>
+                  </a:schemeClr>
+                </a:solidFill>
+              </a:rPr>
+              <a:t>.</a:t>
+            </a:r>
+            <a:endParaRPr lang="ru-RU" dirty="0"/>
+          </a:p>
+          <a:p>
+            <a:pPr lvl="0">
+              <a:lnSpc>
+                <a:spcPct val="115000"/>
+              </a:lnSpc>
+              <a:spcBef>
+                <a:spcPts val="1400"/>
+              </a:spcBef>
+            </a:pPr>
+            <a:r>
+              <a:rPr lang="en-US" dirty="0" err="1">
+                <a:hlinkClick r:id="rId4"/>
+              </a:rPr>
+              <a:t>ThenByDescending</a:t>
+            </a:r>
+            <a:r>
+              <a:rPr lang="ru-RU" dirty="0"/>
+              <a:t> – дополнительная сортировка по убыванию</a:t>
+            </a:r>
+            <a:r>
+              <a:rPr lang="ru-RU" dirty="0" smtClean="0"/>
+              <a:t>. </a:t>
+            </a:r>
+            <a:r>
+              <a:rPr lang="ru-RU" dirty="0"/>
+              <a:t>В декларативном синтаксисе </a:t>
+            </a:r>
+            <a:r>
+              <a:rPr lang="ru-RU" dirty="0" smtClean="0"/>
+              <a:t>дополнительные </a:t>
+            </a:r>
+            <a:r>
+              <a:rPr lang="en-US" dirty="0" err="1" smtClean="0">
+                <a:solidFill>
+                  <a:schemeClr val="accent1">
+                    <a:lumMod val="75000"/>
+                  </a:schemeClr>
+                </a:solidFill>
+              </a:rPr>
+              <a:t>orderby</a:t>
+            </a:r>
+            <a:r>
+              <a:rPr lang="ru-RU" dirty="0" smtClean="0">
+                <a:solidFill>
+                  <a:schemeClr val="accent1">
+                    <a:lumMod val="75000"/>
+                  </a:schemeClr>
+                </a:solidFill>
+              </a:rPr>
+              <a:t> </a:t>
+            </a:r>
+            <a:r>
+              <a:rPr lang="en-US" dirty="0">
+                <a:solidFill>
+                  <a:schemeClr val="accent1">
+                    <a:lumMod val="75000"/>
+                  </a:schemeClr>
+                </a:solidFill>
+              </a:rPr>
+              <a:t>descending</a:t>
+            </a:r>
+            <a:r>
+              <a:rPr lang="en-US" dirty="0"/>
+              <a:t>.</a:t>
+            </a:r>
+            <a:endParaRPr lang="ru-RU" dirty="0"/>
+          </a:p>
+          <a:p>
+            <a:pPr lvl="0">
+              <a:lnSpc>
+                <a:spcPct val="115000"/>
+              </a:lnSpc>
+              <a:spcBef>
+                <a:spcPts val="1400"/>
+              </a:spcBef>
+            </a:pPr>
+            <a:r>
+              <a:rPr lang="en-US" dirty="0">
+                <a:hlinkClick r:id="rId5"/>
+              </a:rPr>
+              <a:t>Reverse</a:t>
+            </a:r>
+            <a:r>
+              <a:rPr lang="ru-RU" dirty="0"/>
+              <a:t> - изменение порядка элементов в коллекции на обратный</a:t>
+            </a:r>
+            <a:r>
+              <a:rPr lang="ru-RU" dirty="0" smtClean="0"/>
+              <a:t>. </a:t>
+            </a:r>
+            <a:r>
+              <a:rPr lang="ru-RU" dirty="0"/>
+              <a:t>В декларативном синтаксисе </a:t>
+            </a:r>
+            <a:r>
+              <a:rPr lang="ru-RU" dirty="0" smtClean="0"/>
+              <a:t>аналогов нет.</a:t>
+            </a:r>
+            <a:endParaRPr lang="ru-RU" dirty="0"/>
+          </a:p>
+        </p:txBody>
+      </p:sp>
+    </p:spTree>
+    <p:extLst>
+      <p:ext uri="{BB962C8B-B14F-4D97-AF65-F5344CB8AC3E}">
+        <p14:creationId xmlns:p14="http://schemas.microsoft.com/office/powerpoint/2010/main" xmlns="" val="1643307161"/>
+      </p:ext>
+    </p:extLst>
+  </p:cSld>
+  <p:clrMapOvr>
+    <a:masterClrMapping/>
+  </p:clrMapOvr>
+  <mc:AlternateContent xmlns:mc="http://schemas.openxmlformats.org/markup-compatibility/2006">
+    <mc:Choice xmlns:p14="http://schemas.microsoft.com/office/powerpoint/2010/main" xmlns="" Requires="p14">
+      <p:transition spd="slow" p14:dur="2000"/>
+    </mc:Choice>
+    <mc:Fallback>
+      <p:transition spd="slow"/>
+    </mc:Fallback>
+  </mc:AlternateContent>
+  <p:timing>
+    <p:tnLst>
+      <p:par>
+        <p:cTn id="1" dur="indefinite" restart="never" nodeType="tmRoot"/>
+      </p:par>
+    </p:tnLst>
+  </p:timing>
+</p:sld>
+</file>
+
+<file path=ppt/slides/slide27.xml><?xml version="1.0" encoding="utf-8"?>
 <p:sld xmlns:a="http://schemas.openxmlformats.org/drawingml/2006/main" xmlns:r="http://schemas.openxmlformats.org/officeDocument/2006/relationships" xmlns:p="http://schemas.openxmlformats.org/presentationml/2006/main">
   <p:cSld>
     <p:spTree>
@@ -16329,7 +16801,7 @@
             <a:pPr lvl="0"/>
             <a:r>
               <a:rPr lang="ru-RU" dirty="0" smtClean="0"/>
-              <a:t>Секционирование данных</a:t>
+              <a:t>Квантификаторы</a:t>
             </a:r>
             <a:endParaRPr dirty="0"/>
           </a:p>
@@ -16338,7 +16810,7 @@
     </p:spTree>
     <p:extLst>
       <p:ext uri="{BB962C8B-B14F-4D97-AF65-F5344CB8AC3E}">
-        <p14:creationId xmlns="" xmlns:p14="http://schemas.microsoft.com/office/powerpoint/2010/main" val="3068637521"/>
+        <p14:creationId xmlns:p14="http://schemas.microsoft.com/office/powerpoint/2010/main" xmlns="" val="3680781265"/>
       </p:ext>
     </p:extLst>
   </p:cSld>
@@ -16346,170 +16818,7 @@
     <a:masterClrMapping/>
   </p:clrMapOvr>
   <mc:AlternateContent xmlns:mc="http://schemas.openxmlformats.org/markup-compatibility/2006">
-    <mc:Choice xmlns="" xmlns:p14="http://schemas.microsoft.com/office/powerpoint/2010/main" Requires="p14">
-      <p:transition spd="slow" p14:dur="2000"/>
-    </mc:Choice>
-    <mc:Fallback>
-      <p:transition spd="slow"/>
-    </mc:Fallback>
-  </mc:AlternateContent>
-  <p:timing>
-    <p:tnLst>
-      <p:par>
-        <p:cTn id="1" dur="indefinite" restart="never" nodeType="tmRoot"/>
-      </p:par>
-    </p:tnLst>
-  </p:timing>
-</p:sld>
-</file>
-
-<file path=ppt/slides/slide27.xml><?xml version="1.0" encoding="utf-8"?>
-<p:sld xmlns:a="http://schemas.openxmlformats.org/drawingml/2006/main" xmlns:r="http://schemas.openxmlformats.org/officeDocument/2006/relationships" xmlns:p="http://schemas.openxmlformats.org/presentationml/2006/main">
-  <p:cSld>
-    <p:spTree>
-      <p:nvGrpSpPr>
-        <p:cNvPr id="1" name="Shape 436"/>
-        <p:cNvGrpSpPr/>
-        <p:nvPr/>
-      </p:nvGrpSpPr>
-      <p:grpSpPr>
-        <a:xfrm>
-          <a:off x="0" y="0"/>
-          <a:ext cx="0" cy="0"/>
-          <a:chOff x="0" y="0"/>
-          <a:chExt cx="0" cy="0"/>
-        </a:xfrm>
-      </p:grpSpPr>
-      <p:sp>
-        <p:nvSpPr>
-          <p:cNvPr id="437" name="Google Shape;437;p74"/>
-          <p:cNvSpPr txBox="1">
-            <a:spLocks noGrp="1"/>
-          </p:cNvSpPr>
-          <p:nvPr>
-            <p:ph type="title"/>
-          </p:nvPr>
-        </p:nvSpPr>
-        <p:spPr>
-          <a:xfrm>
-            <a:off x="500550" y="330725"/>
-            <a:ext cx="8190300" cy="679200"/>
-          </a:xfrm>
-          <a:prstGeom prst="rect">
-            <a:avLst/>
-          </a:prstGeom>
-        </p:spPr>
-        <p:txBody>
-          <a:bodyPr spcFirstLastPara="1" wrap="square" lIns="91425" tIns="91425" rIns="91425" bIns="91425" anchor="t" anchorCtr="0">
-            <a:noAutofit/>
-          </a:bodyPr>
-          <a:lstStyle/>
-          <a:p>
-            <a:r>
-              <a:rPr lang="ru-RU" dirty="0"/>
-              <a:t>Секционирование данных</a:t>
-            </a:r>
-          </a:p>
-        </p:txBody>
-      </p:sp>
-      <p:sp>
-        <p:nvSpPr>
-          <p:cNvPr id="438" name="Google Shape;438;p74"/>
-          <p:cNvSpPr txBox="1"/>
-          <p:nvPr/>
-        </p:nvSpPr>
-        <p:spPr>
-          <a:xfrm>
-            <a:off x="598600" y="1009925"/>
-            <a:ext cx="8092200" cy="859692"/>
-          </a:xfrm>
-          <a:prstGeom prst="rect">
-            <a:avLst/>
-          </a:prstGeom>
-          <a:noFill/>
-          <a:ln>
-            <a:noFill/>
-          </a:ln>
-        </p:spPr>
-        <p:txBody>
-          <a:bodyPr spcFirstLastPara="1" wrap="square" lIns="91425" tIns="91425" rIns="91425" bIns="91425" anchor="t" anchorCtr="0">
-            <a:spAutoFit/>
-          </a:bodyPr>
-          <a:lstStyle/>
-          <a:p>
-            <a:pPr lvl="0">
-              <a:lnSpc>
-                <a:spcPct val="115000"/>
-              </a:lnSpc>
-              <a:spcBef>
-                <a:spcPts val="1400"/>
-              </a:spcBef>
-            </a:pPr>
-            <a:r>
-              <a:rPr lang="ru-RU" dirty="0" smtClean="0"/>
-              <a:t>Секционирование </a:t>
-            </a:r>
-            <a:r>
-              <a:rPr lang="en-US" dirty="0" smtClean="0"/>
-              <a:t>– </a:t>
-            </a:r>
-            <a:r>
-              <a:rPr lang="ru-RU" dirty="0" smtClean="0"/>
-              <a:t>это операция </a:t>
-            </a:r>
-            <a:r>
-              <a:rPr lang="ru-RU" dirty="0"/>
-              <a:t>разделения входной последовательности на два раздела без изменения порядка элементов, а затем возвращения одного из разделов</a:t>
-            </a:r>
-            <a:r>
-              <a:rPr lang="ru-RU" dirty="0" smtClean="0"/>
-              <a:t>.</a:t>
-            </a:r>
-            <a:endParaRPr lang="en-US" sz="1300" dirty="0" smtClean="0">
-              <a:latin typeface="Roboto"/>
-              <a:ea typeface="Roboto"/>
-              <a:cs typeface="Roboto"/>
-              <a:sym typeface="Roboto"/>
-            </a:endParaRPr>
-          </a:p>
-        </p:txBody>
-      </p:sp>
-      <p:pic>
-        <p:nvPicPr>
-          <p:cNvPr id="2" name="Рисунок 1"/>
-          <p:cNvPicPr>
-            <a:picLocks noChangeAspect="1"/>
-          </p:cNvPicPr>
-          <p:nvPr/>
-        </p:nvPicPr>
-        <p:blipFill>
-          <a:blip r:embed="rId3"/>
-          <a:stretch>
-            <a:fillRect/>
-          </a:stretch>
-        </p:blipFill>
-        <p:spPr>
-          <a:xfrm>
-            <a:off x="3106599" y="2366341"/>
-            <a:ext cx="2771775" cy="1828800"/>
-          </a:xfrm>
-          <a:prstGeom prst="rect">
-            <a:avLst/>
-          </a:prstGeom>
-        </p:spPr>
-      </p:pic>
-    </p:spTree>
-    <p:extLst>
-      <p:ext uri="{BB962C8B-B14F-4D97-AF65-F5344CB8AC3E}">
-        <p14:creationId xmlns="" xmlns:p14="http://schemas.microsoft.com/office/powerpoint/2010/main" val="2286364354"/>
-      </p:ext>
-    </p:extLst>
-  </p:cSld>
-  <p:clrMapOvr>
-    <a:masterClrMapping/>
-  </p:clrMapOvr>
-  <mc:AlternateContent xmlns:mc="http://schemas.openxmlformats.org/markup-compatibility/2006">
-    <mc:Choice xmlns="" xmlns:p14="http://schemas.microsoft.com/office/powerpoint/2010/main" Requires="p14">
+    <mc:Choice xmlns:p14="http://schemas.microsoft.com/office/powerpoint/2010/main" xmlns="" Requires="p14">
       <p:transition spd="slow" p14:dur="2000"/>
     </mc:Choice>
     <mc:Fallback>
@@ -16570,7 +16879,7 @@
           <a:p>
             <a:r>
               <a:rPr lang="ru-RU" dirty="0"/>
-              <a:t>Секционирование данных</a:t>
+              <a:t>Операции квантификатора</a:t>
             </a:r>
           </a:p>
         </p:txBody>
@@ -16584,7 +16893,7 @@
         <p:spPr>
           <a:xfrm>
             <a:off x="598600" y="1009925"/>
-            <a:ext cx="8092200" cy="3064398"/>
+            <a:ext cx="8092200" cy="2123884"/>
           </a:xfrm>
           <a:prstGeom prst="rect">
             <a:avLst/>
@@ -16609,28 +16918,48 @@
               </a:spcBef>
             </a:pPr>
             <a:r>
+              <a:rPr lang="ru-RU" dirty="0" smtClean="0"/>
+              <a:t>Квантификатор</a:t>
+            </a:r>
+            <a:r>
+              <a:rPr lang="en-US" dirty="0" smtClean="0"/>
+              <a:t> </a:t>
+            </a:r>
+            <a:r>
+              <a:rPr lang="ru-RU" dirty="0" smtClean="0"/>
+              <a:t>– это операция, которая </a:t>
+            </a:r>
+            <a:r>
+              <a:rPr lang="ru-RU" dirty="0"/>
+              <a:t>возвращают значение </a:t>
+            </a:r>
+            <a:r>
               <a:rPr lang="en-US" dirty="0" smtClean="0">
-                <a:hlinkClick r:id="rId3"/>
+                <a:solidFill>
+                  <a:schemeClr val="accent1">
+                    <a:lumMod val="75000"/>
+                  </a:schemeClr>
+                </a:solidFill>
               </a:rPr>
-              <a:t>Skip</a:t>
-            </a:r>
-            <a:r>
-              <a:rPr lang="en-US" dirty="0" smtClean="0"/>
-              <a:t> - </a:t>
+              <a:t>bool</a:t>
+            </a:r>
+            <a:r>
+              <a:rPr lang="ru-RU" dirty="0" smtClean="0"/>
+              <a:t>, </a:t>
             </a:r>
             <a:r>
               <a:rPr lang="ru-RU" dirty="0"/>
-              <a:t>п</a:t>
-            </a:r>
-            <a:r>
-              <a:rPr lang="ru-RU" dirty="0" smtClean="0"/>
-              <a:t>ропускает </a:t>
-            </a:r>
-            <a:r>
-              <a:rPr lang="ru-RU" dirty="0"/>
-              <a:t>элементы до указанной позиции в последовательности.</a:t>
-            </a:r>
-            <a:endParaRPr lang="ru-RU" dirty="0" smtClean="0"/>
+              <a:t>которое указывает, удовлетворяют ли условию некоторые или все элементы в последовательности</a:t>
+            </a:r>
+            <a:r>
+              <a:rPr lang="ru-RU" sz="1300" dirty="0" smtClean="0">
+                <a:latin typeface="Roboto"/>
+                <a:ea typeface="Roboto"/>
+                <a:cs typeface="Roboto"/>
+                <a:sym typeface="Roboto"/>
+              </a:rPr>
+              <a:t>.</a:t>
+            </a:r>
           </a:p>
           <a:p>
             <a:pPr lvl="0">
@@ -16642,93 +16971,26 @@
               </a:spcBef>
             </a:pPr>
             <a:r>
-              <a:rPr lang="en-US" dirty="0" err="1" smtClean="0">
-                <a:hlinkClick r:id="rId4"/>
+              <a:rPr lang="en-US" dirty="0" smtClean="0">
+                <a:hlinkClick r:id="rId3"/>
               </a:rPr>
-              <a:t>SkipWhile</a:t>
+              <a:t>All</a:t>
+            </a:r>
+            <a:r>
+              <a:rPr lang="en-US" dirty="0" smtClean="0"/>
+              <a:t> - </a:t>
             </a:r>
             <a:r>
               <a:rPr lang="ru-RU" dirty="0" smtClean="0"/>
-              <a:t> - п</a:t>
+              <a:t>определяет</a:t>
             </a:r>
             <a:r>
               <a:rPr lang="ru-RU" dirty="0"/>
-              <a:t>ропускает элементы на основе функции предиката, пока элемент не удовлетворяет условию.</a:t>
-            </a:r>
-            <a:endParaRPr lang="ru-RU" dirty="0" smtClean="0"/>
-          </a:p>
-          <a:p>
-            <a:pPr lvl="0">
-              <a:lnSpc>
-                <a:spcPct val="115000"/>
-              </a:lnSpc>
-              <a:spcBef>
-                <a:spcPts val="1400"/>
-              </a:spcBef>
-            </a:pPr>
-            <a:r>
-              <a:rPr lang="en-US" dirty="0" smtClean="0">
-                <a:hlinkClick r:id="rId5"/>
-              </a:rPr>
-              <a:t>Take</a:t>
+              <a:t>, все ли элементы последовательности удовлетворяют </a:t>
             </a:r>
             <a:r>
               <a:rPr lang="ru-RU" dirty="0" smtClean="0"/>
-              <a:t> - в</a:t>
-            </a:r>
-            <a:r>
-              <a:rPr lang="ru-RU" dirty="0"/>
-              <a:t>озвращает элементы на указанную позицию в последовательности.</a:t>
-            </a:r>
-            <a:endParaRPr lang="ru-RU" dirty="0" smtClean="0"/>
-          </a:p>
-          <a:p>
-            <a:pPr lvl="0">
-              <a:lnSpc>
-                <a:spcPct val="115000"/>
-              </a:lnSpc>
-              <a:spcBef>
-                <a:spcPts val="1400"/>
-              </a:spcBef>
-            </a:pPr>
-            <a:r>
-              <a:rPr lang="en-US" dirty="0" err="1" smtClean="0">
-                <a:hlinkClick r:id="rId6"/>
-              </a:rPr>
-              <a:t>TakeWhile</a:t>
-            </a:r>
-            <a:r>
-              <a:rPr lang="ru-RU" dirty="0" smtClean="0"/>
-              <a:t> - п</a:t>
-            </a:r>
-            <a:r>
-              <a:rPr lang="ru-RU" dirty="0"/>
-              <a:t>ринимает элементы на основе функции предиката, пока элемент не удовлетворяет условию.</a:t>
-            </a:r>
-            <a:endParaRPr lang="ru-RU" dirty="0" smtClean="0"/>
-          </a:p>
-          <a:p>
-            <a:pPr lvl="0">
-              <a:lnSpc>
-                <a:spcPct val="115000"/>
-              </a:lnSpc>
-              <a:spcBef>
-                <a:spcPts val="1400"/>
-              </a:spcBef>
-            </a:pPr>
-            <a:r>
-              <a:rPr lang="en-US" dirty="0" smtClean="0">
-                <a:hlinkClick r:id="rId7"/>
-              </a:rPr>
-              <a:t>Chunk</a:t>
-            </a:r>
-            <a:r>
-              <a:rPr lang="ru-RU" dirty="0" smtClean="0"/>
-              <a:t> - р</a:t>
-            </a:r>
-            <a:r>
-              <a:rPr lang="ru-RU" dirty="0"/>
-              <a:t>азделяет элементы последовательности на фрагменты указанного максимального размера.</a:t>
+              <a:t>условию.</a:t>
             </a:r>
             <a:endParaRPr lang="en-US" sz="1300" dirty="0" smtClean="0">
               <a:latin typeface="Roboto"/>
@@ -16737,12 +16999,117 @@
               <a:sym typeface="Roboto"/>
             </a:endParaRPr>
           </a:p>
+          <a:p>
+            <a:pPr lvl="0">
+              <a:lnSpc>
+                <a:spcPct val="115000"/>
+              </a:lnSpc>
+              <a:spcBef>
+                <a:spcPts val="1400"/>
+              </a:spcBef>
+            </a:pPr>
+            <a:r>
+              <a:rPr lang="en-US" dirty="0" smtClean="0">
+                <a:hlinkClick r:id="rId4"/>
+              </a:rPr>
+              <a:t>Any</a:t>
+            </a:r>
+            <a:r>
+              <a:rPr lang="ru-RU" dirty="0" smtClean="0"/>
+              <a:t> - определяет</a:t>
+            </a:r>
+            <a:r>
+              <a:rPr lang="ru-RU" dirty="0"/>
+              <a:t>, удовлетворяют ли условию какие-либо элементы </a:t>
+            </a:r>
+            <a:r>
+              <a:rPr lang="ru-RU" dirty="0" smtClean="0"/>
+              <a:t>последовательности.</a:t>
+            </a:r>
+            <a:endParaRPr lang="en-US" sz="1300" dirty="0" smtClean="0">
+              <a:latin typeface="Roboto"/>
+              <a:ea typeface="Roboto"/>
+              <a:cs typeface="Roboto"/>
+              <a:sym typeface="Roboto"/>
+            </a:endParaRPr>
+          </a:p>
+          <a:p>
+            <a:pPr lvl="0">
+              <a:lnSpc>
+                <a:spcPct val="115000"/>
+              </a:lnSpc>
+              <a:spcBef>
+                <a:spcPts val="1400"/>
+              </a:spcBef>
+            </a:pPr>
+            <a:r>
+              <a:rPr lang="en-US" dirty="0" smtClean="0">
+                <a:hlinkClick r:id="rId5"/>
+              </a:rPr>
+              <a:t>Contains</a:t>
+            </a:r>
+            <a:r>
+              <a:rPr lang="ru-RU" dirty="0" smtClean="0"/>
+              <a:t> - определяет</a:t>
+            </a:r>
+            <a:r>
+              <a:rPr lang="ru-RU" dirty="0"/>
+              <a:t>, содержит ли последовательность указанный элемент.</a:t>
+            </a:r>
+            <a:endParaRPr lang="en-US" sz="1300" dirty="0" smtClean="0">
+              <a:latin typeface="Roboto"/>
+              <a:ea typeface="Roboto"/>
+              <a:cs typeface="Roboto"/>
+              <a:sym typeface="Roboto"/>
+            </a:endParaRPr>
+          </a:p>
         </p:txBody>
       </p:sp>
+      <p:pic>
+        <p:nvPicPr>
+          <p:cNvPr id="4098" name="Picture 2" descr="LINQ Quantifier Operations"/>
+          <p:cNvPicPr>
+            <a:picLocks noChangeAspect="1" noChangeArrowheads="1"/>
+          </p:cNvPicPr>
+          <p:nvPr/>
+        </p:nvPicPr>
+        <p:blipFill>
+          <a:blip r:embed="rId6">
+            <a:extLst>
+              <a:ext uri="{28A0092B-C50C-407E-A947-70E740481C1C}">
+                <a14:useLocalDpi xmlns:a14="http://schemas.microsoft.com/office/drawing/2010/main" xmlns="" val="0"/>
+              </a:ext>
+            </a:extLst>
+          </a:blip>
+          <a:srcRect/>
+          <a:stretch>
+            <a:fillRect/>
+          </a:stretch>
+        </p:blipFill>
+        <p:spPr bwMode="auto">
+          <a:xfrm>
+            <a:off x="2944495" y="3133809"/>
+            <a:ext cx="2952750" cy="1428750"/>
+          </a:xfrm>
+          <a:prstGeom prst="rect">
+            <a:avLst/>
+          </a:prstGeom>
+          <a:noFill/>
+          <a:extLst>
+            <a:ext uri="{909E8E84-426E-40DD-AFC4-6F175D3DCCD1}">
+              <a14:hiddenFill xmlns:a14="http://schemas.microsoft.com/office/drawing/2010/main" xmlns="">
+                <a:solidFill>
+                  <a:srgbClr val="FFFFFF"/>
+                </a:solidFill>
+              </a14:hiddenFill>
+            </a:ext>
+          </a:extLst>
+        </p:spPr>
+      </p:pic>
     </p:spTree>
     <p:extLst>
       <p:ext uri="{BB962C8B-B14F-4D97-AF65-F5344CB8AC3E}">
-        <p14:creationId xmlns="" xmlns:p14="http://schemas.microsoft.com/office/powerpoint/2010/main" val="3413217380"/>
+        <p14:creationId xmlns:p14="http://schemas.microsoft.com/office/powerpoint/2010/main" xmlns="" val="2592654393"/>
       </p:ext>
     </p:extLst>
   </p:cSld>
@@ -16750,7 +17117,7 @@
     <a:masterClrMapping/>
   </p:clrMapOvr>
   <mc:AlternateContent xmlns:mc="http://schemas.openxmlformats.org/markup-compatibility/2006">
-    <mc:Choice xmlns="" xmlns:p14="http://schemas.microsoft.com/office/powerpoint/2010/main" Requires="p14">
+    <mc:Choice xmlns:p14="http://schemas.microsoft.com/office/powerpoint/2010/main" xmlns="" Requires="p14">
       <p:transition spd="slow" p14:dur="2000"/>
     </mc:Choice>
     <mc:Fallback>
@@ -16812,7 +17179,7 @@
             <a:pPr lvl="0"/>
             <a:r>
               <a:rPr lang="ru-RU" dirty="0" smtClean="0"/>
-              <a:t>Преобразование типов данных</a:t>
+              <a:t>Секционирование данных</a:t>
             </a:r>
             <a:endParaRPr dirty="0"/>
           </a:p>
@@ -16821,7 +17188,7 @@
     </p:spTree>
     <p:extLst>
       <p:ext uri="{BB962C8B-B14F-4D97-AF65-F5344CB8AC3E}">
-        <p14:creationId xmlns="" xmlns:p14="http://schemas.microsoft.com/office/powerpoint/2010/main" val="2759801090"/>
+        <p14:creationId xmlns:p14="http://schemas.microsoft.com/office/powerpoint/2010/main" xmlns="" val="3068637521"/>
       </p:ext>
     </p:extLst>
   </p:cSld>
@@ -16829,7 +17196,7 @@
     <a:masterClrMapping/>
   </p:clrMapOvr>
   <mc:AlternateContent xmlns:mc="http://schemas.openxmlformats.org/markup-compatibility/2006">
-    <mc:Choice xmlns="" xmlns:p14="http://schemas.microsoft.com/office/powerpoint/2010/main" Requires="p14">
+    <mc:Choice xmlns:p14="http://schemas.microsoft.com/office/powerpoint/2010/main" xmlns="" Requires="p14">
       <p:transition spd="slow" p14:dur="2000"/>
     </mc:Choice>
     <mc:Fallback>
@@ -17378,7 +17745,7 @@
     </p:spTree>
     <p:extLst>
       <p:ext uri="{BB962C8B-B14F-4D97-AF65-F5344CB8AC3E}">
-        <p14:creationId xmlns="" xmlns:p14="http://schemas.microsoft.com/office/powerpoint/2010/main" val="1849832399"/>
+        <p14:creationId xmlns:p14="http://schemas.microsoft.com/office/powerpoint/2010/main" xmlns="" val="1849832399"/>
       </p:ext>
     </p:extLst>
   </p:cSld>
@@ -17439,7 +17806,7 @@
           <a:p>
             <a:r>
               <a:rPr lang="ru-RU" dirty="0"/>
-              <a:t>Преобразование типов данных</a:t>
+              <a:t>Секционирование данных</a:t>
             </a:r>
           </a:p>
         </p:txBody>
@@ -17453,7 +17820,7 @@
         <p:spPr>
           <a:xfrm>
             <a:off x="598600" y="1009925"/>
-            <a:ext cx="8092200" cy="1678891"/>
+            <a:ext cx="8092200" cy="859692"/>
           </a:xfrm>
           <a:prstGeom prst="rect">
             <a:avLst/>
@@ -17479,72 +17846,23 @@
             </a:pPr>
             <a:r>
               <a:rPr lang="ru-RU" dirty="0" smtClean="0"/>
-              <a:t>Операция преобразования меняет тип входных объектов.</a:t>
-            </a:r>
-          </a:p>
-          <a:p>
-            <a:pPr lvl="0">
-              <a:lnSpc>
-                <a:spcPct val="115000"/>
-              </a:lnSpc>
-              <a:spcBef>
-                <a:spcPts val="1400"/>
-              </a:spcBef>
-            </a:pPr>
+              <a:t>Секционирование </a:t>
+            </a:r>
+            <a:r>
+              <a:rPr lang="en-US" dirty="0" smtClean="0"/>
+              <a:t>– </a:t>
+            </a:r>
             <a:r>
               <a:rPr lang="ru-RU" dirty="0" smtClean="0"/>
-              <a:t>Таблица методов преобразования находится </a:t>
-            </a:r>
-            <a:r>
-              <a:rPr lang="ru-RU" dirty="0" smtClean="0">
-                <a:hlinkClick r:id="rId3"/>
-              </a:rPr>
-              <a:t>здесь</a:t>
+              <a:t>это операция </a:t>
+            </a:r>
+            <a:r>
+              <a:rPr lang="ru-RU" dirty="0"/>
+              <a:t>разделения входной последовательности на два раздела без изменения порядка элементов, а затем возвращения одного из разделов</a:t>
             </a:r>
             <a:r>
               <a:rPr lang="ru-RU" dirty="0" smtClean="0"/>
               <a:t>.</a:t>
-            </a:r>
-            <a:endParaRPr lang="en-US" dirty="0" smtClean="0"/>
-          </a:p>
-          <a:p>
-            <a:pPr lvl="0">
-              <a:lnSpc>
-                <a:spcPct val="115000"/>
-              </a:lnSpc>
-              <a:spcBef>
-                <a:spcPts val="1400"/>
-              </a:spcBef>
-            </a:pPr>
-            <a:r>
-              <a:rPr lang="en-US" sz="1300" dirty="0" smtClean="0">
-                <a:latin typeface="Roboto"/>
-                <a:ea typeface="Roboto"/>
-                <a:cs typeface="Roboto"/>
-                <a:sym typeface="Roboto"/>
-                <a:hlinkClick r:id="rId3"/>
-              </a:rPr>
-              <a:t>https</a:t>
-            </a:r>
-            <a:r>
-              <a:rPr lang="en-US" sz="1300" dirty="0">
-                <a:latin typeface="Roboto"/>
-                <a:ea typeface="Roboto"/>
-                <a:cs typeface="Roboto"/>
-                <a:sym typeface="Roboto"/>
-                <a:hlinkClick r:id="rId3"/>
-              </a:rPr>
-              <a:t>://</a:t>
-            </a:r>
-            <a:r>
-              <a:rPr lang="en-US" sz="1300" dirty="0" smtClean="0">
-                <a:latin typeface="Roboto"/>
-                <a:ea typeface="Roboto"/>
-                <a:cs typeface="Roboto"/>
-                <a:sym typeface="Roboto"/>
-                <a:hlinkClick r:id="rId3"/>
-              </a:rPr>
-              <a:t>learn.microsoft.com/en-us/dotnet/csharp/linq/standard-query-operators/converting-data-types#methods</a:t>
             </a:r>
             <a:endParaRPr lang="en-US" sz="1300" dirty="0" smtClean="0">
               <a:latin typeface="Roboto"/>
@@ -17555,10 +17873,34 @@
           </a:p>
         </p:txBody>
       </p:sp>
+      <p:pic>
+        <p:nvPicPr>
+          <p:cNvPr id="2" name="Рисунок 1"/>
+          <p:cNvPicPr>
+            <a:picLocks noChangeAspect="1"/>
+          </p:cNvPicPr>
+          <p:nvPr/>
+        </p:nvPicPr>
+        <p:blipFill>
+          <a:blip r:embed="rId3"/>
+          <a:stretch>
+            <a:fillRect/>
+          </a:stretch>
+        </p:blipFill>
+        <p:spPr>
+          <a:xfrm>
+            <a:off x="3106599" y="2366341"/>
+            <a:ext cx="2771775" cy="1828800"/>
+          </a:xfrm>
+          <a:prstGeom prst="rect">
+            <a:avLst/>
+          </a:prstGeom>
+        </p:spPr>
+      </p:pic>
     </p:spTree>
     <p:extLst>
       <p:ext uri="{BB962C8B-B14F-4D97-AF65-F5344CB8AC3E}">
-        <p14:creationId xmlns="" xmlns:p14="http://schemas.microsoft.com/office/powerpoint/2010/main" val="2868777987"/>
+        <p14:creationId xmlns:p14="http://schemas.microsoft.com/office/powerpoint/2010/main" xmlns="" val="2286364354"/>
       </p:ext>
     </p:extLst>
   </p:cSld>
@@ -17566,7 +17908,7 @@
     <a:masterClrMapping/>
   </p:clrMapOvr>
   <mc:AlternateContent xmlns:mc="http://schemas.openxmlformats.org/markup-compatibility/2006">
-    <mc:Choice xmlns="" xmlns:p14="http://schemas.microsoft.com/office/powerpoint/2010/main" Requires="p14">
+    <mc:Choice xmlns:p14="http://schemas.microsoft.com/office/powerpoint/2010/main" xmlns="" Requires="p14">
       <p:transition spd="slow" p14:dur="2000"/>
     </mc:Choice>
     <mc:Fallback>
@@ -17584,6 +17926,247 @@
 </file>
 
 <file path=ppt/slides/slide31.xml><?xml version="1.0" encoding="utf-8"?>
+<p:sld xmlns:a="http://schemas.openxmlformats.org/drawingml/2006/main" xmlns:r="http://schemas.openxmlformats.org/officeDocument/2006/relationships" xmlns:p="http://schemas.openxmlformats.org/presentationml/2006/main">
+  <p:cSld>
+    <p:spTree>
+      <p:nvGrpSpPr>
+        <p:cNvPr id="1" name="Shape 436"/>
+        <p:cNvGrpSpPr/>
+        <p:nvPr/>
+      </p:nvGrpSpPr>
+      <p:grpSpPr>
+        <a:xfrm>
+          <a:off x="0" y="0"/>
+          <a:ext cx="0" cy="0"/>
+          <a:chOff x="0" y="0"/>
+          <a:chExt cx="0" cy="0"/>
+        </a:xfrm>
+      </p:grpSpPr>
+      <p:sp>
+        <p:nvSpPr>
+          <p:cNvPr id="437" name="Google Shape;437;p74"/>
+          <p:cNvSpPr txBox="1">
+            <a:spLocks noGrp="1"/>
+          </p:cNvSpPr>
+          <p:nvPr>
+            <p:ph type="title"/>
+          </p:nvPr>
+        </p:nvSpPr>
+        <p:spPr>
+          <a:xfrm>
+            <a:off x="500550" y="330725"/>
+            <a:ext cx="8190300" cy="679200"/>
+          </a:xfrm>
+          <a:prstGeom prst="rect">
+            <a:avLst/>
+          </a:prstGeom>
+        </p:spPr>
+        <p:txBody>
+          <a:bodyPr spcFirstLastPara="1" wrap="square" lIns="91425" tIns="91425" rIns="91425" bIns="91425" anchor="t" anchorCtr="0">
+            <a:noAutofit/>
+          </a:bodyPr>
+          <a:lstStyle/>
+          <a:p>
+            <a:r>
+              <a:rPr lang="ru-RU" dirty="0"/>
+              <a:t>Секционирование данных</a:t>
+            </a:r>
+          </a:p>
+        </p:txBody>
+      </p:sp>
+      <p:sp>
+        <p:nvSpPr>
+          <p:cNvPr id="438" name="Google Shape;438;p74"/>
+          <p:cNvSpPr txBox="1"/>
+          <p:nvPr/>
+        </p:nvSpPr>
+        <p:spPr>
+          <a:xfrm>
+            <a:off x="598600" y="1009925"/>
+            <a:ext cx="8092200" cy="3064398"/>
+          </a:xfrm>
+          <a:prstGeom prst="rect">
+            <a:avLst/>
+          </a:prstGeom>
+          <a:noFill/>
+          <a:ln>
+            <a:noFill/>
+          </a:ln>
+        </p:spPr>
+        <p:txBody>
+          <a:bodyPr spcFirstLastPara="1" wrap="square" lIns="91425" tIns="91425" rIns="91425" bIns="91425" anchor="t" anchorCtr="0">
+            <a:spAutoFit/>
+          </a:bodyPr>
+          <a:lstStyle/>
+          <a:p>
+            <a:pPr lvl="0">
+              <a:lnSpc>
+                <a:spcPct val="115000"/>
+              </a:lnSpc>
+              <a:spcBef>
+                <a:spcPts val="1400"/>
+              </a:spcBef>
+            </a:pPr>
+            <a:r>
+              <a:rPr lang="en-US" dirty="0" smtClean="0">
+                <a:hlinkClick r:id="rId3"/>
+              </a:rPr>
+              <a:t>Skip</a:t>
+            </a:r>
+            <a:r>
+              <a:rPr lang="en-US" dirty="0" smtClean="0"/>
+              <a:t> - </a:t>
+            </a:r>
+            <a:r>
+              <a:rPr lang="ru-RU" dirty="0"/>
+              <a:t>п</a:t>
+            </a:r>
+            <a:r>
+              <a:rPr lang="ru-RU" dirty="0" smtClean="0"/>
+              <a:t>ропускает </a:t>
+            </a:r>
+            <a:r>
+              <a:rPr lang="ru-RU" dirty="0"/>
+              <a:t>элементы до указанной позиции в последовательности.</a:t>
+            </a:r>
+            <a:endParaRPr lang="ru-RU" dirty="0" smtClean="0"/>
+          </a:p>
+          <a:p>
+            <a:pPr lvl="0">
+              <a:lnSpc>
+                <a:spcPct val="115000"/>
+              </a:lnSpc>
+              <a:spcBef>
+                <a:spcPts val="1400"/>
+              </a:spcBef>
+            </a:pPr>
+            <a:r>
+              <a:rPr lang="en-US" dirty="0" err="1" smtClean="0">
+                <a:hlinkClick r:id="rId4"/>
+              </a:rPr>
+              <a:t>SkipWhile</a:t>
+            </a:r>
+            <a:r>
+              <a:rPr lang="ru-RU" dirty="0" smtClean="0"/>
+              <a:t> - п</a:t>
+            </a:r>
+            <a:r>
+              <a:rPr lang="ru-RU" dirty="0"/>
+              <a:t>ропускает элементы на основе функции предиката, пока элемент не удовлетворяет условию.</a:t>
+            </a:r>
+            <a:endParaRPr lang="ru-RU" dirty="0" smtClean="0"/>
+          </a:p>
+          <a:p>
+            <a:pPr lvl="0">
+              <a:lnSpc>
+                <a:spcPct val="115000"/>
+              </a:lnSpc>
+              <a:spcBef>
+                <a:spcPts val="1400"/>
+              </a:spcBef>
+            </a:pPr>
+            <a:r>
+              <a:rPr lang="en-US" dirty="0" smtClean="0">
+                <a:hlinkClick r:id="rId5"/>
+              </a:rPr>
+              <a:t>Take</a:t>
+            </a:r>
+            <a:r>
+              <a:rPr lang="ru-RU" dirty="0" smtClean="0"/>
+              <a:t> - в</a:t>
+            </a:r>
+            <a:r>
+              <a:rPr lang="ru-RU" dirty="0"/>
+              <a:t>озвращает элементы на указанную позицию в последовательности.</a:t>
+            </a:r>
+            <a:endParaRPr lang="ru-RU" dirty="0" smtClean="0"/>
+          </a:p>
+          <a:p>
+            <a:pPr lvl="0">
+              <a:lnSpc>
+                <a:spcPct val="115000"/>
+              </a:lnSpc>
+              <a:spcBef>
+                <a:spcPts val="1400"/>
+              </a:spcBef>
+            </a:pPr>
+            <a:r>
+              <a:rPr lang="en-US" dirty="0" err="1" smtClean="0">
+                <a:hlinkClick r:id="rId6"/>
+              </a:rPr>
+              <a:t>TakeWhile</a:t>
+            </a:r>
+            <a:r>
+              <a:rPr lang="ru-RU" dirty="0" smtClean="0"/>
+              <a:t> - п</a:t>
+            </a:r>
+            <a:r>
+              <a:rPr lang="ru-RU" dirty="0"/>
+              <a:t>ринимает элементы на основе функции предиката, пока элемент не удовлетворяет условию.</a:t>
+            </a:r>
+            <a:endParaRPr lang="ru-RU" dirty="0" smtClean="0"/>
+          </a:p>
+          <a:p>
+            <a:pPr lvl="0">
+              <a:lnSpc>
+                <a:spcPct val="115000"/>
+              </a:lnSpc>
+              <a:spcBef>
+                <a:spcPts val="1400"/>
+              </a:spcBef>
+            </a:pPr>
+            <a:r>
+              <a:rPr lang="en-US" dirty="0" smtClean="0">
+                <a:hlinkClick r:id="rId7"/>
+              </a:rPr>
+              <a:t>Chunk</a:t>
+            </a:r>
+            <a:r>
+              <a:rPr lang="ru-RU" dirty="0" smtClean="0"/>
+              <a:t> - р</a:t>
+            </a:r>
+            <a:r>
+              <a:rPr lang="ru-RU" dirty="0"/>
+              <a:t>азделяет элементы последовательности на фрагменты указанного максимального размера.</a:t>
+            </a:r>
+            <a:endParaRPr lang="en-US" sz="1300" dirty="0" smtClean="0">
+              <a:latin typeface="Roboto"/>
+              <a:ea typeface="Roboto"/>
+              <a:cs typeface="Roboto"/>
+              <a:sym typeface="Roboto"/>
+            </a:endParaRPr>
+          </a:p>
+        </p:txBody>
+      </p:sp>
+    </p:spTree>
+    <p:extLst>
+      <p:ext uri="{BB962C8B-B14F-4D97-AF65-F5344CB8AC3E}">
+        <p14:creationId xmlns:p14="http://schemas.microsoft.com/office/powerpoint/2010/main" xmlns="" val="3413217380"/>
+      </p:ext>
+    </p:extLst>
+  </p:cSld>
+  <p:clrMapOvr>
+    <a:masterClrMapping/>
+  </p:clrMapOvr>
+  <mc:AlternateContent xmlns:mc="http://schemas.openxmlformats.org/markup-compatibility/2006">
+    <mc:Choice xmlns:p14="http://schemas.microsoft.com/office/powerpoint/2010/main" xmlns="" Requires="p14">
+      <p:transition spd="slow" p14:dur="2000"/>
+    </mc:Choice>
+    <mc:Fallback>
+      <p:transition spd="slow"/>
+    </mc:Fallback>
+  </mc:AlternateContent>
+  <p:timing>
+    <p:tnLst>
+      <p:par>
+        <p:cTn id="1" dur="indefinite" restart="never" nodeType="tmRoot"/>
+      </p:par>
+    </p:tnLst>
+  </p:timing>
+</p:sld>
+</file>
+
+<file path=ppt/slides/slide32.xml><?xml version="1.0" encoding="utf-8"?>
 <p:sld xmlns:a="http://schemas.openxmlformats.org/drawingml/2006/main" xmlns:r="http://schemas.openxmlformats.org/officeDocument/2006/relationships" xmlns:p="http://schemas.openxmlformats.org/presentationml/2006/main">
   <p:cSld>
     <p:spTree>
@@ -17628,7 +18211,7 @@
             <a:pPr lvl="0"/>
             <a:r>
               <a:rPr lang="ru-RU" dirty="0" smtClean="0"/>
-              <a:t>Операции соединения</a:t>
+              <a:t>Преобразование типов данных</a:t>
             </a:r>
             <a:endParaRPr dirty="0"/>
           </a:p>
@@ -17637,7 +18220,7 @@
     </p:spTree>
     <p:extLst>
       <p:ext uri="{BB962C8B-B14F-4D97-AF65-F5344CB8AC3E}">
-        <p14:creationId xmlns="" xmlns:p14="http://schemas.microsoft.com/office/powerpoint/2010/main" val="1261440625"/>
+        <p14:creationId xmlns:p14="http://schemas.microsoft.com/office/powerpoint/2010/main" xmlns="" val="2759801090"/>
       </p:ext>
     </p:extLst>
   </p:cSld>
@@ -17645,676 +18228,7 @@
     <a:masterClrMapping/>
   </p:clrMapOvr>
   <mc:AlternateContent xmlns:mc="http://schemas.openxmlformats.org/markup-compatibility/2006">
-    <mc:Choice xmlns="" xmlns:p14="http://schemas.microsoft.com/office/powerpoint/2010/main" Requires="p14">
-      <p:transition spd="slow" p14:dur="2000"/>
-    </mc:Choice>
-    <mc:Fallback>
-      <p:transition spd="slow"/>
-    </mc:Fallback>
-  </mc:AlternateContent>
-  <p:timing>
-    <p:tnLst>
-      <p:par>
-        <p:cTn id="1" dur="indefinite" restart="never" nodeType="tmRoot"/>
-      </p:par>
-    </p:tnLst>
-  </p:timing>
-</p:sld>
-</file>
-
-<file path=ppt/slides/slide32.xml><?xml version="1.0" encoding="utf-8"?>
-<p:sld xmlns:a="http://schemas.openxmlformats.org/drawingml/2006/main" xmlns:r="http://schemas.openxmlformats.org/officeDocument/2006/relationships" xmlns:p="http://schemas.openxmlformats.org/presentationml/2006/main">
-  <p:cSld>
-    <p:spTree>
-      <p:nvGrpSpPr>
-        <p:cNvPr id="1" name="Shape 436"/>
-        <p:cNvGrpSpPr/>
-        <p:nvPr/>
-      </p:nvGrpSpPr>
-      <p:grpSpPr>
-        <a:xfrm>
-          <a:off x="0" y="0"/>
-          <a:ext cx="0" cy="0"/>
-          <a:chOff x="0" y="0"/>
-          <a:chExt cx="0" cy="0"/>
-        </a:xfrm>
-      </p:grpSpPr>
-      <p:sp>
-        <p:nvSpPr>
-          <p:cNvPr id="437" name="Google Shape;437;p74"/>
-          <p:cNvSpPr txBox="1">
-            <a:spLocks noGrp="1"/>
-          </p:cNvSpPr>
-          <p:nvPr>
-            <p:ph type="title"/>
-          </p:nvPr>
-        </p:nvSpPr>
-        <p:spPr>
-          <a:xfrm>
-            <a:off x="500550" y="330725"/>
-            <a:ext cx="8190300" cy="679200"/>
-          </a:xfrm>
-          <a:prstGeom prst="rect">
-            <a:avLst/>
-          </a:prstGeom>
-        </p:spPr>
-        <p:txBody>
-          <a:bodyPr spcFirstLastPara="1" wrap="square" lIns="91425" tIns="91425" rIns="91425" bIns="91425" anchor="t" anchorCtr="0">
-            <a:noAutofit/>
-          </a:bodyPr>
-          <a:lstStyle/>
-          <a:p>
-            <a:r>
-              <a:rPr lang="ru-RU" dirty="0" smtClean="0"/>
-              <a:t>Операции соединения(</a:t>
-            </a:r>
-            <a:r>
-              <a:rPr lang="en-US" dirty="0" smtClean="0"/>
-              <a:t>Join</a:t>
-            </a:r>
-            <a:r>
-              <a:rPr lang="ru-RU" dirty="0" smtClean="0"/>
-              <a:t>)</a:t>
-            </a:r>
-            <a:endParaRPr lang="ru-RU" dirty="0"/>
-          </a:p>
-        </p:txBody>
-      </p:sp>
-      <p:sp>
-        <p:nvSpPr>
-          <p:cNvPr id="438" name="Google Shape;438;p74"/>
-          <p:cNvSpPr txBox="1"/>
-          <p:nvPr/>
-        </p:nvSpPr>
-        <p:spPr>
-          <a:xfrm>
-            <a:off x="598600" y="1009925"/>
-            <a:ext cx="8092200" cy="3945922"/>
-          </a:xfrm>
-          <a:prstGeom prst="rect">
-            <a:avLst/>
-          </a:prstGeom>
-          <a:noFill/>
-          <a:ln>
-            <a:noFill/>
-          </a:ln>
-        </p:spPr>
-        <p:txBody>
-          <a:bodyPr spcFirstLastPara="1" wrap="square" lIns="91425" tIns="91425" rIns="91425" bIns="91425" anchor="t" anchorCtr="0">
-            <a:spAutoFit/>
-          </a:bodyPr>
-          <a:lstStyle/>
-          <a:p>
-            <a:pPr lvl="0">
-              <a:lnSpc>
-                <a:spcPct val="115000"/>
-              </a:lnSpc>
-              <a:spcBef>
-                <a:spcPts val="1400"/>
-              </a:spcBef>
-            </a:pPr>
-            <a:r>
-              <a:rPr lang="ru-RU" i="1" dirty="0"/>
-              <a:t>Соединение</a:t>
-            </a:r>
-            <a:r>
-              <a:rPr lang="ru-RU" dirty="0"/>
-              <a:t> двух источников данных — это связь объектов в одном источнике данных с объектами, которые имеют общий атрибут в другом источнике данных</a:t>
-            </a:r>
-            <a:r>
-              <a:rPr lang="ru-RU" dirty="0" smtClean="0"/>
-              <a:t>.</a:t>
-            </a:r>
-          </a:p>
-          <a:p>
-            <a:pPr lvl="0">
-              <a:lnSpc>
-                <a:spcPct val="115000"/>
-              </a:lnSpc>
-              <a:spcBef>
-                <a:spcPts val="1400"/>
-              </a:spcBef>
-            </a:pPr>
-            <a:r>
-              <a:rPr lang="en-US" dirty="0" smtClean="0">
-                <a:hlinkClick r:id="rId3"/>
-              </a:rPr>
-              <a:t>Join</a:t>
-            </a:r>
-            <a:r>
-              <a:rPr lang="en-US" dirty="0" smtClean="0"/>
-              <a:t> – </a:t>
-            </a:r>
-            <a:r>
-              <a:rPr lang="ru-RU" dirty="0" smtClean="0"/>
-              <a:t>соединяет </a:t>
-            </a:r>
-            <a:r>
-              <a:rPr lang="ru-RU" dirty="0"/>
-              <a:t>две последовательности на основании функций селектора ключа и </a:t>
-            </a:r>
-            <a:r>
-              <a:rPr lang="ru-RU" dirty="0" smtClean="0"/>
-              <a:t>извлекает </a:t>
-            </a:r>
-            <a:r>
-              <a:rPr lang="ru-RU" dirty="0"/>
-              <a:t>пары </a:t>
-            </a:r>
-            <a:r>
-              <a:rPr lang="ru-RU" dirty="0" smtClean="0"/>
-              <a:t>значений. </a:t>
-            </a:r>
-            <a:r>
-              <a:rPr lang="ru-RU" dirty="0"/>
-              <a:t>В декларативном синтаксисе дополнительные </a:t>
-            </a:r>
-            <a:r>
-              <a:rPr lang="en-US" dirty="0" smtClean="0">
-                <a:solidFill>
-                  <a:schemeClr val="accent1">
-                    <a:lumMod val="75000"/>
-                  </a:schemeClr>
-                </a:solidFill>
-              </a:rPr>
-              <a:t>join </a:t>
-            </a:r>
-            <a:r>
-              <a:rPr lang="en-US" dirty="0"/>
-              <a:t>…</a:t>
-            </a:r>
-            <a:r>
-              <a:rPr lang="en-US" dirty="0" smtClean="0">
-                <a:solidFill>
-                  <a:schemeClr val="accent1">
-                    <a:lumMod val="75000"/>
-                  </a:schemeClr>
-                </a:solidFill>
-              </a:rPr>
-              <a:t> in </a:t>
-            </a:r>
-            <a:r>
-              <a:rPr lang="en-US" dirty="0"/>
-              <a:t>…</a:t>
-            </a:r>
-            <a:r>
-              <a:rPr lang="en-US" dirty="0" smtClean="0">
-                <a:solidFill>
-                  <a:schemeClr val="accent1">
-                    <a:lumMod val="75000"/>
-                  </a:schemeClr>
-                </a:solidFill>
-              </a:rPr>
-              <a:t> on </a:t>
-            </a:r>
-            <a:r>
-              <a:rPr lang="en-US" dirty="0"/>
-              <a:t>… </a:t>
-            </a:r>
-            <a:r>
-              <a:rPr lang="en-US" dirty="0" smtClean="0">
-                <a:solidFill>
-                  <a:schemeClr val="accent1">
-                    <a:lumMod val="75000"/>
-                  </a:schemeClr>
-                </a:solidFill>
-              </a:rPr>
-              <a:t>equals</a:t>
-            </a:r>
-            <a:r>
-              <a:rPr lang="en-US" dirty="0" smtClean="0"/>
-              <a:t>.</a:t>
-            </a:r>
-            <a:endParaRPr lang="ru-RU" dirty="0" smtClean="0"/>
-          </a:p>
-          <a:p>
-            <a:pPr lvl="0">
-              <a:lnSpc>
-                <a:spcPct val="115000"/>
-              </a:lnSpc>
-              <a:spcBef>
-                <a:spcPts val="1400"/>
-              </a:spcBef>
-            </a:pPr>
-            <a:r>
-              <a:rPr lang="en-US" dirty="0" err="1" smtClean="0">
-                <a:hlinkClick r:id="rId4"/>
-              </a:rPr>
-              <a:t>GroupJoin</a:t>
-            </a:r>
-            <a:r>
-              <a:rPr lang="ru-RU" dirty="0" smtClean="0"/>
-              <a:t> – соединяет две </a:t>
-            </a:r>
-            <a:r>
-              <a:rPr lang="ru-RU" dirty="0"/>
-              <a:t>последовательности на основании функций селектора ключа и группирует полученные при сопоставлении данные для каждого элемента</a:t>
-            </a:r>
-            <a:r>
-              <a:rPr lang="ru-RU" dirty="0" smtClean="0"/>
-              <a:t>.</a:t>
-            </a:r>
-            <a:r>
-              <a:rPr lang="en-US" dirty="0" smtClean="0"/>
-              <a:t> </a:t>
-            </a:r>
-            <a:r>
-              <a:rPr lang="ru-RU" dirty="0"/>
-              <a:t>В декларативном синтаксисе дополнительные </a:t>
-            </a:r>
-            <a:r>
-              <a:rPr lang="en-US" dirty="0">
-                <a:solidFill>
-                  <a:schemeClr val="accent1">
-                    <a:lumMod val="75000"/>
-                  </a:schemeClr>
-                </a:solidFill>
-              </a:rPr>
-              <a:t>join </a:t>
-            </a:r>
-            <a:r>
-              <a:rPr lang="en-US" dirty="0"/>
-              <a:t>…</a:t>
-            </a:r>
-            <a:r>
-              <a:rPr lang="en-US" dirty="0">
-                <a:solidFill>
-                  <a:schemeClr val="accent1">
-                    <a:lumMod val="75000"/>
-                  </a:schemeClr>
-                </a:solidFill>
-              </a:rPr>
-              <a:t> in </a:t>
-            </a:r>
-            <a:r>
-              <a:rPr lang="en-US" dirty="0"/>
-              <a:t>…</a:t>
-            </a:r>
-            <a:r>
-              <a:rPr lang="en-US" dirty="0">
-                <a:solidFill>
-                  <a:schemeClr val="accent1">
-                    <a:lumMod val="75000"/>
-                  </a:schemeClr>
-                </a:solidFill>
-              </a:rPr>
-              <a:t> on </a:t>
-            </a:r>
-            <a:r>
-              <a:rPr lang="en-US" dirty="0"/>
-              <a:t>… </a:t>
-            </a:r>
-            <a:r>
-              <a:rPr lang="en-US" dirty="0" smtClean="0">
-                <a:solidFill>
-                  <a:schemeClr val="accent1">
-                    <a:lumMod val="75000"/>
-                  </a:schemeClr>
-                </a:solidFill>
-              </a:rPr>
-              <a:t>equals </a:t>
-            </a:r>
-            <a:r>
-              <a:rPr lang="en-US" dirty="0" smtClean="0"/>
-              <a:t>… </a:t>
-            </a:r>
-            <a:r>
-              <a:rPr lang="en-US" dirty="0" smtClean="0">
-                <a:solidFill>
-                  <a:schemeClr val="accent1">
-                    <a:lumMod val="75000"/>
-                  </a:schemeClr>
-                </a:solidFill>
-              </a:rPr>
-              <a:t>into </a:t>
-            </a:r>
-            <a:r>
-              <a:rPr lang="en-US" dirty="0" smtClean="0"/>
-              <a:t>… .</a:t>
-            </a:r>
-          </a:p>
-          <a:p>
-            <a:pPr lvl="0">
-              <a:lnSpc>
-                <a:spcPct val="115000"/>
-              </a:lnSpc>
-              <a:spcBef>
-                <a:spcPts val="1400"/>
-              </a:spcBef>
-            </a:pPr>
-            <a:r>
-              <a:rPr lang="ru-RU" sz="1300" dirty="0" smtClean="0">
-                <a:latin typeface="Roboto"/>
-                <a:ea typeface="Roboto"/>
-                <a:cs typeface="Roboto"/>
-                <a:sym typeface="Roboto"/>
-              </a:rPr>
-              <a:t>Пример декларативного синтаксиса:</a:t>
-            </a:r>
-          </a:p>
-          <a:p>
-            <a:pPr lvl="3" eaLnBrk="0" fontAlgn="base" hangingPunct="0">
-              <a:spcBef>
-                <a:spcPct val="0"/>
-              </a:spcBef>
-              <a:spcAft>
-                <a:spcPct val="0"/>
-              </a:spcAft>
-              <a:buClrTx/>
-            </a:pPr>
-            <a:r>
-              <a:rPr lang="en-US" altLang="ru-RU" dirty="0" smtClean="0">
-                <a:solidFill>
-                  <a:schemeClr val="accent1">
-                    <a:lumMod val="75000"/>
-                  </a:schemeClr>
-                </a:solidFill>
-                <a:latin typeface="var(--code-font-family)"/>
-              </a:rPr>
-              <a:t>	</a:t>
-            </a:r>
-            <a:r>
-              <a:rPr lang="ru-RU" altLang="ru-RU" dirty="0" err="1" smtClean="0">
-                <a:solidFill>
-                  <a:schemeClr val="accent1">
-                    <a:lumMod val="75000"/>
-                  </a:schemeClr>
-                </a:solidFill>
-                <a:latin typeface="var(--code-font-family)"/>
-              </a:rPr>
-              <a:t>from</a:t>
-            </a:r>
-            <a:r>
-              <a:rPr lang="ru-RU" altLang="ru-RU" dirty="0" smtClean="0">
-                <a:latin typeface="var(--code-font-family)"/>
-              </a:rPr>
-              <a:t> </a:t>
-            </a:r>
-            <a:r>
-              <a:rPr lang="en-US" altLang="ru-RU" dirty="0" smtClean="0">
-                <a:latin typeface="var(--code-font-family)"/>
-              </a:rPr>
-              <a:t>x</a:t>
-            </a:r>
-            <a:r>
-              <a:rPr lang="ru-RU" altLang="ru-RU" dirty="0" smtClean="0">
-                <a:latin typeface="var(--code-font-family)"/>
-              </a:rPr>
-              <a:t> </a:t>
-            </a:r>
-            <a:r>
-              <a:rPr lang="ru-RU" altLang="ru-RU" dirty="0" err="1">
-                <a:solidFill>
-                  <a:schemeClr val="accent1">
-                    <a:lumMod val="75000"/>
-                  </a:schemeClr>
-                </a:solidFill>
-                <a:latin typeface="var(--code-font-family)"/>
-              </a:rPr>
-              <a:t>in</a:t>
-            </a:r>
-            <a:r>
-              <a:rPr lang="ru-RU" altLang="ru-RU" dirty="0">
-                <a:latin typeface="SFMono-Regular"/>
-              </a:rPr>
-              <a:t> </a:t>
-            </a:r>
-            <a:r>
-              <a:rPr lang="en-US" altLang="ru-RU" dirty="0" smtClean="0">
-                <a:latin typeface="SFMono-Regular"/>
-              </a:rPr>
-              <a:t>set1</a:t>
-            </a:r>
-            <a:endParaRPr lang="ru-RU" altLang="ru-RU" sz="800" dirty="0">
-              <a:solidFill>
-                <a:schemeClr val="tx1"/>
-              </a:solidFill>
-            </a:endParaRPr>
-          </a:p>
-          <a:p>
-            <a:pPr lvl="3" eaLnBrk="0" fontAlgn="base" hangingPunct="0">
-              <a:spcBef>
-                <a:spcPct val="0"/>
-              </a:spcBef>
-              <a:spcAft>
-                <a:spcPct val="0"/>
-              </a:spcAft>
-              <a:buClrTx/>
-            </a:pPr>
-            <a:r>
-              <a:rPr lang="en-US" altLang="ru-RU" dirty="0" smtClean="0">
-                <a:solidFill>
-                  <a:schemeClr val="accent1">
-                    <a:lumMod val="75000"/>
-                  </a:schemeClr>
-                </a:solidFill>
-                <a:latin typeface="var(--code-font-family)"/>
-              </a:rPr>
-              <a:t>	</a:t>
-            </a:r>
-            <a:r>
-              <a:rPr lang="ru-RU" altLang="ru-RU" dirty="0" err="1" smtClean="0">
-                <a:solidFill>
-                  <a:schemeClr val="accent1">
-                    <a:lumMod val="75000"/>
-                  </a:schemeClr>
-                </a:solidFill>
-                <a:latin typeface="var(--code-font-family)"/>
-              </a:rPr>
-              <a:t>join</a:t>
-            </a:r>
-            <a:r>
-              <a:rPr lang="ru-RU" altLang="ru-RU" dirty="0" smtClean="0">
-                <a:latin typeface="var(--code-font-family)"/>
-              </a:rPr>
-              <a:t> </a:t>
-            </a:r>
-            <a:r>
-              <a:rPr lang="en-US" altLang="ru-RU" dirty="0">
-                <a:latin typeface="var(--code-font-family)"/>
-              </a:rPr>
-              <a:t>y</a:t>
-            </a:r>
-            <a:r>
-              <a:rPr lang="ru-RU" altLang="ru-RU" dirty="0" smtClean="0">
-                <a:latin typeface="var(--code-font-family)"/>
-              </a:rPr>
-              <a:t> </a:t>
-            </a:r>
-            <a:r>
-              <a:rPr lang="ru-RU" altLang="ru-RU" dirty="0" err="1">
-                <a:solidFill>
-                  <a:schemeClr val="accent1">
-                    <a:lumMod val="75000"/>
-                  </a:schemeClr>
-                </a:solidFill>
-                <a:latin typeface="var(--code-font-family)"/>
-              </a:rPr>
-              <a:t>in</a:t>
-            </a:r>
-            <a:r>
-              <a:rPr lang="ru-RU" altLang="ru-RU" dirty="0">
-                <a:latin typeface="SFMono-Regular"/>
-              </a:rPr>
-              <a:t> </a:t>
-            </a:r>
-            <a:r>
-              <a:rPr lang="en-US" altLang="ru-RU" dirty="0" smtClean="0">
-                <a:latin typeface="SFMono-Regular"/>
-              </a:rPr>
-              <a:t>set2</a:t>
-            </a:r>
-            <a:r>
-              <a:rPr lang="ru-RU" altLang="ru-RU" dirty="0" smtClean="0">
-                <a:latin typeface="var(--code-font-family)"/>
-              </a:rPr>
-              <a:t> </a:t>
-            </a:r>
-            <a:r>
-              <a:rPr lang="ru-RU" altLang="ru-RU" dirty="0" err="1">
-                <a:solidFill>
-                  <a:schemeClr val="accent1">
-                    <a:lumMod val="75000"/>
-                  </a:schemeClr>
-                </a:solidFill>
-                <a:latin typeface="var(--code-font-family)"/>
-              </a:rPr>
-              <a:t>on</a:t>
-            </a:r>
-            <a:r>
-              <a:rPr lang="ru-RU" altLang="ru-RU" dirty="0">
-                <a:latin typeface="var(--code-font-family)"/>
-              </a:rPr>
-              <a:t> </a:t>
-            </a:r>
-            <a:r>
-              <a:rPr lang="en-US" altLang="ru-RU" dirty="0">
-                <a:latin typeface="var(--code-font-family)"/>
-              </a:rPr>
-              <a:t>y</a:t>
-            </a:r>
-            <a:r>
-              <a:rPr lang="ru-RU" altLang="ru-RU" dirty="0" smtClean="0">
-                <a:latin typeface="var(--code-font-family)"/>
-              </a:rPr>
-              <a:t>.</a:t>
-            </a:r>
-            <a:r>
-              <a:rPr lang="en-US" altLang="ru-RU" dirty="0" smtClean="0">
-                <a:latin typeface="var(--code-font-family)"/>
-              </a:rPr>
-              <a:t>Prop</a:t>
-            </a:r>
-            <a:r>
-              <a:rPr lang="ru-RU" altLang="ru-RU" dirty="0" smtClean="0">
-                <a:latin typeface="var(--code-font-family)"/>
-              </a:rPr>
-              <a:t>2 </a:t>
-            </a:r>
-            <a:r>
-              <a:rPr lang="ru-RU" altLang="ru-RU" dirty="0" err="1">
-                <a:solidFill>
-                  <a:schemeClr val="accent1">
-                    <a:lumMod val="75000"/>
-                  </a:schemeClr>
-                </a:solidFill>
-                <a:latin typeface="var(--code-font-family)"/>
-              </a:rPr>
-              <a:t>equals</a:t>
-            </a:r>
-            <a:r>
-              <a:rPr lang="ru-RU" altLang="ru-RU" dirty="0">
-                <a:latin typeface="var(--code-font-family)"/>
-              </a:rPr>
-              <a:t> </a:t>
-            </a:r>
-            <a:r>
-              <a:rPr lang="en-US" altLang="ru-RU" dirty="0" smtClean="0">
-                <a:latin typeface="var(--code-font-family)"/>
-              </a:rPr>
-              <a:t>x</a:t>
-            </a:r>
-            <a:r>
-              <a:rPr lang="ru-RU" altLang="ru-RU" dirty="0" smtClean="0">
-                <a:latin typeface="var(--code-font-family)"/>
-              </a:rPr>
-              <a:t>.</a:t>
-            </a:r>
-            <a:r>
-              <a:rPr lang="en-US" altLang="ru-RU" dirty="0" smtClean="0">
-                <a:latin typeface="var(--code-font-family)"/>
-              </a:rPr>
-              <a:t>Prop</a:t>
-            </a:r>
-            <a:r>
-              <a:rPr lang="ru-RU" altLang="ru-RU" dirty="0" smtClean="0">
-                <a:latin typeface="var(--code-font-family)"/>
-              </a:rPr>
-              <a:t>1</a:t>
-            </a:r>
-            <a:endParaRPr lang="en-US" altLang="ru-RU" dirty="0" smtClean="0">
-              <a:latin typeface="var(--code-font-family)"/>
-            </a:endParaRPr>
-          </a:p>
-          <a:p>
-            <a:pPr lvl="3" eaLnBrk="0" fontAlgn="base" hangingPunct="0">
-              <a:spcBef>
-                <a:spcPct val="0"/>
-              </a:spcBef>
-              <a:spcAft>
-                <a:spcPct val="0"/>
-              </a:spcAft>
-              <a:buClrTx/>
-            </a:pPr>
-            <a:r>
-              <a:rPr lang="ru-RU" sz="1300" dirty="0" smtClean="0">
-                <a:latin typeface="var(--code-font-family)"/>
-                <a:ea typeface="Roboto"/>
-                <a:cs typeface="Roboto"/>
-                <a:sym typeface="Roboto"/>
-              </a:rPr>
-              <a:t>где, свойства </a:t>
-            </a:r>
-            <a:r>
-              <a:rPr lang="en-US" sz="1300" dirty="0" smtClean="0">
-                <a:latin typeface="var(--code-font-family)"/>
-                <a:ea typeface="Roboto"/>
-                <a:cs typeface="Roboto"/>
-                <a:sym typeface="Roboto"/>
-              </a:rPr>
-              <a:t>y.Prop2 </a:t>
-            </a:r>
-            <a:r>
-              <a:rPr lang="ru-RU" sz="1300" dirty="0" smtClean="0">
-                <a:latin typeface="var(--code-font-family)"/>
-                <a:ea typeface="Roboto"/>
-                <a:cs typeface="Roboto"/>
-                <a:sym typeface="Roboto"/>
-              </a:rPr>
-              <a:t>и </a:t>
-            </a:r>
-            <a:r>
-              <a:rPr lang="en-US" sz="1300" dirty="0" smtClean="0">
-                <a:latin typeface="var(--code-font-family)"/>
-                <a:ea typeface="Roboto"/>
-                <a:cs typeface="Roboto"/>
-                <a:sym typeface="Roboto"/>
-              </a:rPr>
-              <a:t>x.Prop1</a:t>
-            </a:r>
-            <a:r>
-              <a:rPr lang="ru-RU" sz="1300" dirty="0">
-                <a:latin typeface="var(--code-font-family)"/>
-                <a:ea typeface="Roboto"/>
-                <a:cs typeface="Roboto"/>
-                <a:sym typeface="Roboto"/>
-              </a:rPr>
-              <a:t> </a:t>
-            </a:r>
-            <a:r>
-              <a:rPr lang="ru-RU" sz="1300" dirty="0" smtClean="0">
-                <a:latin typeface="var(--code-font-family)"/>
-                <a:ea typeface="Roboto"/>
-                <a:cs typeface="Roboto"/>
-                <a:sym typeface="Roboto"/>
-              </a:rPr>
-              <a:t>являются одной и той же сущностью, скажем идентификатором группы студента.</a:t>
-            </a:r>
-          </a:p>
-        </p:txBody>
-      </p:sp>
-    </p:spTree>
-    <p:extLst>
-      <p:ext uri="{BB962C8B-B14F-4D97-AF65-F5344CB8AC3E}">
-        <p14:creationId xmlns="" xmlns:p14="http://schemas.microsoft.com/office/powerpoint/2010/main" val="3965022812"/>
-      </p:ext>
-    </p:extLst>
-  </p:cSld>
-  <p:clrMapOvr>
-    <a:masterClrMapping/>
-  </p:clrMapOvr>
-  <mc:AlternateContent xmlns:mc="http://schemas.openxmlformats.org/markup-compatibility/2006">
-    <mc:Choice xmlns="" xmlns:p14="http://schemas.microsoft.com/office/powerpoint/2010/main" Requires="p14">
+    <mc:Choice xmlns:p14="http://schemas.microsoft.com/office/powerpoint/2010/main" xmlns="" Requires="p14">
       <p:transition spd="slow" p14:dur="2000"/>
     </mc:Choice>
     <mc:Fallback>
@@ -18374,18 +18288,9 @@
           <a:lstStyle/>
           <a:p>
             <a:r>
-              <a:rPr lang="ru-RU" dirty="0" smtClean="0"/>
-              <a:t>Операции соединения(</a:t>
-            </a:r>
-            <a:r>
-              <a:rPr lang="en-US" dirty="0" smtClean="0"/>
-              <a:t>Join</a:t>
-            </a:r>
-            <a:r>
-              <a:rPr lang="ru-RU" dirty="0" smtClean="0"/>
-              <a:t>)</a:t>
-            </a:r>
-            <a:endParaRPr lang="ru-RU" dirty="0"/>
+              <a:rPr lang="ru-RU" dirty="0"/>
+              <a:t>Преобразование типов данных</a:t>
+            </a:r>
           </a:p>
         </p:txBody>
       </p:sp>
@@ -18398,7 +18303,7 @@
         <p:spPr>
           <a:xfrm>
             <a:off x="598600" y="1009925"/>
-            <a:ext cx="8233974" cy="611932"/>
+            <a:ext cx="8092200" cy="1678891"/>
           </a:xfrm>
           <a:prstGeom prst="rect">
             <a:avLst/>
@@ -18424,10 +18329,75 @@
             </a:pPr>
             <a:r>
               <a:rPr lang="ru-RU" dirty="0" smtClean="0"/>
-              <a:t>Пример:</a:t>
-            </a:r>
-            <a:endParaRPr lang="ru-RU" sz="1300" dirty="0" smtClean="0">
-              <a:latin typeface="var(--code-font-family)"/>
+              <a:t>Операция преобразования меняет тип входных объектов.</a:t>
+            </a:r>
+          </a:p>
+          <a:p>
+            <a:pPr lvl="0">
+              <a:lnSpc>
+                <a:spcPct val="115000"/>
+              </a:lnSpc>
+              <a:spcBef>
+                <a:spcPts val="1400"/>
+              </a:spcBef>
+            </a:pPr>
+            <a:r>
+              <a:rPr lang="ru-RU" dirty="0" smtClean="0"/>
+              <a:t>Таблица методов преобразования находится </a:t>
+            </a:r>
+            <a:r>
+              <a:rPr lang="ru-RU" dirty="0" smtClean="0">
+                <a:hlinkClick r:id="rId3"/>
+              </a:rPr>
+              <a:t>здесь</a:t>
+            </a:r>
+            <a:r>
+              <a:rPr lang="ru-RU" dirty="0" smtClean="0"/>
+              <a:t>.</a:t>
+            </a:r>
+            <a:endParaRPr lang="en-US" dirty="0" smtClean="0"/>
+          </a:p>
+          <a:p>
+            <a:pPr lvl="0">
+              <a:lnSpc>
+                <a:spcPct val="115000"/>
+              </a:lnSpc>
+              <a:spcBef>
+                <a:spcPts val="1400"/>
+              </a:spcBef>
+            </a:pPr>
+            <a:r>
+              <a:rPr lang="en-US" sz="1300" dirty="0" smtClean="0">
+                <a:latin typeface="Roboto"/>
+                <a:ea typeface="Roboto"/>
+                <a:cs typeface="Roboto"/>
+                <a:sym typeface="Roboto"/>
+                <a:hlinkClick r:id="rId3"/>
+              </a:rPr>
+              <a:t>https</a:t>
+            </a:r>
+            <a:r>
+              <a:rPr lang="en-US" sz="1300" dirty="0">
+                <a:latin typeface="Roboto"/>
+                <a:ea typeface="Roboto"/>
+                <a:cs typeface="Roboto"/>
+                <a:sym typeface="Roboto"/>
+                <a:hlinkClick r:id="rId3"/>
+              </a:rPr>
+              <a:t>://</a:t>
+            </a:r>
+            <a:r>
+              <a:rPr lang="en-US" sz="1300" dirty="0" smtClean="0">
+                <a:latin typeface="Roboto"/>
+                <a:ea typeface="Roboto"/>
+                <a:cs typeface="Roboto"/>
+                <a:sym typeface="Roboto"/>
+                <a:hlinkClick r:id="rId3"/>
+              </a:rPr>
+              <a:t>learn.microsoft.com/en-us/dotnet/csharp/linq/standard-query-operators/converting-data-types#methods</a:t>
+            </a:r>
+            <a:endParaRPr lang="en-US" sz="1300" dirty="0" smtClean="0">
+              <a:latin typeface="Roboto"/>
               <a:ea typeface="Roboto"/>
               <a:cs typeface="Roboto"/>
               <a:sym typeface="Roboto"/>
@@ -18435,51 +18405,10 @@
           </a:p>
         </p:txBody>
       </p:sp>
-      <p:pic>
-        <p:nvPicPr>
-          <p:cNvPr id="1030" name="Picture 6" descr="SQL - Inner Join"/>
-          <p:cNvPicPr>
-            <a:picLocks noChangeAspect="1" noChangeArrowheads="1"/>
-          </p:cNvPicPr>
-          <p:nvPr/>
-        </p:nvPicPr>
-        <p:blipFill>
-          <a:blip r:embed="rId3">
-            <a:extLst>
-              <a:ext uri="{28A0092B-C50C-407E-A947-70E740481C1C}">
-                <a14:useLocalDpi xmlns="" xmlns:a14="http://schemas.microsoft.com/office/drawing/2010/main" val="0"/>
-              </a:ext>
-            </a:extLst>
-          </a:blip>
-          <a:srcRect/>
-          <a:stretch>
-            <a:fillRect/>
-          </a:stretch>
-        </p:blipFill>
-        <p:spPr bwMode="auto">
-          <a:xfrm>
-            <a:off x="1765405" y="1888643"/>
-            <a:ext cx="5460789" cy="2773362"/>
-          </a:xfrm>
-          <a:prstGeom prst="rect">
-            <a:avLst/>
-          </a:prstGeom>
-          <a:noFill/>
-          <a:extLst>
-            <a:ext uri="{909E8E84-426E-40DD-AFC4-6F175D3DCCD1}">
-              <a14:hiddenFill xmlns="" xmlns:a14="http://schemas.microsoft.com/office/drawing/2010/main">
-                <a:solidFill>
-                  <a:srgbClr val="FFFFFF"/>
-                </a:solidFill>
-              </a14:hiddenFill>
-            </a:ext>
-          </a:extLst>
-        </p:spPr>
-      </p:pic>
     </p:spTree>
     <p:extLst>
       <p:ext uri="{BB962C8B-B14F-4D97-AF65-F5344CB8AC3E}">
-        <p14:creationId xmlns="" xmlns:p14="http://schemas.microsoft.com/office/powerpoint/2010/main" val="4207692567"/>
+        <p14:creationId xmlns:p14="http://schemas.microsoft.com/office/powerpoint/2010/main" xmlns="" val="2868777987"/>
       </p:ext>
     </p:extLst>
   </p:cSld>
@@ -18487,7 +18416,7 @@
     <a:masterClrMapping/>
   </p:clrMapOvr>
   <mc:AlternateContent xmlns:mc="http://schemas.openxmlformats.org/markup-compatibility/2006">
-    <mc:Choice xmlns="" xmlns:p14="http://schemas.microsoft.com/office/powerpoint/2010/main" Requires="p14">
+    <mc:Choice xmlns:p14="http://schemas.microsoft.com/office/powerpoint/2010/main" xmlns="" Requires="p14">
       <p:transition spd="slow" p14:dur="2000"/>
     </mc:Choice>
     <mc:Fallback>
@@ -18549,7 +18478,7 @@
             <a:pPr lvl="0"/>
             <a:r>
               <a:rPr lang="ru-RU" dirty="0" smtClean="0"/>
-              <a:t>Группировка данных</a:t>
+              <a:t>Операции соединения</a:t>
             </a:r>
             <a:endParaRPr dirty="0"/>
           </a:p>
@@ -18558,7 +18487,7 @@
     </p:spTree>
     <p:extLst>
       <p:ext uri="{BB962C8B-B14F-4D97-AF65-F5344CB8AC3E}">
-        <p14:creationId xmlns="" xmlns:p14="http://schemas.microsoft.com/office/powerpoint/2010/main" val="2230076095"/>
+        <p14:creationId xmlns:p14="http://schemas.microsoft.com/office/powerpoint/2010/main" xmlns="" val="1261440625"/>
       </p:ext>
     </p:extLst>
   </p:cSld>
@@ -18566,7 +18495,7 @@
     <a:masterClrMapping/>
   </p:clrMapOvr>
   <mc:AlternateContent xmlns:mc="http://schemas.openxmlformats.org/markup-compatibility/2006">
-    <mc:Choice xmlns="" xmlns:p14="http://schemas.microsoft.com/office/powerpoint/2010/main" Requires="p14">
+    <mc:Choice xmlns:p14="http://schemas.microsoft.com/office/powerpoint/2010/main" xmlns="" Requires="p14">
       <p:transition spd="slow" p14:dur="2000"/>
     </mc:Choice>
     <mc:Fallback>
@@ -18626,9 +18555,18 @@
           <a:lstStyle/>
           <a:p>
             <a:r>
-              <a:rPr lang="ru-RU" dirty="0"/>
-              <a:t>Группирование данных</a:t>
-            </a:r>
+              <a:rPr lang="ru-RU" dirty="0" smtClean="0"/>
+              <a:t>Операции соединения(</a:t>
+            </a:r>
+            <a:r>
+              <a:rPr lang="en-US" dirty="0" smtClean="0"/>
+              <a:t>Join</a:t>
+            </a:r>
+            <a:r>
+              <a:rPr lang="ru-RU" dirty="0" smtClean="0"/>
+              <a:t>)</a:t>
+            </a:r>
+            <a:endParaRPr lang="ru-RU" dirty="0"/>
           </a:p>
         </p:txBody>
       </p:sp>
@@ -18640,8 +18578,8 @@
         </p:nvSpPr>
         <p:spPr>
           <a:xfrm>
-            <a:off x="500550" y="1009925"/>
-            <a:ext cx="8190250" cy="1107452"/>
+            <a:off x="598600" y="1009925"/>
+            <a:ext cx="8092200" cy="3945922"/>
           </a:xfrm>
           <a:prstGeom prst="rect">
             <a:avLst/>
@@ -18666,62 +18604,559 @@
               </a:spcBef>
             </a:pPr>
             <a:r>
+              <a:rPr lang="ru-RU" i="1" dirty="0"/>
+              <a:t>Соединение</a:t>
+            </a:r>
+            <a:r>
+              <a:rPr lang="ru-RU" dirty="0"/>
+              <a:t> двух источников данных — это связь объектов в одном источнике данных с объектами, которые имеют общий атрибут в другом источнике данных</a:t>
+            </a:r>
+            <a:r>
               <a:rPr lang="ru-RU" dirty="0" smtClean="0"/>
-              <a:t>Группировка – это операция </a:t>
+              <a:t>.</a:t>
+            </a:r>
+          </a:p>
+          <a:p>
+            <a:pPr lvl="0">
+              <a:lnSpc>
+                <a:spcPct val="115000"/>
+              </a:lnSpc>
+              <a:spcBef>
+                <a:spcPts val="1400"/>
+              </a:spcBef>
+            </a:pPr>
+            <a:r>
+              <a:rPr lang="en-US" dirty="0" smtClean="0">
+                <a:hlinkClick r:id="rId3"/>
+              </a:rPr>
+              <a:t>Join</a:t>
+            </a:r>
+            <a:r>
+              <a:rPr lang="en-US" dirty="0" smtClean="0"/>
+              <a:t> – </a:t>
+            </a:r>
+            <a:r>
+              <a:rPr lang="ru-RU" dirty="0" smtClean="0"/>
+              <a:t>соединяет </a:t>
             </a:r>
             <a:r>
               <a:rPr lang="ru-RU" dirty="0"/>
-              <a:t>объединения данных в группы таким образом, чтобы у элементов в каждой группе был общий атрибут. На следующем рисунке показаны результаты операции группирования последовательности символов. Ключ для каждой группы — это символ.</a:t>
+              <a:t>две последовательности на основании функций селектора ключа и </a:t>
+            </a:r>
+            <a:r>
+              <a:rPr lang="ru-RU" dirty="0" smtClean="0"/>
+              <a:t>извлекает </a:t>
+            </a:r>
+            <a:r>
+              <a:rPr lang="ru-RU" dirty="0"/>
+              <a:t>пары </a:t>
+            </a:r>
+            <a:r>
+              <a:rPr lang="ru-RU" dirty="0" smtClean="0"/>
+              <a:t>значений. </a:t>
+            </a:r>
+            <a:r>
+              <a:rPr lang="ru-RU" dirty="0"/>
+              <a:t>В декларативном синтаксисе дополнительные </a:t>
+            </a:r>
+            <a:r>
+              <a:rPr lang="en-US" dirty="0" smtClean="0">
+                <a:solidFill>
+                  <a:schemeClr val="accent1">
+                    <a:lumMod val="75000"/>
+                  </a:schemeClr>
+                </a:solidFill>
+              </a:rPr>
+              <a:t>join </a:t>
+            </a:r>
+            <a:r>
+              <a:rPr lang="en-US" dirty="0"/>
+              <a:t>…</a:t>
+            </a:r>
+            <a:r>
+              <a:rPr lang="en-US" dirty="0" smtClean="0">
+                <a:solidFill>
+                  <a:schemeClr val="accent1">
+                    <a:lumMod val="75000"/>
+                  </a:schemeClr>
+                </a:solidFill>
+              </a:rPr>
+              <a:t> in </a:t>
+            </a:r>
+            <a:r>
+              <a:rPr lang="en-US" dirty="0"/>
+              <a:t>…</a:t>
+            </a:r>
+            <a:r>
+              <a:rPr lang="en-US" dirty="0" smtClean="0">
+                <a:solidFill>
+                  <a:schemeClr val="accent1">
+                    <a:lumMod val="75000"/>
+                  </a:schemeClr>
+                </a:solidFill>
+              </a:rPr>
+              <a:t> on </a:t>
+            </a:r>
+            <a:r>
+              <a:rPr lang="en-US" dirty="0"/>
+              <a:t>… </a:t>
+            </a:r>
+            <a:r>
+              <a:rPr lang="en-US" dirty="0" smtClean="0">
+                <a:solidFill>
+                  <a:schemeClr val="accent1">
+                    <a:lumMod val="75000"/>
+                  </a:schemeClr>
+                </a:solidFill>
+              </a:rPr>
+              <a:t>equals</a:t>
+            </a:r>
+            <a:r>
+              <a:rPr lang="en-US" dirty="0" smtClean="0"/>
+              <a:t>.</a:t>
             </a:r>
             <a:endParaRPr lang="ru-RU" dirty="0" smtClean="0"/>
+          </a:p>
+          <a:p>
+            <a:pPr lvl="0">
+              <a:lnSpc>
+                <a:spcPct val="115000"/>
+              </a:lnSpc>
+              <a:spcBef>
+                <a:spcPts val="1400"/>
+              </a:spcBef>
+            </a:pPr>
+            <a:r>
+              <a:rPr lang="en-US" dirty="0" err="1" smtClean="0">
+                <a:hlinkClick r:id="rId4"/>
+              </a:rPr>
+              <a:t>GroupJoin</a:t>
+            </a:r>
+            <a:r>
+              <a:rPr lang="ru-RU" dirty="0" smtClean="0"/>
+              <a:t> – соединяет две </a:t>
+            </a:r>
+            <a:r>
+              <a:rPr lang="ru-RU" dirty="0"/>
+              <a:t>последовательности на основании функций селектора ключа и группирует полученные при сопоставлении данные для каждого элемента</a:t>
+            </a:r>
+            <a:r>
+              <a:rPr lang="ru-RU" dirty="0" smtClean="0"/>
+              <a:t>.</a:t>
+            </a:r>
+            <a:r>
+              <a:rPr lang="en-US" dirty="0" smtClean="0"/>
+              <a:t> </a:t>
+            </a:r>
+            <a:r>
+              <a:rPr lang="ru-RU" dirty="0"/>
+              <a:t>В декларативном синтаксисе дополнительные </a:t>
+            </a:r>
+            <a:r>
+              <a:rPr lang="en-US" dirty="0">
+                <a:solidFill>
+                  <a:schemeClr val="accent1">
+                    <a:lumMod val="75000"/>
+                  </a:schemeClr>
+                </a:solidFill>
+              </a:rPr>
+              <a:t>join </a:t>
+            </a:r>
+            <a:r>
+              <a:rPr lang="en-US" dirty="0"/>
+              <a:t>…</a:t>
+            </a:r>
+            <a:r>
+              <a:rPr lang="en-US" dirty="0">
+                <a:solidFill>
+                  <a:schemeClr val="accent1">
+                    <a:lumMod val="75000"/>
+                  </a:schemeClr>
+                </a:solidFill>
+              </a:rPr>
+              <a:t> in </a:t>
+            </a:r>
+            <a:r>
+              <a:rPr lang="en-US" dirty="0"/>
+              <a:t>…</a:t>
+            </a:r>
+            <a:r>
+              <a:rPr lang="en-US" dirty="0">
+                <a:solidFill>
+                  <a:schemeClr val="accent1">
+                    <a:lumMod val="75000"/>
+                  </a:schemeClr>
+                </a:solidFill>
+              </a:rPr>
+              <a:t> on </a:t>
+            </a:r>
+            <a:r>
+              <a:rPr lang="en-US" dirty="0"/>
+              <a:t>… </a:t>
+            </a:r>
+            <a:r>
+              <a:rPr lang="en-US" dirty="0" smtClean="0">
+                <a:solidFill>
+                  <a:schemeClr val="accent1">
+                    <a:lumMod val="75000"/>
+                  </a:schemeClr>
+                </a:solidFill>
+              </a:rPr>
+              <a:t>equals </a:t>
+            </a:r>
+            <a:r>
+              <a:rPr lang="en-US" dirty="0" smtClean="0"/>
+              <a:t>… </a:t>
+            </a:r>
+            <a:r>
+              <a:rPr lang="en-US" dirty="0" smtClean="0">
+                <a:solidFill>
+                  <a:schemeClr val="accent1">
+                    <a:lumMod val="75000"/>
+                  </a:schemeClr>
+                </a:solidFill>
+              </a:rPr>
+              <a:t>into </a:t>
+            </a:r>
+            <a:r>
+              <a:rPr lang="en-US" dirty="0" smtClean="0"/>
+              <a:t>… .</a:t>
+            </a:r>
+          </a:p>
+          <a:p>
+            <a:pPr lvl="0">
+              <a:lnSpc>
+                <a:spcPct val="115000"/>
+              </a:lnSpc>
+              <a:spcBef>
+                <a:spcPts val="1400"/>
+              </a:spcBef>
+            </a:pPr>
+            <a:r>
+              <a:rPr lang="ru-RU" sz="1300" dirty="0" smtClean="0">
+                <a:latin typeface="Roboto"/>
+                <a:ea typeface="Roboto"/>
+                <a:cs typeface="Roboto"/>
+                <a:sym typeface="Roboto"/>
+              </a:rPr>
+              <a:t>Пример декларативного синтаксиса:</a:t>
+            </a:r>
+          </a:p>
+          <a:p>
+            <a:pPr lvl="3" eaLnBrk="0" fontAlgn="base" hangingPunct="0">
+              <a:spcBef>
+                <a:spcPct val="0"/>
+              </a:spcBef>
+              <a:spcAft>
+                <a:spcPct val="0"/>
+              </a:spcAft>
+              <a:buClrTx/>
+            </a:pPr>
+            <a:r>
+              <a:rPr lang="en-US" altLang="ru-RU" dirty="0" smtClean="0">
+                <a:solidFill>
+                  <a:schemeClr val="accent1">
+                    <a:lumMod val="75000"/>
+                  </a:schemeClr>
+                </a:solidFill>
+                <a:latin typeface="var(--code-font-family)"/>
+              </a:rPr>
+              <a:t>	</a:t>
+            </a:r>
+            <a:r>
+              <a:rPr lang="ru-RU" altLang="ru-RU" dirty="0" err="1" smtClean="0">
+                <a:solidFill>
+                  <a:schemeClr val="accent1">
+                    <a:lumMod val="75000"/>
+                  </a:schemeClr>
+                </a:solidFill>
+                <a:latin typeface="var(--code-font-family)"/>
+              </a:rPr>
+              <a:t>from</a:t>
+            </a:r>
+            <a:r>
+              <a:rPr lang="ru-RU" altLang="ru-RU" dirty="0" smtClean="0">
+                <a:latin typeface="var(--code-font-family)"/>
+              </a:rPr>
+              <a:t> </a:t>
+            </a:r>
+            <a:r>
+              <a:rPr lang="en-US" altLang="ru-RU" dirty="0" smtClean="0">
+                <a:latin typeface="var(--code-font-family)"/>
+              </a:rPr>
+              <a:t>x</a:t>
+            </a:r>
+            <a:r>
+              <a:rPr lang="ru-RU" altLang="ru-RU" dirty="0" smtClean="0">
+                <a:latin typeface="var(--code-font-family)"/>
+              </a:rPr>
+              <a:t> </a:t>
+            </a:r>
+            <a:r>
+              <a:rPr lang="ru-RU" altLang="ru-RU" dirty="0" err="1">
+                <a:solidFill>
+                  <a:schemeClr val="accent1">
+                    <a:lumMod val="75000"/>
+                  </a:schemeClr>
+                </a:solidFill>
+                <a:latin typeface="var(--code-font-family)"/>
+              </a:rPr>
+              <a:t>in</a:t>
+            </a:r>
+            <a:r>
+              <a:rPr lang="ru-RU" altLang="ru-RU" dirty="0">
+                <a:latin typeface="SFMono-Regular"/>
+              </a:rPr>
+              <a:t> </a:t>
+            </a:r>
+            <a:r>
+              <a:rPr lang="en-US" altLang="ru-RU" dirty="0" smtClean="0">
+                <a:latin typeface="SFMono-Regular"/>
+              </a:rPr>
+              <a:t>set1</a:t>
+            </a:r>
+            <a:endParaRPr lang="ru-RU" altLang="ru-RU" sz="800" dirty="0">
+              <a:solidFill>
+                <a:schemeClr val="tx1"/>
+              </a:solidFill>
+            </a:endParaRPr>
+          </a:p>
+          <a:p>
+            <a:pPr lvl="3" eaLnBrk="0" fontAlgn="base" hangingPunct="0">
+              <a:spcBef>
+                <a:spcPct val="0"/>
+              </a:spcBef>
+              <a:spcAft>
+                <a:spcPct val="0"/>
+              </a:spcAft>
+              <a:buClrTx/>
+            </a:pPr>
+            <a:r>
+              <a:rPr lang="en-US" altLang="ru-RU" dirty="0" smtClean="0">
+                <a:solidFill>
+                  <a:schemeClr val="accent1">
+                    <a:lumMod val="75000"/>
+                  </a:schemeClr>
+                </a:solidFill>
+                <a:latin typeface="var(--code-font-family)"/>
+              </a:rPr>
+              <a:t>	</a:t>
+            </a:r>
+            <a:r>
+              <a:rPr lang="ru-RU" altLang="ru-RU" dirty="0" err="1" smtClean="0">
+                <a:solidFill>
+                  <a:schemeClr val="accent1">
+                    <a:lumMod val="75000"/>
+                  </a:schemeClr>
+                </a:solidFill>
+                <a:latin typeface="var(--code-font-family)"/>
+              </a:rPr>
+              <a:t>join</a:t>
+            </a:r>
+            <a:r>
+              <a:rPr lang="ru-RU" altLang="ru-RU" dirty="0" smtClean="0">
+                <a:latin typeface="var(--code-font-family)"/>
+              </a:rPr>
+              <a:t> </a:t>
+            </a:r>
+            <a:r>
+              <a:rPr lang="en-US" altLang="ru-RU" dirty="0">
+                <a:latin typeface="var(--code-font-family)"/>
+              </a:rPr>
+              <a:t>y</a:t>
+            </a:r>
+            <a:r>
+              <a:rPr lang="ru-RU" altLang="ru-RU" dirty="0" smtClean="0">
+                <a:latin typeface="var(--code-font-family)"/>
+              </a:rPr>
+              <a:t> </a:t>
+            </a:r>
+            <a:r>
+              <a:rPr lang="ru-RU" altLang="ru-RU" dirty="0" err="1">
+                <a:solidFill>
+                  <a:schemeClr val="accent1">
+                    <a:lumMod val="75000"/>
+                  </a:schemeClr>
+                </a:solidFill>
+                <a:latin typeface="var(--code-font-family)"/>
+              </a:rPr>
+              <a:t>in</a:t>
+            </a:r>
+            <a:r>
+              <a:rPr lang="ru-RU" altLang="ru-RU" dirty="0">
+                <a:latin typeface="SFMono-Regular"/>
+              </a:rPr>
+              <a:t> </a:t>
+            </a:r>
+            <a:r>
+              <a:rPr lang="en-US" altLang="ru-RU" dirty="0" smtClean="0">
+                <a:latin typeface="SFMono-Regular"/>
+              </a:rPr>
+              <a:t>set2</a:t>
+            </a:r>
+            <a:r>
+              <a:rPr lang="ru-RU" altLang="ru-RU" dirty="0" smtClean="0">
+                <a:latin typeface="var(--code-font-family)"/>
+              </a:rPr>
+              <a:t> </a:t>
+            </a:r>
+            <a:r>
+              <a:rPr lang="ru-RU" altLang="ru-RU" dirty="0" err="1">
+                <a:solidFill>
+                  <a:schemeClr val="accent1">
+                    <a:lumMod val="75000"/>
+                  </a:schemeClr>
+                </a:solidFill>
+                <a:latin typeface="var(--code-font-family)"/>
+              </a:rPr>
+              <a:t>on</a:t>
+            </a:r>
+            <a:r>
+              <a:rPr lang="ru-RU" altLang="ru-RU" dirty="0">
+                <a:latin typeface="var(--code-font-family)"/>
+              </a:rPr>
+              <a:t> </a:t>
+            </a:r>
+            <a:r>
+              <a:rPr lang="en-US" altLang="ru-RU" dirty="0">
+                <a:latin typeface="var(--code-font-family)"/>
+              </a:rPr>
+              <a:t>y</a:t>
+            </a:r>
+            <a:r>
+              <a:rPr lang="ru-RU" altLang="ru-RU" dirty="0" smtClean="0">
+                <a:latin typeface="var(--code-font-family)"/>
+              </a:rPr>
+              <a:t>.</a:t>
+            </a:r>
+            <a:r>
+              <a:rPr lang="en-US" altLang="ru-RU" dirty="0" smtClean="0">
+                <a:latin typeface="var(--code-font-family)"/>
+              </a:rPr>
+              <a:t>Prop</a:t>
+            </a:r>
+            <a:r>
+              <a:rPr lang="ru-RU" altLang="ru-RU" dirty="0" smtClean="0">
+                <a:latin typeface="var(--code-font-family)"/>
+              </a:rPr>
+              <a:t>2 </a:t>
+            </a:r>
+            <a:r>
+              <a:rPr lang="ru-RU" altLang="ru-RU" dirty="0" err="1">
+                <a:solidFill>
+                  <a:schemeClr val="accent1">
+                    <a:lumMod val="75000"/>
+                  </a:schemeClr>
+                </a:solidFill>
+                <a:latin typeface="var(--code-font-family)"/>
+              </a:rPr>
+              <a:t>equals</a:t>
+            </a:r>
+            <a:r>
+              <a:rPr lang="ru-RU" altLang="ru-RU" dirty="0">
+                <a:latin typeface="var(--code-font-family)"/>
+              </a:rPr>
+              <a:t> </a:t>
+            </a:r>
+            <a:r>
+              <a:rPr lang="en-US" altLang="ru-RU" dirty="0" smtClean="0">
+                <a:latin typeface="var(--code-font-family)"/>
+              </a:rPr>
+              <a:t>x</a:t>
+            </a:r>
+            <a:r>
+              <a:rPr lang="ru-RU" altLang="ru-RU" dirty="0" smtClean="0">
+                <a:latin typeface="var(--code-font-family)"/>
+              </a:rPr>
+              <a:t>.</a:t>
+            </a:r>
+            <a:r>
+              <a:rPr lang="en-US" altLang="ru-RU" dirty="0" smtClean="0">
+                <a:latin typeface="var(--code-font-family)"/>
+              </a:rPr>
+              <a:t>Prop</a:t>
+            </a:r>
+            <a:r>
+              <a:rPr lang="ru-RU" altLang="ru-RU" dirty="0" smtClean="0">
+                <a:latin typeface="var(--code-font-family)"/>
+              </a:rPr>
+              <a:t>1</a:t>
+            </a:r>
+            <a:endParaRPr lang="en-US" altLang="ru-RU" dirty="0" smtClean="0">
+              <a:latin typeface="var(--code-font-family)"/>
+            </a:endParaRPr>
+          </a:p>
+          <a:p>
+            <a:pPr lvl="3" eaLnBrk="0" fontAlgn="base" hangingPunct="0">
+              <a:spcBef>
+                <a:spcPct val="0"/>
+              </a:spcBef>
+              <a:spcAft>
+                <a:spcPct val="0"/>
+              </a:spcAft>
+              <a:buClrTx/>
+            </a:pPr>
+            <a:r>
+              <a:rPr lang="ru-RU" sz="1300" dirty="0" smtClean="0">
+                <a:latin typeface="var(--code-font-family)"/>
+                <a:ea typeface="Roboto"/>
+                <a:cs typeface="Roboto"/>
+                <a:sym typeface="Roboto"/>
+              </a:rPr>
+              <a:t>где, свойства </a:t>
+            </a:r>
+            <a:r>
+              <a:rPr lang="en-US" sz="1300" dirty="0" smtClean="0">
+                <a:latin typeface="var(--code-font-family)"/>
+                <a:ea typeface="Roboto"/>
+                <a:cs typeface="Roboto"/>
+                <a:sym typeface="Roboto"/>
+              </a:rPr>
+              <a:t>y.Prop2 </a:t>
+            </a:r>
+            <a:r>
+              <a:rPr lang="ru-RU" sz="1300" dirty="0" smtClean="0">
+                <a:latin typeface="var(--code-font-family)"/>
+                <a:ea typeface="Roboto"/>
+                <a:cs typeface="Roboto"/>
+                <a:sym typeface="Roboto"/>
+              </a:rPr>
+              <a:t>и </a:t>
+            </a:r>
+            <a:r>
+              <a:rPr lang="en-US" sz="1300" dirty="0" smtClean="0">
+                <a:latin typeface="var(--code-font-family)"/>
+                <a:ea typeface="Roboto"/>
+                <a:cs typeface="Roboto"/>
+                <a:sym typeface="Roboto"/>
+              </a:rPr>
+              <a:t>x.Prop1</a:t>
+            </a:r>
+            <a:r>
+              <a:rPr lang="ru-RU" sz="1300" dirty="0">
+                <a:latin typeface="var(--code-font-family)"/>
+                <a:ea typeface="Roboto"/>
+                <a:cs typeface="Roboto"/>
+                <a:sym typeface="Roboto"/>
+              </a:rPr>
+              <a:t> </a:t>
+            </a:r>
+            <a:r>
+              <a:rPr lang="ru-RU" sz="1300" dirty="0" smtClean="0">
+                <a:latin typeface="var(--code-font-family)"/>
+                <a:ea typeface="Roboto"/>
+                <a:cs typeface="Roboto"/>
+                <a:sym typeface="Roboto"/>
+              </a:rPr>
+              <a:t>являются одной и той же сущностью, скажем идентификатором группы студента.</a:t>
+            </a:r>
           </a:p>
         </p:txBody>
       </p:sp>
-      <p:pic>
-        <p:nvPicPr>
-          <p:cNvPr id="2054" name="Picture 6" descr="Схема, показывающая операцию группировки LINQ"/>
-          <p:cNvPicPr>
-            <a:picLocks noChangeAspect="1" noChangeArrowheads="1"/>
-          </p:cNvPicPr>
-          <p:nvPr/>
-        </p:nvPicPr>
-        <p:blipFill>
-          <a:blip r:embed="rId3">
-            <a:extLst>
-              <a:ext uri="{28A0092B-C50C-407E-A947-70E740481C1C}">
-                <a14:useLocalDpi xmlns="" xmlns:a14="http://schemas.microsoft.com/office/drawing/2010/main" val="0"/>
-              </a:ext>
-            </a:extLst>
-          </a:blip>
-          <a:srcRect/>
-          <a:stretch>
-            <a:fillRect/>
-          </a:stretch>
-        </p:blipFill>
-        <p:spPr bwMode="auto">
-          <a:xfrm>
-            <a:off x="2845767" y="2572726"/>
-            <a:ext cx="2924175" cy="1828800"/>
-          </a:xfrm>
-          <a:prstGeom prst="rect">
-            <a:avLst/>
-          </a:prstGeom>
-          <a:noFill/>
-          <a:extLst>
-            <a:ext uri="{909E8E84-426E-40DD-AFC4-6F175D3DCCD1}">
-              <a14:hiddenFill xmlns="" xmlns:a14="http://schemas.microsoft.com/office/drawing/2010/main">
-                <a:solidFill>
-                  <a:srgbClr val="FFFFFF"/>
-                </a:solidFill>
-              </a14:hiddenFill>
-            </a:ext>
-          </a:extLst>
-        </p:spPr>
-      </p:pic>
     </p:spTree>
     <p:extLst>
       <p:ext uri="{BB962C8B-B14F-4D97-AF65-F5344CB8AC3E}">
-        <p14:creationId xmlns="" xmlns:p14="http://schemas.microsoft.com/office/powerpoint/2010/main" val="3775352260"/>
+        <p14:creationId xmlns:p14="http://schemas.microsoft.com/office/powerpoint/2010/main" xmlns="" val="3965022812"/>
       </p:ext>
     </p:extLst>
   </p:cSld>
@@ -18729,7 +19164,7 @@
     <a:masterClrMapping/>
   </p:clrMapOvr>
   <mc:AlternateContent xmlns:mc="http://schemas.openxmlformats.org/markup-compatibility/2006">
-    <mc:Choice xmlns="" xmlns:p14="http://schemas.microsoft.com/office/powerpoint/2010/main" Requires="p14">
+    <mc:Choice xmlns:p14="http://schemas.microsoft.com/office/powerpoint/2010/main" xmlns="" Requires="p14">
       <p:transition spd="slow" p14:dur="2000"/>
     </mc:Choice>
     <mc:Fallback>
@@ -18789,9 +19224,18 @@
           <a:lstStyle/>
           <a:p>
             <a:r>
-              <a:rPr lang="ru-RU" dirty="0"/>
-              <a:t>Группирование данных</a:t>
-            </a:r>
+              <a:rPr lang="ru-RU" dirty="0" smtClean="0"/>
+              <a:t>Операции соединения(</a:t>
+            </a:r>
+            <a:r>
+              <a:rPr lang="en-US" dirty="0" smtClean="0"/>
+              <a:t>Join</a:t>
+            </a:r>
+            <a:r>
+              <a:rPr lang="ru-RU" dirty="0" smtClean="0"/>
+              <a:t>)</a:t>
+            </a:r>
+            <a:endParaRPr lang="ru-RU" dirty="0"/>
           </a:p>
         </p:txBody>
       </p:sp>
@@ -18803,8 +19247,8 @@
         </p:nvSpPr>
         <p:spPr>
           <a:xfrm>
-            <a:off x="500550" y="1009925"/>
-            <a:ext cx="8190250" cy="611932"/>
+            <a:off x="598600" y="1009925"/>
+            <a:ext cx="8233974" cy="611932"/>
           </a:xfrm>
           <a:prstGeom prst="rect">
             <a:avLst/>
@@ -18828,50 +19272,35 @@
                 <a:spcPts val="1400"/>
               </a:spcBef>
             </a:pPr>
-            <a:endParaRPr lang="ru-RU" dirty="0" smtClean="0"/>
-          </a:p>
-        </p:txBody>
-      </p:sp>
-      <p:sp>
-        <p:nvSpPr>
-          <p:cNvPr id="95240" name="AutoShape 8" descr="https://miro.medium.com/v2/resize:fit:845/1*ZeLUpu-k3yK7tZ-QzPp3eA.png"/>
-          <p:cNvSpPr>
-            <a:spLocks noChangeAspect="1" noChangeArrowheads="1"/>
-          </p:cNvSpPr>
-          <p:nvPr/>
-        </p:nvSpPr>
-        <p:spPr bwMode="auto">
-          <a:xfrm>
-            <a:off x="155575" y="-144463"/>
-            <a:ext cx="304800" cy="304801"/>
-          </a:xfrm>
-          <a:prstGeom prst="rect">
-            <a:avLst/>
-          </a:prstGeom>
-          <a:noFill/>
-        </p:spPr>
-        <p:txBody>
-          <a:bodyPr vert="horz" wrap="square" lIns="91440" tIns="45720" rIns="91440" bIns="45720" numCol="1" anchor="t" anchorCtr="0" compatLnSpc="1">
-            <a:prstTxWarp prst="textNoShape">
-              <a:avLst/>
-            </a:prstTxWarp>
-          </a:bodyPr>
-          <a:lstStyle/>
-          <a:p>
-            <a:endParaRPr lang="ru-RU"/>
+            <a:r>
+              <a:rPr lang="ru-RU" dirty="0" smtClean="0"/>
+              <a:t>Пример:</a:t>
+            </a:r>
+            <a:endParaRPr lang="ru-RU" sz="1300" dirty="0" smtClean="0">
+              <a:latin typeface="var(--code-font-family)"/>
+              <a:ea typeface="Roboto"/>
+              <a:cs typeface="Roboto"/>
+              <a:sym typeface="Roboto"/>
+            </a:endParaRPr>
           </a:p>
         </p:txBody>
       </p:sp>
       <p:pic>
         <p:nvPicPr>
-          <p:cNvPr id="95245" name="Picture 13"/>
+          <p:cNvPr id="1030" name="Picture 6" descr="SQL - Inner Join"/>
           <p:cNvPicPr>
             <a:picLocks noChangeAspect="1" noChangeArrowheads="1"/>
           </p:cNvPicPr>
           <p:nvPr/>
         </p:nvPicPr>
         <p:blipFill>
-          <a:blip r:embed="rId3"/>
+          <a:blip r:embed="rId3">
+            <a:extLst>
+              <a:ext uri="{28A0092B-C50C-407E-A947-70E740481C1C}">
+                <a14:useLocalDpi xmlns:a14="http://schemas.microsoft.com/office/drawing/2010/main" xmlns="" val="0"/>
+              </a:ext>
+            </a:extLst>
+          </a:blip>
           <a:srcRect/>
           <a:stretch>
             <a:fillRect/>
@@ -18879,26 +19308,28 @@
         </p:blipFill>
         <p:spPr bwMode="auto">
           <a:xfrm>
-            <a:off x="2034209" y="1185316"/>
-            <a:ext cx="5208105" cy="3467927"/>
+            <a:off x="1765405" y="1888643"/>
+            <a:ext cx="5460789" cy="2773362"/>
           </a:xfrm>
           <a:prstGeom prst="rect">
             <a:avLst/>
           </a:prstGeom>
           <a:noFill/>
-          <a:ln w="9525">
-            <a:noFill/>
-            <a:miter lim="800000"/>
-            <a:headEnd/>
-            <a:tailEnd/>
-          </a:ln>
-          <a:effectLst/>
+          <a:extLst>
+            <a:ext uri="{909E8E84-426E-40DD-AFC4-6F175D3DCCD1}">
+              <a14:hiddenFill xmlns:a14="http://schemas.microsoft.com/office/drawing/2010/main" xmlns="">
+                <a:solidFill>
+                  <a:srgbClr val="FFFFFF"/>
+                </a:solidFill>
+              </a14:hiddenFill>
+            </a:ext>
+          </a:extLst>
         </p:spPr>
       </p:pic>
     </p:spTree>
     <p:extLst>
       <p:ext uri="{BB962C8B-B14F-4D97-AF65-F5344CB8AC3E}">
-        <p14:creationId xmlns="" xmlns:p14="http://schemas.microsoft.com/office/powerpoint/2010/main" val="3775352260"/>
+        <p14:creationId xmlns:p14="http://schemas.microsoft.com/office/powerpoint/2010/main" xmlns="" val="4207692567"/>
       </p:ext>
     </p:extLst>
   </p:cSld>
@@ -18906,7 +19337,7 @@
     <a:masterClrMapping/>
   </p:clrMapOvr>
   <mc:AlternateContent xmlns:mc="http://schemas.openxmlformats.org/markup-compatibility/2006">
-    <mc:Choice xmlns="" xmlns:p14="http://schemas.microsoft.com/office/powerpoint/2010/main" Requires="p14">
+    <mc:Choice xmlns:p14="http://schemas.microsoft.com/office/powerpoint/2010/main" xmlns="" Requires="p14">
       <p:transition spd="slow" p14:dur="2000"/>
     </mc:Choice>
     <mc:Fallback>
@@ -18924,6 +19355,85 @@
 </file>
 
 <file path=ppt/slides/slide37.xml><?xml version="1.0" encoding="utf-8"?>
+<p:sld xmlns:a="http://schemas.openxmlformats.org/drawingml/2006/main" xmlns:r="http://schemas.openxmlformats.org/officeDocument/2006/relationships" xmlns:p="http://schemas.openxmlformats.org/presentationml/2006/main">
+  <p:cSld>
+    <p:spTree>
+      <p:nvGrpSpPr>
+        <p:cNvPr id="1" name="Shape 425"/>
+        <p:cNvGrpSpPr/>
+        <p:nvPr/>
+      </p:nvGrpSpPr>
+      <p:grpSpPr>
+        <a:xfrm>
+          <a:off x="0" y="0"/>
+          <a:ext cx="0" cy="0"/>
+          <a:chOff x="0" y="0"/>
+          <a:chExt cx="0" cy="0"/>
+        </a:xfrm>
+      </p:grpSpPr>
+      <p:sp>
+        <p:nvSpPr>
+          <p:cNvPr id="426" name="Google Shape;426;p72"/>
+          <p:cNvSpPr txBox="1">
+            <a:spLocks noGrp="1"/>
+          </p:cNvSpPr>
+          <p:nvPr>
+            <p:ph type="title"/>
+          </p:nvPr>
+        </p:nvSpPr>
+        <p:spPr>
+          <a:xfrm>
+            <a:off x="956225" y="396400"/>
+            <a:ext cx="6931800" cy="4090800"/>
+          </a:xfrm>
+          <a:prstGeom prst="rect">
+            <a:avLst/>
+          </a:prstGeom>
+        </p:spPr>
+        <p:txBody>
+          <a:bodyPr spcFirstLastPara="1" wrap="square" lIns="91425" tIns="91425" rIns="91425" bIns="91425" anchor="ctr" anchorCtr="0">
+            <a:noAutofit/>
+          </a:bodyPr>
+          <a:lstStyle/>
+          <a:p>
+            <a:pPr lvl="0"/>
+            <a:r>
+              <a:rPr lang="ru-RU" dirty="0" smtClean="0"/>
+              <a:t>Группировка данных</a:t>
+            </a:r>
+            <a:endParaRPr dirty="0"/>
+          </a:p>
+        </p:txBody>
+      </p:sp>
+    </p:spTree>
+    <p:extLst>
+      <p:ext uri="{BB962C8B-B14F-4D97-AF65-F5344CB8AC3E}">
+        <p14:creationId xmlns:p14="http://schemas.microsoft.com/office/powerpoint/2010/main" xmlns="" val="2230076095"/>
+      </p:ext>
+    </p:extLst>
+  </p:cSld>
+  <p:clrMapOvr>
+    <a:masterClrMapping/>
+  </p:clrMapOvr>
+  <mc:AlternateContent xmlns:mc="http://schemas.openxmlformats.org/markup-compatibility/2006">
+    <mc:Choice xmlns:p14="http://schemas.microsoft.com/office/powerpoint/2010/main" xmlns="" Requires="p14">
+      <p:transition spd="slow" p14:dur="2000"/>
+    </mc:Choice>
+    <mc:Fallback>
+      <p:transition spd="slow"/>
+    </mc:Fallback>
+  </mc:AlternateContent>
+  <p:timing>
+    <p:tnLst>
+      <p:par>
+        <p:cTn id="1" dur="indefinite" restart="never" nodeType="tmRoot"/>
+      </p:par>
+    </p:tnLst>
+  </p:timing>
+</p:sld>
+</file>
+
+<file path=ppt/slides/slide38.xml><?xml version="1.0" encoding="utf-8"?>
 <p:sld xmlns:a="http://schemas.openxmlformats.org/drawingml/2006/main" xmlns:r="http://schemas.openxmlformats.org/officeDocument/2006/relationships" xmlns:p="http://schemas.openxmlformats.org/presentationml/2006/main">
   <p:cSld>
     <p:spTree>
@@ -18981,7 +19491,7 @@
         <p:spPr>
           <a:xfrm>
             <a:off x="500550" y="1009925"/>
-            <a:ext cx="8190250" cy="1782509"/>
+            <a:ext cx="8190250" cy="1107452"/>
           </a:xfrm>
           <a:prstGeom prst="rect">
             <a:avLst/>
@@ -18997,179 +19507,6 @@
           </a:bodyPr>
           <a:lstStyle/>
           <a:p>
-            <a:pPr>
-              <a:lnSpc>
-                <a:spcPct val="115000"/>
-              </a:lnSpc>
-              <a:spcBef>
-                <a:spcPts val="1400"/>
-              </a:spcBef>
-            </a:pPr>
-            <a:r>
-              <a:rPr lang="en-US" dirty="0" err="1" smtClean="0">
-                <a:hlinkClick r:id="rId3"/>
-              </a:rPr>
-              <a:t>GroupBy</a:t>
-            </a:r>
-            <a:r>
-              <a:rPr lang="ru-RU" dirty="0" smtClean="0"/>
-              <a:t> – группирует </a:t>
-            </a:r>
-            <a:r>
-              <a:rPr lang="ru-RU" dirty="0"/>
-              <a:t>элементы с общим атрибутом. Объект </a:t>
-            </a:r>
-            <a:r>
-              <a:rPr lang="ru-RU" dirty="0" smtClean="0"/>
-              <a:t>представляет каждую</a:t>
-            </a:r>
-            <a:r>
-              <a:rPr lang="ru-RU" dirty="0"/>
-              <a:t> </a:t>
-            </a:r>
-            <a:r>
-              <a:rPr lang="ru-RU" u="sng" dirty="0" err="1" smtClean="0">
-                <a:hlinkClick r:id="rId4"/>
-              </a:rPr>
-              <a:t>IGrouping</a:t>
-            </a:r>
-            <a:r>
-              <a:rPr lang="ru-RU" u="sng" dirty="0" smtClean="0">
-                <a:hlinkClick r:id="rId4"/>
-              </a:rPr>
-              <a:t>&lt;</a:t>
-            </a:r>
-            <a:r>
-              <a:rPr lang="ru-RU" u="sng" dirty="0" err="1" smtClean="0">
-                <a:hlinkClick r:id="rId4"/>
-              </a:rPr>
-              <a:t>TKey,TElement</a:t>
-            </a:r>
-            <a:r>
-              <a:rPr lang="ru-RU" u="sng" dirty="0">
-                <a:hlinkClick r:id="rId4"/>
-              </a:rPr>
-              <a:t>&gt;</a:t>
-            </a:r>
-            <a:r>
-              <a:rPr lang="ru-RU" dirty="0"/>
-              <a:t> группу</a:t>
-            </a:r>
-            <a:r>
-              <a:rPr lang="ru-RU" dirty="0" smtClean="0"/>
-              <a:t>. В декларативном синтаксисе</a:t>
-            </a:r>
-            <a:r>
-              <a:rPr lang="en-US" dirty="0" smtClean="0"/>
-              <a:t> </a:t>
-            </a:r>
-            <a:r>
-              <a:rPr lang="en-US" dirty="0">
-                <a:solidFill>
-                  <a:schemeClr val="accent1">
-                    <a:lumMod val="75000"/>
-                  </a:schemeClr>
-                </a:solidFill>
-              </a:rPr>
-              <a:t>group </a:t>
-            </a:r>
-            <a:r>
-              <a:rPr lang="en-US" dirty="0"/>
-              <a:t>…</a:t>
-            </a:r>
-            <a:r>
-              <a:rPr lang="en-US" dirty="0">
-                <a:solidFill>
-                  <a:schemeClr val="accent1">
-                    <a:lumMod val="75000"/>
-                  </a:schemeClr>
-                </a:solidFill>
-              </a:rPr>
-              <a:t> </a:t>
-            </a:r>
-            <a:r>
-              <a:rPr lang="en-US" dirty="0" smtClean="0">
-                <a:solidFill>
-                  <a:schemeClr val="accent1">
-                    <a:lumMod val="75000"/>
-                  </a:schemeClr>
-                </a:solidFill>
-              </a:rPr>
-              <a:t>by </a:t>
-            </a:r>
-            <a:r>
-              <a:rPr lang="ru-RU" dirty="0" smtClean="0">
-                <a:solidFill>
-                  <a:schemeClr val="tx1"/>
-                </a:solidFill>
-              </a:rPr>
-              <a:t>или</a:t>
-            </a:r>
-            <a:r>
-              <a:rPr lang="ru-RU" dirty="0" smtClean="0"/>
-              <a:t> </a:t>
-            </a:r>
-            <a:r>
-              <a:rPr lang="en-US" dirty="0" smtClean="0">
-                <a:solidFill>
-                  <a:schemeClr val="accent1">
-                    <a:lumMod val="75000"/>
-                  </a:schemeClr>
-                </a:solidFill>
-              </a:rPr>
-              <a:t>group </a:t>
-            </a:r>
-            <a:r>
-              <a:rPr lang="en-US" dirty="0"/>
-              <a:t>…</a:t>
-            </a:r>
-            <a:r>
-              <a:rPr lang="en-US" dirty="0">
-                <a:solidFill>
-                  <a:schemeClr val="accent1">
-                    <a:lumMod val="75000"/>
-                  </a:schemeClr>
-                </a:solidFill>
-              </a:rPr>
-              <a:t> </a:t>
-            </a:r>
-            <a:r>
-              <a:rPr lang="en-US" dirty="0" smtClean="0">
-                <a:solidFill>
-                  <a:schemeClr val="accent1">
-                    <a:lumMod val="75000"/>
-                  </a:schemeClr>
-                </a:solidFill>
-              </a:rPr>
-              <a:t>by </a:t>
-            </a:r>
-            <a:r>
-              <a:rPr lang="en-US" dirty="0"/>
-              <a:t>…</a:t>
-            </a:r>
-            <a:r>
-              <a:rPr lang="en-US" dirty="0">
-                <a:solidFill>
-                  <a:schemeClr val="accent1">
-                    <a:lumMod val="75000"/>
-                  </a:schemeClr>
-                </a:solidFill>
-              </a:rPr>
-              <a:t> </a:t>
-            </a:r>
-            <a:r>
-              <a:rPr lang="en-US" dirty="0" smtClean="0">
-                <a:solidFill>
-                  <a:schemeClr val="accent1">
-                    <a:lumMod val="75000"/>
-                  </a:schemeClr>
-                </a:solidFill>
-              </a:rPr>
-              <a:t>into</a:t>
-            </a:r>
-            <a:endParaRPr lang="ru-RU" dirty="0" smtClean="0"/>
-          </a:p>
-          <a:p>
             <a:pPr lvl="0">
               <a:lnSpc>
                 <a:spcPct val="115000"/>
@@ -19179,55 +19516,62 @@
               </a:spcBef>
             </a:pPr>
             <a:r>
-              <a:rPr lang="en-US" u="sng" dirty="0" err="1" smtClean="0">
-                <a:hlinkClick r:id="rId5"/>
-              </a:rPr>
-              <a:t>ToLookup</a:t>
-            </a:r>
-            <a:r>
               <a:rPr lang="ru-RU" dirty="0" smtClean="0"/>
-              <a:t> – вставляет </a:t>
+              <a:t>Группировка – это операция </a:t>
             </a:r>
             <a:r>
               <a:rPr lang="ru-RU" dirty="0"/>
-              <a:t>элементы в </a:t>
-            </a:r>
-            <a:r>
-              <a:rPr lang="ru-RU" dirty="0" err="1">
-                <a:hlinkClick r:id="rId6"/>
-              </a:rPr>
-              <a:t>Lookup</a:t>
-            </a:r>
-            <a:r>
-              <a:rPr lang="ru-RU" dirty="0">
-                <a:hlinkClick r:id="rId6"/>
-              </a:rPr>
-              <a:t>&lt;</a:t>
-            </a:r>
-            <a:r>
-              <a:rPr lang="ru-RU" dirty="0" err="1">
-                <a:hlinkClick r:id="rId6"/>
-              </a:rPr>
-              <a:t>TKey,TElement</a:t>
-            </a:r>
-            <a:r>
-              <a:rPr lang="ru-RU" dirty="0">
-                <a:hlinkClick r:id="rId6"/>
-              </a:rPr>
-              <a:t>&gt;</a:t>
-            </a:r>
-            <a:r>
-              <a:rPr lang="ru-RU" dirty="0"/>
-              <a:t> (словарь "один ко многим") в зависимости от функции выбора ключа.</a:t>
+              <a:t>объединения данных в группы таким образом, чтобы у элементов в каждой группе был общий атрибут. На следующем рисунке показаны результаты операции группирования последовательности символов. Ключ для каждой группы — это символ.</a:t>
             </a:r>
             <a:endParaRPr lang="ru-RU" dirty="0" smtClean="0"/>
           </a:p>
         </p:txBody>
       </p:sp>
+      <p:pic>
+        <p:nvPicPr>
+          <p:cNvPr id="2054" name="Picture 6" descr="Схема, показывающая операцию группировки LINQ"/>
+          <p:cNvPicPr>
+            <a:picLocks noChangeAspect="1" noChangeArrowheads="1"/>
+          </p:cNvPicPr>
+          <p:nvPr/>
+        </p:nvPicPr>
+        <p:blipFill>
+          <a:blip r:embed="rId3">
+            <a:extLst>
+              <a:ext uri="{28A0092B-C50C-407E-A947-70E740481C1C}">
+                <a14:useLocalDpi xmlns:a14="http://schemas.microsoft.com/office/drawing/2010/main" xmlns="" val="0"/>
+              </a:ext>
+            </a:extLst>
+          </a:blip>
+          <a:srcRect/>
+          <a:stretch>
+            <a:fillRect/>
+          </a:stretch>
+        </p:blipFill>
+        <p:spPr bwMode="auto">
+          <a:xfrm>
+            <a:off x="2845767" y="2572726"/>
+            <a:ext cx="2924175" cy="1828800"/>
+          </a:xfrm>
+          <a:prstGeom prst="rect">
+            <a:avLst/>
+          </a:prstGeom>
+          <a:noFill/>
+          <a:extLst>
+            <a:ext uri="{909E8E84-426E-40DD-AFC4-6F175D3DCCD1}">
+              <a14:hiddenFill xmlns:a14="http://schemas.microsoft.com/office/drawing/2010/main" xmlns="">
+                <a:solidFill>
+                  <a:srgbClr val="FFFFFF"/>
+                </a:solidFill>
+              </a14:hiddenFill>
+            </a:ext>
+          </a:extLst>
+        </p:spPr>
+      </p:pic>
     </p:spTree>
     <p:extLst>
       <p:ext uri="{BB962C8B-B14F-4D97-AF65-F5344CB8AC3E}">
-        <p14:creationId xmlns="" xmlns:p14="http://schemas.microsoft.com/office/powerpoint/2010/main" val="1674554651"/>
+        <p14:creationId xmlns:p14="http://schemas.microsoft.com/office/powerpoint/2010/main" xmlns="" val="3775352260"/>
       </p:ext>
     </p:extLst>
   </p:cSld>
@@ -19235,7 +19579,7 @@
     <a:masterClrMapping/>
   </p:clrMapOvr>
   <mc:AlternateContent xmlns:mc="http://schemas.openxmlformats.org/markup-compatibility/2006">
-    <mc:Choice xmlns="" xmlns:p14="http://schemas.microsoft.com/office/powerpoint/2010/main" Requires="p14">
+    <mc:Choice xmlns:p14="http://schemas.microsoft.com/office/powerpoint/2010/main" xmlns="" Requires="p14">
       <p:transition spd="slow" p14:dur="2000"/>
     </mc:Choice>
     <mc:Fallback>
@@ -19252,12 +19596,12 @@
 </p:sld>
 </file>
 
-<file path=ppt/slides/slide38.xml><?xml version="1.0" encoding="utf-8"?>
+<file path=ppt/slides/slide39.xml><?xml version="1.0" encoding="utf-8"?>
 <p:sld xmlns:a="http://schemas.openxmlformats.org/drawingml/2006/main" xmlns:r="http://schemas.openxmlformats.org/officeDocument/2006/relationships" xmlns:p="http://schemas.openxmlformats.org/presentationml/2006/main">
   <p:cSld>
     <p:spTree>
       <p:nvGrpSpPr>
-        <p:cNvPr id="1" name="Shape 453"/>
+        <p:cNvPr id="1" name="Shape 436"/>
         <p:cNvGrpSpPr/>
         <p:nvPr/>
       </p:nvGrpSpPr>
@@ -19271,7 +19615,7 @@
       </p:grpSpPr>
       <p:sp>
         <p:nvSpPr>
-          <p:cNvPr id="454" name="Google Shape;454;p77"/>
+          <p:cNvPr id="437" name="Google Shape;437;p74"/>
           <p:cNvSpPr txBox="1">
             <a:spLocks noGrp="1"/>
           </p:cNvSpPr>
@@ -19281,89 +19625,6 @@
         </p:nvSpPr>
         <p:spPr>
           <a:xfrm>
-            <a:off x="956225" y="396400"/>
-            <a:ext cx="7492036" cy="4090800"/>
-          </a:xfrm>
-          <a:prstGeom prst="rect">
-            <a:avLst/>
-          </a:prstGeom>
-        </p:spPr>
-        <p:txBody>
-          <a:bodyPr spcFirstLastPara="1" wrap="square" lIns="91425" tIns="91425" rIns="91425" bIns="91425" anchor="ctr" anchorCtr="0">
-            <a:noAutofit/>
-          </a:bodyPr>
-          <a:lstStyle/>
-          <a:p>
-            <a:pPr marL="0" lvl="0" indent="0" algn="ctr" rtl="0">
-              <a:lnSpc>
-                <a:spcPct val="90000"/>
-              </a:lnSpc>
-              <a:spcBef>
-                <a:spcPts val="0"/>
-              </a:spcBef>
-              <a:spcAft>
-                <a:spcPts val="0"/>
-              </a:spcAft>
-              <a:buClr>
-                <a:schemeClr val="dk1"/>
-              </a:buClr>
-              <a:buSzPts val="3000"/>
-              <a:buFont typeface="Avenir"/>
-              <a:buNone/>
-            </a:pPr>
-            <a:r>
-              <a:rPr lang="ru-RU" sz="6000" dirty="0" smtClean="0"/>
-              <a:t>Описание всех методов</a:t>
-            </a:r>
-            <a:endParaRPr/>
-          </a:p>
-        </p:txBody>
-      </p:sp>
-    </p:spTree>
-  </p:cSld>
-  <p:clrMapOvr>
-    <a:masterClrMapping/>
-  </p:clrMapOvr>
-  <p:transition/>
-  <p:timing>
-    <p:tnLst>
-      <p:par>
-        <p:cTn id="1" dur="indefinite" restart="never" nodeType="tmRoot"/>
-      </p:par>
-    </p:tnLst>
-  </p:timing>
-</p:sld>
-</file>
-
-<file path=ppt/slides/slide39.xml><?xml version="1.0" encoding="utf-8"?>
-<p:sld xmlns:a="http://schemas.openxmlformats.org/drawingml/2006/main" xmlns:r="http://schemas.openxmlformats.org/officeDocument/2006/relationships" xmlns:p="http://schemas.openxmlformats.org/presentationml/2006/main">
-  <p:cSld>
-    <p:spTree>
-      <p:nvGrpSpPr>
-        <p:cNvPr id="1" name="Shape 458"/>
-        <p:cNvGrpSpPr/>
-        <p:nvPr/>
-      </p:nvGrpSpPr>
-      <p:grpSpPr>
-        <a:xfrm>
-          <a:off x="0" y="0"/>
-          <a:ext cx="0" cy="0"/>
-          <a:chOff x="0" y="0"/>
-          <a:chExt cx="0" cy="0"/>
-        </a:xfrm>
-      </p:grpSpPr>
-      <p:sp>
-        <p:nvSpPr>
-          <p:cNvPr id="459" name="Google Shape;459;p78"/>
-          <p:cNvSpPr txBox="1">
-            <a:spLocks noGrp="1"/>
-          </p:cNvSpPr>
-          <p:nvPr>
-            <p:ph type="title"/>
-          </p:nvPr>
-        </p:nvSpPr>
-        <p:spPr>
-          <a:xfrm>
             <a:off x="500550" y="330725"/>
             <a:ext cx="8190300" cy="679200"/>
           </a:xfrm>
@@ -19377,77 +19638,131 @@
           </a:bodyPr>
           <a:lstStyle/>
           <a:p>
-            <a:pPr marL="0" lvl="0" indent="0" algn="l" rtl="0">
-              <a:spcBef>
-                <a:spcPts val="0"/>
-              </a:spcBef>
-              <a:spcAft>
-                <a:spcPts val="0"/>
-              </a:spcAft>
-              <a:buNone/>
-            </a:pPr>
-            <a:r>
-              <a:rPr lang="ru-RU" sz="2800" dirty="0" smtClean="0"/>
-              <a:t>Документация</a:t>
-            </a:r>
-            <a:endParaRPr sz="2800" dirty="0"/>
+            <a:r>
+              <a:rPr lang="ru-RU" dirty="0"/>
+              <a:t>Группирование данных</a:t>
+            </a:r>
           </a:p>
         </p:txBody>
       </p:sp>
       <p:sp>
         <p:nvSpPr>
-          <p:cNvPr id="2" name="Прямоугольник 1"/>
-          <p:cNvSpPr/>
+          <p:cNvPr id="438" name="Google Shape;438;p74"/>
+          <p:cNvSpPr txBox="1"/>
           <p:nvPr/>
         </p:nvSpPr>
         <p:spPr>
           <a:xfrm>
-            <a:off x="583096" y="1009926"/>
-            <a:ext cx="8107754" cy="307777"/>
+            <a:off x="500550" y="1009925"/>
+            <a:ext cx="8190250" cy="611932"/>
           </a:xfrm>
           <a:prstGeom prst="rect">
             <a:avLst/>
           </a:prstGeom>
+          <a:noFill/>
+          <a:ln>
+            <a:noFill/>
+          </a:ln>
         </p:spPr>
         <p:txBody>
-          <a:bodyPr wrap="square">
+          <a:bodyPr spcFirstLastPara="1" wrap="square" lIns="91425" tIns="91425" rIns="91425" bIns="91425" anchor="t" anchorCtr="0">
             <a:spAutoFit/>
           </a:bodyPr>
           <a:lstStyle/>
           <a:p>
-            <a:pPr marL="463550" indent="-342900"/>
-            <a:r>
-              <a:rPr lang="ru-RU" dirty="0" smtClean="0"/>
-              <a:t>Подробное  описание всех операторов </a:t>
-            </a:r>
-            <a:r>
-              <a:rPr lang="en-US" dirty="0" err="1" smtClean="0"/>
-              <a:t>linq</a:t>
-            </a:r>
-            <a:r>
-              <a:rPr lang="en-US" dirty="0" smtClean="0"/>
-              <a:t> </a:t>
-            </a:r>
-            <a:r>
-              <a:rPr lang="ru-RU" dirty="0" smtClean="0"/>
-              <a:t>Вы сможете найти: </a:t>
-            </a:r>
-            <a:r>
-              <a:rPr lang="ru-RU" dirty="0" smtClean="0">
-                <a:hlinkClick r:id="rId3"/>
-              </a:rPr>
-              <a:t>тут</a:t>
-            </a:r>
+            <a:pPr lvl="0">
+              <a:lnSpc>
+                <a:spcPct val="115000"/>
+              </a:lnSpc>
+              <a:spcBef>
+                <a:spcPts val="1400"/>
+              </a:spcBef>
+            </a:pPr>
             <a:endParaRPr lang="ru-RU" dirty="0" smtClean="0"/>
           </a:p>
         </p:txBody>
       </p:sp>
+      <p:sp>
+        <p:nvSpPr>
+          <p:cNvPr id="95240" name="AutoShape 8" descr="https://miro.medium.com/v2/resize:fit:845/1*ZeLUpu-k3yK7tZ-QzPp3eA.png"/>
+          <p:cNvSpPr>
+            <a:spLocks noChangeAspect="1" noChangeArrowheads="1"/>
+          </p:cNvSpPr>
+          <p:nvPr/>
+        </p:nvSpPr>
+        <p:spPr bwMode="auto">
+          <a:xfrm>
+            <a:off x="155575" y="-144463"/>
+            <a:ext cx="304800" cy="304801"/>
+          </a:xfrm>
+          <a:prstGeom prst="rect">
+            <a:avLst/>
+          </a:prstGeom>
+          <a:noFill/>
+        </p:spPr>
+        <p:txBody>
+          <a:bodyPr vert="horz" wrap="square" lIns="91440" tIns="45720" rIns="91440" bIns="45720" numCol="1" anchor="t" anchorCtr="0" compatLnSpc="1">
+            <a:prstTxWarp prst="textNoShape">
+              <a:avLst/>
+            </a:prstTxWarp>
+          </a:bodyPr>
+          <a:lstStyle/>
+          <a:p>
+            <a:endParaRPr lang="ru-RU"/>
+          </a:p>
+        </p:txBody>
+      </p:sp>
+      <p:pic>
+        <p:nvPicPr>
+          <p:cNvPr id="95245" name="Picture 13"/>
+          <p:cNvPicPr>
+            <a:picLocks noChangeAspect="1" noChangeArrowheads="1"/>
+          </p:cNvPicPr>
+          <p:nvPr/>
+        </p:nvPicPr>
+        <p:blipFill>
+          <a:blip r:embed="rId3"/>
+          <a:srcRect/>
+          <a:stretch>
+            <a:fillRect/>
+          </a:stretch>
+        </p:blipFill>
+        <p:spPr bwMode="auto">
+          <a:xfrm>
+            <a:off x="2034209" y="1185316"/>
+            <a:ext cx="5208105" cy="3467927"/>
+          </a:xfrm>
+          <a:prstGeom prst="rect">
+            <a:avLst/>
+          </a:prstGeom>
+          <a:noFill/>
+          <a:ln w="9525">
+            <a:noFill/>
+            <a:miter lim="800000"/>
+            <a:headEnd/>
+            <a:tailEnd/>
+          </a:ln>
+          <a:effectLst/>
+        </p:spPr>
+      </p:pic>
     </p:spTree>
+    <p:extLst>
+      <p:ext uri="{BB962C8B-B14F-4D97-AF65-F5344CB8AC3E}">
+        <p14:creationId xmlns:p14="http://schemas.microsoft.com/office/powerpoint/2010/main" xmlns="" val="3775352260"/>
+      </p:ext>
+    </p:extLst>
   </p:cSld>
   <p:clrMapOvr>
     <a:masterClrMapping/>
   </p:clrMapOvr>
-  <p:transition/>
+  <mc:AlternateContent xmlns:mc="http://schemas.openxmlformats.org/markup-compatibility/2006">
+    <mc:Choice xmlns:p14="http://schemas.microsoft.com/office/powerpoint/2010/main" xmlns="" Requires="p14">
+      <p:transition spd="slow" p14:dur="2000"/>
+    </mc:Choice>
+    <mc:Fallback>
+      <p:transition spd="slow"/>
+    </mc:Fallback>
+  </mc:AlternateContent>
   <p:timing>
     <p:tnLst>
       <p:par>
@@ -19853,6 +20168,335 @@
   <p:cSld>
     <p:spTree>
       <p:nvGrpSpPr>
+        <p:cNvPr id="1" name="Shape 436"/>
+        <p:cNvGrpSpPr/>
+        <p:nvPr/>
+      </p:nvGrpSpPr>
+      <p:grpSpPr>
+        <a:xfrm>
+          <a:off x="0" y="0"/>
+          <a:ext cx="0" cy="0"/>
+          <a:chOff x="0" y="0"/>
+          <a:chExt cx="0" cy="0"/>
+        </a:xfrm>
+      </p:grpSpPr>
+      <p:sp>
+        <p:nvSpPr>
+          <p:cNvPr id="437" name="Google Shape;437;p74"/>
+          <p:cNvSpPr txBox="1">
+            <a:spLocks noGrp="1"/>
+          </p:cNvSpPr>
+          <p:nvPr>
+            <p:ph type="title"/>
+          </p:nvPr>
+        </p:nvSpPr>
+        <p:spPr>
+          <a:xfrm>
+            <a:off x="500550" y="330725"/>
+            <a:ext cx="8190300" cy="679200"/>
+          </a:xfrm>
+          <a:prstGeom prst="rect">
+            <a:avLst/>
+          </a:prstGeom>
+        </p:spPr>
+        <p:txBody>
+          <a:bodyPr spcFirstLastPara="1" wrap="square" lIns="91425" tIns="91425" rIns="91425" bIns="91425" anchor="t" anchorCtr="0">
+            <a:noAutofit/>
+          </a:bodyPr>
+          <a:lstStyle/>
+          <a:p>
+            <a:r>
+              <a:rPr lang="ru-RU" dirty="0"/>
+              <a:t>Группирование данных</a:t>
+            </a:r>
+          </a:p>
+        </p:txBody>
+      </p:sp>
+      <p:sp>
+        <p:nvSpPr>
+          <p:cNvPr id="438" name="Google Shape;438;p74"/>
+          <p:cNvSpPr txBox="1"/>
+          <p:nvPr/>
+        </p:nvSpPr>
+        <p:spPr>
+          <a:xfrm>
+            <a:off x="500550" y="1009925"/>
+            <a:ext cx="8190250" cy="1782509"/>
+          </a:xfrm>
+          <a:prstGeom prst="rect">
+            <a:avLst/>
+          </a:prstGeom>
+          <a:noFill/>
+          <a:ln>
+            <a:noFill/>
+          </a:ln>
+        </p:spPr>
+        <p:txBody>
+          <a:bodyPr spcFirstLastPara="1" wrap="square" lIns="91425" tIns="91425" rIns="91425" bIns="91425" anchor="t" anchorCtr="0">
+            <a:spAutoFit/>
+          </a:bodyPr>
+          <a:lstStyle/>
+          <a:p>
+            <a:pPr>
+              <a:lnSpc>
+                <a:spcPct val="115000"/>
+              </a:lnSpc>
+              <a:spcBef>
+                <a:spcPts val="1400"/>
+              </a:spcBef>
+            </a:pPr>
+            <a:r>
+              <a:rPr lang="en-US" dirty="0" err="1" smtClean="0">
+                <a:hlinkClick r:id="rId3"/>
+              </a:rPr>
+              <a:t>GroupBy</a:t>
+            </a:r>
+            <a:r>
+              <a:rPr lang="ru-RU" dirty="0" smtClean="0"/>
+              <a:t> – группирует </a:t>
+            </a:r>
+            <a:r>
+              <a:rPr lang="ru-RU" dirty="0"/>
+              <a:t>элементы с общим атрибутом. Объект </a:t>
+            </a:r>
+            <a:r>
+              <a:rPr lang="ru-RU" dirty="0" smtClean="0"/>
+              <a:t>представляет каждую</a:t>
+            </a:r>
+            <a:r>
+              <a:rPr lang="ru-RU" dirty="0"/>
+              <a:t> </a:t>
+            </a:r>
+            <a:r>
+              <a:rPr lang="ru-RU" u="sng" dirty="0" err="1" smtClean="0">
+                <a:hlinkClick r:id="rId4"/>
+              </a:rPr>
+              <a:t>IGrouping</a:t>
+            </a:r>
+            <a:r>
+              <a:rPr lang="ru-RU" u="sng" dirty="0" smtClean="0">
+                <a:hlinkClick r:id="rId4"/>
+              </a:rPr>
+              <a:t>&lt;</a:t>
+            </a:r>
+            <a:r>
+              <a:rPr lang="ru-RU" u="sng" dirty="0" err="1" smtClean="0">
+                <a:hlinkClick r:id="rId4"/>
+              </a:rPr>
+              <a:t>TKey,TElement</a:t>
+            </a:r>
+            <a:r>
+              <a:rPr lang="ru-RU" u="sng" dirty="0">
+                <a:hlinkClick r:id="rId4"/>
+              </a:rPr>
+              <a:t>&gt;</a:t>
+            </a:r>
+            <a:r>
+              <a:rPr lang="ru-RU" dirty="0"/>
+              <a:t> группу</a:t>
+            </a:r>
+            <a:r>
+              <a:rPr lang="ru-RU" dirty="0" smtClean="0"/>
+              <a:t>. В декларативном синтаксисе</a:t>
+            </a:r>
+            <a:r>
+              <a:rPr lang="en-US" dirty="0" smtClean="0"/>
+              <a:t> </a:t>
+            </a:r>
+            <a:r>
+              <a:rPr lang="en-US" dirty="0">
+                <a:solidFill>
+                  <a:schemeClr val="accent1">
+                    <a:lumMod val="75000"/>
+                  </a:schemeClr>
+                </a:solidFill>
+              </a:rPr>
+              <a:t>group </a:t>
+            </a:r>
+            <a:r>
+              <a:rPr lang="en-US" dirty="0"/>
+              <a:t>…</a:t>
+            </a:r>
+            <a:r>
+              <a:rPr lang="en-US" dirty="0">
+                <a:solidFill>
+                  <a:schemeClr val="accent1">
+                    <a:lumMod val="75000"/>
+                  </a:schemeClr>
+                </a:solidFill>
+              </a:rPr>
+              <a:t> </a:t>
+            </a:r>
+            <a:r>
+              <a:rPr lang="en-US" dirty="0" smtClean="0">
+                <a:solidFill>
+                  <a:schemeClr val="accent1">
+                    <a:lumMod val="75000"/>
+                  </a:schemeClr>
+                </a:solidFill>
+              </a:rPr>
+              <a:t>by </a:t>
+            </a:r>
+            <a:r>
+              <a:rPr lang="ru-RU" dirty="0" smtClean="0">
+                <a:solidFill>
+                  <a:schemeClr val="tx1"/>
+                </a:solidFill>
+              </a:rPr>
+              <a:t>или</a:t>
+            </a:r>
+            <a:r>
+              <a:rPr lang="ru-RU" dirty="0" smtClean="0"/>
+              <a:t> </a:t>
+            </a:r>
+            <a:r>
+              <a:rPr lang="en-US" dirty="0" smtClean="0">
+                <a:solidFill>
+                  <a:schemeClr val="accent1">
+                    <a:lumMod val="75000"/>
+                  </a:schemeClr>
+                </a:solidFill>
+              </a:rPr>
+              <a:t>group </a:t>
+            </a:r>
+            <a:r>
+              <a:rPr lang="en-US" dirty="0"/>
+              <a:t>…</a:t>
+            </a:r>
+            <a:r>
+              <a:rPr lang="en-US" dirty="0">
+                <a:solidFill>
+                  <a:schemeClr val="accent1">
+                    <a:lumMod val="75000"/>
+                  </a:schemeClr>
+                </a:solidFill>
+              </a:rPr>
+              <a:t> </a:t>
+            </a:r>
+            <a:r>
+              <a:rPr lang="en-US" dirty="0" smtClean="0">
+                <a:solidFill>
+                  <a:schemeClr val="accent1">
+                    <a:lumMod val="75000"/>
+                  </a:schemeClr>
+                </a:solidFill>
+              </a:rPr>
+              <a:t>by </a:t>
+            </a:r>
+            <a:r>
+              <a:rPr lang="en-US" dirty="0"/>
+              <a:t>…</a:t>
+            </a:r>
+            <a:r>
+              <a:rPr lang="en-US" dirty="0">
+                <a:solidFill>
+                  <a:schemeClr val="accent1">
+                    <a:lumMod val="75000"/>
+                  </a:schemeClr>
+                </a:solidFill>
+              </a:rPr>
+              <a:t> </a:t>
+            </a:r>
+            <a:r>
+              <a:rPr lang="en-US" dirty="0" smtClean="0">
+                <a:solidFill>
+                  <a:schemeClr val="accent1">
+                    <a:lumMod val="75000"/>
+                  </a:schemeClr>
+                </a:solidFill>
+              </a:rPr>
+              <a:t>into</a:t>
+            </a:r>
+            <a:endParaRPr lang="ru-RU" dirty="0" smtClean="0"/>
+          </a:p>
+          <a:p>
+            <a:pPr lvl="0">
+              <a:lnSpc>
+                <a:spcPct val="115000"/>
+              </a:lnSpc>
+              <a:spcBef>
+                <a:spcPts val="1400"/>
+              </a:spcBef>
+            </a:pPr>
+            <a:r>
+              <a:rPr lang="en-US" u="sng" dirty="0" err="1" smtClean="0">
+                <a:hlinkClick r:id="rId5"/>
+              </a:rPr>
+              <a:t>ToLookup</a:t>
+            </a:r>
+            <a:r>
+              <a:rPr lang="ru-RU" dirty="0" smtClean="0"/>
+              <a:t> – вставляет </a:t>
+            </a:r>
+            <a:r>
+              <a:rPr lang="ru-RU" dirty="0"/>
+              <a:t>элементы в </a:t>
+            </a:r>
+            <a:r>
+              <a:rPr lang="ru-RU" dirty="0" err="1">
+                <a:hlinkClick r:id="rId6"/>
+              </a:rPr>
+              <a:t>Lookup</a:t>
+            </a:r>
+            <a:r>
+              <a:rPr lang="ru-RU" dirty="0">
+                <a:hlinkClick r:id="rId6"/>
+              </a:rPr>
+              <a:t>&lt;</a:t>
+            </a:r>
+            <a:r>
+              <a:rPr lang="ru-RU" dirty="0" err="1">
+                <a:hlinkClick r:id="rId6"/>
+              </a:rPr>
+              <a:t>TKey,TElement</a:t>
+            </a:r>
+            <a:r>
+              <a:rPr lang="ru-RU" dirty="0">
+                <a:hlinkClick r:id="rId6"/>
+              </a:rPr>
+              <a:t>&gt;</a:t>
+            </a:r>
+            <a:r>
+              <a:rPr lang="ru-RU" dirty="0"/>
+              <a:t> (словарь "один ко многим") в зависимости от функции выбора ключа.</a:t>
+            </a:r>
+            <a:endParaRPr lang="ru-RU" dirty="0" smtClean="0"/>
+          </a:p>
+        </p:txBody>
+      </p:sp>
+    </p:spTree>
+    <p:extLst>
+      <p:ext uri="{BB962C8B-B14F-4D97-AF65-F5344CB8AC3E}">
+        <p14:creationId xmlns:p14="http://schemas.microsoft.com/office/powerpoint/2010/main" xmlns="" val="1674554651"/>
+      </p:ext>
+    </p:extLst>
+  </p:cSld>
+  <p:clrMapOvr>
+    <a:masterClrMapping/>
+  </p:clrMapOvr>
+  <mc:AlternateContent xmlns:mc="http://schemas.openxmlformats.org/markup-compatibility/2006">
+    <mc:Choice xmlns:p14="http://schemas.microsoft.com/office/powerpoint/2010/main" xmlns="" Requires="p14">
+      <p:transition spd="slow" p14:dur="2000"/>
+    </mc:Choice>
+    <mc:Fallback>
+      <p:transition spd="slow"/>
+    </mc:Fallback>
+  </mc:AlternateContent>
+  <p:timing>
+    <p:tnLst>
+      <p:par>
+        <p:cTn id="1" dur="indefinite" restart="never" nodeType="tmRoot"/>
+      </p:par>
+    </p:tnLst>
+  </p:timing>
+</p:sld>
+</file>
+
+<file path=ppt/slides/slide41.xml><?xml version="1.0" encoding="utf-8"?>
+<p:sld xmlns:a="http://schemas.openxmlformats.org/drawingml/2006/main" xmlns:r="http://schemas.openxmlformats.org/officeDocument/2006/relationships" xmlns:p="http://schemas.openxmlformats.org/presentationml/2006/main">
+  <p:cSld>
+    <p:spTree>
+      <p:nvGrpSpPr>
         <p:cNvPr id="1" name="Shape 453"/>
         <p:cNvGrpSpPr/>
         <p:nvPr/>
@@ -19909,7 +20553,7 @@
             </a:pPr>
             <a:r>
               <a:rPr lang="ru-RU" sz="6000" dirty="0" smtClean="0"/>
-              <a:t>Ответы на вопросы</a:t>
+              <a:t>Описание всех методов</a:t>
             </a:r>
             <a:endParaRPr/>
           </a:p>
@@ -19931,7 +20575,213 @@
 </p:sld>
 </file>
 
-<file path=ppt/slides/slide41.xml><?xml version="1.0" encoding="utf-8"?>
+<file path=ppt/slides/slide42.xml><?xml version="1.0" encoding="utf-8"?>
+<p:sld xmlns:a="http://schemas.openxmlformats.org/drawingml/2006/main" xmlns:r="http://schemas.openxmlformats.org/officeDocument/2006/relationships" xmlns:p="http://schemas.openxmlformats.org/presentationml/2006/main">
+  <p:cSld>
+    <p:spTree>
+      <p:nvGrpSpPr>
+        <p:cNvPr id="1" name="Shape 458"/>
+        <p:cNvGrpSpPr/>
+        <p:nvPr/>
+      </p:nvGrpSpPr>
+      <p:grpSpPr>
+        <a:xfrm>
+          <a:off x="0" y="0"/>
+          <a:ext cx="0" cy="0"/>
+          <a:chOff x="0" y="0"/>
+          <a:chExt cx="0" cy="0"/>
+        </a:xfrm>
+      </p:grpSpPr>
+      <p:sp>
+        <p:nvSpPr>
+          <p:cNvPr id="459" name="Google Shape;459;p78"/>
+          <p:cNvSpPr txBox="1">
+            <a:spLocks noGrp="1"/>
+          </p:cNvSpPr>
+          <p:nvPr>
+            <p:ph type="title"/>
+          </p:nvPr>
+        </p:nvSpPr>
+        <p:spPr>
+          <a:xfrm>
+            <a:off x="500550" y="330725"/>
+            <a:ext cx="8190300" cy="679200"/>
+          </a:xfrm>
+          <a:prstGeom prst="rect">
+            <a:avLst/>
+          </a:prstGeom>
+        </p:spPr>
+        <p:txBody>
+          <a:bodyPr spcFirstLastPara="1" wrap="square" lIns="91425" tIns="91425" rIns="91425" bIns="91425" anchor="t" anchorCtr="0">
+            <a:noAutofit/>
+          </a:bodyPr>
+          <a:lstStyle/>
+          <a:p>
+            <a:pPr marL="0" lvl="0" indent="0" algn="l" rtl="0">
+              <a:spcBef>
+                <a:spcPts val="0"/>
+              </a:spcBef>
+              <a:spcAft>
+                <a:spcPts val="0"/>
+              </a:spcAft>
+              <a:buNone/>
+            </a:pPr>
+            <a:r>
+              <a:rPr lang="ru-RU" sz="2800" dirty="0" smtClean="0"/>
+              <a:t>Документация</a:t>
+            </a:r>
+            <a:endParaRPr sz="2800" dirty="0"/>
+          </a:p>
+        </p:txBody>
+      </p:sp>
+      <p:sp>
+        <p:nvSpPr>
+          <p:cNvPr id="2" name="Прямоугольник 1"/>
+          <p:cNvSpPr/>
+          <p:nvPr/>
+        </p:nvSpPr>
+        <p:spPr>
+          <a:xfrm>
+            <a:off x="583096" y="1009926"/>
+            <a:ext cx="8107754" cy="307777"/>
+          </a:xfrm>
+          <a:prstGeom prst="rect">
+            <a:avLst/>
+          </a:prstGeom>
+        </p:spPr>
+        <p:txBody>
+          <a:bodyPr wrap="square">
+            <a:spAutoFit/>
+          </a:bodyPr>
+          <a:lstStyle/>
+          <a:p>
+            <a:pPr marL="463550" indent="-342900"/>
+            <a:r>
+              <a:rPr lang="ru-RU" dirty="0" smtClean="0"/>
+              <a:t>Подробное  описание всех операторов </a:t>
+            </a:r>
+            <a:r>
+              <a:rPr lang="en-US" dirty="0" err="1" smtClean="0"/>
+              <a:t>linq</a:t>
+            </a:r>
+            <a:r>
+              <a:rPr lang="en-US" dirty="0" smtClean="0"/>
+              <a:t> </a:t>
+            </a:r>
+            <a:r>
+              <a:rPr lang="ru-RU" dirty="0" smtClean="0"/>
+              <a:t>Вы сможете найти: </a:t>
+            </a:r>
+            <a:r>
+              <a:rPr lang="ru-RU" dirty="0" smtClean="0">
+                <a:hlinkClick r:id="rId3"/>
+              </a:rPr>
+              <a:t>тут</a:t>
+            </a:r>
+            <a:endParaRPr lang="ru-RU" dirty="0" smtClean="0"/>
+          </a:p>
+        </p:txBody>
+      </p:sp>
+    </p:spTree>
+  </p:cSld>
+  <p:clrMapOvr>
+    <a:masterClrMapping/>
+  </p:clrMapOvr>
+  <p:transition/>
+  <p:timing>
+    <p:tnLst>
+      <p:par>
+        <p:cTn id="1" dur="indefinite" restart="never" nodeType="tmRoot"/>
+      </p:par>
+    </p:tnLst>
+  </p:timing>
+</p:sld>
+</file>
+
+<file path=ppt/slides/slide43.xml><?xml version="1.0" encoding="utf-8"?>
+<p:sld xmlns:a="http://schemas.openxmlformats.org/drawingml/2006/main" xmlns:r="http://schemas.openxmlformats.org/officeDocument/2006/relationships" xmlns:p="http://schemas.openxmlformats.org/presentationml/2006/main">
+  <p:cSld>
+    <p:spTree>
+      <p:nvGrpSpPr>
+        <p:cNvPr id="1" name="Shape 453"/>
+        <p:cNvGrpSpPr/>
+        <p:nvPr/>
+      </p:nvGrpSpPr>
+      <p:grpSpPr>
+        <a:xfrm>
+          <a:off x="0" y="0"/>
+          <a:ext cx="0" cy="0"/>
+          <a:chOff x="0" y="0"/>
+          <a:chExt cx="0" cy="0"/>
+        </a:xfrm>
+      </p:grpSpPr>
+      <p:sp>
+        <p:nvSpPr>
+          <p:cNvPr id="454" name="Google Shape;454;p77"/>
+          <p:cNvSpPr txBox="1">
+            <a:spLocks noGrp="1"/>
+          </p:cNvSpPr>
+          <p:nvPr>
+            <p:ph type="title"/>
+          </p:nvPr>
+        </p:nvSpPr>
+        <p:spPr>
+          <a:xfrm>
+            <a:off x="956225" y="396400"/>
+            <a:ext cx="7492036" cy="4090800"/>
+          </a:xfrm>
+          <a:prstGeom prst="rect">
+            <a:avLst/>
+          </a:prstGeom>
+        </p:spPr>
+        <p:txBody>
+          <a:bodyPr spcFirstLastPara="1" wrap="square" lIns="91425" tIns="91425" rIns="91425" bIns="91425" anchor="ctr" anchorCtr="0">
+            <a:noAutofit/>
+          </a:bodyPr>
+          <a:lstStyle/>
+          <a:p>
+            <a:pPr marL="0" lvl="0" indent="0" algn="ctr" rtl="0">
+              <a:lnSpc>
+                <a:spcPct val="90000"/>
+              </a:lnSpc>
+              <a:spcBef>
+                <a:spcPts val="0"/>
+              </a:spcBef>
+              <a:spcAft>
+                <a:spcPts val="0"/>
+              </a:spcAft>
+              <a:buClr>
+                <a:schemeClr val="dk1"/>
+              </a:buClr>
+              <a:buSzPts val="3000"/>
+              <a:buFont typeface="Avenir"/>
+              <a:buNone/>
+            </a:pPr>
+            <a:r>
+              <a:rPr lang="ru-RU" sz="6000" dirty="0" smtClean="0"/>
+              <a:t>Ответы на вопросы</a:t>
+            </a:r>
+            <a:endParaRPr/>
+          </a:p>
+        </p:txBody>
+      </p:sp>
+    </p:spTree>
+  </p:cSld>
+  <p:clrMapOvr>
+    <a:masterClrMapping/>
+  </p:clrMapOvr>
+  <p:transition/>
+  <p:timing>
+    <p:tnLst>
+      <p:par>
+        <p:cTn id="1" dur="indefinite" restart="never" nodeType="tmRoot"/>
+      </p:par>
+    </p:tnLst>
+  </p:timing>
+</p:sld>
+</file>
+
+<file path=ppt/slides/slide44.xml><?xml version="1.0" encoding="utf-8"?>
 <p:sld xmlns:a="http://schemas.openxmlformats.org/drawingml/2006/main" xmlns:r="http://schemas.openxmlformats.org/officeDocument/2006/relationships" xmlns:p="http://schemas.openxmlformats.org/presentationml/2006/main" show="0">
   <p:cSld>
     <p:spTree>
@@ -20463,7 +21313,7 @@
 </p:sld>
 </file>
 
-<file path=ppt/slides/slide42.xml><?xml version="1.0" encoding="utf-8"?>
+<file path=ppt/slides/slide45.xml><?xml version="1.0" encoding="utf-8"?>
 <p:sld xmlns:a="http://schemas.openxmlformats.org/drawingml/2006/main" xmlns:r="http://schemas.openxmlformats.org/officeDocument/2006/relationships" xmlns:p="http://schemas.openxmlformats.org/presentationml/2006/main">
   <p:cSld>
     <p:spTree>
@@ -20533,7 +21383,7 @@
 </p:sld>
 </file>
 
-<file path=ppt/slides/slide43.xml><?xml version="1.0" encoding="utf-8"?>
+<file path=ppt/slides/slide46.xml><?xml version="1.0" encoding="utf-8"?>
 <p:sld xmlns:a="http://schemas.openxmlformats.org/drawingml/2006/main" xmlns:r="http://schemas.openxmlformats.org/officeDocument/2006/relationships" xmlns:p="http://schemas.openxmlformats.org/presentationml/2006/main">
   <p:cSld>
     <p:spTree>
@@ -20599,7 +21449,7 @@
           <p:nvPr>
             <p:extLst>
               <p:ext uri="{D42A27DB-BD31-4B8C-83A1-F6EECF244321}">
-                <p14:modId xmlns="" xmlns:p14="http://schemas.microsoft.com/office/powerpoint/2010/main" val="2263411008"/>
+                <p14:modId xmlns:p14="http://schemas.microsoft.com/office/powerpoint/2010/main" xmlns="" val="2263411008"/>
               </p:ext>
             </p:extLst>
           </p:nvPr>
@@ -20619,14 +21469,14 @@
                 <a:gridCol w="489425">
                   <a:extLst>
                     <a:ext uri="{9D8B030D-6E8A-4147-A177-3AD203B41FA5}">
-                      <a16:colId xmlns="" xmlns:a16="http://schemas.microsoft.com/office/drawing/2014/main" val="20000"/>
+                      <a16:colId xmlns:a16="http://schemas.microsoft.com/office/drawing/2014/main" xmlns="" val="20000"/>
                     </a:ext>
                   </a:extLst>
                 </a:gridCol>
                 <a:gridCol w="6749575">
                   <a:extLst>
                     <a:ext uri="{9D8B030D-6E8A-4147-A177-3AD203B41FA5}">
-                      <a16:colId xmlns="" xmlns:a16="http://schemas.microsoft.com/office/drawing/2014/main" val="20001"/>
+                      <a16:colId xmlns:a16="http://schemas.microsoft.com/office/drawing/2014/main" xmlns="" val="20001"/>
                     </a:ext>
                   </a:extLst>
                 </a:gridCol>
@@ -20827,7 +21677,7 @@
                 </a:tc>
                 <a:extLst>
                   <a:ext uri="{0D108BD9-81ED-4DB2-BD59-A6C34878D82A}">
-                    <a16:rowId xmlns="" xmlns:a16="http://schemas.microsoft.com/office/drawing/2014/main" val="10000"/>
+                    <a16:rowId xmlns:a16="http://schemas.microsoft.com/office/drawing/2014/main" xmlns="" val="10000"/>
                   </a:ext>
                 </a:extLst>
               </a:tr>
@@ -21002,7 +21852,7 @@
                 </a:tc>
                 <a:extLst>
                   <a:ext uri="{0D108BD9-81ED-4DB2-BD59-A6C34878D82A}">
-                    <a16:rowId xmlns="" xmlns:a16="http://schemas.microsoft.com/office/drawing/2014/main" val="10001"/>
+                    <a16:rowId xmlns:a16="http://schemas.microsoft.com/office/drawing/2014/main" xmlns="" val="10001"/>
                   </a:ext>
                 </a:extLst>
               </a:tr>
@@ -21180,7 +22030,7 @@
                 </a:tc>
                 <a:extLst>
                   <a:ext uri="{0D108BD9-81ED-4DB2-BD59-A6C34878D82A}">
-                    <a16:rowId xmlns="" xmlns:a16="http://schemas.microsoft.com/office/drawing/2014/main" val="10002"/>
+                    <a16:rowId xmlns:a16="http://schemas.microsoft.com/office/drawing/2014/main" xmlns="" val="10002"/>
                   </a:ext>
                 </a:extLst>
               </a:tr>
@@ -21221,7 +22071,7 @@
     <a:masterClrMapping/>
   </p:clrMapOvr>
   <mc:AlternateContent xmlns:mc="http://schemas.openxmlformats.org/markup-compatibility/2006">
-    <mc:Choice xmlns="" xmlns:p14="http://schemas.microsoft.com/office/powerpoint/2010/main" Requires="p14">
+    <mc:Choice xmlns:p14="http://schemas.microsoft.com/office/powerpoint/2010/main" xmlns="" Requires="p14">
       <p:transition spd="slow" p14:dur="2000"/>
     </mc:Choice>
     <mc:Fallback>
@@ -21238,7 +22088,7 @@
 </p:sld>
 </file>
 
-<file path=ppt/slides/slide44.xml><?xml version="1.0" encoding="utf-8"?>
+<file path=ppt/slides/slide47.xml><?xml version="1.0" encoding="utf-8"?>
 <p:sld xmlns:a="http://schemas.openxmlformats.org/drawingml/2006/main" xmlns:r="http://schemas.openxmlformats.org/officeDocument/2006/relationships" xmlns:p="http://schemas.openxmlformats.org/presentationml/2006/main">
   <p:cSld>
     <p:spTree>
@@ -22376,7 +23226,7 @@
           <p:nvPr>
             <p:extLst>
               <p:ext uri="{D42A27DB-BD31-4B8C-83A1-F6EECF244321}">
-                <p14:modId xmlns="" xmlns:p14="http://schemas.microsoft.com/office/powerpoint/2010/main" val="2263411008"/>
+                <p14:modId xmlns:p14="http://schemas.microsoft.com/office/powerpoint/2010/main" xmlns="" val="2263411008"/>
               </p:ext>
             </p:extLst>
           </p:nvPr>
@@ -22396,14 +23246,14 @@
                 <a:gridCol w="489425">
                   <a:extLst>
                     <a:ext uri="{9D8B030D-6E8A-4147-A177-3AD203B41FA5}">
-                      <a16:colId xmlns="" xmlns:a16="http://schemas.microsoft.com/office/drawing/2014/main" val="20000"/>
+                      <a16:colId xmlns:a16="http://schemas.microsoft.com/office/drawing/2014/main" xmlns="" val="20000"/>
                     </a:ext>
                   </a:extLst>
                 </a:gridCol>
                 <a:gridCol w="6749575">
                   <a:extLst>
                     <a:ext uri="{9D8B030D-6E8A-4147-A177-3AD203B41FA5}">
-                      <a16:colId xmlns="" xmlns:a16="http://schemas.microsoft.com/office/drawing/2014/main" val="20001"/>
+                      <a16:colId xmlns:a16="http://schemas.microsoft.com/office/drawing/2014/main" xmlns="" val="20001"/>
                     </a:ext>
                   </a:extLst>
                 </a:gridCol>
@@ -22604,7 +23454,7 @@
                 </a:tc>
                 <a:extLst>
                   <a:ext uri="{0D108BD9-81ED-4DB2-BD59-A6C34878D82A}">
-                    <a16:rowId xmlns="" xmlns:a16="http://schemas.microsoft.com/office/drawing/2014/main" val="10000"/>
+                    <a16:rowId xmlns:a16="http://schemas.microsoft.com/office/drawing/2014/main" xmlns="" val="10000"/>
                   </a:ext>
                 </a:extLst>
               </a:tr>
@@ -22779,7 +23629,7 @@
                 </a:tc>
                 <a:extLst>
                   <a:ext uri="{0D108BD9-81ED-4DB2-BD59-A6C34878D82A}">
-                    <a16:rowId xmlns="" xmlns:a16="http://schemas.microsoft.com/office/drawing/2014/main" val="10001"/>
+                    <a16:rowId xmlns:a16="http://schemas.microsoft.com/office/drawing/2014/main" xmlns="" val="10001"/>
                   </a:ext>
                 </a:extLst>
               </a:tr>
@@ -22957,7 +23807,7 @@
                 </a:tc>
                 <a:extLst>
                   <a:ext uri="{0D108BD9-81ED-4DB2-BD59-A6C34878D82A}">
-                    <a16:rowId xmlns="" xmlns:a16="http://schemas.microsoft.com/office/drawing/2014/main" val="10002"/>
+                    <a16:rowId xmlns:a16="http://schemas.microsoft.com/office/drawing/2014/main" xmlns="" val="10002"/>
                   </a:ext>
                 </a:extLst>
               </a:tr>
@@ -22998,7 +23848,7 @@
     <a:masterClrMapping/>
   </p:clrMapOvr>
   <mc:AlternateContent xmlns:mc="http://schemas.openxmlformats.org/markup-compatibility/2006">
-    <mc:Choice xmlns="" xmlns:p14="http://schemas.microsoft.com/office/powerpoint/2010/main" Requires="p14">
+    <mc:Choice xmlns:p14="http://schemas.microsoft.com/office/powerpoint/2010/main" xmlns="" Requires="p14">
       <p:transition spd="slow" p14:dur="2000"/>
     </mc:Choice>
     <mc:Fallback>
@@ -23080,7 +23930,7 @@
     <a:masterClrMapping/>
   </p:clrMapOvr>
   <mc:AlternateContent xmlns:mc="http://schemas.openxmlformats.org/markup-compatibility/2006">
-    <mc:Choice xmlns="" xmlns:p14="http://schemas.microsoft.com/office/powerpoint/2010/main" Requires="p14">
+    <mc:Choice xmlns:p14="http://schemas.microsoft.com/office/powerpoint/2010/main" xmlns="" Requires="p14">
       <p:transition spd="slow" p14:dur="2000"/>
     </mc:Choice>
     <mc:Fallback>
@@ -23492,7 +24342,7 @@
     <a:masterClrMapping/>
   </p:clrMapOvr>
   <mc:AlternateContent xmlns:mc="http://schemas.openxmlformats.org/markup-compatibility/2006">
-    <mc:Choice xmlns="" xmlns:p14="http://schemas.microsoft.com/office/powerpoint/2010/main" Requires="p14">
+    <mc:Choice xmlns:p14="http://schemas.microsoft.com/office/powerpoint/2010/main" xmlns="" Requires="p14">
       <p:transition spd="slow" p14:dur="2000"/>
     </mc:Choice>
     <mc:Fallback>
@@ -23571,7 +24421,7 @@
     </p:spTree>
     <p:extLst>
       <p:ext uri="{BB962C8B-B14F-4D97-AF65-F5344CB8AC3E}">
-        <p14:creationId xmlns="" xmlns:p14="http://schemas.microsoft.com/office/powerpoint/2010/main" val="682476833"/>
+        <p14:creationId xmlns:p14="http://schemas.microsoft.com/office/powerpoint/2010/main" xmlns="" val="682476833"/>
       </p:ext>
     </p:extLst>
   </p:cSld>
@@ -23579,7 +24429,7 @@
     <a:masterClrMapping/>
   </p:clrMapOvr>
   <mc:AlternateContent xmlns:mc="http://schemas.openxmlformats.org/markup-compatibility/2006">
-    <mc:Choice xmlns="" xmlns:p14="http://schemas.microsoft.com/office/powerpoint/2010/main" Requires="p14">
+    <mc:Choice xmlns:p14="http://schemas.microsoft.com/office/powerpoint/2010/main" xmlns="" Requires="p14">
       <p:transition spd="slow" p14:dur="2000"/>
     </mc:Choice>
     <mc:Fallback>

--- a/ООП.pptx
+++ b/ООП.pptx
@@ -62,14 +62,14 @@
   <p:notesSz cx="6858000" cy="9144000"/>
   <p:embeddedFontLst>
     <p:embeddedFont>
-      <p:font typeface="Roboto" panose="020B0604020202020204" charset="0"/>
+      <p:font typeface="Roboto" charset="0"/>
       <p:regular r:id="rId52"/>
       <p:bold r:id="rId53"/>
       <p:italic r:id="rId54"/>
       <p:boldItalic r:id="rId55"/>
     </p:embeddedFont>
     <p:embeddedFont>
-      <p:font typeface="Consolas" panose="020B0609020204030204" pitchFamily="49" charset="0"/>
+      <p:font typeface="Consolas" pitchFamily="49" charset="0"/>
       <p:regular r:id="rId56"/>
       <p:bold r:id="rId57"/>
       <p:italic r:id="rId58"/>
@@ -307,7 +307,7 @@
   </p:defaultTextStyle>
   <p:extLst>
     <p:ext uri="{EFAFB233-063F-42B5-8137-9DF3F51BA10A}">
-      <p15:sldGuideLst xmlns:p15="http://schemas.microsoft.com/office/powerpoint/2012/main">
+      <p15:sldGuideLst xmlns:p15="http://schemas.microsoft.com/office/powerpoint/2012/main" xmlns="">
         <p15:guide id="1" orient="horz" pos="1620">
           <p15:clr>
             <a:srgbClr val="A4A3A4"/>
@@ -864,7 +864,7 @@
     </p:spTree>
     <p:extLst>
       <p:ext uri="{BB962C8B-B14F-4D97-AF65-F5344CB8AC3E}">
-        <p14:creationId xmlns:p14="http://schemas.microsoft.com/office/powerpoint/2010/main" val="1559280179"/>
+        <p14:creationId xmlns:p14="http://schemas.microsoft.com/office/powerpoint/2010/main" xmlns="" val="1559280179"/>
       </p:ext>
     </p:extLst>
   </p:cSld>
@@ -973,7 +973,7 @@
     </p:spTree>
     <p:extLst>
       <p:ext uri="{BB962C8B-B14F-4D97-AF65-F5344CB8AC3E}">
-        <p14:creationId xmlns:p14="http://schemas.microsoft.com/office/powerpoint/2010/main" val="1021492477"/>
+        <p14:creationId xmlns:p14="http://schemas.microsoft.com/office/powerpoint/2010/main" xmlns="" val="1021492477"/>
       </p:ext>
     </p:extLst>
   </p:cSld>
@@ -1082,7 +1082,7 @@
     </p:spTree>
     <p:extLst>
       <p:ext uri="{BB962C8B-B14F-4D97-AF65-F5344CB8AC3E}">
-        <p14:creationId xmlns:p14="http://schemas.microsoft.com/office/powerpoint/2010/main" val="1021492477"/>
+        <p14:creationId xmlns:p14="http://schemas.microsoft.com/office/powerpoint/2010/main" xmlns="" val="1021492477"/>
       </p:ext>
     </p:extLst>
   </p:cSld>
@@ -1191,7 +1191,7 @@
     </p:spTree>
     <p:extLst>
       <p:ext uri="{BB962C8B-B14F-4D97-AF65-F5344CB8AC3E}">
-        <p14:creationId xmlns:p14="http://schemas.microsoft.com/office/powerpoint/2010/main" val="3731729619"/>
+        <p14:creationId xmlns:p14="http://schemas.microsoft.com/office/powerpoint/2010/main" xmlns="" val="3731729619"/>
       </p:ext>
     </p:extLst>
   </p:cSld>
@@ -1300,7 +1300,7 @@
     </p:spTree>
     <p:extLst>
       <p:ext uri="{BB962C8B-B14F-4D97-AF65-F5344CB8AC3E}">
-        <p14:creationId xmlns:p14="http://schemas.microsoft.com/office/powerpoint/2010/main" val="2442246476"/>
+        <p14:creationId xmlns:p14="http://schemas.microsoft.com/office/powerpoint/2010/main" xmlns="" val="2442246476"/>
       </p:ext>
     </p:extLst>
   </p:cSld>
@@ -1409,7 +1409,7 @@
     </p:spTree>
     <p:extLst>
       <p:ext uri="{BB962C8B-B14F-4D97-AF65-F5344CB8AC3E}">
-        <p14:creationId xmlns:p14="http://schemas.microsoft.com/office/powerpoint/2010/main" val="1021492477"/>
+        <p14:creationId xmlns:p14="http://schemas.microsoft.com/office/powerpoint/2010/main" xmlns="" val="1021492477"/>
       </p:ext>
     </p:extLst>
   </p:cSld>
@@ -1518,7 +1518,7 @@
     </p:spTree>
     <p:extLst>
       <p:ext uri="{BB962C8B-B14F-4D97-AF65-F5344CB8AC3E}">
-        <p14:creationId xmlns:p14="http://schemas.microsoft.com/office/powerpoint/2010/main" val="1094642682"/>
+        <p14:creationId xmlns:p14="http://schemas.microsoft.com/office/powerpoint/2010/main" xmlns="" val="1094642682"/>
       </p:ext>
     </p:extLst>
   </p:cSld>
@@ -1627,7 +1627,7 @@
     </p:spTree>
     <p:extLst>
       <p:ext uri="{BB962C8B-B14F-4D97-AF65-F5344CB8AC3E}">
-        <p14:creationId xmlns:p14="http://schemas.microsoft.com/office/powerpoint/2010/main" val="1021492477"/>
+        <p14:creationId xmlns:p14="http://schemas.microsoft.com/office/powerpoint/2010/main" xmlns="" val="1021492477"/>
       </p:ext>
     </p:extLst>
   </p:cSld>
@@ -1736,7 +1736,7 @@
     </p:spTree>
     <p:extLst>
       <p:ext uri="{BB962C8B-B14F-4D97-AF65-F5344CB8AC3E}">
-        <p14:creationId xmlns:p14="http://schemas.microsoft.com/office/powerpoint/2010/main" val="1021492477"/>
+        <p14:creationId xmlns:p14="http://schemas.microsoft.com/office/powerpoint/2010/main" xmlns="" val="1021492477"/>
       </p:ext>
     </p:extLst>
   </p:cSld>
@@ -1845,7 +1845,7 @@
     </p:spTree>
     <p:extLst>
       <p:ext uri="{BB962C8B-B14F-4D97-AF65-F5344CB8AC3E}">
-        <p14:creationId xmlns:p14="http://schemas.microsoft.com/office/powerpoint/2010/main" val="1021492477"/>
+        <p14:creationId xmlns:p14="http://schemas.microsoft.com/office/powerpoint/2010/main" xmlns="" val="1021492477"/>
       </p:ext>
     </p:extLst>
   </p:cSld>
@@ -1954,7 +1954,7 @@
     </p:spTree>
     <p:extLst>
       <p:ext uri="{BB962C8B-B14F-4D97-AF65-F5344CB8AC3E}">
-        <p14:creationId xmlns:p14="http://schemas.microsoft.com/office/powerpoint/2010/main" val="1021492477"/>
+        <p14:creationId xmlns:p14="http://schemas.microsoft.com/office/powerpoint/2010/main" xmlns="" val="1021492477"/>
       </p:ext>
     </p:extLst>
   </p:cSld>
@@ -2167,7 +2167,7 @@
     </p:spTree>
     <p:extLst>
       <p:ext uri="{BB962C8B-B14F-4D97-AF65-F5344CB8AC3E}">
-        <p14:creationId xmlns:p14="http://schemas.microsoft.com/office/powerpoint/2010/main" val="81659188"/>
+        <p14:creationId xmlns:p14="http://schemas.microsoft.com/office/powerpoint/2010/main" xmlns="" val="81659188"/>
       </p:ext>
     </p:extLst>
   </p:cSld>
@@ -2276,7 +2276,7 @@
     </p:spTree>
     <p:extLst>
       <p:ext uri="{BB962C8B-B14F-4D97-AF65-F5344CB8AC3E}">
-        <p14:creationId xmlns:p14="http://schemas.microsoft.com/office/powerpoint/2010/main" val="1085354930"/>
+        <p14:creationId xmlns:p14="http://schemas.microsoft.com/office/powerpoint/2010/main" xmlns="" val="1085354930"/>
       </p:ext>
     </p:extLst>
   </p:cSld>
@@ -2385,7 +2385,7 @@
     </p:spTree>
     <p:extLst>
       <p:ext uri="{BB962C8B-B14F-4D97-AF65-F5344CB8AC3E}">
-        <p14:creationId xmlns:p14="http://schemas.microsoft.com/office/powerpoint/2010/main" val="1021492477"/>
+        <p14:creationId xmlns:p14="http://schemas.microsoft.com/office/powerpoint/2010/main" xmlns="" val="1021492477"/>
       </p:ext>
     </p:extLst>
   </p:cSld>
@@ -2494,7 +2494,7 @@
     </p:spTree>
     <p:extLst>
       <p:ext uri="{BB962C8B-B14F-4D97-AF65-F5344CB8AC3E}">
-        <p14:creationId xmlns:p14="http://schemas.microsoft.com/office/powerpoint/2010/main" val="2345650234"/>
+        <p14:creationId xmlns:p14="http://schemas.microsoft.com/office/powerpoint/2010/main" xmlns="" val="2345650234"/>
       </p:ext>
     </p:extLst>
   </p:cSld>
@@ -2603,7 +2603,7 @@
     </p:spTree>
     <p:extLst>
       <p:ext uri="{BB962C8B-B14F-4D97-AF65-F5344CB8AC3E}">
-        <p14:creationId xmlns:p14="http://schemas.microsoft.com/office/powerpoint/2010/main" val="1600546733"/>
+        <p14:creationId xmlns:p14="http://schemas.microsoft.com/office/powerpoint/2010/main" xmlns="" val="1600546733"/>
       </p:ext>
     </p:extLst>
   </p:cSld>
@@ -2712,7 +2712,7 @@
     </p:spTree>
     <p:extLst>
       <p:ext uri="{BB962C8B-B14F-4D97-AF65-F5344CB8AC3E}">
-        <p14:creationId xmlns:p14="http://schemas.microsoft.com/office/powerpoint/2010/main" val="929042244"/>
+        <p14:creationId xmlns:p14="http://schemas.microsoft.com/office/powerpoint/2010/main" xmlns="" val="929042244"/>
       </p:ext>
     </p:extLst>
   </p:cSld>
@@ -2821,7 +2821,7 @@
     </p:spTree>
     <p:extLst>
       <p:ext uri="{BB962C8B-B14F-4D97-AF65-F5344CB8AC3E}">
-        <p14:creationId xmlns:p14="http://schemas.microsoft.com/office/powerpoint/2010/main" val="3690528726"/>
+        <p14:creationId xmlns:p14="http://schemas.microsoft.com/office/powerpoint/2010/main" xmlns="" val="3690528726"/>
       </p:ext>
     </p:extLst>
   </p:cSld>
@@ -2930,7 +2930,7 @@
     </p:spTree>
     <p:extLst>
       <p:ext uri="{BB962C8B-B14F-4D97-AF65-F5344CB8AC3E}">
-        <p14:creationId xmlns:p14="http://schemas.microsoft.com/office/powerpoint/2010/main" val="2966755223"/>
+        <p14:creationId xmlns:p14="http://schemas.microsoft.com/office/powerpoint/2010/main" xmlns="" val="2966755223"/>
       </p:ext>
     </p:extLst>
   </p:cSld>
@@ -3039,7 +3039,7 @@
     </p:spTree>
     <p:extLst>
       <p:ext uri="{BB962C8B-B14F-4D97-AF65-F5344CB8AC3E}">
-        <p14:creationId xmlns:p14="http://schemas.microsoft.com/office/powerpoint/2010/main" val="1489464285"/>
+        <p14:creationId xmlns:p14="http://schemas.microsoft.com/office/powerpoint/2010/main" xmlns="" val="1489464285"/>
       </p:ext>
     </p:extLst>
   </p:cSld>
@@ -3148,7 +3148,7 @@
     </p:spTree>
     <p:extLst>
       <p:ext uri="{BB962C8B-B14F-4D97-AF65-F5344CB8AC3E}">
-        <p14:creationId xmlns:p14="http://schemas.microsoft.com/office/powerpoint/2010/main" val="2354118770"/>
+        <p14:creationId xmlns:p14="http://schemas.microsoft.com/office/powerpoint/2010/main" xmlns="" val="2354118770"/>
       </p:ext>
     </p:extLst>
   </p:cSld>
@@ -3257,7 +3257,7 @@
     </p:spTree>
     <p:extLst>
       <p:ext uri="{BB962C8B-B14F-4D97-AF65-F5344CB8AC3E}">
-        <p14:creationId xmlns:p14="http://schemas.microsoft.com/office/powerpoint/2010/main" val="3548652113"/>
+        <p14:creationId xmlns:p14="http://schemas.microsoft.com/office/powerpoint/2010/main" xmlns="" val="3548652113"/>
       </p:ext>
     </p:extLst>
   </p:cSld>
@@ -3366,7 +3366,7 @@
     </p:spTree>
     <p:extLst>
       <p:ext uri="{BB962C8B-B14F-4D97-AF65-F5344CB8AC3E}">
-        <p14:creationId xmlns:p14="http://schemas.microsoft.com/office/powerpoint/2010/main" val="3868859861"/>
+        <p14:creationId xmlns:p14="http://schemas.microsoft.com/office/powerpoint/2010/main" xmlns="" val="3868859861"/>
       </p:ext>
     </p:extLst>
   </p:cSld>
@@ -3475,7 +3475,7 @@
     </p:spTree>
     <p:extLst>
       <p:ext uri="{BB962C8B-B14F-4D97-AF65-F5344CB8AC3E}">
-        <p14:creationId xmlns:p14="http://schemas.microsoft.com/office/powerpoint/2010/main" val="4139684346"/>
+        <p14:creationId xmlns:p14="http://schemas.microsoft.com/office/powerpoint/2010/main" xmlns="" val="4139684346"/>
       </p:ext>
     </p:extLst>
   </p:cSld>
@@ -3584,7 +3584,7 @@
     </p:spTree>
     <p:extLst>
       <p:ext uri="{BB962C8B-B14F-4D97-AF65-F5344CB8AC3E}">
-        <p14:creationId xmlns:p14="http://schemas.microsoft.com/office/powerpoint/2010/main" val="1221438321"/>
+        <p14:creationId xmlns:p14="http://schemas.microsoft.com/office/powerpoint/2010/main" xmlns="" val="1221438321"/>
       </p:ext>
     </p:extLst>
   </p:cSld>
@@ -3693,7 +3693,7 @@
     </p:spTree>
     <p:extLst>
       <p:ext uri="{BB962C8B-B14F-4D97-AF65-F5344CB8AC3E}">
-        <p14:creationId xmlns:p14="http://schemas.microsoft.com/office/powerpoint/2010/main" val="1021492477"/>
+        <p14:creationId xmlns:p14="http://schemas.microsoft.com/office/powerpoint/2010/main" xmlns="" val="1021492477"/>
       </p:ext>
     </p:extLst>
   </p:cSld>
@@ -3802,7 +3802,7 @@
     </p:spTree>
     <p:extLst>
       <p:ext uri="{BB962C8B-B14F-4D97-AF65-F5344CB8AC3E}">
-        <p14:creationId xmlns:p14="http://schemas.microsoft.com/office/powerpoint/2010/main" val="2742090085"/>
+        <p14:creationId xmlns:p14="http://schemas.microsoft.com/office/powerpoint/2010/main" xmlns="" val="2742090085"/>
       </p:ext>
     </p:extLst>
   </p:cSld>
@@ -3911,7 +3911,7 @@
     </p:spTree>
     <p:extLst>
       <p:ext uri="{BB962C8B-B14F-4D97-AF65-F5344CB8AC3E}">
-        <p14:creationId xmlns:p14="http://schemas.microsoft.com/office/powerpoint/2010/main" val="3112099881"/>
+        <p14:creationId xmlns:p14="http://schemas.microsoft.com/office/powerpoint/2010/main" xmlns="" val="3112099881"/>
       </p:ext>
     </p:extLst>
   </p:cSld>
@@ -4020,7 +4020,7 @@
     </p:spTree>
     <p:extLst>
       <p:ext uri="{BB962C8B-B14F-4D97-AF65-F5344CB8AC3E}">
-        <p14:creationId xmlns:p14="http://schemas.microsoft.com/office/powerpoint/2010/main" val="1623211466"/>
+        <p14:creationId xmlns:p14="http://schemas.microsoft.com/office/powerpoint/2010/main" xmlns="" val="1623211466"/>
       </p:ext>
     </p:extLst>
   </p:cSld>
@@ -4129,7 +4129,7 @@
     </p:spTree>
     <p:extLst>
       <p:ext uri="{BB962C8B-B14F-4D97-AF65-F5344CB8AC3E}">
-        <p14:creationId xmlns:p14="http://schemas.microsoft.com/office/powerpoint/2010/main" val="1065436559"/>
+        <p14:creationId xmlns:p14="http://schemas.microsoft.com/office/powerpoint/2010/main" xmlns="" val="1065436559"/>
       </p:ext>
     </p:extLst>
   </p:cSld>
@@ -4238,7 +4238,7 @@
     </p:spTree>
     <p:extLst>
       <p:ext uri="{BB962C8B-B14F-4D97-AF65-F5344CB8AC3E}">
-        <p14:creationId xmlns:p14="http://schemas.microsoft.com/office/powerpoint/2010/main" val="129939661"/>
+        <p14:creationId xmlns:p14="http://schemas.microsoft.com/office/powerpoint/2010/main" xmlns="" val="129939661"/>
       </p:ext>
     </p:extLst>
   </p:cSld>
@@ -4347,7 +4347,7 @@
     </p:spTree>
     <p:extLst>
       <p:ext uri="{BB962C8B-B14F-4D97-AF65-F5344CB8AC3E}">
-        <p14:creationId xmlns:p14="http://schemas.microsoft.com/office/powerpoint/2010/main" val="575722545"/>
+        <p14:creationId xmlns:p14="http://schemas.microsoft.com/office/powerpoint/2010/main" xmlns="" val="575722545"/>
       </p:ext>
     </p:extLst>
   </p:cSld>
@@ -4560,7 +4560,7 @@
     </p:spTree>
     <p:extLst>
       <p:ext uri="{BB962C8B-B14F-4D97-AF65-F5344CB8AC3E}">
-        <p14:creationId xmlns:p14="http://schemas.microsoft.com/office/powerpoint/2010/main" val="1318932020"/>
+        <p14:creationId xmlns:p14="http://schemas.microsoft.com/office/powerpoint/2010/main" xmlns="" val="1318932020"/>
       </p:ext>
     </p:extLst>
   </p:cSld>
@@ -4669,7 +4669,7 @@
     </p:spTree>
     <p:extLst>
       <p:ext uri="{BB962C8B-B14F-4D97-AF65-F5344CB8AC3E}">
-        <p14:creationId xmlns:p14="http://schemas.microsoft.com/office/powerpoint/2010/main" val="1318932020"/>
+        <p14:creationId xmlns:p14="http://schemas.microsoft.com/office/powerpoint/2010/main" xmlns="" val="1318932020"/>
       </p:ext>
     </p:extLst>
   </p:cSld>
@@ -4778,7 +4778,7 @@
     </p:spTree>
     <p:extLst>
       <p:ext uri="{BB962C8B-B14F-4D97-AF65-F5344CB8AC3E}">
-        <p14:creationId xmlns:p14="http://schemas.microsoft.com/office/powerpoint/2010/main" val="944237588"/>
+        <p14:creationId xmlns:p14="http://schemas.microsoft.com/office/powerpoint/2010/main" xmlns="" val="944237588"/>
       </p:ext>
     </p:extLst>
   </p:cSld>
@@ -6031,7 +6031,7 @@
     </p:spTree>
     <p:extLst>
       <p:ext uri="{BB962C8B-B14F-4D97-AF65-F5344CB8AC3E}">
-        <p14:creationId xmlns:p14="http://schemas.microsoft.com/office/powerpoint/2010/main" val="1094642682"/>
+        <p14:creationId xmlns:p14="http://schemas.microsoft.com/office/powerpoint/2010/main" xmlns="" val="1094642682"/>
       </p:ext>
     </p:extLst>
   </p:cSld>
@@ -10044,7 +10044,7 @@
   </p:clrMapOvr>
   <p:extLst>
     <p:ext uri="{DCECCB84-F9BA-43D5-87BE-67443E8EF086}">
-      <p15:sldGuideLst xmlns:p15="http://schemas.microsoft.com/office/powerpoint/2012/main">
+      <p15:sldGuideLst xmlns:p15="http://schemas.microsoft.com/office/powerpoint/2012/main" xmlns="">
         <p15:guide id="1" pos="397">
           <p15:clr>
             <a:srgbClr val="FA7B17"/>
@@ -13238,7 +13238,7 @@
     </p:spTree>
     <p:extLst>
       <p:ext uri="{BB962C8B-B14F-4D97-AF65-F5344CB8AC3E}">
-        <p14:creationId xmlns:p14="http://schemas.microsoft.com/office/powerpoint/2010/main" val="4136653412"/>
+        <p14:creationId xmlns:p14="http://schemas.microsoft.com/office/powerpoint/2010/main" xmlns="" val="4136653412"/>
       </p:ext>
     </p:extLst>
   </p:cSld>
@@ -13307,7 +13307,7 @@
         <p:spPr>
           <a:xfrm>
             <a:off x="598600" y="1009925"/>
-            <a:ext cx="8092200" cy="1602973"/>
+            <a:ext cx="3986370" cy="2841773"/>
           </a:xfrm>
           <a:prstGeom prst="rect">
             <a:avLst/>
@@ -13373,126 +13373,47 @@
           </a:p>
         </p:txBody>
       </p:sp>
-      <p:sp>
-        <p:nvSpPr>
-          <p:cNvPr id="4" name="Google Shape;438;p74"/>
-          <p:cNvSpPr txBox="1"/>
+      <p:pic>
+        <p:nvPicPr>
+          <p:cNvPr id="81922" name="Picture 2" descr="Exploring Inheritance in Object-Oriented Programming - DEV Community"/>
+          <p:cNvPicPr>
+            <a:picLocks noChangeAspect="1" noChangeArrowheads="1"/>
+          </p:cNvPicPr>
           <p:nvPr/>
-        </p:nvSpPr>
-        <p:spPr>
-          <a:xfrm>
-            <a:off x="614812" y="2686324"/>
-            <a:ext cx="8092200" cy="1893821"/>
+        </p:nvPicPr>
+        <p:blipFill>
+          <a:blip r:embed="rId3"/>
+          <a:srcRect/>
+          <a:stretch>
+            <a:fillRect/>
+          </a:stretch>
+        </p:blipFill>
+        <p:spPr bwMode="auto">
+          <a:xfrm>
+            <a:off x="4260647" y="946825"/>
+            <a:ext cx="4762500" cy="3810000"/>
           </a:xfrm>
           <a:prstGeom prst="rect">
             <a:avLst/>
           </a:prstGeom>
           <a:noFill/>
-          <a:ln>
-            <a:noFill/>
-          </a:ln>
-        </p:spPr>
-        <p:txBody>
-          <a:bodyPr spcFirstLastPara="1" wrap="square" lIns="91425" tIns="91425" rIns="91425" bIns="91425" anchor="t" anchorCtr="0">
-            <a:spAutoFit/>
-          </a:bodyPr>
-          <a:lstStyle/>
-          <a:p>
-            <a:pPr lvl="0">
-              <a:lnSpc>
-                <a:spcPct val="115000"/>
-              </a:lnSpc>
-              <a:spcBef>
-                <a:spcPts val="1400"/>
-              </a:spcBef>
-            </a:pPr>
-            <a:r>
-              <a:rPr lang="ru-RU" dirty="0" smtClean="0"/>
-              <a:t>Наследоваться в рамках языка </a:t>
-            </a:r>
-            <a:r>
-              <a:rPr lang="en-US" dirty="0" smtClean="0"/>
-              <a:t>C# </a:t>
-            </a:r>
-            <a:r>
-              <a:rPr lang="ru-RU" dirty="0" smtClean="0"/>
-              <a:t>допустимо от:</a:t>
-            </a:r>
-          </a:p>
-          <a:p>
-            <a:pPr marL="342900" lvl="0" indent="-342900">
-              <a:lnSpc>
-                <a:spcPct val="115000"/>
-              </a:lnSpc>
-              <a:spcBef>
-                <a:spcPts val="1400"/>
-              </a:spcBef>
-              <a:buAutoNum type="arabicPeriod"/>
-            </a:pPr>
-            <a:r>
-              <a:rPr lang="ru-RU" dirty="0" smtClean="0">
-                <a:latin typeface="Roboto"/>
-                <a:ea typeface="Roboto"/>
-                <a:cs typeface="Roboto"/>
-                <a:sym typeface="Roboto"/>
-              </a:rPr>
-              <a:t>Классов. </a:t>
-            </a:r>
-          </a:p>
-          <a:p>
-            <a:pPr marL="342900" lvl="0" indent="-342900">
-              <a:lnSpc>
-                <a:spcPct val="115000"/>
-              </a:lnSpc>
-              <a:spcBef>
-                <a:spcPts val="1400"/>
-              </a:spcBef>
-              <a:buAutoNum type="arabicPeriod"/>
-            </a:pPr>
-            <a:r>
-              <a:rPr lang="ru-RU" dirty="0" smtClean="0">
-                <a:latin typeface="Roboto"/>
-                <a:ea typeface="Roboto"/>
-                <a:cs typeface="Roboto"/>
-                <a:sym typeface="Roboto"/>
-              </a:rPr>
-              <a:t>Интерфейсов.</a:t>
-            </a:r>
-          </a:p>
-          <a:p>
-            <a:pPr marL="342900" lvl="0" indent="-342900">
-              <a:lnSpc>
-                <a:spcPct val="115000"/>
-              </a:lnSpc>
-              <a:spcBef>
-                <a:spcPts val="1400"/>
-              </a:spcBef>
-              <a:buAutoNum type="arabicPeriod"/>
-            </a:pPr>
-            <a:endParaRPr lang="en-US" dirty="0" smtClean="0">
-              <a:latin typeface="Roboto"/>
-              <a:ea typeface="Roboto"/>
-              <a:cs typeface="Roboto"/>
-              <a:sym typeface="Roboto"/>
-            </a:endParaRPr>
-          </a:p>
-        </p:txBody>
-      </p:sp>
+        </p:spPr>
+      </p:pic>
     </p:spTree>
     <p:extLst>
       <p:ext uri="{BB962C8B-B14F-4D97-AF65-F5344CB8AC3E}">
-        <p14:creationId xmlns:p14="http://schemas.microsoft.com/office/powerpoint/2010/main" val="3413217380"/>
+        <p14:creationId xmlns:p14="http://schemas.microsoft.com/office/powerpoint/2010/main" xmlns="" val="3413217380"/>
       </p:ext>
     </p:extLst>
   </p:cSld>
   <p:clrMapOvr>
     <a:masterClrMapping/>
   </p:clrMapOvr>
-  <mc:AlternateContent xmlns:mc="http://schemas.openxmlformats.org/markup-compatibility/2006" xmlns:p14="http://schemas.microsoft.com/office/powerpoint/2010/main">
-    <mc:Choice Requires="p14">
+  <mc:AlternateContent xmlns:mc="http://schemas.openxmlformats.org/markup-compatibility/2006">
+    <mc:Choice xmlns:p14="http://schemas.microsoft.com/office/powerpoint/2010/main" xmlns="" Requires="p14">
       <p:transition spd="slow" p14:dur="2000"/>
     </mc:Choice>
-    <mc:Fallback xmlns="">
+    <mc:Fallback>
       <p:transition spd="slow"/>
     </mc:Fallback>
   </mc:AlternateContent>
@@ -13565,7 +13486,7 @@
         <p:spPr>
           <a:xfrm>
             <a:off x="598600" y="1009925"/>
-            <a:ext cx="8092200" cy="2769959"/>
+            <a:ext cx="8092200" cy="3987215"/>
           </a:xfrm>
           <a:prstGeom prst="rect">
             <a:avLst/>
@@ -13581,19 +13502,92 @@
           </a:bodyPr>
           <a:lstStyle/>
           <a:p>
+            <a:pPr lvl="0">
+              <a:lnSpc>
+                <a:spcPct val="115000"/>
+              </a:lnSpc>
+              <a:spcBef>
+                <a:spcPts val="1400"/>
+              </a:spcBef>
+            </a:pPr>
+            <a:r>
+              <a:rPr lang="ru-RU" dirty="0" smtClean="0"/>
+              <a:t>Наследоваться в рамках языка </a:t>
+            </a:r>
+            <a:r>
+              <a:rPr lang="en-US" dirty="0" smtClean="0"/>
+              <a:t>C# </a:t>
+            </a:r>
+            <a:r>
+              <a:rPr lang="ru-RU" dirty="0" smtClean="0"/>
+              <a:t>допустимо от:</a:t>
+            </a:r>
+          </a:p>
+          <a:p>
+            <a:pPr marL="342900" lvl="0" indent="-342900">
+              <a:spcBef>
+                <a:spcPts val="1400"/>
+              </a:spcBef>
+              <a:buAutoNum type="arabicPeriod"/>
+            </a:pPr>
+            <a:r>
+              <a:rPr lang="ru-RU" dirty="0" smtClean="0">
+                <a:latin typeface="Roboto"/>
+                <a:ea typeface="Roboto"/>
+                <a:cs typeface="Roboto"/>
+                <a:sym typeface="Roboto"/>
+              </a:rPr>
+              <a:t>Классов. </a:t>
+            </a:r>
+          </a:p>
+          <a:p>
+            <a:pPr marL="342900" lvl="0" indent="-342900">
+              <a:spcBef>
+                <a:spcPts val="1400"/>
+              </a:spcBef>
+              <a:buAutoNum type="arabicPeriod"/>
+            </a:pPr>
+            <a:r>
+              <a:rPr lang="ru-RU" dirty="0" smtClean="0">
+                <a:latin typeface="Roboto"/>
+                <a:ea typeface="Roboto"/>
+                <a:cs typeface="Roboto"/>
+                <a:sym typeface="Roboto"/>
+              </a:rPr>
+              <a:t>Интерфейсов.</a:t>
+            </a:r>
+          </a:p>
+          <a:p>
+            <a:endParaRPr lang="en-US" dirty="0" smtClean="0">
+              <a:solidFill>
+                <a:schemeClr val="tx1"/>
+              </a:solidFill>
+            </a:endParaRPr>
+          </a:p>
+          <a:p>
             <a:r>
               <a:rPr lang="ru-RU" dirty="0" smtClean="0">
                 <a:solidFill>
                   <a:schemeClr val="tx1"/>
                 </a:solidFill>
               </a:rPr>
-              <a:t>Наследование обозначается символом «:», следующего после имени класса с указанием всех типов, перечисленных через «,», о которых он наследуется.</a:t>
+              <a:t>Наследование </a:t>
+            </a:r>
+            <a:r>
+              <a:rPr lang="ru-RU" dirty="0" smtClean="0">
+                <a:solidFill>
+                  <a:schemeClr val="tx1"/>
+                </a:solidFill>
+              </a:rPr>
+              <a:t>обозначается символом «:», следующего после имени класса с указанием всех типов, перечисленных через «,», о которых он наследуется.</a:t>
             </a:r>
           </a:p>
           <a:p>
             <a:endParaRPr lang="en-US" dirty="0" smtClean="0">
               <a:solidFill>
-                <a:schemeClr val="tx1"/>
+                <a:schemeClr val="accent1">
+                  <a:lumMod val="75000"/>
+                </a:schemeClr>
               </a:solidFill>
             </a:endParaRPr>
           </a:p>
@@ -13647,11 +13641,8 @@
             </a:r>
           </a:p>
           <a:p>
-            <a:endParaRPr lang="ru-RU" dirty="0"/>
-          </a:p>
-          <a:p>
-            <a:r>
-              <a:rPr lang="en-US" dirty="0">
+            <a:r>
+              <a:rPr lang="en-US" dirty="0" smtClean="0">
                 <a:solidFill>
                   <a:schemeClr val="accent1">
                     <a:lumMod val="75000"/>
@@ -13661,7 +13652,7 @@
               <a:t>class</a:t>
             </a:r>
             <a:r>
-              <a:rPr lang="en-US" dirty="0"/>
+              <a:rPr lang="en-US" dirty="0" smtClean="0"/>
               <a:t> </a:t>
             </a:r>
             <a:r>
@@ -13787,25 +13778,24 @@
               <a:rPr lang="ru-RU" dirty="0" smtClean="0"/>
               <a:t>}</a:t>
             </a:r>
-            <a:endParaRPr lang="ru-RU" dirty="0" smtClean="0"/>
           </a:p>
         </p:txBody>
       </p:sp>
     </p:spTree>
     <p:extLst>
       <p:ext uri="{BB962C8B-B14F-4D97-AF65-F5344CB8AC3E}">
-        <p14:creationId xmlns:p14="http://schemas.microsoft.com/office/powerpoint/2010/main" val="3413217380"/>
+        <p14:creationId xmlns:p14="http://schemas.microsoft.com/office/powerpoint/2010/main" xmlns="" val="3413217380"/>
       </p:ext>
     </p:extLst>
   </p:cSld>
   <p:clrMapOvr>
     <a:masterClrMapping/>
   </p:clrMapOvr>
-  <mc:AlternateContent xmlns:mc="http://schemas.openxmlformats.org/markup-compatibility/2006" xmlns:p14="http://schemas.microsoft.com/office/powerpoint/2010/main">
-    <mc:Choice Requires="p14">
+  <mc:AlternateContent xmlns:mc="http://schemas.openxmlformats.org/markup-compatibility/2006">
+    <mc:Choice xmlns:p14="http://schemas.microsoft.com/office/powerpoint/2010/main" xmlns="" Requires="p14">
       <p:transition spd="slow" p14:dur="2000"/>
     </mc:Choice>
-    <mc:Fallback xmlns="">
+    <mc:Fallback>
       <p:transition spd="slow"/>
     </mc:Fallback>
   </mc:AlternateContent>
@@ -14025,18 +14015,18 @@
     </p:spTree>
     <p:extLst>
       <p:ext uri="{BB962C8B-B14F-4D97-AF65-F5344CB8AC3E}">
-        <p14:creationId xmlns:p14="http://schemas.microsoft.com/office/powerpoint/2010/main" val="2283120847"/>
+        <p14:creationId xmlns:p14="http://schemas.microsoft.com/office/powerpoint/2010/main" xmlns="" val="2283120847"/>
       </p:ext>
     </p:extLst>
   </p:cSld>
   <p:clrMapOvr>
     <a:masterClrMapping/>
   </p:clrMapOvr>
-  <mc:AlternateContent xmlns:mc="http://schemas.openxmlformats.org/markup-compatibility/2006" xmlns:p14="http://schemas.microsoft.com/office/powerpoint/2010/main">
-    <mc:Choice Requires="p14">
+  <mc:AlternateContent xmlns:mc="http://schemas.openxmlformats.org/markup-compatibility/2006">
+    <mc:Choice xmlns:p14="http://schemas.microsoft.com/office/powerpoint/2010/main" xmlns="" Requires="p14">
       <p:transition spd="slow" p14:dur="2000"/>
     </mc:Choice>
-    <mc:Fallback xmlns="">
+    <mc:Fallback>
       <p:transition spd="slow"/>
     </mc:Fallback>
   </mc:AlternateContent>
@@ -14136,18 +14126,18 @@
     </p:spTree>
     <p:extLst>
       <p:ext uri="{BB962C8B-B14F-4D97-AF65-F5344CB8AC3E}">
-        <p14:creationId xmlns:p14="http://schemas.microsoft.com/office/powerpoint/2010/main" val="309344894"/>
+        <p14:creationId xmlns:p14="http://schemas.microsoft.com/office/powerpoint/2010/main" xmlns="" val="309344894"/>
       </p:ext>
     </p:extLst>
   </p:cSld>
   <p:clrMapOvr>
     <a:masterClrMapping/>
   </p:clrMapOvr>
-  <mc:AlternateContent xmlns:mc="http://schemas.openxmlformats.org/markup-compatibility/2006" xmlns:p14="http://schemas.microsoft.com/office/powerpoint/2010/main">
-    <mc:Choice Requires="p14">
+  <mc:AlternateContent xmlns:mc="http://schemas.openxmlformats.org/markup-compatibility/2006">
+    <mc:Choice xmlns:p14="http://schemas.microsoft.com/office/powerpoint/2010/main" xmlns="" Requires="p14">
       <p:transition spd="slow" p14:dur="2000"/>
     </mc:Choice>
-    <mc:Fallback xmlns="">
+    <mc:Fallback>
       <p:transition spd="slow"/>
     </mc:Fallback>
   </mc:AlternateContent>
@@ -14319,18 +14309,18 @@
     </p:spTree>
     <p:extLst>
       <p:ext uri="{BB962C8B-B14F-4D97-AF65-F5344CB8AC3E}">
-        <p14:creationId xmlns:p14="http://schemas.microsoft.com/office/powerpoint/2010/main" val="3413217380"/>
+        <p14:creationId xmlns:p14="http://schemas.microsoft.com/office/powerpoint/2010/main" xmlns="" val="3413217380"/>
       </p:ext>
     </p:extLst>
   </p:cSld>
   <p:clrMapOvr>
     <a:masterClrMapping/>
   </p:clrMapOvr>
-  <mc:AlternateContent xmlns:mc="http://schemas.openxmlformats.org/markup-compatibility/2006" xmlns:p14="http://schemas.microsoft.com/office/powerpoint/2010/main">
-    <mc:Choice Requires="p14">
+  <mc:AlternateContent xmlns:mc="http://schemas.openxmlformats.org/markup-compatibility/2006">
+    <mc:Choice xmlns:p14="http://schemas.microsoft.com/office/powerpoint/2010/main" xmlns="" Requires="p14">
       <p:transition spd="slow" p14:dur="2000"/>
     </mc:Choice>
-    <mc:Fallback xmlns="">
+    <mc:Fallback>
       <p:transition spd="slow"/>
     </mc:Fallback>
   </mc:AlternateContent>
@@ -14414,18 +14404,18 @@
     </p:spTree>
     <p:extLst>
       <p:ext uri="{BB962C8B-B14F-4D97-AF65-F5344CB8AC3E}">
-        <p14:creationId xmlns:p14="http://schemas.microsoft.com/office/powerpoint/2010/main" val="682476833"/>
+        <p14:creationId xmlns:p14="http://schemas.microsoft.com/office/powerpoint/2010/main" xmlns="" val="682476833"/>
       </p:ext>
     </p:extLst>
   </p:cSld>
   <p:clrMapOvr>
     <a:masterClrMapping/>
   </p:clrMapOvr>
-  <mc:AlternateContent xmlns:mc="http://schemas.openxmlformats.org/markup-compatibility/2006" xmlns:p14="http://schemas.microsoft.com/office/powerpoint/2010/main">
-    <mc:Choice Requires="p14">
+  <mc:AlternateContent xmlns:mc="http://schemas.openxmlformats.org/markup-compatibility/2006">
+    <mc:Choice xmlns:p14="http://schemas.microsoft.com/office/powerpoint/2010/main" xmlns="" Requires="p14">
       <p:transition spd="slow" p14:dur="2000"/>
     </mc:Choice>
-    <mc:Fallback xmlns="">
+    <mc:Fallback>
       <p:transition spd="slow"/>
     </mc:Fallback>
   </mc:AlternateContent>
@@ -14525,18 +14515,18 @@
     </p:spTree>
     <p:extLst>
       <p:ext uri="{BB962C8B-B14F-4D97-AF65-F5344CB8AC3E}">
-        <p14:creationId xmlns:p14="http://schemas.microsoft.com/office/powerpoint/2010/main" val="3413217380"/>
+        <p14:creationId xmlns:p14="http://schemas.microsoft.com/office/powerpoint/2010/main" xmlns="" val="3413217380"/>
       </p:ext>
     </p:extLst>
   </p:cSld>
   <p:clrMapOvr>
     <a:masterClrMapping/>
   </p:clrMapOvr>
-  <mc:AlternateContent xmlns:mc="http://schemas.openxmlformats.org/markup-compatibility/2006" xmlns:p14="http://schemas.microsoft.com/office/powerpoint/2010/main">
-    <mc:Choice Requires="p14">
+  <mc:AlternateContent xmlns:mc="http://schemas.openxmlformats.org/markup-compatibility/2006">
+    <mc:Choice xmlns:p14="http://schemas.microsoft.com/office/powerpoint/2010/main" xmlns="" Requires="p14">
       <p:transition spd="slow" p14:dur="2000"/>
     </mc:Choice>
-    <mc:Fallback xmlns="">
+    <mc:Fallback>
       <p:transition spd="slow"/>
     </mc:Fallback>
   </mc:AlternateContent>
@@ -14732,18 +14722,18 @@
     </p:spTree>
     <p:extLst>
       <p:ext uri="{BB962C8B-B14F-4D97-AF65-F5344CB8AC3E}">
-        <p14:creationId xmlns:p14="http://schemas.microsoft.com/office/powerpoint/2010/main" val="3413217380"/>
+        <p14:creationId xmlns:p14="http://schemas.microsoft.com/office/powerpoint/2010/main" xmlns="" val="3413217380"/>
       </p:ext>
     </p:extLst>
   </p:cSld>
   <p:clrMapOvr>
     <a:masterClrMapping/>
   </p:clrMapOvr>
-  <mc:AlternateContent xmlns:mc="http://schemas.openxmlformats.org/markup-compatibility/2006" xmlns:p14="http://schemas.microsoft.com/office/powerpoint/2010/main">
-    <mc:Choice Requires="p14">
+  <mc:AlternateContent xmlns:mc="http://schemas.openxmlformats.org/markup-compatibility/2006">
+    <mc:Choice xmlns:p14="http://schemas.microsoft.com/office/powerpoint/2010/main" xmlns="" Requires="p14">
       <p:transition spd="slow" p14:dur="2000"/>
     </mc:Choice>
-    <mc:Fallback xmlns="">
+    <mc:Fallback>
       <p:transition spd="slow"/>
     </mc:Fallback>
   </mc:AlternateContent>
@@ -14939,18 +14929,18 @@
     </p:spTree>
     <p:extLst>
       <p:ext uri="{BB962C8B-B14F-4D97-AF65-F5344CB8AC3E}">
-        <p14:creationId xmlns:p14="http://schemas.microsoft.com/office/powerpoint/2010/main" val="3413217380"/>
+        <p14:creationId xmlns:p14="http://schemas.microsoft.com/office/powerpoint/2010/main" xmlns="" val="3413217380"/>
       </p:ext>
     </p:extLst>
   </p:cSld>
   <p:clrMapOvr>
     <a:masterClrMapping/>
   </p:clrMapOvr>
-  <mc:AlternateContent xmlns:mc="http://schemas.openxmlformats.org/markup-compatibility/2006" xmlns:p14="http://schemas.microsoft.com/office/powerpoint/2010/main">
-    <mc:Choice Requires="p14">
+  <mc:AlternateContent xmlns:mc="http://schemas.openxmlformats.org/markup-compatibility/2006">
+    <mc:Choice xmlns:p14="http://schemas.microsoft.com/office/powerpoint/2010/main" xmlns="" Requires="p14">
       <p:transition spd="slow" p14:dur="2000"/>
     </mc:Choice>
-    <mc:Fallback xmlns="">
+    <mc:Fallback>
       <p:transition spd="slow"/>
     </mc:Fallback>
   </mc:AlternateContent>
@@ -15146,18 +15136,18 @@
     </p:spTree>
     <p:extLst>
       <p:ext uri="{BB962C8B-B14F-4D97-AF65-F5344CB8AC3E}">
-        <p14:creationId xmlns:p14="http://schemas.microsoft.com/office/powerpoint/2010/main" val="3413217380"/>
+        <p14:creationId xmlns:p14="http://schemas.microsoft.com/office/powerpoint/2010/main" xmlns="" val="3413217380"/>
       </p:ext>
     </p:extLst>
   </p:cSld>
   <p:clrMapOvr>
     <a:masterClrMapping/>
   </p:clrMapOvr>
-  <mc:AlternateContent xmlns:mc="http://schemas.openxmlformats.org/markup-compatibility/2006" xmlns:p14="http://schemas.microsoft.com/office/powerpoint/2010/main">
-    <mc:Choice Requires="p14">
+  <mc:AlternateContent xmlns:mc="http://schemas.openxmlformats.org/markup-compatibility/2006">
+    <mc:Choice xmlns:p14="http://schemas.microsoft.com/office/powerpoint/2010/main" xmlns="" Requires="p14">
       <p:transition spd="slow" p14:dur="2000"/>
     </mc:Choice>
-    <mc:Fallback xmlns="">
+    <mc:Fallback>
       <p:transition spd="slow"/>
     </mc:Fallback>
   </mc:AlternateContent>
@@ -15513,18 +15503,18 @@
     </p:spTree>
     <p:extLst>
       <p:ext uri="{BB962C8B-B14F-4D97-AF65-F5344CB8AC3E}">
-        <p14:creationId xmlns:p14="http://schemas.microsoft.com/office/powerpoint/2010/main" val="1662565824"/>
+        <p14:creationId xmlns:p14="http://schemas.microsoft.com/office/powerpoint/2010/main" xmlns="" val="1662565824"/>
       </p:ext>
     </p:extLst>
   </p:cSld>
   <p:clrMapOvr>
     <a:masterClrMapping/>
   </p:clrMapOvr>
-  <mc:AlternateContent xmlns:mc="http://schemas.openxmlformats.org/markup-compatibility/2006" xmlns:p14="http://schemas.microsoft.com/office/powerpoint/2010/main">
-    <mc:Choice Requires="p14">
+  <mc:AlternateContent xmlns:mc="http://schemas.openxmlformats.org/markup-compatibility/2006">
+    <mc:Choice xmlns:p14="http://schemas.microsoft.com/office/powerpoint/2010/main" xmlns="" Requires="p14">
       <p:transition spd="slow" p14:dur="2000"/>
     </mc:Choice>
-    <mc:Fallback xmlns="">
+    <mc:Fallback>
       <p:transition spd="slow"/>
     </mc:Fallback>
   </mc:AlternateContent>
@@ -15711,18 +15701,18 @@
     </p:spTree>
     <p:extLst>
       <p:ext uri="{BB962C8B-B14F-4D97-AF65-F5344CB8AC3E}">
-        <p14:creationId xmlns:p14="http://schemas.microsoft.com/office/powerpoint/2010/main" val="280835527"/>
+        <p14:creationId xmlns:p14="http://schemas.microsoft.com/office/powerpoint/2010/main" xmlns="" val="280835527"/>
       </p:ext>
     </p:extLst>
   </p:cSld>
   <p:clrMapOvr>
     <a:masterClrMapping/>
   </p:clrMapOvr>
-  <mc:AlternateContent xmlns:mc="http://schemas.openxmlformats.org/markup-compatibility/2006" xmlns:p14="http://schemas.microsoft.com/office/powerpoint/2010/main">
-    <mc:Choice Requires="p14">
+  <mc:AlternateContent xmlns:mc="http://schemas.openxmlformats.org/markup-compatibility/2006">
+    <mc:Choice xmlns:p14="http://schemas.microsoft.com/office/powerpoint/2010/main" xmlns="" Requires="p14">
       <p:transition spd="slow" p14:dur="2000"/>
     </mc:Choice>
-    <mc:Fallback xmlns="">
+    <mc:Fallback>
       <p:transition spd="slow"/>
     </mc:Fallback>
   </mc:AlternateContent>
@@ -15934,18 +15924,18 @@
     </p:spTree>
     <p:extLst>
       <p:ext uri="{BB962C8B-B14F-4D97-AF65-F5344CB8AC3E}">
-        <p14:creationId xmlns:p14="http://schemas.microsoft.com/office/powerpoint/2010/main" val="3413217380"/>
+        <p14:creationId xmlns:p14="http://schemas.microsoft.com/office/powerpoint/2010/main" xmlns="" val="3413217380"/>
       </p:ext>
     </p:extLst>
   </p:cSld>
   <p:clrMapOvr>
     <a:masterClrMapping/>
   </p:clrMapOvr>
-  <mc:AlternateContent xmlns:mc="http://schemas.openxmlformats.org/markup-compatibility/2006" xmlns:p14="http://schemas.microsoft.com/office/powerpoint/2010/main">
-    <mc:Choice Requires="p14">
+  <mc:AlternateContent xmlns:mc="http://schemas.openxmlformats.org/markup-compatibility/2006">
+    <mc:Choice xmlns:p14="http://schemas.microsoft.com/office/powerpoint/2010/main" xmlns="" Requires="p14">
       <p:transition spd="slow" p14:dur="2000"/>
     </mc:Choice>
-    <mc:Fallback xmlns="">
+    <mc:Fallback>
       <p:transition spd="slow"/>
     </mc:Fallback>
   </mc:AlternateContent>
@@ -16021,18 +16011,18 @@
     </p:spTree>
     <p:extLst>
       <p:ext uri="{BB962C8B-B14F-4D97-AF65-F5344CB8AC3E}">
-        <p14:creationId xmlns:p14="http://schemas.microsoft.com/office/powerpoint/2010/main" val="4118962620"/>
+        <p14:creationId xmlns:p14="http://schemas.microsoft.com/office/powerpoint/2010/main" xmlns="" val="4118962620"/>
       </p:ext>
     </p:extLst>
   </p:cSld>
   <p:clrMapOvr>
     <a:masterClrMapping/>
   </p:clrMapOvr>
-  <mc:AlternateContent xmlns:mc="http://schemas.openxmlformats.org/markup-compatibility/2006" xmlns:p14="http://schemas.microsoft.com/office/powerpoint/2010/main">
-    <mc:Choice Requires="p14">
+  <mc:AlternateContent xmlns:mc="http://schemas.openxmlformats.org/markup-compatibility/2006">
+    <mc:Choice xmlns:p14="http://schemas.microsoft.com/office/powerpoint/2010/main" xmlns="" Requires="p14">
       <p:transition spd="slow" p14:dur="2000"/>
     </mc:Choice>
-    <mc:Fallback xmlns="">
+    <mc:Fallback>
       <p:transition spd="slow"/>
     </mc:Fallback>
   </mc:AlternateContent>
@@ -16226,7 +16216,7 @@
           <a:blip r:embed="rId5">
             <a:extLst>
               <a:ext uri="{28A0092B-C50C-407E-A947-70E740481C1C}">
-                <a14:useLocalDpi xmlns:a14="http://schemas.microsoft.com/office/drawing/2010/main" val="0"/>
+                <a14:useLocalDpi xmlns:a14="http://schemas.microsoft.com/office/drawing/2010/main" xmlns="" val="0"/>
               </a:ext>
             </a:extLst>
           </a:blip>
@@ -16246,7 +16236,7 @@
           <a:noFill/>
           <a:extLst>
             <a:ext uri="{909E8E84-426E-40DD-AFC4-6F175D3DCCD1}">
-              <a14:hiddenFill xmlns:a14="http://schemas.microsoft.com/office/drawing/2010/main">
+              <a14:hiddenFill xmlns:a14="http://schemas.microsoft.com/office/drawing/2010/main" xmlns="">
                 <a:solidFill>
                   <a:srgbClr val="FFFFFF"/>
                 </a:solidFill>
@@ -16333,7 +16323,7 @@
           <a:blip r:embed="rId8">
             <a:extLst>
               <a:ext uri="{28A0092B-C50C-407E-A947-70E740481C1C}">
-                <a14:useLocalDpi xmlns:a14="http://schemas.microsoft.com/office/drawing/2010/main" val="0"/>
+                <a14:useLocalDpi xmlns:a14="http://schemas.microsoft.com/office/drawing/2010/main" xmlns="" val="0"/>
               </a:ext>
             </a:extLst>
           </a:blip>
@@ -16353,7 +16343,7 @@
           <a:noFill/>
           <a:extLst>
             <a:ext uri="{909E8E84-426E-40DD-AFC4-6F175D3DCCD1}">
-              <a14:hiddenFill xmlns:a14="http://schemas.microsoft.com/office/drawing/2010/main">
+              <a14:hiddenFill xmlns:a14="http://schemas.microsoft.com/office/drawing/2010/main" xmlns="">
                 <a:solidFill>
                   <a:srgbClr val="FFFFFF"/>
                 </a:solidFill>
@@ -16365,18 +16355,18 @@
     </p:spTree>
     <p:extLst>
       <p:ext uri="{BB962C8B-B14F-4D97-AF65-F5344CB8AC3E}">
-        <p14:creationId xmlns:p14="http://schemas.microsoft.com/office/powerpoint/2010/main" val="2305462432"/>
+        <p14:creationId xmlns:p14="http://schemas.microsoft.com/office/powerpoint/2010/main" xmlns="" val="2305462432"/>
       </p:ext>
     </p:extLst>
   </p:cSld>
   <p:clrMapOvr>
     <a:masterClrMapping/>
   </p:clrMapOvr>
-  <mc:AlternateContent xmlns:mc="http://schemas.openxmlformats.org/markup-compatibility/2006" xmlns:p14="http://schemas.microsoft.com/office/powerpoint/2010/main">
-    <mc:Choice Requires="p14">
+  <mc:AlternateContent xmlns:mc="http://schemas.openxmlformats.org/markup-compatibility/2006">
+    <mc:Choice xmlns:p14="http://schemas.microsoft.com/office/powerpoint/2010/main" xmlns="" Requires="p14">
       <p:transition spd="slow" p14:dur="2000"/>
     </mc:Choice>
-    <mc:Fallback xmlns="">
+    <mc:Fallback>
       <p:transition spd="slow"/>
     </mc:Fallback>
   </mc:AlternateContent>
@@ -16598,7 +16588,7 @@
           <a:blip r:embed="rId7">
             <a:extLst>
               <a:ext uri="{28A0092B-C50C-407E-A947-70E740481C1C}">
-                <a14:useLocalDpi xmlns:a14="http://schemas.microsoft.com/office/drawing/2010/main" val="0"/>
+                <a14:useLocalDpi xmlns:a14="http://schemas.microsoft.com/office/drawing/2010/main" xmlns="" val="0"/>
               </a:ext>
             </a:extLst>
           </a:blip>
@@ -16618,7 +16608,7 @@
           <a:noFill/>
           <a:extLst>
             <a:ext uri="{909E8E84-426E-40DD-AFC4-6F175D3DCCD1}">
-              <a14:hiddenFill xmlns:a14="http://schemas.microsoft.com/office/drawing/2010/main">
+              <a14:hiddenFill xmlns:a14="http://schemas.microsoft.com/office/drawing/2010/main" xmlns="">
                 <a:solidFill>
                   <a:srgbClr val="FFFFFF"/>
                 </a:solidFill>
@@ -16639,7 +16629,7 @@
           <a:blip r:embed="rId8">
             <a:extLst>
               <a:ext uri="{28A0092B-C50C-407E-A947-70E740481C1C}">
-                <a14:useLocalDpi xmlns:a14="http://schemas.microsoft.com/office/drawing/2010/main" val="0"/>
+                <a14:useLocalDpi xmlns:a14="http://schemas.microsoft.com/office/drawing/2010/main" xmlns="" val="0"/>
               </a:ext>
             </a:extLst>
           </a:blip>
@@ -16659,7 +16649,7 @@
           <a:noFill/>
           <a:extLst>
             <a:ext uri="{909E8E84-426E-40DD-AFC4-6F175D3DCCD1}">
-              <a14:hiddenFill xmlns:a14="http://schemas.microsoft.com/office/drawing/2010/main">
+              <a14:hiddenFill xmlns:a14="http://schemas.microsoft.com/office/drawing/2010/main" xmlns="">
                 <a:solidFill>
                   <a:srgbClr val="FFFFFF"/>
                 </a:solidFill>
@@ -16671,18 +16661,18 @@
     </p:spTree>
     <p:extLst>
       <p:ext uri="{BB962C8B-B14F-4D97-AF65-F5344CB8AC3E}">
-        <p14:creationId xmlns:p14="http://schemas.microsoft.com/office/powerpoint/2010/main" val="3055765978"/>
+        <p14:creationId xmlns:p14="http://schemas.microsoft.com/office/powerpoint/2010/main" xmlns="" val="3055765978"/>
       </p:ext>
     </p:extLst>
   </p:cSld>
   <p:clrMapOvr>
     <a:masterClrMapping/>
   </p:clrMapOvr>
-  <mc:AlternateContent xmlns:mc="http://schemas.openxmlformats.org/markup-compatibility/2006" xmlns:p14="http://schemas.microsoft.com/office/powerpoint/2010/main">
-    <mc:Choice Requires="p14">
+  <mc:AlternateContent xmlns:mc="http://schemas.openxmlformats.org/markup-compatibility/2006">
+    <mc:Choice xmlns:p14="http://schemas.microsoft.com/office/powerpoint/2010/main" xmlns="" Requires="p14">
       <p:transition spd="slow" p14:dur="2000"/>
     </mc:Choice>
-    <mc:Fallback xmlns="">
+    <mc:Fallback>
       <p:transition spd="slow"/>
     </mc:Fallback>
   </mc:AlternateContent>
@@ -16750,18 +16740,18 @@
     </p:spTree>
     <p:extLst>
       <p:ext uri="{BB962C8B-B14F-4D97-AF65-F5344CB8AC3E}">
-        <p14:creationId xmlns:p14="http://schemas.microsoft.com/office/powerpoint/2010/main" val="2409115406"/>
+        <p14:creationId xmlns:p14="http://schemas.microsoft.com/office/powerpoint/2010/main" xmlns="" val="2409115406"/>
       </p:ext>
     </p:extLst>
   </p:cSld>
   <p:clrMapOvr>
     <a:masterClrMapping/>
   </p:clrMapOvr>
-  <mc:AlternateContent xmlns:mc="http://schemas.openxmlformats.org/markup-compatibility/2006" xmlns:p14="http://schemas.microsoft.com/office/powerpoint/2010/main">
-    <mc:Choice Requires="p14">
+  <mc:AlternateContent xmlns:mc="http://schemas.openxmlformats.org/markup-compatibility/2006">
+    <mc:Choice xmlns:p14="http://schemas.microsoft.com/office/powerpoint/2010/main" xmlns="" Requires="p14">
       <p:transition spd="slow" p14:dur="2000"/>
     </mc:Choice>
-    <mc:Fallback xmlns="">
+    <mc:Fallback>
       <p:transition spd="slow"/>
     </mc:Fallback>
   </mc:AlternateContent>
@@ -17067,7 +17057,7 @@
           <a:blip r:embed="rId5">
             <a:extLst>
               <a:ext uri="{28A0092B-C50C-407E-A947-70E740481C1C}">
-                <a14:useLocalDpi xmlns:a14="http://schemas.microsoft.com/office/drawing/2010/main" val="0"/>
+                <a14:useLocalDpi xmlns:a14="http://schemas.microsoft.com/office/drawing/2010/main" xmlns="" val="0"/>
               </a:ext>
             </a:extLst>
           </a:blip>
@@ -17087,7 +17077,7 @@
           <a:noFill/>
           <a:extLst>
             <a:ext uri="{909E8E84-426E-40DD-AFC4-6F175D3DCCD1}">
-              <a14:hiddenFill xmlns:a14="http://schemas.microsoft.com/office/drawing/2010/main">
+              <a14:hiddenFill xmlns:a14="http://schemas.microsoft.com/office/drawing/2010/main" xmlns="">
                 <a:solidFill>
                   <a:srgbClr val="FFFFFF"/>
                 </a:solidFill>
@@ -17099,18 +17089,18 @@
     </p:spTree>
     <p:extLst>
       <p:ext uri="{BB962C8B-B14F-4D97-AF65-F5344CB8AC3E}">
-        <p14:creationId xmlns:p14="http://schemas.microsoft.com/office/powerpoint/2010/main" val="212902253"/>
+        <p14:creationId xmlns:p14="http://schemas.microsoft.com/office/powerpoint/2010/main" xmlns="" val="212902253"/>
       </p:ext>
     </p:extLst>
   </p:cSld>
   <p:clrMapOvr>
     <a:masterClrMapping/>
   </p:clrMapOvr>
-  <mc:AlternateContent xmlns:mc="http://schemas.openxmlformats.org/markup-compatibility/2006" xmlns:p14="http://schemas.microsoft.com/office/powerpoint/2010/main">
-    <mc:Choice Requires="p14">
+  <mc:AlternateContent xmlns:mc="http://schemas.openxmlformats.org/markup-compatibility/2006">
+    <mc:Choice xmlns:p14="http://schemas.microsoft.com/office/powerpoint/2010/main" xmlns="" Requires="p14">
       <p:transition spd="slow" p14:dur="2000"/>
     </mc:Choice>
-    <mc:Fallback xmlns="">
+    <mc:Fallback>
       <p:transition spd="slow"/>
     </mc:Fallback>
   </mc:AlternateContent>
@@ -17418,18 +17408,18 @@
     </p:spTree>
     <p:extLst>
       <p:ext uri="{BB962C8B-B14F-4D97-AF65-F5344CB8AC3E}">
-        <p14:creationId xmlns:p14="http://schemas.microsoft.com/office/powerpoint/2010/main" val="1643307161"/>
+        <p14:creationId xmlns:p14="http://schemas.microsoft.com/office/powerpoint/2010/main" xmlns="" val="1643307161"/>
       </p:ext>
     </p:extLst>
   </p:cSld>
   <p:clrMapOvr>
     <a:masterClrMapping/>
   </p:clrMapOvr>
-  <mc:AlternateContent xmlns:mc="http://schemas.openxmlformats.org/markup-compatibility/2006" xmlns:p14="http://schemas.microsoft.com/office/powerpoint/2010/main">
-    <mc:Choice Requires="p14">
+  <mc:AlternateContent xmlns:mc="http://schemas.openxmlformats.org/markup-compatibility/2006">
+    <mc:Choice xmlns:p14="http://schemas.microsoft.com/office/powerpoint/2010/main" xmlns="" Requires="p14">
       <p:transition spd="slow" p14:dur="2000"/>
     </mc:Choice>
-    <mc:Fallback xmlns="">
+    <mc:Fallback>
       <p:transition spd="slow"/>
     </mc:Fallback>
   </mc:AlternateContent>
@@ -17497,18 +17487,18 @@
     </p:spTree>
     <p:extLst>
       <p:ext uri="{BB962C8B-B14F-4D97-AF65-F5344CB8AC3E}">
-        <p14:creationId xmlns:p14="http://schemas.microsoft.com/office/powerpoint/2010/main" val="3680781265"/>
+        <p14:creationId xmlns:p14="http://schemas.microsoft.com/office/powerpoint/2010/main" xmlns="" val="3680781265"/>
       </p:ext>
     </p:extLst>
   </p:cSld>
   <p:clrMapOvr>
     <a:masterClrMapping/>
   </p:clrMapOvr>
-  <mc:AlternateContent xmlns:mc="http://schemas.openxmlformats.org/markup-compatibility/2006" xmlns:p14="http://schemas.microsoft.com/office/powerpoint/2010/main">
-    <mc:Choice Requires="p14">
+  <mc:AlternateContent xmlns:mc="http://schemas.openxmlformats.org/markup-compatibility/2006">
+    <mc:Choice xmlns:p14="http://schemas.microsoft.com/office/powerpoint/2010/main" xmlns="" Requires="p14">
       <p:transition spd="slow" p14:dur="2000"/>
     </mc:Choice>
-    <mc:Fallback xmlns="">
+    <mc:Fallback>
       <p:transition spd="slow"/>
     </mc:Fallback>
   </mc:AlternateContent>
@@ -18054,7 +18044,7 @@
     </p:spTree>
     <p:extLst>
       <p:ext uri="{BB962C8B-B14F-4D97-AF65-F5344CB8AC3E}">
-        <p14:creationId xmlns:p14="http://schemas.microsoft.com/office/powerpoint/2010/main" val="1849832399"/>
+        <p14:creationId xmlns:p14="http://schemas.microsoft.com/office/powerpoint/2010/main" xmlns="" val="1849832399"/>
       </p:ext>
     </p:extLst>
   </p:cSld>
@@ -18313,7 +18303,7 @@
           <a:blip r:embed="rId6">
             <a:extLst>
               <a:ext uri="{28A0092B-C50C-407E-A947-70E740481C1C}">
-                <a14:useLocalDpi xmlns:a14="http://schemas.microsoft.com/office/drawing/2010/main" val="0"/>
+                <a14:useLocalDpi xmlns:a14="http://schemas.microsoft.com/office/drawing/2010/main" xmlns="" val="0"/>
               </a:ext>
             </a:extLst>
           </a:blip>
@@ -18333,7 +18323,7 @@
           <a:noFill/>
           <a:extLst>
             <a:ext uri="{909E8E84-426E-40DD-AFC4-6F175D3DCCD1}">
-              <a14:hiddenFill xmlns:a14="http://schemas.microsoft.com/office/drawing/2010/main">
+              <a14:hiddenFill xmlns:a14="http://schemas.microsoft.com/office/drawing/2010/main" xmlns="">
                 <a:solidFill>
                   <a:srgbClr val="FFFFFF"/>
                 </a:solidFill>
@@ -18345,18 +18335,18 @@
     </p:spTree>
     <p:extLst>
       <p:ext uri="{BB962C8B-B14F-4D97-AF65-F5344CB8AC3E}">
-        <p14:creationId xmlns:p14="http://schemas.microsoft.com/office/powerpoint/2010/main" val="2592654393"/>
+        <p14:creationId xmlns:p14="http://schemas.microsoft.com/office/powerpoint/2010/main" xmlns="" val="2592654393"/>
       </p:ext>
     </p:extLst>
   </p:cSld>
   <p:clrMapOvr>
     <a:masterClrMapping/>
   </p:clrMapOvr>
-  <mc:AlternateContent xmlns:mc="http://schemas.openxmlformats.org/markup-compatibility/2006" xmlns:p14="http://schemas.microsoft.com/office/powerpoint/2010/main">
-    <mc:Choice Requires="p14">
+  <mc:AlternateContent xmlns:mc="http://schemas.openxmlformats.org/markup-compatibility/2006">
+    <mc:Choice xmlns:p14="http://schemas.microsoft.com/office/powerpoint/2010/main" xmlns="" Requires="p14">
       <p:transition spd="slow" p14:dur="2000"/>
     </mc:Choice>
-    <mc:Fallback xmlns="">
+    <mc:Fallback>
       <p:transition spd="slow"/>
     </mc:Fallback>
   </mc:AlternateContent>
@@ -18424,18 +18414,18 @@
     </p:spTree>
     <p:extLst>
       <p:ext uri="{BB962C8B-B14F-4D97-AF65-F5344CB8AC3E}">
-        <p14:creationId xmlns:p14="http://schemas.microsoft.com/office/powerpoint/2010/main" val="3068637521"/>
+        <p14:creationId xmlns:p14="http://schemas.microsoft.com/office/powerpoint/2010/main" xmlns="" val="3068637521"/>
       </p:ext>
     </p:extLst>
   </p:cSld>
   <p:clrMapOvr>
     <a:masterClrMapping/>
   </p:clrMapOvr>
-  <mc:AlternateContent xmlns:mc="http://schemas.openxmlformats.org/markup-compatibility/2006" xmlns:p14="http://schemas.microsoft.com/office/powerpoint/2010/main">
-    <mc:Choice Requires="p14">
+  <mc:AlternateContent xmlns:mc="http://schemas.openxmlformats.org/markup-compatibility/2006">
+    <mc:Choice xmlns:p14="http://schemas.microsoft.com/office/powerpoint/2010/main" xmlns="" Requires="p14">
       <p:transition spd="slow" p14:dur="2000"/>
     </mc:Choice>
-    <mc:Fallback xmlns="">
+    <mc:Fallback>
       <p:transition spd="slow"/>
     </mc:Fallback>
   </mc:AlternateContent>
@@ -18587,18 +18577,18 @@
     </p:spTree>
     <p:extLst>
       <p:ext uri="{BB962C8B-B14F-4D97-AF65-F5344CB8AC3E}">
-        <p14:creationId xmlns:p14="http://schemas.microsoft.com/office/powerpoint/2010/main" val="2286364354"/>
+        <p14:creationId xmlns:p14="http://schemas.microsoft.com/office/powerpoint/2010/main" xmlns="" val="2286364354"/>
       </p:ext>
     </p:extLst>
   </p:cSld>
   <p:clrMapOvr>
     <a:masterClrMapping/>
   </p:clrMapOvr>
-  <mc:AlternateContent xmlns:mc="http://schemas.openxmlformats.org/markup-compatibility/2006" xmlns:p14="http://schemas.microsoft.com/office/powerpoint/2010/main">
-    <mc:Choice Requires="p14">
+  <mc:AlternateContent xmlns:mc="http://schemas.openxmlformats.org/markup-compatibility/2006">
+    <mc:Choice xmlns:p14="http://schemas.microsoft.com/office/powerpoint/2010/main" xmlns="" Requires="p14">
       <p:transition spd="slow" p14:dur="2000"/>
     </mc:Choice>
-    <mc:Fallback xmlns="">
+    <mc:Fallback>
       <p:transition spd="slow"/>
     </mc:Fallback>
   </mc:AlternateContent>
@@ -18828,18 +18818,18 @@
     </p:spTree>
     <p:extLst>
       <p:ext uri="{BB962C8B-B14F-4D97-AF65-F5344CB8AC3E}">
-        <p14:creationId xmlns:p14="http://schemas.microsoft.com/office/powerpoint/2010/main" val="3413217380"/>
+        <p14:creationId xmlns:p14="http://schemas.microsoft.com/office/powerpoint/2010/main" xmlns="" val="3413217380"/>
       </p:ext>
     </p:extLst>
   </p:cSld>
   <p:clrMapOvr>
     <a:masterClrMapping/>
   </p:clrMapOvr>
-  <mc:AlternateContent xmlns:mc="http://schemas.openxmlformats.org/markup-compatibility/2006" xmlns:p14="http://schemas.microsoft.com/office/powerpoint/2010/main">
-    <mc:Choice Requires="p14">
+  <mc:AlternateContent xmlns:mc="http://schemas.openxmlformats.org/markup-compatibility/2006">
+    <mc:Choice xmlns:p14="http://schemas.microsoft.com/office/powerpoint/2010/main" xmlns="" Requires="p14">
       <p:transition spd="slow" p14:dur="2000"/>
     </mc:Choice>
-    <mc:Fallback xmlns="">
+    <mc:Fallback>
       <p:transition spd="slow"/>
     </mc:Fallback>
   </mc:AlternateContent>
@@ -18907,18 +18897,18 @@
     </p:spTree>
     <p:extLst>
       <p:ext uri="{BB962C8B-B14F-4D97-AF65-F5344CB8AC3E}">
-        <p14:creationId xmlns:p14="http://schemas.microsoft.com/office/powerpoint/2010/main" val="2759801090"/>
+        <p14:creationId xmlns:p14="http://schemas.microsoft.com/office/powerpoint/2010/main" xmlns="" val="2759801090"/>
       </p:ext>
     </p:extLst>
   </p:cSld>
   <p:clrMapOvr>
     <a:masterClrMapping/>
   </p:clrMapOvr>
-  <mc:AlternateContent xmlns:mc="http://schemas.openxmlformats.org/markup-compatibility/2006" xmlns:p14="http://schemas.microsoft.com/office/powerpoint/2010/main">
-    <mc:Choice Requires="p14">
+  <mc:AlternateContent xmlns:mc="http://schemas.openxmlformats.org/markup-compatibility/2006">
+    <mc:Choice xmlns:p14="http://schemas.microsoft.com/office/powerpoint/2010/main" xmlns="" Requires="p14">
       <p:transition spd="slow" p14:dur="2000"/>
     </mc:Choice>
-    <mc:Fallback xmlns="">
+    <mc:Fallback>
       <p:transition spd="slow"/>
     </mc:Fallback>
   </mc:AlternateContent>
@@ -19095,18 +19085,18 @@
     </p:spTree>
     <p:extLst>
       <p:ext uri="{BB962C8B-B14F-4D97-AF65-F5344CB8AC3E}">
-        <p14:creationId xmlns:p14="http://schemas.microsoft.com/office/powerpoint/2010/main" val="2868777987"/>
+        <p14:creationId xmlns:p14="http://schemas.microsoft.com/office/powerpoint/2010/main" xmlns="" val="2868777987"/>
       </p:ext>
     </p:extLst>
   </p:cSld>
   <p:clrMapOvr>
     <a:masterClrMapping/>
   </p:clrMapOvr>
-  <mc:AlternateContent xmlns:mc="http://schemas.openxmlformats.org/markup-compatibility/2006" xmlns:p14="http://schemas.microsoft.com/office/powerpoint/2010/main">
-    <mc:Choice Requires="p14">
+  <mc:AlternateContent xmlns:mc="http://schemas.openxmlformats.org/markup-compatibility/2006">
+    <mc:Choice xmlns:p14="http://schemas.microsoft.com/office/powerpoint/2010/main" xmlns="" Requires="p14">
       <p:transition spd="slow" p14:dur="2000"/>
     </mc:Choice>
-    <mc:Fallback xmlns="">
+    <mc:Fallback>
       <p:transition spd="slow"/>
     </mc:Fallback>
   </mc:AlternateContent>
@@ -19174,18 +19164,18 @@
     </p:spTree>
     <p:extLst>
       <p:ext uri="{BB962C8B-B14F-4D97-AF65-F5344CB8AC3E}">
-        <p14:creationId xmlns:p14="http://schemas.microsoft.com/office/powerpoint/2010/main" val="1261440625"/>
+        <p14:creationId xmlns:p14="http://schemas.microsoft.com/office/powerpoint/2010/main" xmlns="" val="1261440625"/>
       </p:ext>
     </p:extLst>
   </p:cSld>
   <p:clrMapOvr>
     <a:masterClrMapping/>
   </p:clrMapOvr>
-  <mc:AlternateContent xmlns:mc="http://schemas.openxmlformats.org/markup-compatibility/2006" xmlns:p14="http://schemas.microsoft.com/office/powerpoint/2010/main">
-    <mc:Choice Requires="p14">
+  <mc:AlternateContent xmlns:mc="http://schemas.openxmlformats.org/markup-compatibility/2006">
+    <mc:Choice xmlns:p14="http://schemas.microsoft.com/office/powerpoint/2010/main" xmlns="" Requires="p14">
       <p:transition spd="slow" p14:dur="2000"/>
     </mc:Choice>
-    <mc:Fallback xmlns="">
+    <mc:Fallback>
       <p:transition spd="slow"/>
     </mc:Fallback>
   </mc:AlternateContent>
@@ -19843,18 +19833,18 @@
     </p:spTree>
     <p:extLst>
       <p:ext uri="{BB962C8B-B14F-4D97-AF65-F5344CB8AC3E}">
-        <p14:creationId xmlns:p14="http://schemas.microsoft.com/office/powerpoint/2010/main" val="3965022812"/>
+        <p14:creationId xmlns:p14="http://schemas.microsoft.com/office/powerpoint/2010/main" xmlns="" val="3965022812"/>
       </p:ext>
     </p:extLst>
   </p:cSld>
   <p:clrMapOvr>
     <a:masterClrMapping/>
   </p:clrMapOvr>
-  <mc:AlternateContent xmlns:mc="http://schemas.openxmlformats.org/markup-compatibility/2006" xmlns:p14="http://schemas.microsoft.com/office/powerpoint/2010/main">
-    <mc:Choice Requires="p14">
+  <mc:AlternateContent xmlns:mc="http://schemas.openxmlformats.org/markup-compatibility/2006">
+    <mc:Choice xmlns:p14="http://schemas.microsoft.com/office/powerpoint/2010/main" xmlns="" Requires="p14">
       <p:transition spd="slow" p14:dur="2000"/>
     </mc:Choice>
-    <mc:Fallback xmlns="">
+    <mc:Fallback>
       <p:transition spd="slow"/>
     </mc:Fallback>
   </mc:AlternateContent>
@@ -19984,7 +19974,7 @@
           <a:blip r:embed="rId3">
             <a:extLst>
               <a:ext uri="{28A0092B-C50C-407E-A947-70E740481C1C}">
-                <a14:useLocalDpi xmlns:a14="http://schemas.microsoft.com/office/drawing/2010/main" val="0"/>
+                <a14:useLocalDpi xmlns:a14="http://schemas.microsoft.com/office/drawing/2010/main" xmlns="" val="0"/>
               </a:ext>
             </a:extLst>
           </a:blip>
@@ -20004,7 +19994,7 @@
           <a:noFill/>
           <a:extLst>
             <a:ext uri="{909E8E84-426E-40DD-AFC4-6F175D3DCCD1}">
-              <a14:hiddenFill xmlns:a14="http://schemas.microsoft.com/office/drawing/2010/main">
+              <a14:hiddenFill xmlns:a14="http://schemas.microsoft.com/office/drawing/2010/main" xmlns="">
                 <a:solidFill>
                   <a:srgbClr val="FFFFFF"/>
                 </a:solidFill>
@@ -20016,18 +20006,18 @@
     </p:spTree>
     <p:extLst>
       <p:ext uri="{BB962C8B-B14F-4D97-AF65-F5344CB8AC3E}">
-        <p14:creationId xmlns:p14="http://schemas.microsoft.com/office/powerpoint/2010/main" val="4207692567"/>
+        <p14:creationId xmlns:p14="http://schemas.microsoft.com/office/powerpoint/2010/main" xmlns="" val="4207692567"/>
       </p:ext>
     </p:extLst>
   </p:cSld>
   <p:clrMapOvr>
     <a:masterClrMapping/>
   </p:clrMapOvr>
-  <mc:AlternateContent xmlns:mc="http://schemas.openxmlformats.org/markup-compatibility/2006" xmlns:p14="http://schemas.microsoft.com/office/powerpoint/2010/main">
-    <mc:Choice Requires="p14">
+  <mc:AlternateContent xmlns:mc="http://schemas.openxmlformats.org/markup-compatibility/2006">
+    <mc:Choice xmlns:p14="http://schemas.microsoft.com/office/powerpoint/2010/main" xmlns="" Requires="p14">
       <p:transition spd="slow" p14:dur="2000"/>
     </mc:Choice>
-    <mc:Fallback xmlns="">
+    <mc:Fallback>
       <p:transition spd="slow"/>
     </mc:Fallback>
   </mc:AlternateContent>
@@ -20095,18 +20085,18 @@
     </p:spTree>
     <p:extLst>
       <p:ext uri="{BB962C8B-B14F-4D97-AF65-F5344CB8AC3E}">
-        <p14:creationId xmlns:p14="http://schemas.microsoft.com/office/powerpoint/2010/main" val="2230076095"/>
+        <p14:creationId xmlns:p14="http://schemas.microsoft.com/office/powerpoint/2010/main" xmlns="" val="2230076095"/>
       </p:ext>
     </p:extLst>
   </p:cSld>
   <p:clrMapOvr>
     <a:masterClrMapping/>
   </p:clrMapOvr>
-  <mc:AlternateContent xmlns:mc="http://schemas.openxmlformats.org/markup-compatibility/2006" xmlns:p14="http://schemas.microsoft.com/office/powerpoint/2010/main">
-    <mc:Choice Requires="p14">
+  <mc:AlternateContent xmlns:mc="http://schemas.openxmlformats.org/markup-compatibility/2006">
+    <mc:Choice xmlns:p14="http://schemas.microsoft.com/office/powerpoint/2010/main" xmlns="" Requires="p14">
       <p:transition spd="slow" p14:dur="2000"/>
     </mc:Choice>
-    <mc:Fallback xmlns="">
+    <mc:Fallback>
       <p:transition spd="slow"/>
     </mc:Fallback>
   </mc:AlternateContent>
@@ -20616,7 +20606,7 @@
           <a:blip r:embed="rId3">
             <a:extLst>
               <a:ext uri="{28A0092B-C50C-407E-A947-70E740481C1C}">
-                <a14:useLocalDpi xmlns:a14="http://schemas.microsoft.com/office/drawing/2010/main" val="0"/>
+                <a14:useLocalDpi xmlns:a14="http://schemas.microsoft.com/office/drawing/2010/main" xmlns="" val="0"/>
               </a:ext>
             </a:extLst>
           </a:blip>
@@ -20636,7 +20626,7 @@
           <a:noFill/>
           <a:extLst>
             <a:ext uri="{909E8E84-426E-40DD-AFC4-6F175D3DCCD1}">
-              <a14:hiddenFill xmlns:a14="http://schemas.microsoft.com/office/drawing/2010/main">
+              <a14:hiddenFill xmlns:a14="http://schemas.microsoft.com/office/drawing/2010/main" xmlns="">
                 <a:solidFill>
                   <a:srgbClr val="FFFFFF"/>
                 </a:solidFill>
@@ -20648,18 +20638,18 @@
     </p:spTree>
     <p:extLst>
       <p:ext uri="{BB962C8B-B14F-4D97-AF65-F5344CB8AC3E}">
-        <p14:creationId xmlns:p14="http://schemas.microsoft.com/office/powerpoint/2010/main" val="3775352260"/>
+        <p14:creationId xmlns:p14="http://schemas.microsoft.com/office/powerpoint/2010/main" xmlns="" val="3775352260"/>
       </p:ext>
     </p:extLst>
   </p:cSld>
   <p:clrMapOvr>
     <a:masterClrMapping/>
   </p:clrMapOvr>
-  <mc:AlternateContent xmlns:mc="http://schemas.openxmlformats.org/markup-compatibility/2006" xmlns:p14="http://schemas.microsoft.com/office/powerpoint/2010/main">
-    <mc:Choice Requires="p14">
+  <mc:AlternateContent xmlns:mc="http://schemas.openxmlformats.org/markup-compatibility/2006">
+    <mc:Choice xmlns:p14="http://schemas.microsoft.com/office/powerpoint/2010/main" xmlns="" Requires="p14">
       <p:transition spd="slow" p14:dur="2000"/>
     </mc:Choice>
-    <mc:Fallback xmlns="">
+    <mc:Fallback>
       <p:transition spd="slow"/>
     </mc:Fallback>
   </mc:AlternateContent>
@@ -20825,18 +20815,18 @@
     </p:spTree>
     <p:extLst>
       <p:ext uri="{BB962C8B-B14F-4D97-AF65-F5344CB8AC3E}">
-        <p14:creationId xmlns:p14="http://schemas.microsoft.com/office/powerpoint/2010/main" val="3775352260"/>
+        <p14:creationId xmlns:p14="http://schemas.microsoft.com/office/powerpoint/2010/main" xmlns="" val="3775352260"/>
       </p:ext>
     </p:extLst>
   </p:cSld>
   <p:clrMapOvr>
     <a:masterClrMapping/>
   </p:clrMapOvr>
-  <mc:AlternateContent xmlns:mc="http://schemas.openxmlformats.org/markup-compatibility/2006" xmlns:p14="http://schemas.microsoft.com/office/powerpoint/2010/main">
-    <mc:Choice Requires="p14">
+  <mc:AlternateContent xmlns:mc="http://schemas.openxmlformats.org/markup-compatibility/2006">
+    <mc:Choice xmlns:p14="http://schemas.microsoft.com/office/powerpoint/2010/main" xmlns="" Requires="p14">
       <p:transition spd="slow" p14:dur="2000"/>
     </mc:Choice>
-    <mc:Fallback xmlns="">
+    <mc:Fallback>
       <p:transition spd="slow"/>
     </mc:Fallback>
   </mc:AlternateContent>
@@ -21154,18 +21144,18 @@
     </p:spTree>
     <p:extLst>
       <p:ext uri="{BB962C8B-B14F-4D97-AF65-F5344CB8AC3E}">
-        <p14:creationId xmlns:p14="http://schemas.microsoft.com/office/powerpoint/2010/main" val="1674554651"/>
+        <p14:creationId xmlns:p14="http://schemas.microsoft.com/office/powerpoint/2010/main" xmlns="" val="1674554651"/>
       </p:ext>
     </p:extLst>
   </p:cSld>
   <p:clrMapOvr>
     <a:masterClrMapping/>
   </p:clrMapOvr>
-  <mc:AlternateContent xmlns:mc="http://schemas.openxmlformats.org/markup-compatibility/2006" xmlns:p14="http://schemas.microsoft.com/office/powerpoint/2010/main">
-    <mc:Choice Requires="p14">
+  <mc:AlternateContent xmlns:mc="http://schemas.openxmlformats.org/markup-compatibility/2006">
+    <mc:Choice xmlns:p14="http://schemas.microsoft.com/office/powerpoint/2010/main" xmlns="" Requires="p14">
       <p:transition spd="slow" p14:dur="2000"/>
     </mc:Choice>
-    <mc:Fallback xmlns="">
+    <mc:Fallback>
       <p:transition spd="slow"/>
     </mc:Fallback>
   </mc:AlternateContent>
@@ -22136,7 +22126,7 @@
           <p:nvPr>
             <p:extLst>
               <p:ext uri="{D42A27DB-BD31-4B8C-83A1-F6EECF244321}">
-                <p14:modId xmlns:p14="http://schemas.microsoft.com/office/powerpoint/2010/main" val="2263411008"/>
+                <p14:modId xmlns:p14="http://schemas.microsoft.com/office/powerpoint/2010/main" xmlns="" val="2263411008"/>
               </p:ext>
             </p:extLst>
           </p:nvPr>
@@ -22156,14 +22146,14 @@
                 <a:gridCol w="489425">
                   <a:extLst>
                     <a:ext uri="{9D8B030D-6E8A-4147-A177-3AD203B41FA5}">
-                      <a16:colId xmlns:a16="http://schemas.microsoft.com/office/drawing/2014/main" val="20000"/>
+                      <a16:colId xmlns:a16="http://schemas.microsoft.com/office/drawing/2014/main" xmlns="" val="20000"/>
                     </a:ext>
                   </a:extLst>
                 </a:gridCol>
                 <a:gridCol w="6749575">
                   <a:extLst>
                     <a:ext uri="{9D8B030D-6E8A-4147-A177-3AD203B41FA5}">
-                      <a16:colId xmlns:a16="http://schemas.microsoft.com/office/drawing/2014/main" val="20001"/>
+                      <a16:colId xmlns:a16="http://schemas.microsoft.com/office/drawing/2014/main" xmlns="" val="20001"/>
                     </a:ext>
                   </a:extLst>
                 </a:gridCol>
@@ -22364,7 +22354,7 @@
                 </a:tc>
                 <a:extLst>
                   <a:ext uri="{0D108BD9-81ED-4DB2-BD59-A6C34878D82A}">
-                    <a16:rowId xmlns:a16="http://schemas.microsoft.com/office/drawing/2014/main" val="10000"/>
+                    <a16:rowId xmlns:a16="http://schemas.microsoft.com/office/drawing/2014/main" xmlns="" val="10000"/>
                   </a:ext>
                 </a:extLst>
               </a:tr>
@@ -22539,7 +22529,7 @@
                 </a:tc>
                 <a:extLst>
                   <a:ext uri="{0D108BD9-81ED-4DB2-BD59-A6C34878D82A}">
-                    <a16:rowId xmlns:a16="http://schemas.microsoft.com/office/drawing/2014/main" val="10001"/>
+                    <a16:rowId xmlns:a16="http://schemas.microsoft.com/office/drawing/2014/main" xmlns="" val="10001"/>
                   </a:ext>
                 </a:extLst>
               </a:tr>
@@ -22717,7 +22707,7 @@
                 </a:tc>
                 <a:extLst>
                   <a:ext uri="{0D108BD9-81ED-4DB2-BD59-A6C34878D82A}">
-                    <a16:rowId xmlns:a16="http://schemas.microsoft.com/office/drawing/2014/main" val="10002"/>
+                    <a16:rowId xmlns:a16="http://schemas.microsoft.com/office/drawing/2014/main" xmlns="" val="10002"/>
                   </a:ext>
                 </a:extLst>
               </a:tr>
@@ -22757,11 +22747,11 @@
   <p:clrMapOvr>
     <a:masterClrMapping/>
   </p:clrMapOvr>
-  <mc:AlternateContent xmlns:mc="http://schemas.openxmlformats.org/markup-compatibility/2006" xmlns:p14="http://schemas.microsoft.com/office/powerpoint/2010/main">
-    <mc:Choice Requires="p14">
+  <mc:AlternateContent xmlns:mc="http://schemas.openxmlformats.org/markup-compatibility/2006">
+    <mc:Choice xmlns:p14="http://schemas.microsoft.com/office/powerpoint/2010/main" xmlns="" Requires="p14">
       <p:transition spd="slow" p14:dur="2000"/>
     </mc:Choice>
-    <mc:Fallback xmlns="">
+    <mc:Fallback>
       <p:transition spd="slow"/>
     </mc:Fallback>
   </mc:AlternateContent>
@@ -23913,7 +23903,7 @@
           <p:nvPr>
             <p:extLst>
               <p:ext uri="{D42A27DB-BD31-4B8C-83A1-F6EECF244321}">
-                <p14:modId xmlns:p14="http://schemas.microsoft.com/office/powerpoint/2010/main" val="2263411008"/>
+                <p14:modId xmlns:p14="http://schemas.microsoft.com/office/powerpoint/2010/main" xmlns="" val="2263411008"/>
               </p:ext>
             </p:extLst>
           </p:nvPr>
@@ -23933,14 +23923,14 @@
                 <a:gridCol w="489425">
                   <a:extLst>
                     <a:ext uri="{9D8B030D-6E8A-4147-A177-3AD203B41FA5}">
-                      <a16:colId xmlns:a16="http://schemas.microsoft.com/office/drawing/2014/main" val="20000"/>
+                      <a16:colId xmlns:a16="http://schemas.microsoft.com/office/drawing/2014/main" xmlns="" val="20000"/>
                     </a:ext>
                   </a:extLst>
                 </a:gridCol>
                 <a:gridCol w="6749575">
                   <a:extLst>
                     <a:ext uri="{9D8B030D-6E8A-4147-A177-3AD203B41FA5}">
-                      <a16:colId xmlns:a16="http://schemas.microsoft.com/office/drawing/2014/main" val="20001"/>
+                      <a16:colId xmlns:a16="http://schemas.microsoft.com/office/drawing/2014/main" xmlns="" val="20001"/>
                     </a:ext>
                   </a:extLst>
                 </a:gridCol>
@@ -24141,7 +24131,7 @@
                 </a:tc>
                 <a:extLst>
                   <a:ext uri="{0D108BD9-81ED-4DB2-BD59-A6C34878D82A}">
-                    <a16:rowId xmlns:a16="http://schemas.microsoft.com/office/drawing/2014/main" val="10000"/>
+                    <a16:rowId xmlns:a16="http://schemas.microsoft.com/office/drawing/2014/main" xmlns="" val="10000"/>
                   </a:ext>
                 </a:extLst>
               </a:tr>
@@ -24316,7 +24306,7 @@
                 </a:tc>
                 <a:extLst>
                   <a:ext uri="{0D108BD9-81ED-4DB2-BD59-A6C34878D82A}">
-                    <a16:rowId xmlns:a16="http://schemas.microsoft.com/office/drawing/2014/main" val="10001"/>
+                    <a16:rowId xmlns:a16="http://schemas.microsoft.com/office/drawing/2014/main" xmlns="" val="10001"/>
                   </a:ext>
                 </a:extLst>
               </a:tr>
@@ -24494,7 +24484,7 @@
                 </a:tc>
                 <a:extLst>
                   <a:ext uri="{0D108BD9-81ED-4DB2-BD59-A6C34878D82A}">
-                    <a16:rowId xmlns:a16="http://schemas.microsoft.com/office/drawing/2014/main" val="10002"/>
+                    <a16:rowId xmlns:a16="http://schemas.microsoft.com/office/drawing/2014/main" xmlns="" val="10002"/>
                   </a:ext>
                 </a:extLst>
               </a:tr>
@@ -24534,11 +24524,11 @@
   <p:clrMapOvr>
     <a:masterClrMapping/>
   </p:clrMapOvr>
-  <mc:AlternateContent xmlns:mc="http://schemas.openxmlformats.org/markup-compatibility/2006" xmlns:p14="http://schemas.microsoft.com/office/powerpoint/2010/main">
-    <mc:Choice Requires="p14">
+  <mc:AlternateContent xmlns:mc="http://schemas.openxmlformats.org/markup-compatibility/2006">
+    <mc:Choice xmlns:p14="http://schemas.microsoft.com/office/powerpoint/2010/main" xmlns="" Requires="p14">
       <p:transition spd="slow" p14:dur="2000"/>
     </mc:Choice>
-    <mc:Fallback xmlns="">
+    <mc:Fallback>
       <p:transition spd="slow"/>
     </mc:Fallback>
   </mc:AlternateContent>
@@ -24616,11 +24606,11 @@
   <p:clrMapOvr>
     <a:masterClrMapping/>
   </p:clrMapOvr>
-  <mc:AlternateContent xmlns:mc="http://schemas.openxmlformats.org/markup-compatibility/2006" xmlns:p14="http://schemas.microsoft.com/office/powerpoint/2010/main">
-    <mc:Choice Requires="p14">
+  <mc:AlternateContent xmlns:mc="http://schemas.openxmlformats.org/markup-compatibility/2006">
+    <mc:Choice xmlns:p14="http://schemas.microsoft.com/office/powerpoint/2010/main" xmlns="" Requires="p14">
       <p:transition spd="slow" p14:dur="2000"/>
     </mc:Choice>
-    <mc:Fallback xmlns="">
+    <mc:Fallback>
       <p:transition spd="slow"/>
     </mc:Fallback>
   </mc:AlternateContent>
@@ -24743,12 +24733,6 @@
               </a:rPr>
               <a:t>Наследование</a:t>
             </a:r>
-            <a:endParaRPr lang="ru-RU" sz="1300" b="1" dirty="0" smtClean="0">
-              <a:latin typeface="Roboto"/>
-              <a:ea typeface="Roboto"/>
-              <a:cs typeface="Roboto"/>
-              <a:sym typeface="Roboto"/>
-            </a:endParaRPr>
           </a:p>
           <a:p>
             <a:pPr marL="342900" lvl="0" indent="-342900" algn="l" rtl="0">
@@ -24827,12 +24811,6 @@
               </a:rPr>
               <a:t>Абстракция</a:t>
             </a:r>
-            <a:endParaRPr lang="ru-RU" sz="1300" b="1" dirty="0" smtClean="0">
-              <a:latin typeface="Roboto"/>
-              <a:ea typeface="Roboto"/>
-              <a:cs typeface="Roboto"/>
-              <a:sym typeface="Roboto"/>
-            </a:endParaRPr>
           </a:p>
         </p:txBody>
       </p:sp>
@@ -24841,11 +24819,11 @@
   <p:clrMapOvr>
     <a:masterClrMapping/>
   </p:clrMapOvr>
-  <mc:AlternateContent xmlns:mc="http://schemas.openxmlformats.org/markup-compatibility/2006" xmlns:p14="http://schemas.microsoft.com/office/powerpoint/2010/main">
-    <mc:Choice Requires="p14">
+  <mc:AlternateContent xmlns:mc="http://schemas.openxmlformats.org/markup-compatibility/2006">
+    <mc:Choice xmlns:p14="http://schemas.microsoft.com/office/powerpoint/2010/main" xmlns="" Requires="p14">
       <p:transition spd="slow" p14:dur="2000"/>
     </mc:Choice>
-    <mc:Fallback xmlns="">
+    <mc:Fallback>
       <p:transition spd="slow"/>
     </mc:Fallback>
   </mc:AlternateContent>
@@ -24921,18 +24899,18 @@
     </p:spTree>
     <p:extLst>
       <p:ext uri="{BB962C8B-B14F-4D97-AF65-F5344CB8AC3E}">
-        <p14:creationId xmlns:p14="http://schemas.microsoft.com/office/powerpoint/2010/main" val="682476833"/>
+        <p14:creationId xmlns:p14="http://schemas.microsoft.com/office/powerpoint/2010/main" xmlns="" val="682476833"/>
       </p:ext>
     </p:extLst>
   </p:cSld>
   <p:clrMapOvr>
     <a:masterClrMapping/>
   </p:clrMapOvr>
-  <mc:AlternateContent xmlns:mc="http://schemas.openxmlformats.org/markup-compatibility/2006" xmlns:p14="http://schemas.microsoft.com/office/powerpoint/2010/main">
-    <mc:Choice Requires="p14">
+  <mc:AlternateContent xmlns:mc="http://schemas.openxmlformats.org/markup-compatibility/2006">
+    <mc:Choice xmlns:p14="http://schemas.microsoft.com/office/powerpoint/2010/main" xmlns="" Requires="p14">
       <p:transition spd="slow" p14:dur="2000"/>
     </mc:Choice>
-    <mc:Fallback xmlns="">
+    <mc:Fallback>
       <p:transition spd="slow"/>
     </mc:Fallback>
   </mc:AlternateContent>
